--- a/PowerPoint/振る舞いモデル.pptx
+++ b/PowerPoint/振る舞いモデル.pptx
@@ -9579,7 +9579,7 @@
         </p:nvSpPr>
         <p:spPr>
           <a:xfrm>
-            <a:off x="150548" y="1346338"/>
+            <a:off x="80067" y="1213111"/>
             <a:ext cx="3472128" cy="253916"/>
           </a:xfrm>
           <a:prstGeom prst="rect">
@@ -9666,7 +9666,7 @@
         </p:nvCxnSpPr>
         <p:spPr>
           <a:xfrm>
-            <a:off x="173692" y="1253549"/>
+            <a:off x="157712" y="1132808"/>
             <a:ext cx="3507807" cy="645"/>
           </a:xfrm>
           <a:prstGeom prst="line">
@@ -9707,7 +9707,7 @@
         </p:nvSpPr>
         <p:spPr>
           <a:xfrm>
-            <a:off x="73329" y="931349"/>
+            <a:off x="73832" y="794899"/>
             <a:ext cx="2796222" cy="338554"/>
           </a:xfrm>
           <a:prstGeom prst="rect">
@@ -9773,7 +9773,7 @@
         </p:nvCxnSpPr>
         <p:spPr>
           <a:xfrm>
-            <a:off x="188609" y="6166612"/>
+            <a:off x="166658" y="4814586"/>
             <a:ext cx="3507807" cy="645"/>
           </a:xfrm>
           <a:prstGeom prst="line">
@@ -9814,7 +9814,7 @@
         </p:nvSpPr>
         <p:spPr>
           <a:xfrm>
-            <a:off x="28229" y="5606369"/>
+            <a:off x="141467" y="4215825"/>
             <a:ext cx="3524052" cy="584775"/>
           </a:xfrm>
           <a:prstGeom prst="rect">
@@ -9950,44 +9950,8 @@
         </p:blipFill>
         <p:spPr>
           <a:xfrm>
-            <a:off x="177745" y="1837406"/>
+            <a:off x="166110" y="1424122"/>
             <a:ext cx="3474765" cy="2656633"/>
-          </a:xfrm>
-          <a:prstGeom prst="rect">
-            <a:avLst/>
-          </a:prstGeom>
-        </p:spPr>
-      </p:pic>
-      <p:pic>
-        <p:nvPicPr>
-          <p:cNvPr id="6" name="図 5">
-            <a:extLst>
-              <a:ext uri="{FF2B5EF4-FFF2-40B4-BE49-F238E27FC236}">
-                <a16:creationId xmlns:a16="http://schemas.microsoft.com/office/drawing/2014/main" id="{65F1AFC6-EF96-4349-A782-2A5EB7A01AB9}"/>
-              </a:ext>
-            </a:extLst>
-          </p:cNvPr>
-          <p:cNvPicPr>
-            <a:picLocks noChangeAspect="1"/>
-          </p:cNvPicPr>
-          <p:nvPr/>
-        </p:nvPicPr>
-        <p:blipFill>
-          <a:blip r:embed="rId3">
-            <a:extLst>
-              <a:ext uri="{28A0092B-C50C-407E-A947-70E740481C1C}">
-                <a14:useLocalDpi xmlns:a14="http://schemas.microsoft.com/office/drawing/2010/main" val="0"/>
-              </a:ext>
-            </a:extLst>
-          </a:blip>
-          <a:stretch>
-            <a:fillRect/>
-          </a:stretch>
-        </p:blipFill>
-        <p:spPr>
-          <a:xfrm>
-            <a:off x="4443932" y="1629102"/>
-            <a:ext cx="7146322" cy="5144994"/>
           </a:xfrm>
           <a:prstGeom prst="rect">
             <a:avLst/>
@@ -10010,7 +9974,7 @@
         </p:nvCxnSpPr>
         <p:spPr>
           <a:xfrm>
-            <a:off x="4046590" y="1287818"/>
+            <a:off x="3824374" y="1132808"/>
             <a:ext cx="6365807" cy="0"/>
           </a:xfrm>
           <a:prstGeom prst="line">
@@ -10051,7 +10015,7 @@
         </p:nvSpPr>
         <p:spPr>
           <a:xfrm>
-            <a:off x="3871077" y="837909"/>
+            <a:off x="3797632" y="824201"/>
             <a:ext cx="3400848" cy="338554"/>
           </a:xfrm>
           <a:prstGeom prst="rect">
@@ -10083,17 +10047,7 @@
               <a:defRPr/>
             </a:pPr>
             <a:r>
-              <a:rPr lang="ja-JP" altLang="en-US" b="1" dirty="0">
-                <a:solidFill>
-                  <a:prstClr val="black"/>
-                </a:solidFill>
-                <a:latin typeface="游ゴシック" panose="020B0400000000000000" pitchFamily="50" charset="-128"/>
-                <a:ea typeface="游ゴシック" panose="020B0400000000000000" pitchFamily="50" charset="-128"/>
-              </a:rPr>
-              <a:t>３</a:t>
-            </a:r>
-            <a:r>
-              <a:rPr kumimoji="1" lang="ja-JP" altLang="en-US" b="1" i="0" u="none" strike="noStrike" kern="1200" cap="none" spc="0" normalizeH="0" baseline="0" noProof="0" dirty="0" err="1">
+              <a:rPr kumimoji="1" lang="ja-JP" altLang="en-US" b="1" i="0" u="none" strike="noStrike" kern="1200" cap="none" spc="0" normalizeH="0" baseline="0" noProof="0" dirty="0">
                 <a:ln>
                   <a:noFill/>
                 </a:ln>
@@ -10106,23 +10060,7 @@
                 <a:latin typeface="游ゴシック" panose="020B0400000000000000" pitchFamily="50" charset="-128"/>
                 <a:ea typeface="游ゴシック" panose="020B0400000000000000" pitchFamily="50" charset="-128"/>
               </a:rPr>
-              <a:t>．</a:t>
-            </a:r>
-            <a:r>
-              <a:rPr kumimoji="1" lang="ja-JP" altLang="en-US" b="1" i="0" u="none" strike="noStrike" kern="1200" cap="none" spc="0" normalizeH="0" baseline="0" noProof="0" dirty="0">
-                <a:ln>
-                  <a:noFill/>
-                </a:ln>
-                <a:solidFill>
-                  <a:prstClr val="black"/>
-                </a:solidFill>
-                <a:effectLst/>
-                <a:uLnTx/>
-                <a:uFillTx/>
-                <a:latin typeface="游ゴシック" panose="020B0400000000000000" pitchFamily="50" charset="-128"/>
-                <a:ea typeface="游ゴシック" panose="020B0400000000000000" pitchFamily="50" charset="-128"/>
-              </a:rPr>
-              <a:t>システムの振る舞い</a:t>
+              <a:t>３．システムの振る舞い</a:t>
             </a:r>
           </a:p>
         </p:txBody>
@@ -10141,8 +10079,8 @@
         </p:nvSpPr>
         <p:spPr>
           <a:xfrm>
-            <a:off x="4046590" y="1410901"/>
-            <a:ext cx="3472128" cy="253916"/>
+            <a:off x="3806180" y="1152014"/>
+            <a:ext cx="4479609" cy="415498"/>
           </a:xfrm>
           <a:prstGeom prst="rect">
             <a:avLst/>
@@ -10162,15 +10100,35 @@
               </a:rPr>
               <a:t>全体の動作をシーケンス図に示す</a:t>
             </a:r>
+            <a:br>
+              <a:rPr kumimoji="1" lang="en-US" altLang="ja-JP" sz="1050" dirty="0">
+                <a:latin typeface="メイリオ" panose="020B0604030504040204" pitchFamily="50" charset="-128"/>
+                <a:ea typeface="メイリオ" panose="020B0604030504040204" pitchFamily="50" charset="-128"/>
+              </a:rPr>
+            </a:br>
+            <a:r>
+              <a:rPr kumimoji="1" lang="en-US" altLang="ja-JP" sz="1050" dirty="0">
+                <a:latin typeface="メイリオ" panose="020B0604030504040204" pitchFamily="50" charset="-128"/>
+                <a:ea typeface="メイリオ" panose="020B0604030504040204" pitchFamily="50" charset="-128"/>
+              </a:rPr>
+              <a:t>ref.</a:t>
+            </a:r>
+            <a:r>
+              <a:rPr kumimoji="1" lang="ja-JP" altLang="en-US" sz="1050" dirty="0">
+                <a:latin typeface="メイリオ" panose="020B0604030504040204" pitchFamily="50" charset="-128"/>
+                <a:ea typeface="メイリオ" panose="020B0604030504040204" pitchFamily="50" charset="-128"/>
+              </a:rPr>
+              <a:t>で示された部分は別図にさらに詳細な振る舞いを示す</a:t>
+            </a:r>
           </a:p>
         </p:txBody>
       </p:sp>
       <p:pic>
         <p:nvPicPr>
-          <p:cNvPr id="57" name="図 56">
-            <a:extLst>
-              <a:ext uri="{FF2B5EF4-FFF2-40B4-BE49-F238E27FC236}">
-                <a16:creationId xmlns:a16="http://schemas.microsoft.com/office/drawing/2014/main" id="{033BFD34-19C6-4AA3-BB15-AA6840B30EDB}"/>
+          <p:cNvPr id="2" name="図 1">
+            <a:extLst>
+              <a:ext uri="{FF2B5EF4-FFF2-40B4-BE49-F238E27FC236}">
+                <a16:creationId xmlns:a16="http://schemas.microsoft.com/office/drawing/2014/main" id="{EDCD36FB-3BB2-4129-A576-0C927EA8FF41}"/>
               </a:ext>
             </a:extLst>
           </p:cNvPr>
@@ -10179,22 +10137,15 @@
           </p:cNvPicPr>
           <p:nvPr/>
         </p:nvPicPr>
-        <p:blipFill>
-          <a:blip r:embed="rId4">
-            <a:extLst>
-              <a:ext uri="{28A0092B-C50C-407E-A947-70E740481C1C}">
-                <a14:useLocalDpi xmlns:a14="http://schemas.microsoft.com/office/drawing/2010/main" val="0"/>
-              </a:ext>
-            </a:extLst>
-          </a:blip>
-          <a:stretch>
-            <a:fillRect/>
-          </a:stretch>
+        <p:blipFill rotWithShape="1">
+          <a:blip r:embed="rId3"/>
+          <a:srcRect l="32458" t="18876" r="15713" b="6241"/>
+          <a:stretch/>
         </p:blipFill>
         <p:spPr>
           <a:xfrm>
-            <a:off x="4253657" y="6858595"/>
-            <a:ext cx="1765353" cy="2478509"/>
+            <a:off x="4778253" y="1517225"/>
+            <a:ext cx="6624725" cy="5184576"/>
           </a:xfrm>
           <a:prstGeom prst="rect">
             <a:avLst/>
@@ -10203,10 +10154,10 @@
       </p:pic>
       <p:pic>
         <p:nvPicPr>
-          <p:cNvPr id="58" name="図 57">
-            <a:extLst>
-              <a:ext uri="{FF2B5EF4-FFF2-40B4-BE49-F238E27FC236}">
-                <a16:creationId xmlns:a16="http://schemas.microsoft.com/office/drawing/2014/main" id="{F775D571-8DED-4D20-9641-D4652D2F2389}"/>
+          <p:cNvPr id="5" name="図 4">
+            <a:extLst>
+              <a:ext uri="{FF2B5EF4-FFF2-40B4-BE49-F238E27FC236}">
+                <a16:creationId xmlns:a16="http://schemas.microsoft.com/office/drawing/2014/main" id="{C27883D2-CE73-4A97-AB23-DF6F9F08D7ED}"/>
               </a:ext>
             </a:extLst>
           </p:cNvPr>
@@ -10215,22 +10166,15 @@
           </p:cNvPicPr>
           <p:nvPr/>
         </p:nvPicPr>
-        <p:blipFill>
-          <a:blip r:embed="rId5">
-            <a:extLst>
-              <a:ext uri="{28A0092B-C50C-407E-A947-70E740481C1C}">
-                <a14:useLocalDpi xmlns:a14="http://schemas.microsoft.com/office/drawing/2010/main" val="0"/>
-              </a:ext>
-            </a:extLst>
-          </a:blip>
-          <a:stretch>
-            <a:fillRect/>
-          </a:stretch>
+        <p:blipFill rotWithShape="1">
+          <a:blip r:embed="rId4"/>
+          <a:srcRect l="23563" t="36500" r="61942" b="26236"/>
+          <a:stretch/>
         </p:blipFill>
         <p:spPr>
           <a:xfrm>
-            <a:off x="6598544" y="6874928"/>
-            <a:ext cx="1927669" cy="2430359"/>
+            <a:off x="3824374" y="6753201"/>
+            <a:ext cx="1855669" cy="2583903"/>
           </a:xfrm>
           <a:prstGeom prst="rect">
             <a:avLst/>
@@ -10239,10 +10183,10 @@
       </p:pic>
       <p:pic>
         <p:nvPicPr>
-          <p:cNvPr id="59" name="図 58">
-            <a:extLst>
-              <a:ext uri="{FF2B5EF4-FFF2-40B4-BE49-F238E27FC236}">
-                <a16:creationId xmlns:a16="http://schemas.microsoft.com/office/drawing/2014/main" id="{3AA57D54-81D1-460A-A9EA-060D747B7162}"/>
+          <p:cNvPr id="7" name="図 6">
+            <a:extLst>
+              <a:ext uri="{FF2B5EF4-FFF2-40B4-BE49-F238E27FC236}">
+                <a16:creationId xmlns:a16="http://schemas.microsoft.com/office/drawing/2014/main" id="{94B7AD9C-5894-46F3-AF9F-2ED11B566680}"/>
               </a:ext>
             </a:extLst>
           </p:cNvPr>
@@ -10251,22 +10195,73 @@
           </p:cNvPicPr>
           <p:nvPr/>
         </p:nvPicPr>
-        <p:blipFill>
-          <a:blip r:embed="rId6">
-            <a:extLst>
-              <a:ext uri="{28A0092B-C50C-407E-A947-70E740481C1C}">
-                <a14:useLocalDpi xmlns:a14="http://schemas.microsoft.com/office/drawing/2010/main" val="0"/>
-              </a:ext>
-            </a:extLst>
-          </a:blip>
-          <a:stretch>
-            <a:fillRect/>
-          </a:stretch>
+        <p:blipFill rotWithShape="1">
+          <a:blip r:embed="rId5"/>
+          <a:srcRect l="17938" t="18902" r="65749" b="48016"/>
+          <a:stretch/>
         </p:blipFill>
         <p:spPr>
           <a:xfrm>
-            <a:off x="8930181" y="6774096"/>
-            <a:ext cx="3562778" cy="2659816"/>
+            <a:off x="5700776" y="6718481"/>
+            <a:ext cx="2173954" cy="2388119"/>
+          </a:xfrm>
+          <a:prstGeom prst="rect">
+            <a:avLst/>
+          </a:prstGeom>
+        </p:spPr>
+      </p:pic>
+      <p:pic>
+        <p:nvPicPr>
+          <p:cNvPr id="8" name="図 7">
+            <a:extLst>
+              <a:ext uri="{FF2B5EF4-FFF2-40B4-BE49-F238E27FC236}">
+                <a16:creationId xmlns:a16="http://schemas.microsoft.com/office/drawing/2014/main" id="{015864F6-2174-452D-8E06-EB7B4D9053BA}"/>
+              </a:ext>
+            </a:extLst>
+          </p:cNvPr>
+          <p:cNvPicPr>
+            <a:picLocks noChangeAspect="1"/>
+          </p:cNvPicPr>
+          <p:nvPr/>
+        </p:nvPicPr>
+        <p:blipFill rotWithShape="1">
+          <a:blip r:embed="rId6"/>
+          <a:srcRect l="17938" t="18847" r="60688" b="60200"/>
+          <a:stretch/>
+        </p:blipFill>
+        <p:spPr>
+          <a:xfrm>
+            <a:off x="7947484" y="6459638"/>
+            <a:ext cx="2736270" cy="1452902"/>
+          </a:xfrm>
+          <a:prstGeom prst="rect">
+            <a:avLst/>
+          </a:prstGeom>
+        </p:spPr>
+      </p:pic>
+      <p:pic>
+        <p:nvPicPr>
+          <p:cNvPr id="17" name="図 16">
+            <a:extLst>
+              <a:ext uri="{FF2B5EF4-FFF2-40B4-BE49-F238E27FC236}">
+                <a16:creationId xmlns:a16="http://schemas.microsoft.com/office/drawing/2014/main" id="{B8876BB7-CF8B-44C4-8F09-8BC1EC1EF327}"/>
+              </a:ext>
+            </a:extLst>
+          </p:cNvPr>
+          <p:cNvPicPr>
+            <a:picLocks noChangeAspect="1"/>
+          </p:cNvPicPr>
+          <p:nvPr/>
+        </p:nvPicPr>
+        <p:blipFill rotWithShape="1">
+          <a:blip r:embed="rId7"/>
+          <a:srcRect l="18026" t="18139" r="54545" b="43772"/>
+          <a:stretch/>
+        </p:blipFill>
+        <p:spPr>
+          <a:xfrm>
+            <a:off x="8942460" y="6971052"/>
+            <a:ext cx="3524053" cy="2650828"/>
           </a:xfrm>
           <a:prstGeom prst="rect">
             <a:avLst/>
@@ -10935,114 +10930,6 @@
           </a:p>
         </p:txBody>
       </p:sp>
-      <p:pic>
-        <p:nvPicPr>
-          <p:cNvPr id="22" name="図 21">
-            <a:extLst>
-              <a:ext uri="{FF2B5EF4-FFF2-40B4-BE49-F238E27FC236}">
-                <a16:creationId xmlns:a16="http://schemas.microsoft.com/office/drawing/2014/main" id="{A4D6F99D-9DD3-47CC-8045-E2E44744A5B4}"/>
-              </a:ext>
-            </a:extLst>
-          </p:cNvPr>
-          <p:cNvPicPr>
-            <a:picLocks noChangeAspect="1"/>
-          </p:cNvPicPr>
-          <p:nvPr/>
-        </p:nvPicPr>
-        <p:blipFill>
-          <a:blip r:embed="rId2">
-            <a:extLst>
-              <a:ext uri="{28A0092B-C50C-407E-A947-70E740481C1C}">
-                <a14:useLocalDpi xmlns:a14="http://schemas.microsoft.com/office/drawing/2010/main" val="0"/>
-              </a:ext>
-            </a:extLst>
-          </a:blip>
-          <a:stretch>
-            <a:fillRect/>
-          </a:stretch>
-        </p:blipFill>
-        <p:spPr>
-          <a:xfrm>
-            <a:off x="3403706" y="1558555"/>
-            <a:ext cx="9101566" cy="7382381"/>
-          </a:xfrm>
-          <a:prstGeom prst="rect">
-            <a:avLst/>
-          </a:prstGeom>
-        </p:spPr>
-      </p:pic>
-      <p:pic>
-        <p:nvPicPr>
-          <p:cNvPr id="24" name="図 23">
-            <a:extLst>
-              <a:ext uri="{FF2B5EF4-FFF2-40B4-BE49-F238E27FC236}">
-                <a16:creationId xmlns:a16="http://schemas.microsoft.com/office/drawing/2014/main" id="{CB58C763-998E-4CE9-A9FF-8D29C7890AC3}"/>
-              </a:ext>
-            </a:extLst>
-          </p:cNvPr>
-          <p:cNvPicPr>
-            <a:picLocks noChangeAspect="1"/>
-          </p:cNvPicPr>
-          <p:nvPr/>
-        </p:nvPicPr>
-        <p:blipFill>
-          <a:blip r:embed="rId3">
-            <a:extLst>
-              <a:ext uri="{28A0092B-C50C-407E-A947-70E740481C1C}">
-                <a14:useLocalDpi xmlns:a14="http://schemas.microsoft.com/office/drawing/2010/main" val="0"/>
-              </a:ext>
-            </a:extLst>
-          </a:blip>
-          <a:stretch>
-            <a:fillRect/>
-          </a:stretch>
-        </p:blipFill>
-        <p:spPr>
-          <a:xfrm>
-            <a:off x="424136" y="3576464"/>
-            <a:ext cx="2722407" cy="2200495"/>
-          </a:xfrm>
-          <a:prstGeom prst="rect">
-            <a:avLst/>
-          </a:prstGeom>
-        </p:spPr>
-      </p:pic>
-      <p:pic>
-        <p:nvPicPr>
-          <p:cNvPr id="26" name="図 25">
-            <a:extLst>
-              <a:ext uri="{FF2B5EF4-FFF2-40B4-BE49-F238E27FC236}">
-                <a16:creationId xmlns:a16="http://schemas.microsoft.com/office/drawing/2014/main" id="{E38073E5-F218-4E37-9D81-39751566F88E}"/>
-              </a:ext>
-            </a:extLst>
-          </p:cNvPr>
-          <p:cNvPicPr>
-            <a:picLocks noChangeAspect="1"/>
-          </p:cNvPicPr>
-          <p:nvPr/>
-        </p:nvPicPr>
-        <p:blipFill>
-          <a:blip r:embed="rId4">
-            <a:extLst>
-              <a:ext uri="{28A0092B-C50C-407E-A947-70E740481C1C}">
-                <a14:useLocalDpi xmlns:a14="http://schemas.microsoft.com/office/drawing/2010/main" val="0"/>
-              </a:ext>
-            </a:extLst>
-          </a:blip>
-          <a:stretch>
-            <a:fillRect/>
-          </a:stretch>
-        </p:blipFill>
-        <p:spPr>
-          <a:xfrm>
-            <a:off x="786260" y="1934756"/>
-            <a:ext cx="1940775" cy="1317891"/>
-          </a:xfrm>
-          <a:prstGeom prst="rect">
-            <a:avLst/>
-          </a:prstGeom>
-        </p:spPr>
-      </p:pic>
     </p:spTree>
     <p:extLst>
       <p:ext uri="{BB962C8B-B14F-4D97-AF65-F5344CB8AC3E}">

--- a/PowerPoint/振る舞いモデル.pptx
+++ b/PowerPoint/振る舞いモデル.pptx
@@ -9936,7 +9936,7 @@
           </p:cNvPicPr>
           <p:nvPr/>
         </p:nvPicPr>
-        <p:blipFill>
+        <p:blipFill rotWithShape="1">
           <a:blip r:embed="rId2">
             <a:extLst>
               <a:ext uri="{28A0092B-C50C-407E-A947-70E740481C1C}">
@@ -9944,14 +9944,13 @@
               </a:ext>
             </a:extLst>
           </a:blip>
-          <a:stretch>
-            <a:fillRect/>
-          </a:stretch>
+          <a:srcRect l="5748" t="9721" r="2552" b="4957"/>
+          <a:stretch/>
         </p:blipFill>
         <p:spPr>
           <a:xfrm>
-            <a:off x="166110" y="1424122"/>
-            <a:ext cx="3474765" cy="2656633"/>
+            <a:off x="143702" y="1616940"/>
+            <a:ext cx="3535826" cy="2515308"/>
           </a:xfrm>
           <a:prstGeom prst="rect">
             <a:avLst/>
@@ -10125,10 +10124,10 @@
       </p:sp>
       <p:pic>
         <p:nvPicPr>
-          <p:cNvPr id="2" name="図 1">
-            <a:extLst>
-              <a:ext uri="{FF2B5EF4-FFF2-40B4-BE49-F238E27FC236}">
-                <a16:creationId xmlns:a16="http://schemas.microsoft.com/office/drawing/2014/main" id="{EDCD36FB-3BB2-4129-A576-0C927EA8FF41}"/>
+          <p:cNvPr id="26" name="図 25">
+            <a:extLst>
+              <a:ext uri="{FF2B5EF4-FFF2-40B4-BE49-F238E27FC236}">
+                <a16:creationId xmlns:a16="http://schemas.microsoft.com/office/drawing/2014/main" id="{D9AD3302-6AA2-4E87-9BC6-34A4F26B0C63}"/>
               </a:ext>
             </a:extLst>
           </p:cNvPr>
@@ -10138,130 +10137,20 @@
           <p:nvPr/>
         </p:nvPicPr>
         <p:blipFill rotWithShape="1">
-          <a:blip r:embed="rId3"/>
-          <a:srcRect l="32458" t="18876" r="15713" b="6241"/>
+          <a:blip r:embed="rId3">
+            <a:extLst>
+              <a:ext uri="{28A0092B-C50C-407E-A947-70E740481C1C}">
+                <a14:useLocalDpi xmlns:a14="http://schemas.microsoft.com/office/drawing/2010/main" val="0"/>
+              </a:ext>
+            </a:extLst>
+          </a:blip>
+          <a:srcRect l="2917" t="5230" r="12709" b="3981"/>
           <a:stretch/>
         </p:blipFill>
         <p:spPr>
           <a:xfrm>
-            <a:off x="4778253" y="1517225"/>
-            <a:ext cx="6624725" cy="5184576"/>
-          </a:xfrm>
-          <a:prstGeom prst="rect">
-            <a:avLst/>
-          </a:prstGeom>
-        </p:spPr>
-      </p:pic>
-      <p:pic>
-        <p:nvPicPr>
-          <p:cNvPr id="5" name="図 4">
-            <a:extLst>
-              <a:ext uri="{FF2B5EF4-FFF2-40B4-BE49-F238E27FC236}">
-                <a16:creationId xmlns:a16="http://schemas.microsoft.com/office/drawing/2014/main" id="{C27883D2-CE73-4A97-AB23-DF6F9F08D7ED}"/>
-              </a:ext>
-            </a:extLst>
-          </p:cNvPr>
-          <p:cNvPicPr>
-            <a:picLocks noChangeAspect="1"/>
-          </p:cNvPicPr>
-          <p:nvPr/>
-        </p:nvPicPr>
-        <p:blipFill rotWithShape="1">
-          <a:blip r:embed="rId4"/>
-          <a:srcRect l="23563" t="36500" r="61942" b="26236"/>
-          <a:stretch/>
-        </p:blipFill>
-        <p:spPr>
-          <a:xfrm>
-            <a:off x="3824374" y="6753201"/>
-            <a:ext cx="1855669" cy="2583903"/>
-          </a:xfrm>
-          <a:prstGeom prst="rect">
-            <a:avLst/>
-          </a:prstGeom>
-        </p:spPr>
-      </p:pic>
-      <p:pic>
-        <p:nvPicPr>
-          <p:cNvPr id="7" name="図 6">
-            <a:extLst>
-              <a:ext uri="{FF2B5EF4-FFF2-40B4-BE49-F238E27FC236}">
-                <a16:creationId xmlns:a16="http://schemas.microsoft.com/office/drawing/2014/main" id="{94B7AD9C-5894-46F3-AF9F-2ED11B566680}"/>
-              </a:ext>
-            </a:extLst>
-          </p:cNvPr>
-          <p:cNvPicPr>
-            <a:picLocks noChangeAspect="1"/>
-          </p:cNvPicPr>
-          <p:nvPr/>
-        </p:nvPicPr>
-        <p:blipFill rotWithShape="1">
-          <a:blip r:embed="rId5"/>
-          <a:srcRect l="17938" t="18902" r="65749" b="48016"/>
-          <a:stretch/>
-        </p:blipFill>
-        <p:spPr>
-          <a:xfrm>
-            <a:off x="5700776" y="6718481"/>
-            <a:ext cx="2173954" cy="2388119"/>
-          </a:xfrm>
-          <a:prstGeom prst="rect">
-            <a:avLst/>
-          </a:prstGeom>
-        </p:spPr>
-      </p:pic>
-      <p:pic>
-        <p:nvPicPr>
-          <p:cNvPr id="8" name="図 7">
-            <a:extLst>
-              <a:ext uri="{FF2B5EF4-FFF2-40B4-BE49-F238E27FC236}">
-                <a16:creationId xmlns:a16="http://schemas.microsoft.com/office/drawing/2014/main" id="{015864F6-2174-452D-8E06-EB7B4D9053BA}"/>
-              </a:ext>
-            </a:extLst>
-          </p:cNvPr>
-          <p:cNvPicPr>
-            <a:picLocks noChangeAspect="1"/>
-          </p:cNvPicPr>
-          <p:nvPr/>
-        </p:nvPicPr>
-        <p:blipFill rotWithShape="1">
-          <a:blip r:embed="rId6"/>
-          <a:srcRect l="17938" t="18847" r="60688" b="60200"/>
-          <a:stretch/>
-        </p:blipFill>
-        <p:spPr>
-          <a:xfrm>
-            <a:off x="7947484" y="6459638"/>
-            <a:ext cx="2736270" cy="1452902"/>
-          </a:xfrm>
-          <a:prstGeom prst="rect">
-            <a:avLst/>
-          </a:prstGeom>
-        </p:spPr>
-      </p:pic>
-      <p:pic>
-        <p:nvPicPr>
-          <p:cNvPr id="17" name="図 16">
-            <a:extLst>
-              <a:ext uri="{FF2B5EF4-FFF2-40B4-BE49-F238E27FC236}">
-                <a16:creationId xmlns:a16="http://schemas.microsoft.com/office/drawing/2014/main" id="{B8876BB7-CF8B-44C4-8F09-8BC1EC1EF327}"/>
-              </a:ext>
-            </a:extLst>
-          </p:cNvPr>
-          <p:cNvPicPr>
-            <a:picLocks noChangeAspect="1"/>
-          </p:cNvPicPr>
-          <p:nvPr/>
-        </p:nvPicPr>
-        <p:blipFill rotWithShape="1">
-          <a:blip r:embed="rId7"/>
-          <a:srcRect l="18026" t="18139" r="54545" b="43772"/>
-          <a:stretch/>
-        </p:blipFill>
-        <p:spPr>
-          <a:xfrm>
-            <a:off x="8942460" y="6971052"/>
-            <a:ext cx="3524053" cy="2650828"/>
+            <a:off x="3770895" y="1651701"/>
+            <a:ext cx="8922257" cy="6912053"/>
           </a:xfrm>
           <a:prstGeom prst="rect">
             <a:avLst/>
@@ -10568,7 +10457,7 @@
         </p:nvSpPr>
         <p:spPr>
           <a:xfrm>
-            <a:off x="297487" y="336104"/>
+            <a:off x="294421" y="263927"/>
             <a:ext cx="2122161" cy="430887"/>
           </a:xfrm>
           <a:prstGeom prst="rect">
@@ -10665,7 +10554,7 @@
         </p:nvSpPr>
         <p:spPr>
           <a:xfrm>
-            <a:off x="2870054" y="336104"/>
+            <a:off x="2858484" y="248489"/>
             <a:ext cx="2002046" cy="430887"/>
           </a:xfrm>
           <a:prstGeom prst="rect">
@@ -10847,7 +10736,7 @@
         </p:nvSpPr>
         <p:spPr>
           <a:xfrm>
-            <a:off x="8207348" y="336104"/>
+            <a:off x="8182806" y="247520"/>
             <a:ext cx="1445666" cy="430887"/>
           </a:xfrm>
           <a:prstGeom prst="rect">
@@ -10926,6 +10815,1181 @@
               </a:solidFill>
               <a:latin typeface="HG創英角ｺﾞｼｯｸUB" panose="020B0909000000000000" pitchFamily="49" charset="-128"/>
               <a:ea typeface="HG創英角ｺﾞｼｯｸUB" panose="020B0909000000000000" pitchFamily="49" charset="-128"/>
+            </a:endParaRPr>
+          </a:p>
+        </p:txBody>
+      </p:sp>
+      <p:pic>
+        <p:nvPicPr>
+          <p:cNvPr id="4" name="図 3">
+            <a:extLst>
+              <a:ext uri="{FF2B5EF4-FFF2-40B4-BE49-F238E27FC236}">
+                <a16:creationId xmlns:a16="http://schemas.microsoft.com/office/drawing/2014/main" id="{9860529B-831C-4C3A-A30D-A817789E8565}"/>
+              </a:ext>
+            </a:extLst>
+          </p:cNvPr>
+          <p:cNvPicPr>
+            <a:picLocks noChangeAspect="1"/>
+          </p:cNvPicPr>
+          <p:nvPr/>
+        </p:nvPicPr>
+        <p:blipFill rotWithShape="1">
+          <a:blip r:embed="rId2">
+            <a:extLst>
+              <a:ext uri="{28A0092B-C50C-407E-A947-70E740481C1C}">
+                <a14:useLocalDpi xmlns:a14="http://schemas.microsoft.com/office/drawing/2010/main" val="0"/>
+              </a:ext>
+            </a:extLst>
+          </a:blip>
+          <a:srcRect l="3615" t="9497" r="17753" b="9659"/>
+          <a:stretch/>
+        </p:blipFill>
+        <p:spPr>
+          <a:xfrm>
+            <a:off x="178201" y="1430396"/>
+            <a:ext cx="1873961" cy="2704964"/>
+          </a:xfrm>
+          <a:prstGeom prst="rect">
+            <a:avLst/>
+          </a:prstGeom>
+        </p:spPr>
+      </p:pic>
+      <p:pic>
+        <p:nvPicPr>
+          <p:cNvPr id="6" name="図 5">
+            <a:extLst>
+              <a:ext uri="{FF2B5EF4-FFF2-40B4-BE49-F238E27FC236}">
+                <a16:creationId xmlns:a16="http://schemas.microsoft.com/office/drawing/2014/main" id="{0D4E3C93-E4DA-46A4-B1FC-7D3932ED1D58}"/>
+              </a:ext>
+            </a:extLst>
+          </p:cNvPr>
+          <p:cNvPicPr>
+            <a:picLocks noChangeAspect="1"/>
+          </p:cNvPicPr>
+          <p:nvPr/>
+        </p:nvPicPr>
+        <p:blipFill rotWithShape="1">
+          <a:blip r:embed="rId3">
+            <a:extLst>
+              <a:ext uri="{28A0092B-C50C-407E-A947-70E740481C1C}">
+                <a14:useLocalDpi xmlns:a14="http://schemas.microsoft.com/office/drawing/2010/main" val="0"/>
+              </a:ext>
+            </a:extLst>
+          </a:blip>
+          <a:srcRect l="5697" t="10137" r="5681" b="8341"/>
+          <a:stretch/>
+        </p:blipFill>
+        <p:spPr>
+          <a:xfrm>
+            <a:off x="2345138" y="1385607"/>
+            <a:ext cx="2332314" cy="2704965"/>
+          </a:xfrm>
+          <a:prstGeom prst="rect">
+            <a:avLst/>
+          </a:prstGeom>
+        </p:spPr>
+      </p:pic>
+      <p:pic>
+        <p:nvPicPr>
+          <p:cNvPr id="20" name="図 19">
+            <a:extLst>
+              <a:ext uri="{FF2B5EF4-FFF2-40B4-BE49-F238E27FC236}">
+                <a16:creationId xmlns:a16="http://schemas.microsoft.com/office/drawing/2014/main" id="{E263660A-C089-4C0A-9591-8A8047C3CB1A}"/>
+              </a:ext>
+            </a:extLst>
+          </p:cNvPr>
+          <p:cNvPicPr>
+            <a:picLocks noChangeAspect="1"/>
+          </p:cNvPicPr>
+          <p:nvPr/>
+        </p:nvPicPr>
+        <p:blipFill rotWithShape="1">
+          <a:blip r:embed="rId4">
+            <a:extLst>
+              <a:ext uri="{28A0092B-C50C-407E-A947-70E740481C1C}">
+                <a14:useLocalDpi xmlns:a14="http://schemas.microsoft.com/office/drawing/2010/main" val="0"/>
+              </a:ext>
+            </a:extLst>
+          </a:blip>
+          <a:srcRect l="4049" t="10245" r="3935" b="10418"/>
+          <a:stretch/>
+        </p:blipFill>
+        <p:spPr>
+          <a:xfrm>
+            <a:off x="9026446" y="1409370"/>
+            <a:ext cx="3248164" cy="2307223"/>
+          </a:xfrm>
+          <a:prstGeom prst="rect">
+            <a:avLst/>
+          </a:prstGeom>
+        </p:spPr>
+      </p:pic>
+      <p:pic>
+        <p:nvPicPr>
+          <p:cNvPr id="22" name="図 21">
+            <a:extLst>
+              <a:ext uri="{FF2B5EF4-FFF2-40B4-BE49-F238E27FC236}">
+                <a16:creationId xmlns:a16="http://schemas.microsoft.com/office/drawing/2014/main" id="{A052FABC-9E5F-4B9A-9C8C-3110E253AB86}"/>
+              </a:ext>
+            </a:extLst>
+          </p:cNvPr>
+          <p:cNvPicPr>
+            <a:picLocks noChangeAspect="1"/>
+          </p:cNvPicPr>
+          <p:nvPr/>
+        </p:nvPicPr>
+        <p:blipFill rotWithShape="1">
+          <a:blip r:embed="rId5">
+            <a:extLst>
+              <a:ext uri="{28A0092B-C50C-407E-A947-70E740481C1C}">
+                <a14:useLocalDpi xmlns:a14="http://schemas.microsoft.com/office/drawing/2010/main" val="0"/>
+              </a:ext>
+            </a:extLst>
+          </a:blip>
+          <a:srcRect l="4879" t="9162" r="38080" b="10726"/>
+          <a:stretch/>
+        </p:blipFill>
+        <p:spPr>
+          <a:xfrm>
+            <a:off x="144515" y="5468327"/>
+            <a:ext cx="1824505" cy="3348673"/>
+          </a:xfrm>
+          <a:prstGeom prst="rect">
+            <a:avLst/>
+          </a:prstGeom>
+        </p:spPr>
+      </p:pic>
+      <p:pic>
+        <p:nvPicPr>
+          <p:cNvPr id="24" name="図 23">
+            <a:extLst>
+              <a:ext uri="{FF2B5EF4-FFF2-40B4-BE49-F238E27FC236}">
+                <a16:creationId xmlns:a16="http://schemas.microsoft.com/office/drawing/2014/main" id="{2EF25989-EAF1-481C-BF21-BFFFE35CBD16}"/>
+              </a:ext>
+            </a:extLst>
+          </p:cNvPr>
+          <p:cNvPicPr>
+            <a:picLocks noChangeAspect="1"/>
+          </p:cNvPicPr>
+          <p:nvPr/>
+        </p:nvPicPr>
+        <p:blipFill rotWithShape="1">
+          <a:blip r:embed="rId6">
+            <a:extLst>
+              <a:ext uri="{28A0092B-C50C-407E-A947-70E740481C1C}">
+                <a14:useLocalDpi xmlns:a14="http://schemas.microsoft.com/office/drawing/2010/main" val="0"/>
+              </a:ext>
+            </a:extLst>
+          </a:blip>
+          <a:srcRect l="7195" t="11893" r="6951" b="11750"/>
+          <a:stretch/>
+        </p:blipFill>
+        <p:spPr>
+          <a:xfrm>
+            <a:off x="5504365" y="5458092"/>
+            <a:ext cx="2995954" cy="1841030"/>
+          </a:xfrm>
+          <a:prstGeom prst="rect">
+            <a:avLst/>
+          </a:prstGeom>
+        </p:spPr>
+      </p:pic>
+      <p:pic>
+        <p:nvPicPr>
+          <p:cNvPr id="26" name="図 25">
+            <a:extLst>
+              <a:ext uri="{FF2B5EF4-FFF2-40B4-BE49-F238E27FC236}">
+                <a16:creationId xmlns:a16="http://schemas.microsoft.com/office/drawing/2014/main" id="{858FE62D-F3EC-45F5-8ED2-323299290746}"/>
+              </a:ext>
+            </a:extLst>
+          </p:cNvPr>
+          <p:cNvPicPr>
+            <a:picLocks noChangeAspect="1"/>
+          </p:cNvPicPr>
+          <p:nvPr/>
+        </p:nvPicPr>
+        <p:blipFill rotWithShape="1">
+          <a:blip r:embed="rId7">
+            <a:extLst>
+              <a:ext uri="{28A0092B-C50C-407E-A947-70E740481C1C}">
+                <a14:useLocalDpi xmlns:a14="http://schemas.microsoft.com/office/drawing/2010/main" val="0"/>
+              </a:ext>
+            </a:extLst>
+          </a:blip>
+          <a:srcRect l="5812" t="6821" r="3743" b="6097"/>
+          <a:stretch/>
+        </p:blipFill>
+        <p:spPr>
+          <a:xfrm>
+            <a:off x="2017627" y="5470135"/>
+            <a:ext cx="3392429" cy="3469065"/>
+          </a:xfrm>
+          <a:prstGeom prst="rect">
+            <a:avLst/>
+          </a:prstGeom>
+        </p:spPr>
+      </p:pic>
+      <p:pic>
+        <p:nvPicPr>
+          <p:cNvPr id="28" name="図 27">
+            <a:extLst>
+              <a:ext uri="{FF2B5EF4-FFF2-40B4-BE49-F238E27FC236}">
+                <a16:creationId xmlns:a16="http://schemas.microsoft.com/office/drawing/2014/main" id="{B816879E-1919-40EC-841E-0D1FB1186243}"/>
+              </a:ext>
+            </a:extLst>
+          </p:cNvPr>
+          <p:cNvPicPr>
+            <a:picLocks noChangeAspect="1"/>
+          </p:cNvPicPr>
+          <p:nvPr/>
+        </p:nvPicPr>
+        <p:blipFill rotWithShape="1">
+          <a:blip r:embed="rId8">
+            <a:extLst>
+              <a:ext uri="{28A0092B-C50C-407E-A947-70E740481C1C}">
+                <a14:useLocalDpi xmlns:a14="http://schemas.microsoft.com/office/drawing/2010/main" val="0"/>
+              </a:ext>
+            </a:extLst>
+          </a:blip>
+          <a:srcRect l="6861" t="14673" r="5060" b="11599"/>
+          <a:stretch/>
+        </p:blipFill>
+        <p:spPr>
+          <a:xfrm>
+            <a:off x="5266623" y="7780601"/>
+            <a:ext cx="3593559" cy="1700772"/>
+          </a:xfrm>
+          <a:prstGeom prst="rect">
+            <a:avLst/>
+          </a:prstGeom>
+        </p:spPr>
+      </p:pic>
+      <p:pic>
+        <p:nvPicPr>
+          <p:cNvPr id="30" name="図 29">
+            <a:extLst>
+              <a:ext uri="{FF2B5EF4-FFF2-40B4-BE49-F238E27FC236}">
+                <a16:creationId xmlns:a16="http://schemas.microsoft.com/office/drawing/2014/main" id="{CB31BDDC-8517-49E8-8226-559D9911E8DE}"/>
+              </a:ext>
+            </a:extLst>
+          </p:cNvPr>
+          <p:cNvPicPr>
+            <a:picLocks noChangeAspect="1"/>
+          </p:cNvPicPr>
+          <p:nvPr/>
+        </p:nvPicPr>
+        <p:blipFill rotWithShape="1">
+          <a:blip r:embed="rId9">
+            <a:extLst>
+              <a:ext uri="{28A0092B-C50C-407E-A947-70E740481C1C}">
+                <a14:useLocalDpi xmlns:a14="http://schemas.microsoft.com/office/drawing/2010/main" val="0"/>
+              </a:ext>
+            </a:extLst>
+          </a:blip>
+          <a:srcRect l="8109" t="15484" r="4727" b="12870"/>
+          <a:stretch/>
+        </p:blipFill>
+        <p:spPr>
+          <a:xfrm>
+            <a:off x="8970162" y="7758404"/>
+            <a:ext cx="3138184" cy="1620609"/>
+          </a:xfrm>
+          <a:prstGeom prst="rect">
+            <a:avLst/>
+          </a:prstGeom>
+        </p:spPr>
+      </p:pic>
+      <p:pic>
+        <p:nvPicPr>
+          <p:cNvPr id="32" name="図 31">
+            <a:extLst>
+              <a:ext uri="{FF2B5EF4-FFF2-40B4-BE49-F238E27FC236}">
+                <a16:creationId xmlns:a16="http://schemas.microsoft.com/office/drawing/2014/main" id="{55421786-6ADC-4297-AE4D-DCE46EA98514}"/>
+              </a:ext>
+            </a:extLst>
+          </p:cNvPr>
+          <p:cNvPicPr>
+            <a:picLocks noChangeAspect="1"/>
+          </p:cNvPicPr>
+          <p:nvPr/>
+        </p:nvPicPr>
+        <p:blipFill rotWithShape="1">
+          <a:blip r:embed="rId10">
+            <a:extLst>
+              <a:ext uri="{28A0092B-C50C-407E-A947-70E740481C1C}">
+                <a14:useLocalDpi xmlns:a14="http://schemas.microsoft.com/office/drawing/2010/main" val="0"/>
+              </a:ext>
+            </a:extLst>
+          </a:blip>
+          <a:srcRect l="5555" t="7152" r="2350" b="7369"/>
+          <a:stretch/>
+        </p:blipFill>
+        <p:spPr>
+          <a:xfrm>
+            <a:off x="4882144" y="1399414"/>
+            <a:ext cx="3762452" cy="3404214"/>
+          </a:xfrm>
+          <a:prstGeom prst="rect">
+            <a:avLst/>
+          </a:prstGeom>
+        </p:spPr>
+      </p:pic>
+      <p:sp>
+        <p:nvSpPr>
+          <p:cNvPr id="34" name="テキスト ボックス 33">
+            <a:extLst>
+              <a:ext uri="{FF2B5EF4-FFF2-40B4-BE49-F238E27FC236}">
+                <a16:creationId xmlns:a16="http://schemas.microsoft.com/office/drawing/2014/main" id="{5C1CD592-00D2-4D80-BEA7-1C1F726AA76D}"/>
+              </a:ext>
+            </a:extLst>
+          </p:cNvPr>
+          <p:cNvSpPr txBox="1"/>
+          <p:nvPr/>
+        </p:nvSpPr>
+        <p:spPr>
+          <a:xfrm>
+            <a:off x="422973" y="1145498"/>
+            <a:ext cx="1469355" cy="253916"/>
+          </a:xfrm>
+          <a:prstGeom prst="rect">
+            <a:avLst/>
+          </a:prstGeom>
+          <a:noFill/>
+        </p:spPr>
+        <p:txBody>
+          <a:bodyPr wrap="square" rtlCol="0">
+            <a:spAutoFit/>
+          </a:bodyPr>
+          <a:lstStyle/>
+          <a:p>
+            <a:r>
+              <a:rPr kumimoji="1" lang="en-US" altLang="ja-JP" sz="1050" dirty="0">
+                <a:latin typeface="メイリオ" panose="020B0604030504040204" pitchFamily="50" charset="-128"/>
+                <a:ea typeface="メイリオ" panose="020B0604030504040204" pitchFamily="50" charset="-128"/>
+              </a:rPr>
+              <a:t>A-1.</a:t>
+            </a:r>
+            <a:r>
+              <a:rPr kumimoji="1" lang="ja-JP" altLang="en-US" sz="1050" dirty="0">
+                <a:latin typeface="メイリオ" panose="020B0604030504040204" pitchFamily="50" charset="-128"/>
+                <a:ea typeface="メイリオ" panose="020B0604030504040204" pitchFamily="50" charset="-128"/>
+              </a:rPr>
+              <a:t>ライントレース</a:t>
+            </a:r>
+          </a:p>
+        </p:txBody>
+      </p:sp>
+      <p:sp>
+        <p:nvSpPr>
+          <p:cNvPr id="35" name="テキスト ボックス 34">
+            <a:extLst>
+              <a:ext uri="{FF2B5EF4-FFF2-40B4-BE49-F238E27FC236}">
+                <a16:creationId xmlns:a16="http://schemas.microsoft.com/office/drawing/2014/main" id="{19067B4B-85FD-45FF-93CE-25A20CEA9128}"/>
+              </a:ext>
+            </a:extLst>
+          </p:cNvPr>
+          <p:cNvSpPr txBox="1"/>
+          <p:nvPr/>
+        </p:nvSpPr>
+        <p:spPr>
+          <a:xfrm>
+            <a:off x="2350963" y="1176585"/>
+            <a:ext cx="2320665" cy="253916"/>
+          </a:xfrm>
+          <a:prstGeom prst="rect">
+            <a:avLst/>
+          </a:prstGeom>
+          <a:noFill/>
+        </p:spPr>
+        <p:txBody>
+          <a:bodyPr wrap="square" rtlCol="0">
+            <a:spAutoFit/>
+          </a:bodyPr>
+          <a:lstStyle/>
+          <a:p>
+            <a:r>
+              <a:rPr kumimoji="1" lang="en-US" altLang="ja-JP" sz="1050" dirty="0">
+                <a:latin typeface="メイリオ" panose="020B0604030504040204" pitchFamily="50" charset="-128"/>
+                <a:ea typeface="メイリオ" panose="020B0604030504040204" pitchFamily="50" charset="-128"/>
+              </a:rPr>
+              <a:t>A-2.</a:t>
+            </a:r>
+            <a:r>
+              <a:rPr kumimoji="1" lang="ja-JP" altLang="en-US" sz="1050" dirty="0">
+                <a:latin typeface="メイリオ" panose="020B0604030504040204" pitchFamily="50" charset="-128"/>
+                <a:ea typeface="メイリオ" panose="020B0604030504040204" pitchFamily="50" charset="-128"/>
+              </a:rPr>
+              <a:t>ライントレース用情報の取得</a:t>
+            </a:r>
+          </a:p>
+        </p:txBody>
+      </p:sp>
+      <p:sp>
+        <p:nvSpPr>
+          <p:cNvPr id="36" name="テキスト ボックス 35">
+            <a:extLst>
+              <a:ext uri="{FF2B5EF4-FFF2-40B4-BE49-F238E27FC236}">
+                <a16:creationId xmlns:a16="http://schemas.microsoft.com/office/drawing/2014/main" id="{59E2F6D6-FAE8-4483-A115-3E4E9411C325}"/>
+              </a:ext>
+            </a:extLst>
+          </p:cNvPr>
+          <p:cNvSpPr txBox="1"/>
+          <p:nvPr/>
+        </p:nvSpPr>
+        <p:spPr>
+          <a:xfrm>
+            <a:off x="5976634" y="1140955"/>
+            <a:ext cx="1989682" cy="253916"/>
+          </a:xfrm>
+          <a:prstGeom prst="rect">
+            <a:avLst/>
+          </a:prstGeom>
+          <a:noFill/>
+        </p:spPr>
+        <p:txBody>
+          <a:bodyPr wrap="square" rtlCol="0">
+            <a:spAutoFit/>
+          </a:bodyPr>
+          <a:lstStyle/>
+          <a:p>
+            <a:r>
+              <a:rPr lang="en-US" altLang="ja-JP" sz="1050" dirty="0">
+                <a:latin typeface="メイリオ" panose="020B0604030504040204" pitchFamily="50" charset="-128"/>
+                <a:ea typeface="メイリオ" panose="020B0604030504040204" pitchFamily="50" charset="-128"/>
+              </a:rPr>
+              <a:t>A-3</a:t>
+            </a:r>
+            <a:r>
+              <a:rPr kumimoji="1" lang="en-US" altLang="ja-JP" sz="1050" dirty="0">
+                <a:latin typeface="メイリオ" panose="020B0604030504040204" pitchFamily="50" charset="-128"/>
+                <a:ea typeface="メイリオ" panose="020B0604030504040204" pitchFamily="50" charset="-128"/>
+              </a:rPr>
+              <a:t>.</a:t>
+            </a:r>
+            <a:r>
+              <a:rPr kumimoji="1" lang="ja-JP" altLang="en-US" sz="1050" dirty="0">
+                <a:latin typeface="メイリオ" panose="020B0604030504040204" pitchFamily="50" charset="-128"/>
+                <a:ea typeface="メイリオ" panose="020B0604030504040204" pitchFamily="50" charset="-128"/>
+              </a:rPr>
+              <a:t>モータ出力の計算</a:t>
+            </a:r>
+            <a:endParaRPr kumimoji="1" lang="en-US" altLang="ja-JP" sz="1050" dirty="0">
+              <a:latin typeface="メイリオ" panose="020B0604030504040204" pitchFamily="50" charset="-128"/>
+              <a:ea typeface="メイリオ" panose="020B0604030504040204" pitchFamily="50" charset="-128"/>
+            </a:endParaRPr>
+          </a:p>
+        </p:txBody>
+      </p:sp>
+      <p:sp>
+        <p:nvSpPr>
+          <p:cNvPr id="37" name="テキスト ボックス 36">
+            <a:extLst>
+              <a:ext uri="{FF2B5EF4-FFF2-40B4-BE49-F238E27FC236}">
+                <a16:creationId xmlns:a16="http://schemas.microsoft.com/office/drawing/2014/main" id="{1B04ECFD-84B6-4470-B186-E4C40EA6D720}"/>
+              </a:ext>
+            </a:extLst>
+          </p:cNvPr>
+          <p:cNvSpPr txBox="1"/>
+          <p:nvPr/>
+        </p:nvSpPr>
+        <p:spPr>
+          <a:xfrm>
+            <a:off x="9775093" y="4135360"/>
+            <a:ext cx="2320665" cy="253916"/>
+          </a:xfrm>
+          <a:prstGeom prst="rect">
+            <a:avLst/>
+          </a:prstGeom>
+          <a:noFill/>
+        </p:spPr>
+        <p:txBody>
+          <a:bodyPr wrap="square" rtlCol="0">
+            <a:spAutoFit/>
+          </a:bodyPr>
+          <a:lstStyle/>
+          <a:p>
+            <a:r>
+              <a:rPr kumimoji="1" lang="en-US" altLang="ja-JP" sz="1050" dirty="0">
+                <a:latin typeface="メイリオ" panose="020B0604030504040204" pitchFamily="50" charset="-128"/>
+                <a:ea typeface="メイリオ" panose="020B0604030504040204" pitchFamily="50" charset="-128"/>
+              </a:rPr>
+              <a:t>A-5.</a:t>
+            </a:r>
+            <a:r>
+              <a:rPr kumimoji="1" lang="ja-JP" altLang="en-US" sz="1050" dirty="0">
+                <a:latin typeface="メイリオ" panose="020B0604030504040204" pitchFamily="50" charset="-128"/>
+                <a:ea typeface="メイリオ" panose="020B0604030504040204" pitchFamily="50" charset="-128"/>
+              </a:rPr>
+              <a:t>転倒検知と緊急停止</a:t>
+            </a:r>
+            <a:endParaRPr kumimoji="1" lang="en-US" altLang="ja-JP" sz="1050" dirty="0">
+              <a:latin typeface="メイリオ" panose="020B0604030504040204" pitchFamily="50" charset="-128"/>
+              <a:ea typeface="メイリオ" panose="020B0604030504040204" pitchFamily="50" charset="-128"/>
+            </a:endParaRPr>
+          </a:p>
+        </p:txBody>
+      </p:sp>
+      <p:sp>
+        <p:nvSpPr>
+          <p:cNvPr id="38" name="テキスト ボックス 37">
+            <a:extLst>
+              <a:ext uri="{FF2B5EF4-FFF2-40B4-BE49-F238E27FC236}">
+                <a16:creationId xmlns:a16="http://schemas.microsoft.com/office/drawing/2014/main" id="{DBEF78C5-E8CF-4F80-9FC7-0AF4C039C1B4}"/>
+              </a:ext>
+            </a:extLst>
+          </p:cNvPr>
+          <p:cNvSpPr txBox="1"/>
+          <p:nvPr/>
+        </p:nvSpPr>
+        <p:spPr>
+          <a:xfrm>
+            <a:off x="79860" y="726123"/>
+            <a:ext cx="3158616" cy="338554"/>
+          </a:xfrm>
+          <a:prstGeom prst="rect">
+            <a:avLst/>
+          </a:prstGeom>
+          <a:noFill/>
+        </p:spPr>
+        <p:txBody>
+          <a:bodyPr wrap="square" rtlCol="0">
+            <a:spAutoFit/>
+          </a:bodyPr>
+          <a:lstStyle/>
+          <a:p>
+            <a:pPr marL="0" marR="0" lvl="0" indent="0" algn="l" defTabSz="914400" rtl="0" eaLnBrk="1" fontAlgn="base" latinLnBrk="0" hangingPunct="1">
+              <a:lnSpc>
+                <a:spcPct val="100000"/>
+              </a:lnSpc>
+              <a:spcBef>
+                <a:spcPct val="0"/>
+              </a:spcBef>
+              <a:spcAft>
+                <a:spcPct val="0"/>
+              </a:spcAft>
+              <a:buClrTx/>
+              <a:buSzTx/>
+              <a:buFontTx/>
+              <a:buNone/>
+              <a:tabLst/>
+              <a:defRPr/>
+            </a:pPr>
+            <a:r>
+              <a:rPr lang="en-US" altLang="ja-JP" b="1" dirty="0">
+                <a:solidFill>
+                  <a:prstClr val="black"/>
+                </a:solidFill>
+                <a:latin typeface="游ゴシック" panose="020B0400000000000000" pitchFamily="50" charset="-128"/>
+                <a:ea typeface="游ゴシック" panose="020B0400000000000000" pitchFamily="50" charset="-128"/>
+              </a:rPr>
+              <a:t>A</a:t>
+            </a:r>
+            <a:r>
+              <a:rPr kumimoji="1" lang="ja-JP" altLang="en-US" b="1" i="0" u="none" strike="noStrike" kern="1200" cap="none" spc="0" normalizeH="0" baseline="0" noProof="0" dirty="0">
+                <a:ln>
+                  <a:noFill/>
+                </a:ln>
+                <a:solidFill>
+                  <a:prstClr val="black"/>
+                </a:solidFill>
+                <a:effectLst/>
+                <a:uLnTx/>
+                <a:uFillTx/>
+                <a:latin typeface="游ゴシック" panose="020B0400000000000000" pitchFamily="50" charset="-128"/>
+                <a:ea typeface="游ゴシック" panose="020B0400000000000000" pitchFamily="50" charset="-128"/>
+              </a:rPr>
+              <a:t>．ライントレースの振る舞い</a:t>
+            </a:r>
+          </a:p>
+        </p:txBody>
+      </p:sp>
+      <p:cxnSp>
+        <p:nvCxnSpPr>
+          <p:cNvPr id="39" name="直線コネクタ 38">
+            <a:extLst>
+              <a:ext uri="{FF2B5EF4-FFF2-40B4-BE49-F238E27FC236}">
+                <a16:creationId xmlns:a16="http://schemas.microsoft.com/office/drawing/2014/main" id="{D8864D3C-E8DC-4968-90C8-451E80B53CB8}"/>
+              </a:ext>
+            </a:extLst>
+          </p:cNvPr>
+          <p:cNvCxnSpPr>
+            <a:cxnSpLocks/>
+          </p:cNvCxnSpPr>
+          <p:nvPr/>
+        </p:nvCxnSpPr>
+        <p:spPr>
+          <a:xfrm>
+            <a:off x="122725" y="1032491"/>
+            <a:ext cx="12505119" cy="0"/>
+          </a:xfrm>
+          <a:prstGeom prst="line">
+            <a:avLst/>
+          </a:prstGeom>
+          <a:ln w="38100">
+            <a:solidFill>
+              <a:schemeClr val="accent6"/>
+            </a:solidFill>
+          </a:ln>
+        </p:spPr>
+        <p:style>
+          <a:lnRef idx="1">
+            <a:schemeClr val="accent1"/>
+          </a:lnRef>
+          <a:fillRef idx="0">
+            <a:schemeClr val="accent1"/>
+          </a:fillRef>
+          <a:effectRef idx="0">
+            <a:schemeClr val="accent1"/>
+          </a:effectRef>
+          <a:fontRef idx="minor">
+            <a:schemeClr val="tx1"/>
+          </a:fontRef>
+        </p:style>
+      </p:cxnSp>
+      <p:sp>
+        <p:nvSpPr>
+          <p:cNvPr id="41" name="テキスト ボックス 40">
+            <a:extLst>
+              <a:ext uri="{FF2B5EF4-FFF2-40B4-BE49-F238E27FC236}">
+                <a16:creationId xmlns:a16="http://schemas.microsoft.com/office/drawing/2014/main" id="{5DDEBC47-865D-4659-8E7A-10A0F6198B18}"/>
+              </a:ext>
+            </a:extLst>
+          </p:cNvPr>
+          <p:cNvSpPr txBox="1"/>
+          <p:nvPr/>
+        </p:nvSpPr>
+        <p:spPr>
+          <a:xfrm>
+            <a:off x="186617" y="4767907"/>
+            <a:ext cx="3158616" cy="338554"/>
+          </a:xfrm>
+          <a:prstGeom prst="rect">
+            <a:avLst/>
+          </a:prstGeom>
+          <a:noFill/>
+        </p:spPr>
+        <p:txBody>
+          <a:bodyPr wrap="square" rtlCol="0">
+            <a:spAutoFit/>
+          </a:bodyPr>
+          <a:lstStyle/>
+          <a:p>
+            <a:pPr marL="0" marR="0" lvl="0" indent="0" algn="l" defTabSz="914400" rtl="0" eaLnBrk="1" fontAlgn="base" latinLnBrk="0" hangingPunct="1">
+              <a:lnSpc>
+                <a:spcPct val="100000"/>
+              </a:lnSpc>
+              <a:spcBef>
+                <a:spcPct val="0"/>
+              </a:spcBef>
+              <a:spcAft>
+                <a:spcPct val="0"/>
+              </a:spcAft>
+              <a:buClrTx/>
+              <a:buSzTx/>
+              <a:buFontTx/>
+              <a:buNone/>
+              <a:tabLst/>
+              <a:defRPr/>
+            </a:pPr>
+            <a:r>
+              <a:rPr lang="en-US" altLang="ja-JP" b="1" dirty="0">
+                <a:solidFill>
+                  <a:prstClr val="black"/>
+                </a:solidFill>
+                <a:latin typeface="游ゴシック" panose="020B0400000000000000" pitchFamily="50" charset="-128"/>
+                <a:ea typeface="游ゴシック" panose="020B0400000000000000" pitchFamily="50" charset="-128"/>
+              </a:rPr>
+              <a:t>B</a:t>
+            </a:r>
+            <a:r>
+              <a:rPr kumimoji="1" lang="ja-JP" altLang="en-US" b="1" i="0" u="none" strike="noStrike" kern="1200" cap="none" spc="0" normalizeH="0" baseline="0" noProof="0" dirty="0">
+                <a:ln>
+                  <a:noFill/>
+                </a:ln>
+                <a:solidFill>
+                  <a:prstClr val="black"/>
+                </a:solidFill>
+                <a:effectLst/>
+                <a:uLnTx/>
+                <a:uFillTx/>
+                <a:latin typeface="游ゴシック" panose="020B0400000000000000" pitchFamily="50" charset="-128"/>
+                <a:ea typeface="游ゴシック" panose="020B0400000000000000" pitchFamily="50" charset="-128"/>
+              </a:rPr>
+              <a:t>．計算管理の振る舞い</a:t>
+            </a:r>
+          </a:p>
+        </p:txBody>
+      </p:sp>
+      <p:cxnSp>
+        <p:nvCxnSpPr>
+          <p:cNvPr id="42" name="直線コネクタ 41">
+            <a:extLst>
+              <a:ext uri="{FF2B5EF4-FFF2-40B4-BE49-F238E27FC236}">
+                <a16:creationId xmlns:a16="http://schemas.microsoft.com/office/drawing/2014/main" id="{7438BD63-904A-42B2-9C2B-9C6928EF3D85}"/>
+              </a:ext>
+            </a:extLst>
+          </p:cNvPr>
+          <p:cNvCxnSpPr>
+            <a:cxnSpLocks/>
+          </p:cNvCxnSpPr>
+          <p:nvPr/>
+        </p:nvCxnSpPr>
+        <p:spPr>
+          <a:xfrm>
+            <a:off x="144515" y="5108728"/>
+            <a:ext cx="8390013" cy="0"/>
+          </a:xfrm>
+          <a:prstGeom prst="line">
+            <a:avLst/>
+          </a:prstGeom>
+          <a:ln w="38100">
+            <a:solidFill>
+              <a:schemeClr val="accent6"/>
+            </a:solidFill>
+          </a:ln>
+        </p:spPr>
+        <p:style>
+          <a:lnRef idx="1">
+            <a:schemeClr val="accent1"/>
+          </a:lnRef>
+          <a:fillRef idx="0">
+            <a:schemeClr val="accent1"/>
+          </a:fillRef>
+          <a:effectRef idx="0">
+            <a:schemeClr val="accent1"/>
+          </a:effectRef>
+          <a:fontRef idx="minor">
+            <a:schemeClr val="tx1"/>
+          </a:fontRef>
+        </p:style>
+      </p:cxnSp>
+      <p:sp>
+        <p:nvSpPr>
+          <p:cNvPr id="43" name="テキスト ボックス 42">
+            <a:extLst>
+              <a:ext uri="{FF2B5EF4-FFF2-40B4-BE49-F238E27FC236}">
+                <a16:creationId xmlns:a16="http://schemas.microsoft.com/office/drawing/2014/main" id="{A925FBBD-9677-44B7-813B-9446B32CC7AC}"/>
+              </a:ext>
+            </a:extLst>
+          </p:cNvPr>
+          <p:cNvSpPr txBox="1"/>
+          <p:nvPr/>
+        </p:nvSpPr>
+        <p:spPr>
+          <a:xfrm>
+            <a:off x="322089" y="5190743"/>
+            <a:ext cx="1469355" cy="253916"/>
+          </a:xfrm>
+          <a:prstGeom prst="rect">
+            <a:avLst/>
+          </a:prstGeom>
+          <a:noFill/>
+        </p:spPr>
+        <p:txBody>
+          <a:bodyPr wrap="square" rtlCol="0">
+            <a:spAutoFit/>
+          </a:bodyPr>
+          <a:lstStyle/>
+          <a:p>
+            <a:r>
+              <a:rPr lang="en-US" altLang="ja-JP" sz="1050" dirty="0">
+                <a:latin typeface="メイリオ" panose="020B0604030504040204" pitchFamily="50" charset="-128"/>
+                <a:ea typeface="メイリオ" panose="020B0604030504040204" pitchFamily="50" charset="-128"/>
+              </a:rPr>
+              <a:t>B</a:t>
+            </a:r>
+            <a:r>
+              <a:rPr kumimoji="1" lang="en-US" altLang="ja-JP" sz="1050" dirty="0">
+                <a:latin typeface="メイリオ" panose="020B0604030504040204" pitchFamily="50" charset="-128"/>
+                <a:ea typeface="メイリオ" panose="020B0604030504040204" pitchFamily="50" charset="-128"/>
+              </a:rPr>
+              <a:t>-1.</a:t>
+            </a:r>
+            <a:r>
+              <a:rPr lang="ja-JP" altLang="en-US" sz="1050" dirty="0">
+                <a:latin typeface="メイリオ" panose="020B0604030504040204" pitchFamily="50" charset="-128"/>
+                <a:ea typeface="メイリオ" panose="020B0604030504040204" pitchFamily="50" charset="-128"/>
+              </a:rPr>
+              <a:t>計算管理タスク</a:t>
+            </a:r>
+            <a:endParaRPr kumimoji="1" lang="ja-JP" altLang="en-US" sz="1050" dirty="0">
+              <a:latin typeface="メイリオ" panose="020B0604030504040204" pitchFamily="50" charset="-128"/>
+              <a:ea typeface="メイリオ" panose="020B0604030504040204" pitchFamily="50" charset="-128"/>
+            </a:endParaRPr>
+          </a:p>
+        </p:txBody>
+      </p:sp>
+      <p:sp>
+        <p:nvSpPr>
+          <p:cNvPr id="44" name="テキスト ボックス 43">
+            <a:extLst>
+              <a:ext uri="{FF2B5EF4-FFF2-40B4-BE49-F238E27FC236}">
+                <a16:creationId xmlns:a16="http://schemas.microsoft.com/office/drawing/2014/main" id="{3A2BF75B-670A-49D6-BCBF-52D60045F495}"/>
+              </a:ext>
+            </a:extLst>
+          </p:cNvPr>
+          <p:cNvSpPr txBox="1"/>
+          <p:nvPr/>
+        </p:nvSpPr>
+        <p:spPr>
+          <a:xfrm>
+            <a:off x="3034707" y="5198042"/>
+            <a:ext cx="1469355" cy="253916"/>
+          </a:xfrm>
+          <a:prstGeom prst="rect">
+            <a:avLst/>
+          </a:prstGeom>
+          <a:noFill/>
+        </p:spPr>
+        <p:txBody>
+          <a:bodyPr wrap="square" rtlCol="0">
+            <a:spAutoFit/>
+          </a:bodyPr>
+          <a:lstStyle/>
+          <a:p>
+            <a:r>
+              <a:rPr lang="en-US" altLang="ja-JP" sz="1050" dirty="0">
+                <a:latin typeface="メイリオ" panose="020B0604030504040204" pitchFamily="50" charset="-128"/>
+                <a:ea typeface="メイリオ" panose="020B0604030504040204" pitchFamily="50" charset="-128"/>
+              </a:rPr>
+              <a:t>B</a:t>
+            </a:r>
+            <a:r>
+              <a:rPr kumimoji="1" lang="en-US" altLang="ja-JP" sz="1050" dirty="0">
+                <a:latin typeface="メイリオ" panose="020B0604030504040204" pitchFamily="50" charset="-128"/>
+                <a:ea typeface="メイリオ" panose="020B0604030504040204" pitchFamily="50" charset="-128"/>
+              </a:rPr>
+              <a:t>-2.</a:t>
+            </a:r>
+            <a:r>
+              <a:rPr kumimoji="1" lang="ja-JP" altLang="en-US" sz="1050" dirty="0">
+                <a:latin typeface="メイリオ" panose="020B0604030504040204" pitchFamily="50" charset="-128"/>
+                <a:ea typeface="メイリオ" panose="020B0604030504040204" pitchFamily="50" charset="-128"/>
+              </a:rPr>
+              <a:t>輝度距離管理</a:t>
+            </a:r>
+          </a:p>
+        </p:txBody>
+      </p:sp>
+      <p:sp>
+        <p:nvSpPr>
+          <p:cNvPr id="45" name="テキスト ボックス 44">
+            <a:extLst>
+              <a:ext uri="{FF2B5EF4-FFF2-40B4-BE49-F238E27FC236}">
+                <a16:creationId xmlns:a16="http://schemas.microsoft.com/office/drawing/2014/main" id="{9F6D48A1-F514-486A-9EFB-7E6C00B40C41}"/>
+              </a:ext>
+            </a:extLst>
+          </p:cNvPr>
+          <p:cNvSpPr txBox="1"/>
+          <p:nvPr/>
+        </p:nvSpPr>
+        <p:spPr>
+          <a:xfrm>
+            <a:off x="6184776" y="5190743"/>
+            <a:ext cx="1635133" cy="253916"/>
+          </a:xfrm>
+          <a:prstGeom prst="rect">
+            <a:avLst/>
+          </a:prstGeom>
+          <a:noFill/>
+        </p:spPr>
+        <p:txBody>
+          <a:bodyPr wrap="square" rtlCol="0">
+            <a:spAutoFit/>
+          </a:bodyPr>
+          <a:lstStyle/>
+          <a:p>
+            <a:r>
+              <a:rPr lang="en-US" altLang="ja-JP" sz="1050" dirty="0">
+                <a:latin typeface="メイリオ" panose="020B0604030504040204" pitchFamily="50" charset="-128"/>
+                <a:ea typeface="メイリオ" panose="020B0604030504040204" pitchFamily="50" charset="-128"/>
+              </a:rPr>
+              <a:t>B-3.</a:t>
+            </a:r>
+            <a:r>
+              <a:rPr lang="ja-JP" altLang="en-US" sz="1050" dirty="0">
+                <a:latin typeface="メイリオ" panose="020B0604030504040204" pitchFamily="50" charset="-128"/>
+                <a:ea typeface="メイリオ" panose="020B0604030504040204" pitchFamily="50" charset="-128"/>
+              </a:rPr>
+              <a:t>走行距離管理</a:t>
+            </a:r>
+            <a:endParaRPr kumimoji="1" lang="ja-JP" altLang="en-US" sz="1050" dirty="0">
+              <a:latin typeface="メイリオ" panose="020B0604030504040204" pitchFamily="50" charset="-128"/>
+              <a:ea typeface="メイリオ" panose="020B0604030504040204" pitchFamily="50" charset="-128"/>
+            </a:endParaRPr>
+          </a:p>
+        </p:txBody>
+      </p:sp>
+      <p:sp>
+        <p:nvSpPr>
+          <p:cNvPr id="46" name="テキスト ボックス 45">
+            <a:extLst>
+              <a:ext uri="{FF2B5EF4-FFF2-40B4-BE49-F238E27FC236}">
+                <a16:creationId xmlns:a16="http://schemas.microsoft.com/office/drawing/2014/main" id="{312005C8-294C-4E34-BA44-6F45AC89AC39}"/>
+              </a:ext>
+            </a:extLst>
+          </p:cNvPr>
+          <p:cNvSpPr txBox="1"/>
+          <p:nvPr/>
+        </p:nvSpPr>
+        <p:spPr>
+          <a:xfrm>
+            <a:off x="6097737" y="7489074"/>
+            <a:ext cx="1635133" cy="253916"/>
+          </a:xfrm>
+          <a:prstGeom prst="rect">
+            <a:avLst/>
+          </a:prstGeom>
+          <a:noFill/>
+        </p:spPr>
+        <p:txBody>
+          <a:bodyPr wrap="square" rtlCol="0">
+            <a:spAutoFit/>
+          </a:bodyPr>
+          <a:lstStyle/>
+          <a:p>
+            <a:r>
+              <a:rPr lang="en-US" altLang="ja-JP" sz="1050" dirty="0">
+                <a:latin typeface="メイリオ" panose="020B0604030504040204" pitchFamily="50" charset="-128"/>
+                <a:ea typeface="メイリオ" panose="020B0604030504040204" pitchFamily="50" charset="-128"/>
+              </a:rPr>
+              <a:t>B</a:t>
+            </a:r>
+            <a:r>
+              <a:rPr kumimoji="1" lang="en-US" altLang="ja-JP" sz="1050" dirty="0">
+                <a:latin typeface="メイリオ" panose="020B0604030504040204" pitchFamily="50" charset="-128"/>
+                <a:ea typeface="メイリオ" panose="020B0604030504040204" pitchFamily="50" charset="-128"/>
+              </a:rPr>
+              <a:t>-4.</a:t>
+            </a:r>
+            <a:r>
+              <a:rPr kumimoji="1" lang="ja-JP" altLang="en-US" sz="1050" dirty="0">
+                <a:latin typeface="メイリオ" panose="020B0604030504040204" pitchFamily="50" charset="-128"/>
+                <a:ea typeface="メイリオ" panose="020B0604030504040204" pitchFamily="50" charset="-128"/>
+              </a:rPr>
+              <a:t>ピッチ角速度管理</a:t>
+            </a:r>
+          </a:p>
+        </p:txBody>
+      </p:sp>
+      <p:sp>
+        <p:nvSpPr>
+          <p:cNvPr id="47" name="テキスト ボックス 46">
+            <a:extLst>
+              <a:ext uri="{FF2B5EF4-FFF2-40B4-BE49-F238E27FC236}">
+                <a16:creationId xmlns:a16="http://schemas.microsoft.com/office/drawing/2014/main" id="{E0BDBC59-7DFD-4CF9-9AB7-A0FEE4969AA1}"/>
+              </a:ext>
+            </a:extLst>
+          </p:cNvPr>
+          <p:cNvSpPr txBox="1"/>
+          <p:nvPr/>
+        </p:nvSpPr>
+        <p:spPr>
+          <a:xfrm>
+            <a:off x="10016696" y="7492260"/>
+            <a:ext cx="1045116" cy="253916"/>
+          </a:xfrm>
+          <a:prstGeom prst="rect">
+            <a:avLst/>
+          </a:prstGeom>
+          <a:noFill/>
+        </p:spPr>
+        <p:txBody>
+          <a:bodyPr wrap="square" rtlCol="0">
+            <a:spAutoFit/>
+          </a:bodyPr>
+          <a:lstStyle/>
+          <a:p>
+            <a:r>
+              <a:rPr lang="en-US" altLang="ja-JP" sz="1050" dirty="0">
+                <a:latin typeface="メイリオ" panose="020B0604030504040204" pitchFamily="50" charset="-128"/>
+                <a:ea typeface="メイリオ" panose="020B0604030504040204" pitchFamily="50" charset="-128"/>
+              </a:rPr>
+              <a:t>B</a:t>
+            </a:r>
+            <a:r>
+              <a:rPr kumimoji="1" lang="en-US" altLang="ja-JP" sz="1050" dirty="0">
+                <a:latin typeface="メイリオ" panose="020B0604030504040204" pitchFamily="50" charset="-128"/>
+                <a:ea typeface="メイリオ" panose="020B0604030504040204" pitchFamily="50" charset="-128"/>
+              </a:rPr>
+              <a:t>-5.</a:t>
+            </a:r>
+            <a:r>
+              <a:rPr kumimoji="1" lang="ja-JP" altLang="en-US" sz="1050" dirty="0">
+                <a:latin typeface="メイリオ" panose="020B0604030504040204" pitchFamily="50" charset="-128"/>
+                <a:ea typeface="メイリオ" panose="020B0604030504040204" pitchFamily="50" charset="-128"/>
+              </a:rPr>
+              <a:t>電圧管理</a:t>
+            </a:r>
+          </a:p>
+        </p:txBody>
+      </p:sp>
+      <p:pic>
+        <p:nvPicPr>
+          <p:cNvPr id="49" name="図 48">
+            <a:extLst>
+              <a:ext uri="{FF2B5EF4-FFF2-40B4-BE49-F238E27FC236}">
+                <a16:creationId xmlns:a16="http://schemas.microsoft.com/office/drawing/2014/main" id="{6930C505-EFA9-49F2-8A4C-7DC238C2E9CE}"/>
+              </a:ext>
+            </a:extLst>
+          </p:cNvPr>
+          <p:cNvPicPr>
+            <a:picLocks noChangeAspect="1"/>
+          </p:cNvPicPr>
+          <p:nvPr/>
+        </p:nvPicPr>
+        <p:blipFill rotWithShape="1">
+          <a:blip r:embed="rId4">
+            <a:extLst>
+              <a:ext uri="{28A0092B-C50C-407E-A947-70E740481C1C}">
+                <a14:useLocalDpi xmlns:a14="http://schemas.microsoft.com/office/drawing/2010/main" val="0"/>
+              </a:ext>
+            </a:extLst>
+          </a:blip>
+          <a:srcRect l="3795" t="9607" r="7412" b="11931"/>
+          <a:stretch/>
+        </p:blipFill>
+        <p:spPr>
+          <a:xfrm>
+            <a:off x="8627048" y="4395679"/>
+            <a:ext cx="3923023" cy="2855841"/>
+          </a:xfrm>
+          <a:prstGeom prst="rect">
+            <a:avLst/>
+          </a:prstGeom>
+        </p:spPr>
+      </p:pic>
+      <p:cxnSp>
+        <p:nvCxnSpPr>
+          <p:cNvPr id="52" name="直線コネクタ 51">
+            <a:extLst>
+              <a:ext uri="{FF2B5EF4-FFF2-40B4-BE49-F238E27FC236}">
+                <a16:creationId xmlns:a16="http://schemas.microsoft.com/office/drawing/2014/main" id="{35FF6D06-FB40-414C-9222-A7D2D2AE4D18}"/>
+              </a:ext>
+            </a:extLst>
+          </p:cNvPr>
+          <p:cNvCxnSpPr>
+            <a:cxnSpLocks/>
+          </p:cNvCxnSpPr>
+          <p:nvPr/>
+        </p:nvCxnSpPr>
+        <p:spPr>
+          <a:xfrm>
+            <a:off x="8534528" y="7317690"/>
+            <a:ext cx="4059946" cy="0"/>
+          </a:xfrm>
+          <a:prstGeom prst="line">
+            <a:avLst/>
+          </a:prstGeom>
+          <a:ln w="38100">
+            <a:solidFill>
+              <a:schemeClr val="accent6"/>
+            </a:solidFill>
+          </a:ln>
+        </p:spPr>
+        <p:style>
+          <a:lnRef idx="1">
+            <a:schemeClr val="accent1"/>
+          </a:lnRef>
+          <a:fillRef idx="0">
+            <a:schemeClr val="accent1"/>
+          </a:fillRef>
+          <a:effectRef idx="0">
+            <a:schemeClr val="accent1"/>
+          </a:effectRef>
+          <a:fontRef idx="minor">
+            <a:schemeClr val="tx1"/>
+          </a:fontRef>
+        </p:style>
+      </p:cxnSp>
+      <p:cxnSp>
+        <p:nvCxnSpPr>
+          <p:cNvPr id="57" name="直線コネクタ 56">
+            <a:extLst>
+              <a:ext uri="{FF2B5EF4-FFF2-40B4-BE49-F238E27FC236}">
+                <a16:creationId xmlns:a16="http://schemas.microsoft.com/office/drawing/2014/main" id="{4E391059-7F2D-43A2-87DE-A69DEC165A3C}"/>
+              </a:ext>
+            </a:extLst>
+          </p:cNvPr>
+          <p:cNvCxnSpPr>
+            <a:cxnSpLocks/>
+          </p:cNvCxnSpPr>
+          <p:nvPr/>
+        </p:nvCxnSpPr>
+        <p:spPr>
+          <a:xfrm>
+            <a:off x="8534528" y="5090492"/>
+            <a:ext cx="0" cy="2227198"/>
+          </a:xfrm>
+          <a:prstGeom prst="line">
+            <a:avLst/>
+          </a:prstGeom>
+          <a:ln w="38100">
+            <a:solidFill>
+              <a:schemeClr val="accent6"/>
+            </a:solidFill>
+          </a:ln>
+        </p:spPr>
+        <p:style>
+          <a:lnRef idx="1">
+            <a:schemeClr val="accent1"/>
+          </a:lnRef>
+          <a:fillRef idx="0">
+            <a:schemeClr val="accent1"/>
+          </a:fillRef>
+          <a:effectRef idx="0">
+            <a:schemeClr val="accent1"/>
+          </a:effectRef>
+          <a:fontRef idx="minor">
+            <a:schemeClr val="tx1"/>
+          </a:fontRef>
+        </p:style>
+      </p:cxnSp>
+      <p:sp>
+        <p:nvSpPr>
+          <p:cNvPr id="66" name="テキスト ボックス 65">
+            <a:extLst>
+              <a:ext uri="{FF2B5EF4-FFF2-40B4-BE49-F238E27FC236}">
+                <a16:creationId xmlns:a16="http://schemas.microsoft.com/office/drawing/2014/main" id="{35995A99-CCE3-45BF-A183-3CA6155C3F4D}"/>
+              </a:ext>
+            </a:extLst>
+          </p:cNvPr>
+          <p:cNvSpPr txBox="1"/>
+          <p:nvPr/>
+        </p:nvSpPr>
+        <p:spPr>
+          <a:xfrm>
+            <a:off x="10069322" y="1149340"/>
+            <a:ext cx="2320665" cy="253916"/>
+          </a:xfrm>
+          <a:prstGeom prst="rect">
+            <a:avLst/>
+          </a:prstGeom>
+          <a:noFill/>
+        </p:spPr>
+        <p:txBody>
+          <a:bodyPr wrap="square" rtlCol="0">
+            <a:spAutoFit/>
+          </a:bodyPr>
+          <a:lstStyle/>
+          <a:p>
+            <a:r>
+              <a:rPr kumimoji="1" lang="en-US" altLang="ja-JP" sz="1050" dirty="0">
+                <a:latin typeface="メイリオ" panose="020B0604030504040204" pitchFamily="50" charset="-128"/>
+                <a:ea typeface="メイリオ" panose="020B0604030504040204" pitchFamily="50" charset="-128"/>
+              </a:rPr>
+              <a:t>A-5.</a:t>
+            </a:r>
+            <a:r>
+              <a:rPr kumimoji="1" lang="ja-JP" altLang="en-US" sz="1050" dirty="0">
+                <a:latin typeface="メイリオ" panose="020B0604030504040204" pitchFamily="50" charset="-128"/>
+                <a:ea typeface="メイリオ" panose="020B0604030504040204" pitchFamily="50" charset="-128"/>
+              </a:rPr>
+              <a:t>モータの駆動</a:t>
+            </a:r>
+            <a:endParaRPr kumimoji="1" lang="en-US" altLang="ja-JP" sz="1050" dirty="0">
+              <a:latin typeface="メイリオ" panose="020B0604030504040204" pitchFamily="50" charset="-128"/>
+              <a:ea typeface="メイリオ" panose="020B0604030504040204" pitchFamily="50" charset="-128"/>
             </a:endParaRPr>
           </a:p>
         </p:txBody>

--- a/PowerPoint/振る舞いモデル.pptx
+++ b/PowerPoint/振る舞いモデル.pptx
@@ -2976,7 +2976,7 @@
               <a:defRPr/>
             </a:pPr>
             <a:r>
-              <a:rPr kumimoji="1" lang="ja-JP" altLang="en-US" sz="2200" b="0" i="0" u="none" strike="noStrike" kern="1200" cap="none" spc="0" normalizeH="0" baseline="0" noProof="0" dirty="0">
+              <a:rPr kumimoji="1" lang="ja-JP" altLang="en-US" sz="2200" b="0" i="0" u="none" strike="noStrike" kern="1200" cap="none" spc="0" normalizeH="0" baseline="0" noProof="0">
                 <a:ln>
                   <a:noFill/>
                 </a:ln>
@@ -3016,6 +3016,26 @@
               <a:t>.</a:t>
             </a:r>
             <a:r>
+              <a:rPr kumimoji="1" lang="ja-JP" altLang="en-US" sz="2200" b="0" i="0" u="none" strike="noStrike" kern="1200" cap="none" spc="0" normalizeH="0" baseline="0" noProof="0">
+                <a:ln>
+                  <a:noFill/>
+                </a:ln>
+                <a:solidFill>
+                  <a:srgbClr val="70AD47">
+                    <a:lumMod val="60000"/>
+                    <a:lumOff val="40000"/>
+                  </a:srgbClr>
+                </a:solidFill>
+                <a:effectLst/>
+                <a:uLnTx/>
+                <a:uFillTx/>
+                <a:latin typeface="HG創英角ｺﾞｼｯｸUB" panose="020B0909000000000000" pitchFamily="49" charset="-128"/>
+                <a:ea typeface="HG創英角ｺﾞｼｯｸUB" panose="020B0909000000000000" pitchFamily="49" charset="-128"/>
+                <a:cs typeface="+mn-cs"/>
+              </a:rPr>
+              <a:t>振る舞い</a:t>
+            </a:r>
+            <a:r>
               <a:rPr kumimoji="1" lang="ja-JP" altLang="en-US" sz="2200" b="0" i="0" u="none" strike="noStrike" kern="1200" cap="none" spc="0" normalizeH="0" baseline="0" noProof="0" dirty="0">
                 <a:ln>
                   <a:noFill/>
@@ -3033,7 +3053,7 @@
                 <a:ea typeface="HG創英角ｺﾞｼｯｸUB" panose="020B0909000000000000" pitchFamily="49" charset="-128"/>
                 <a:cs typeface="+mn-cs"/>
               </a:rPr>
-              <a:t>振る舞い②</a:t>
+              <a:t>②</a:t>
             </a:r>
             <a:endParaRPr kumimoji="1" lang="en-US" altLang="ja-JP" sz="2200" b="0" i="0" u="none" strike="noStrike" kern="1200" cap="none" spc="0" normalizeH="0" baseline="0" noProof="0" dirty="0">
               <a:ln>
@@ -3148,7 +3168,7 @@
         </p:nvSpPr>
         <p:spPr>
           <a:xfrm>
-            <a:off x="96755" y="656510"/>
+            <a:off x="73303" y="643403"/>
             <a:ext cx="12600000" cy="8856984"/>
           </a:xfrm>
           <a:prstGeom prst="rect">
@@ -3274,7 +3294,7 @@
               <a:defRPr/>
             </a:pPr>
             <a:r>
-              <a:rPr kumimoji="1" lang="ja-JP" altLang="en-US" sz="2200" b="0" i="0" u="none" strike="noStrike" kern="1200" cap="none" spc="0" normalizeH="0" baseline="0" noProof="0" dirty="0">
+              <a:rPr kumimoji="1" lang="ja-JP" altLang="en-US" sz="2200" b="0" i="0" u="none" strike="noStrike" kern="1200" cap="none" spc="0" normalizeH="0" baseline="0" noProof="0">
                 <a:ln>
                   <a:noFill/>
                 </a:ln>
@@ -3308,7 +3328,7 @@
               <a:t>.</a:t>
             </a:r>
             <a:r>
-              <a:rPr kumimoji="1" lang="ja-JP" altLang="en-US" sz="2200" b="0" i="0" u="none" strike="noStrike" kern="1200" cap="none" spc="0" normalizeH="0" baseline="0" noProof="0" dirty="0">
+              <a:rPr kumimoji="1" lang="ja-JP" altLang="en-US" sz="2200" b="0" i="0" u="none" strike="noStrike" kern="1200" cap="none" spc="0" normalizeH="0" baseline="0" noProof="0">
                 <a:ln>
                   <a:noFill/>
                 </a:ln>
@@ -3350,12 +3370,155 @@
           </a:p>
         </p:txBody>
       </p:sp>
+      <p:pic>
+        <p:nvPicPr>
+          <p:cNvPr id="27" name="図 26">
+            <a:extLst>
+              <a:ext uri="{FF2B5EF4-FFF2-40B4-BE49-F238E27FC236}">
+                <a16:creationId xmlns:a16="http://schemas.microsoft.com/office/drawing/2014/main" id="{E3FBA33E-3EE2-6643-BD33-DDD4FC241E1F}"/>
+              </a:ext>
+            </a:extLst>
+          </p:cNvPr>
+          <p:cNvPicPr>
+            <a:picLocks noChangeAspect="1"/>
+          </p:cNvPicPr>
+          <p:nvPr/>
+        </p:nvPicPr>
+        <p:blipFill>
+          <a:blip r:embed="rId2">
+            <a:extLst>
+              <a:ext uri="{28A0092B-C50C-407E-A947-70E740481C1C}">
+                <a14:useLocalDpi xmlns:a14="http://schemas.microsoft.com/office/drawing/2010/main" val="0"/>
+              </a:ext>
+            </a:extLst>
+          </a:blip>
+          <a:stretch>
+            <a:fillRect/>
+          </a:stretch>
+        </p:blipFill>
+        <p:spPr>
+          <a:xfrm>
+            <a:off x="151883" y="4781948"/>
+            <a:ext cx="4667778" cy="4647701"/>
+          </a:xfrm>
+          <a:prstGeom prst="rect">
+            <a:avLst/>
+          </a:prstGeom>
+        </p:spPr>
+      </p:pic>
+      <p:pic>
+        <p:nvPicPr>
+          <p:cNvPr id="11" name="図 10" descr="スクリーンショット が含まれている画像&#10;&#10;自動的に生成された説明">
+            <a:extLst>
+              <a:ext uri="{FF2B5EF4-FFF2-40B4-BE49-F238E27FC236}">
+                <a16:creationId xmlns:a16="http://schemas.microsoft.com/office/drawing/2014/main" id="{8B1A67E5-AF6C-BD49-88AD-B07B303F0BCD}"/>
+              </a:ext>
+            </a:extLst>
+          </p:cNvPr>
+          <p:cNvPicPr>
+            <a:picLocks noChangeAspect="1"/>
+          </p:cNvPicPr>
+          <p:nvPr/>
+        </p:nvPicPr>
+        <p:blipFill>
+          <a:blip r:embed="rId3">
+            <a:extLst>
+              <a:ext uri="{28A0092B-C50C-407E-A947-70E740481C1C}">
+                <a14:useLocalDpi xmlns:a14="http://schemas.microsoft.com/office/drawing/2010/main" val="0"/>
+              </a:ext>
+            </a:extLst>
+          </a:blip>
+          <a:stretch>
+            <a:fillRect/>
+          </a:stretch>
+        </p:blipFill>
+        <p:spPr>
+          <a:xfrm>
+            <a:off x="4768578" y="4782195"/>
+            <a:ext cx="4240463" cy="4566653"/>
+          </a:xfrm>
+          <a:prstGeom prst="rect">
+            <a:avLst/>
+          </a:prstGeom>
+        </p:spPr>
+      </p:pic>
+      <p:pic>
+        <p:nvPicPr>
+          <p:cNvPr id="13" name="図 12" descr="スクリーンショット が含まれている画像&#10;&#10;自動的に生成された説明">
+            <a:extLst>
+              <a:ext uri="{FF2B5EF4-FFF2-40B4-BE49-F238E27FC236}">
+                <a16:creationId xmlns:a16="http://schemas.microsoft.com/office/drawing/2014/main" id="{DE0B9E85-7C26-1444-8CCE-1998F9F4E5A3}"/>
+              </a:ext>
+            </a:extLst>
+          </p:cNvPr>
+          <p:cNvPicPr>
+            <a:picLocks noChangeAspect="1"/>
+          </p:cNvPicPr>
+          <p:nvPr/>
+        </p:nvPicPr>
+        <p:blipFill>
+          <a:blip r:embed="rId4">
+            <a:extLst>
+              <a:ext uri="{28A0092B-C50C-407E-A947-70E740481C1C}">
+                <a14:useLocalDpi xmlns:a14="http://schemas.microsoft.com/office/drawing/2010/main" val="0"/>
+              </a:ext>
+            </a:extLst>
+          </a:blip>
+          <a:stretch>
+            <a:fillRect/>
+          </a:stretch>
+        </p:blipFill>
+        <p:spPr>
+          <a:xfrm>
+            <a:off x="8986962" y="4782195"/>
+            <a:ext cx="3633986" cy="4490779"/>
+          </a:xfrm>
+          <a:prstGeom prst="rect">
+            <a:avLst/>
+          </a:prstGeom>
+        </p:spPr>
+      </p:pic>
+      <p:pic>
+        <p:nvPicPr>
+          <p:cNvPr id="17" name="図 16" descr="スクリーンショット が含まれている画像&#10;&#10;自動的に生成された説明">
+            <a:extLst>
+              <a:ext uri="{FF2B5EF4-FFF2-40B4-BE49-F238E27FC236}">
+                <a16:creationId xmlns:a16="http://schemas.microsoft.com/office/drawing/2014/main" id="{4C44B92B-AD6B-8843-8AED-47545E826AB8}"/>
+              </a:ext>
+            </a:extLst>
+          </p:cNvPr>
+          <p:cNvPicPr>
+            <a:picLocks noChangeAspect="1"/>
+          </p:cNvPicPr>
+          <p:nvPr/>
+        </p:nvPicPr>
+        <p:blipFill rotWithShape="1">
+          <a:blip r:embed="rId5">
+            <a:extLst>
+              <a:ext uri="{28A0092B-C50C-407E-A947-70E740481C1C}">
+                <a14:useLocalDpi xmlns:a14="http://schemas.microsoft.com/office/drawing/2010/main" val="0"/>
+              </a:ext>
+            </a:extLst>
+          </a:blip>
+          <a:srcRect l="5818" t="10569" r="3383" b="7631"/>
+          <a:stretch/>
+        </p:blipFill>
+        <p:spPr>
+          <a:xfrm>
+            <a:off x="143678" y="1199004"/>
+            <a:ext cx="4320480" cy="2972428"/>
+          </a:xfrm>
+          <a:prstGeom prst="rect">
+            <a:avLst/>
+          </a:prstGeom>
+        </p:spPr>
+      </p:pic>
       <p:sp>
         <p:nvSpPr>
-          <p:cNvPr id="87" name="テキスト ボックス 86">
+          <p:cNvPr id="41" name="テキスト ボックス 40">
             <a:extLst>
               <a:ext uri="{FF2B5EF4-FFF2-40B4-BE49-F238E27FC236}">
-                <a16:creationId xmlns:a16="http://schemas.microsoft.com/office/drawing/2014/main" id="{3711DAE7-9A51-4800-8101-40FCB5314166}"/>
+                <a16:creationId xmlns:a16="http://schemas.microsoft.com/office/drawing/2014/main" id="{84164602-304F-2D4C-9FC2-03244B73CC4A}"/>
               </a:ext>
             </a:extLst>
           </p:cNvPr>
@@ -3364,136 +3527,8 @@
         </p:nvSpPr>
         <p:spPr>
           <a:xfrm>
-            <a:off x="80067" y="1213111"/>
-            <a:ext cx="3472128" cy="253916"/>
-          </a:xfrm>
-          <a:prstGeom prst="rect">
-            <a:avLst/>
-          </a:prstGeom>
-          <a:noFill/>
-        </p:spPr>
-        <p:txBody>
-          <a:bodyPr wrap="square" rtlCol="0">
-            <a:spAutoFit/>
-          </a:bodyPr>
-          <a:lstStyle/>
-          <a:p>
-            <a:r>
-              <a:rPr lang="ja-JP" altLang="en-US" sz="1050" dirty="0">
-                <a:latin typeface="メイリオ" panose="020B0604030504040204" pitchFamily="50" charset="-128"/>
-                <a:ea typeface="メイリオ" panose="020B0604030504040204" pitchFamily="50" charset="-128"/>
-              </a:rPr>
-              <a:t>機能の状態をステートマシン図に示す．</a:t>
-            </a:r>
-            <a:endParaRPr kumimoji="1" lang="ja-JP" altLang="en-US" sz="1050" dirty="0">
-              <a:latin typeface="メイリオ" panose="020B0604030504040204" pitchFamily="50" charset="-128"/>
-              <a:ea typeface="メイリオ" panose="020B0604030504040204" pitchFamily="50" charset="-128"/>
-            </a:endParaRPr>
-          </a:p>
-        </p:txBody>
-      </p:sp>
-      <p:cxnSp>
-        <p:nvCxnSpPr>
-          <p:cNvPr id="88" name="直線コネクタ 87">
-            <a:extLst>
-              <a:ext uri="{FF2B5EF4-FFF2-40B4-BE49-F238E27FC236}">
-                <a16:creationId xmlns:a16="http://schemas.microsoft.com/office/drawing/2014/main" id="{199699FC-340E-4AAE-8AC0-2997EFD93540}"/>
-              </a:ext>
-            </a:extLst>
-          </p:cNvPr>
-          <p:cNvCxnSpPr>
-            <a:cxnSpLocks/>
-          </p:cNvCxnSpPr>
-          <p:nvPr/>
-        </p:nvCxnSpPr>
-        <p:spPr>
-          <a:xfrm>
-            <a:off x="3740322" y="865421"/>
-            <a:ext cx="0" cy="8399675"/>
-          </a:xfrm>
-          <a:prstGeom prst="line">
-            <a:avLst/>
-          </a:prstGeom>
-          <a:ln w="12700">
-            <a:solidFill>
-              <a:schemeClr val="accent6"/>
-            </a:solidFill>
-          </a:ln>
-        </p:spPr>
-        <p:style>
-          <a:lnRef idx="1">
-            <a:schemeClr val="accent1"/>
-          </a:lnRef>
-          <a:fillRef idx="0">
-            <a:schemeClr val="accent1"/>
-          </a:fillRef>
-          <a:effectRef idx="0">
-            <a:schemeClr val="accent1"/>
-          </a:effectRef>
-          <a:fontRef idx="minor">
-            <a:schemeClr val="tx1"/>
-          </a:fontRef>
-        </p:style>
-      </p:cxnSp>
-      <p:cxnSp>
-        <p:nvCxnSpPr>
-          <p:cNvPr id="89" name="直線コネクタ 88">
-            <a:extLst>
-              <a:ext uri="{FF2B5EF4-FFF2-40B4-BE49-F238E27FC236}">
-                <a16:creationId xmlns:a16="http://schemas.microsoft.com/office/drawing/2014/main" id="{89AD6D0A-D6DB-456D-A5E7-9C0F39C0F57B}"/>
-              </a:ext>
-            </a:extLst>
-          </p:cNvPr>
-          <p:cNvCxnSpPr>
-            <a:cxnSpLocks/>
-          </p:cNvCxnSpPr>
-          <p:nvPr/>
-        </p:nvCxnSpPr>
-        <p:spPr>
-          <a:xfrm>
-            <a:off x="157712" y="1132808"/>
-            <a:ext cx="3507807" cy="645"/>
-          </a:xfrm>
-          <a:prstGeom prst="line">
-            <a:avLst/>
-          </a:prstGeom>
-          <a:ln w="38100">
-            <a:solidFill>
-              <a:schemeClr val="accent6"/>
-            </a:solidFill>
-          </a:ln>
-        </p:spPr>
-        <p:style>
-          <a:lnRef idx="1">
-            <a:schemeClr val="accent1"/>
-          </a:lnRef>
-          <a:fillRef idx="0">
-            <a:schemeClr val="accent1"/>
-          </a:fillRef>
-          <a:effectRef idx="0">
-            <a:schemeClr val="accent1"/>
-          </a:effectRef>
-          <a:fontRef idx="minor">
-            <a:schemeClr val="tx1"/>
-          </a:fontRef>
-        </p:style>
-      </p:cxnSp>
-      <p:sp>
-        <p:nvSpPr>
-          <p:cNvPr id="90" name="テキスト ボックス 89">
-            <a:extLst>
-              <a:ext uri="{FF2B5EF4-FFF2-40B4-BE49-F238E27FC236}">
-                <a16:creationId xmlns:a16="http://schemas.microsoft.com/office/drawing/2014/main" id="{82331738-3A73-4BD9-9589-D3A7AC660150}"/>
-              </a:ext>
-            </a:extLst>
-          </p:cNvPr>
-          <p:cNvSpPr txBox="1"/>
-          <p:nvPr/>
-        </p:nvSpPr>
-        <p:spPr>
-          <a:xfrm>
-            <a:off x="73832" y="794899"/>
-            <a:ext cx="2796222" cy="338554"/>
+            <a:off x="84542" y="691471"/>
+            <a:ext cx="2211802" cy="338554"/>
           </a:xfrm>
           <a:prstGeom prst="rect">
             <a:avLst/>
@@ -3524,7 +3559,7 @@
               <a:defRPr/>
             </a:pPr>
             <a:r>
-              <a:rPr kumimoji="1" lang="ja-JP" altLang="en-US" b="1" i="0" u="none" strike="noStrike" kern="1200" cap="none" spc="0" normalizeH="0" baseline="0" noProof="0" dirty="0">
+              <a:rPr kumimoji="1" lang="en-US" altLang="ja-JP" b="1" i="0" u="none" strike="noStrike" kern="1200" cap="none" spc="0" normalizeH="0" baseline="0" noProof="0" dirty="0">
                 <a:ln>
                   <a:noFill/>
                 </a:ln>
@@ -3537,17 +3572,46 @@
                 <a:latin typeface="游ゴシック" panose="020B0400000000000000" pitchFamily="50" charset="-128"/>
                 <a:ea typeface="游ゴシック" panose="020B0400000000000000" pitchFamily="50" charset="-128"/>
               </a:rPr>
-              <a:t>１．システム全体の状態</a:t>
-            </a:r>
+              <a:t>1.</a:t>
+            </a:r>
+            <a:r>
+              <a:rPr kumimoji="1" lang="ja-JP" altLang="en-US" b="1" i="0" u="none" strike="noStrike" kern="1200" cap="none" spc="0" normalizeH="0" baseline="0" noProof="0">
+                <a:ln>
+                  <a:noFill/>
+                </a:ln>
+                <a:solidFill>
+                  <a:prstClr val="black"/>
+                </a:solidFill>
+                <a:effectLst/>
+                <a:uLnTx/>
+                <a:uFillTx/>
+                <a:latin typeface="游ゴシック" panose="020B0400000000000000" pitchFamily="50" charset="-128"/>
+                <a:ea typeface="游ゴシック" panose="020B0400000000000000" pitchFamily="50" charset="-128"/>
+              </a:rPr>
+              <a:t>システム全体の状態</a:t>
+            </a:r>
+            <a:endParaRPr kumimoji="1" lang="ja-JP" altLang="en-US" b="1" i="0" u="none" strike="noStrike" kern="1200" cap="none" spc="0" normalizeH="0" baseline="0" noProof="0" dirty="0">
+              <a:ln>
+                <a:noFill/>
+              </a:ln>
+              <a:solidFill>
+                <a:prstClr val="black"/>
+              </a:solidFill>
+              <a:effectLst/>
+              <a:uLnTx/>
+              <a:uFillTx/>
+              <a:latin typeface="游ゴシック" panose="020B0400000000000000" pitchFamily="50" charset="-128"/>
+              <a:ea typeface="游ゴシック" panose="020B0400000000000000" pitchFamily="50" charset="-128"/>
+            </a:endParaRPr>
           </a:p>
         </p:txBody>
       </p:sp>
       <p:cxnSp>
         <p:nvCxnSpPr>
-          <p:cNvPr id="91" name="直線コネクタ 90">
+          <p:cNvPr id="50" name="直線コネクタ 49">
             <a:extLst>
               <a:ext uri="{FF2B5EF4-FFF2-40B4-BE49-F238E27FC236}">
-                <a16:creationId xmlns:a16="http://schemas.microsoft.com/office/drawing/2014/main" id="{6F43DC33-B245-430C-827F-3E49DF3F51E2}"/>
+                <a16:creationId xmlns:a16="http://schemas.microsoft.com/office/drawing/2014/main" id="{D23FE191-4727-8040-A83B-5C3B05BC557D}"/>
               </a:ext>
             </a:extLst>
           </p:cNvPr>
@@ -3558,8 +3622,8 @@
         </p:nvCxnSpPr>
         <p:spPr>
           <a:xfrm>
-            <a:off x="166658" y="4814586"/>
-            <a:ext cx="3507807" cy="645"/>
+            <a:off x="151883" y="1015055"/>
+            <a:ext cx="4232693" cy="0"/>
           </a:xfrm>
           <a:prstGeom prst="line">
             <a:avLst/>
@@ -3587,10 +3651,10 @@
       </p:cxnSp>
       <p:sp>
         <p:nvSpPr>
-          <p:cNvPr id="92" name="テキスト ボックス 91">
+          <p:cNvPr id="51" name="テキスト ボックス 50">
             <a:extLst>
               <a:ext uri="{FF2B5EF4-FFF2-40B4-BE49-F238E27FC236}">
-                <a16:creationId xmlns:a16="http://schemas.microsoft.com/office/drawing/2014/main" id="{FBC1B6BB-5432-4BB9-86AB-DBBDEC8D4733}"/>
+                <a16:creationId xmlns:a16="http://schemas.microsoft.com/office/drawing/2014/main" id="{0E208EF2-3DC9-8842-85F1-016BCC69C7FD}"/>
               </a:ext>
             </a:extLst>
           </p:cNvPr>
@@ -3599,8 +3663,50 @@
         </p:nvSpPr>
         <p:spPr>
           <a:xfrm>
-            <a:off x="141467" y="4215825"/>
-            <a:ext cx="3524052" cy="584775"/>
+            <a:off x="77784" y="1033980"/>
+            <a:ext cx="2768716" cy="253916"/>
+          </a:xfrm>
+          <a:prstGeom prst="rect">
+            <a:avLst/>
+          </a:prstGeom>
+          <a:noFill/>
+        </p:spPr>
+        <p:txBody>
+          <a:bodyPr wrap="square" rtlCol="0">
+            <a:spAutoFit/>
+          </a:bodyPr>
+          <a:lstStyle/>
+          <a:p>
+            <a:r>
+              <a:rPr kumimoji="1" lang="ja-JP" altLang="en-US" sz="1050">
+                <a:latin typeface="メイリオ" panose="020B0604030504040204" pitchFamily="50" charset="-128"/>
+                <a:ea typeface="メイリオ" panose="020B0604030504040204" pitchFamily="50" charset="-128"/>
+              </a:rPr>
+              <a:t>機能の状態をステートマシン図に示す</a:t>
+            </a:r>
+            <a:endParaRPr kumimoji="1" lang="ja-JP" altLang="en-US" sz="1050" dirty="0">
+              <a:latin typeface="メイリオ" panose="020B0604030504040204" pitchFamily="50" charset="-128"/>
+              <a:ea typeface="メイリオ" panose="020B0604030504040204" pitchFamily="50" charset="-128"/>
+            </a:endParaRPr>
+          </a:p>
+        </p:txBody>
+      </p:sp>
+      <p:sp>
+        <p:nvSpPr>
+          <p:cNvPr id="52" name="テキスト ボックス 51">
+            <a:extLst>
+              <a:ext uri="{FF2B5EF4-FFF2-40B4-BE49-F238E27FC236}">
+                <a16:creationId xmlns:a16="http://schemas.microsoft.com/office/drawing/2014/main" id="{A9FF27DF-B6F0-ED45-963E-793ABB41C8FF}"/>
+              </a:ext>
+            </a:extLst>
+          </p:cNvPr>
+          <p:cNvSpPr txBox="1"/>
+          <p:nvPr/>
+        </p:nvSpPr>
+        <p:spPr>
+          <a:xfrm>
+            <a:off x="84542" y="4269734"/>
+            <a:ext cx="2768716" cy="338554"/>
           </a:xfrm>
           <a:prstGeom prst="rect">
             <a:avLst/>
@@ -3631,7 +3737,17 @@
               <a:defRPr/>
             </a:pPr>
             <a:r>
-              <a:rPr kumimoji="1" lang="ja-JP" altLang="en-US" b="1" i="0" u="none" strike="noStrike" kern="1200" cap="none" spc="0" normalizeH="0" baseline="0" noProof="0" dirty="0">
+              <a:rPr lang="en-US" altLang="ja-JP" b="1" dirty="0">
+                <a:solidFill>
+                  <a:prstClr val="black"/>
+                </a:solidFill>
+                <a:latin typeface="游ゴシック" panose="020B0400000000000000" pitchFamily="50" charset="-128"/>
+                <a:ea typeface="游ゴシック" panose="020B0400000000000000" pitchFamily="50" charset="-128"/>
+              </a:rPr>
+              <a:t>2</a:t>
+            </a:r>
+            <a:r>
+              <a:rPr kumimoji="1" lang="en-US" altLang="ja-JP" b="1" i="0" u="none" strike="noStrike" kern="1200" cap="none" spc="0" normalizeH="0" baseline="0" noProof="0" dirty="0">
                 <a:ln>
                   <a:noFill/>
                 </a:ln>
@@ -3644,9 +3760,25 @@
                 <a:latin typeface="游ゴシック" panose="020B0400000000000000" pitchFamily="50" charset="-128"/>
                 <a:ea typeface="游ゴシック" panose="020B0400000000000000" pitchFamily="50" charset="-128"/>
               </a:rPr>
-              <a:t>２．ステートマシン図と</a:t>
-            </a:r>
-            <a:endParaRPr kumimoji="1" lang="en-US" altLang="ja-JP" b="1" i="0" u="none" strike="noStrike" kern="1200" cap="none" spc="0" normalizeH="0" baseline="0" noProof="0" dirty="0">
+              <a:t>.</a:t>
+            </a:r>
+            <a:r>
+              <a:rPr kumimoji="1" lang="ja-JP" altLang="en-US" b="1" i="0" u="none" strike="noStrike" kern="1200" cap="none" spc="0" normalizeH="0" baseline="0" noProof="0">
+                <a:ln>
+                  <a:noFill/>
+                </a:ln>
+                <a:solidFill>
+                  <a:prstClr val="black"/>
+                </a:solidFill>
+                <a:effectLst/>
+                <a:uLnTx/>
+                <a:uFillTx/>
+                <a:latin typeface="游ゴシック" panose="020B0400000000000000" pitchFamily="50" charset="-128"/>
+                <a:ea typeface="游ゴシック" panose="020B0400000000000000" pitchFamily="50" charset="-128"/>
+              </a:rPr>
+              <a:t>システム全体の振る舞い</a:t>
+            </a:r>
+            <a:endParaRPr kumimoji="1" lang="ja-JP" altLang="en-US" b="1" i="0" u="none" strike="noStrike" kern="1200" cap="none" spc="0" normalizeH="0" baseline="0" noProof="0" dirty="0">
               <a:ln>
                 <a:noFill/>
               </a:ln>
@@ -3660,59 +3792,14 @@
               <a:ea typeface="游ゴシック" panose="020B0400000000000000" pitchFamily="50" charset="-128"/>
             </a:endParaRPr>
           </a:p>
-          <a:p>
-            <a:pPr marL="0" marR="0" lvl="0" indent="0" algn="l" defTabSz="914400" rtl="0" eaLnBrk="1" fontAlgn="base" latinLnBrk="0" hangingPunct="1">
-              <a:lnSpc>
-                <a:spcPct val="100000"/>
-              </a:lnSpc>
-              <a:spcBef>
-                <a:spcPct val="0"/>
-              </a:spcBef>
-              <a:spcAft>
-                <a:spcPct val="0"/>
-              </a:spcAft>
-              <a:buClrTx/>
-              <a:buSzTx/>
-              <a:buFontTx/>
-              <a:buNone/>
-              <a:tabLst/>
-              <a:defRPr/>
-            </a:pPr>
-            <a:r>
-              <a:rPr lang="ja-JP" altLang="en-US" b="1" dirty="0">
-                <a:solidFill>
-                  <a:prstClr val="black"/>
-                </a:solidFill>
-                <a:latin typeface="游ゴシック" panose="020B0400000000000000" pitchFamily="50" charset="-128"/>
-                <a:ea typeface="游ゴシック" panose="020B0400000000000000" pitchFamily="50" charset="-128"/>
-              </a:rPr>
-              <a:t>　　</a:t>
-            </a:r>
-            <a:r>
-              <a:rPr kumimoji="1" lang="ja-JP" altLang="en-US" b="1" i="0" u="none" strike="noStrike" kern="1200" cap="none" spc="0" normalizeH="0" baseline="0" noProof="0" dirty="0">
-                <a:ln>
-                  <a:noFill/>
-                </a:ln>
-                <a:solidFill>
-                  <a:prstClr val="black"/>
-                </a:solidFill>
-                <a:effectLst/>
-                <a:uLnTx/>
-                <a:uFillTx/>
-                <a:latin typeface="游ゴシック" panose="020B0400000000000000" pitchFamily="50" charset="-128"/>
-                <a:ea typeface="游ゴシック" panose="020B0400000000000000" pitchFamily="50" charset="-128"/>
-              </a:rPr>
-              <a:t>シーケンス図の対応関係</a:t>
-            </a:r>
-          </a:p>
         </p:txBody>
       </p:sp>
       <p:cxnSp>
         <p:nvCxnSpPr>
-          <p:cNvPr id="94" name="直線コネクタ 93">
+          <p:cNvPr id="23" name="直線コネクタ 22">
             <a:extLst>
               <a:ext uri="{FF2B5EF4-FFF2-40B4-BE49-F238E27FC236}">
-                <a16:creationId xmlns:a16="http://schemas.microsoft.com/office/drawing/2014/main" id="{B9BA034D-6C7A-430B-8E7A-C2876F947CB9}"/>
+                <a16:creationId xmlns:a16="http://schemas.microsoft.com/office/drawing/2014/main" id="{8135B6D7-17FA-3A41-89A8-F49243F404AF}"/>
               </a:ext>
             </a:extLst>
           </p:cNvPr>
@@ -3723,8 +3810,51 @@
         </p:nvCxnSpPr>
         <p:spPr>
           <a:xfrm>
-            <a:off x="3824374" y="1132808"/>
-            <a:ext cx="6365807" cy="0"/>
+            <a:off x="4528592" y="806769"/>
+            <a:ext cx="0" cy="3632242"/>
+          </a:xfrm>
+          <a:prstGeom prst="line">
+            <a:avLst/>
+          </a:prstGeom>
+          <a:ln>
+            <a:solidFill>
+              <a:schemeClr val="accent6"/>
+            </a:solidFill>
+          </a:ln>
+        </p:spPr>
+        <p:style>
+          <a:lnRef idx="1">
+            <a:schemeClr val="accent1"/>
+          </a:lnRef>
+          <a:fillRef idx="0">
+            <a:schemeClr val="accent1"/>
+          </a:fillRef>
+          <a:effectRef idx="0">
+            <a:schemeClr val="accent1"/>
+          </a:effectRef>
+          <a:fontRef idx="minor">
+            <a:schemeClr val="tx1"/>
+          </a:fontRef>
+        </p:style>
+      </p:cxnSp>
+      <p:cxnSp>
+        <p:nvCxnSpPr>
+          <p:cNvPr id="54" name="直線コネクタ 53">
+            <a:extLst>
+              <a:ext uri="{FF2B5EF4-FFF2-40B4-BE49-F238E27FC236}">
+                <a16:creationId xmlns:a16="http://schemas.microsoft.com/office/drawing/2014/main" id="{D854745E-A02A-8042-8696-36AF92323DB1}"/>
+              </a:ext>
+            </a:extLst>
+          </p:cNvPr>
+          <p:cNvCxnSpPr>
+            <a:cxnSpLocks/>
+          </p:cNvCxnSpPr>
+          <p:nvPr/>
+        </p:nvCxnSpPr>
+        <p:spPr>
+          <a:xfrm>
+            <a:off x="143678" y="4572060"/>
+            <a:ext cx="12477270" cy="0"/>
           </a:xfrm>
           <a:prstGeom prst="line">
             <a:avLst/>
@@ -3752,10 +3882,10 @@
       </p:cxnSp>
       <p:sp>
         <p:nvSpPr>
-          <p:cNvPr id="95" name="テキスト ボックス 94">
+          <p:cNvPr id="57" name="テキスト ボックス 56">
             <a:extLst>
               <a:ext uri="{FF2B5EF4-FFF2-40B4-BE49-F238E27FC236}">
-                <a16:creationId xmlns:a16="http://schemas.microsoft.com/office/drawing/2014/main" id="{2EA0D811-7FEE-4580-8113-7976525DDD35}"/>
+                <a16:creationId xmlns:a16="http://schemas.microsoft.com/office/drawing/2014/main" id="{A2597920-B22A-F04A-9FB9-2017C5133FA4}"/>
               </a:ext>
             </a:extLst>
           </p:cNvPr>
@@ -3764,8 +3894,8 @@
         </p:nvSpPr>
         <p:spPr>
           <a:xfrm>
-            <a:off x="3797632" y="824201"/>
-            <a:ext cx="3400848" cy="338554"/>
+            <a:off x="107456" y="4644514"/>
+            <a:ext cx="3192219" cy="253916"/>
           </a:xfrm>
           <a:prstGeom prst="rect">
             <a:avLst/>
@@ -3778,171 +3908,20 @@
           </a:bodyPr>
           <a:lstStyle/>
           <a:p>
-            <a:pPr marL="0" marR="0" lvl="0" indent="0" algn="l" defTabSz="914400" rtl="0" eaLnBrk="1" fontAlgn="base" latinLnBrk="0" hangingPunct="1">
-              <a:lnSpc>
-                <a:spcPct val="100000"/>
-              </a:lnSpc>
-              <a:spcBef>
-                <a:spcPct val="0"/>
-              </a:spcBef>
-              <a:spcAft>
-                <a:spcPct val="0"/>
-              </a:spcAft>
-              <a:buClrTx/>
-              <a:buSzTx/>
-              <a:buFontTx/>
-              <a:buNone/>
-              <a:tabLst/>
-              <a:defRPr/>
-            </a:pPr>
-            <a:r>
-              <a:rPr kumimoji="1" lang="ja-JP" altLang="en-US" b="1" i="0" u="none" strike="noStrike" kern="1200" cap="none" spc="0" normalizeH="0" baseline="0" noProof="0" dirty="0">
-                <a:ln>
-                  <a:noFill/>
-                </a:ln>
-                <a:solidFill>
-                  <a:prstClr val="black"/>
-                </a:solidFill>
-                <a:effectLst/>
-                <a:uLnTx/>
-                <a:uFillTx/>
-                <a:latin typeface="游ゴシック" panose="020B0400000000000000" pitchFamily="50" charset="-128"/>
-                <a:ea typeface="游ゴシック" panose="020B0400000000000000" pitchFamily="50" charset="-128"/>
+            <a:r>
+              <a:rPr lang="ja-JP" altLang="en-US" sz="1050">
+                <a:latin typeface="メイリオ" panose="020B0604030504040204" pitchFamily="50" charset="-128"/>
+                <a:ea typeface="メイリオ" panose="020B0604030504040204" pitchFamily="50" charset="-128"/>
               </a:rPr>
-              <a:t>３．システムの振る舞い</a:t>
-            </a:r>
+              <a:t>ステートマシン図を基にステートマシン図を示す</a:t>
+            </a:r>
+            <a:endParaRPr kumimoji="1" lang="ja-JP" altLang="en-US" sz="1050" dirty="0">
+              <a:latin typeface="メイリオ" panose="020B0604030504040204" pitchFamily="50" charset="-128"/>
+              <a:ea typeface="メイリオ" panose="020B0604030504040204" pitchFamily="50" charset="-128"/>
+            </a:endParaRPr>
           </a:p>
         </p:txBody>
       </p:sp>
-      <p:sp>
-        <p:nvSpPr>
-          <p:cNvPr id="96" name="テキスト ボックス 95">
-            <a:extLst>
-              <a:ext uri="{FF2B5EF4-FFF2-40B4-BE49-F238E27FC236}">
-                <a16:creationId xmlns:a16="http://schemas.microsoft.com/office/drawing/2014/main" id="{596CF929-001F-447A-ABAE-B2343DA01706}"/>
-              </a:ext>
-            </a:extLst>
-          </p:cNvPr>
-          <p:cNvSpPr txBox="1"/>
-          <p:nvPr/>
-        </p:nvSpPr>
-        <p:spPr>
-          <a:xfrm>
-            <a:off x="3806180" y="1152014"/>
-            <a:ext cx="4479609" cy="415498"/>
-          </a:xfrm>
-          <a:prstGeom prst="rect">
-            <a:avLst/>
-          </a:prstGeom>
-          <a:noFill/>
-        </p:spPr>
-        <p:txBody>
-          <a:bodyPr wrap="square" rtlCol="0">
-            <a:spAutoFit/>
-          </a:bodyPr>
-          <a:lstStyle/>
-          <a:p>
-            <a:r>
-              <a:rPr kumimoji="1" lang="ja-JP" altLang="en-US" sz="1050" dirty="0">
-                <a:latin typeface="メイリオ" panose="020B0604030504040204" pitchFamily="50" charset="-128"/>
-                <a:ea typeface="メイリオ" panose="020B0604030504040204" pitchFamily="50" charset="-128"/>
-              </a:rPr>
-              <a:t>全体の動作をシーケンス図に示す</a:t>
-            </a:r>
-            <a:br>
-              <a:rPr kumimoji="1" lang="en-US" altLang="ja-JP" sz="1050" dirty="0">
-                <a:latin typeface="メイリオ" panose="020B0604030504040204" pitchFamily="50" charset="-128"/>
-                <a:ea typeface="メイリオ" panose="020B0604030504040204" pitchFamily="50" charset="-128"/>
-              </a:rPr>
-            </a:br>
-            <a:r>
-              <a:rPr kumimoji="1" lang="en-US" altLang="ja-JP" sz="1050" dirty="0">
-                <a:latin typeface="メイリオ" panose="020B0604030504040204" pitchFamily="50" charset="-128"/>
-                <a:ea typeface="メイリオ" panose="020B0604030504040204" pitchFamily="50" charset="-128"/>
-              </a:rPr>
-              <a:t>ref.</a:t>
-            </a:r>
-            <a:r>
-              <a:rPr kumimoji="1" lang="ja-JP" altLang="en-US" sz="1050" dirty="0">
-                <a:latin typeface="メイリオ" panose="020B0604030504040204" pitchFamily="50" charset="-128"/>
-                <a:ea typeface="メイリオ" panose="020B0604030504040204" pitchFamily="50" charset="-128"/>
-              </a:rPr>
-              <a:t>で示された部分は別図にさらに詳細な振る舞いを示す</a:t>
-            </a:r>
-          </a:p>
-        </p:txBody>
-      </p:sp>
-      <p:pic>
-        <p:nvPicPr>
-          <p:cNvPr id="97" name="図 96">
-            <a:extLst>
-              <a:ext uri="{FF2B5EF4-FFF2-40B4-BE49-F238E27FC236}">
-                <a16:creationId xmlns:a16="http://schemas.microsoft.com/office/drawing/2014/main" id="{65CDF438-EBD0-429B-9241-52AFB275D349}"/>
-              </a:ext>
-            </a:extLst>
-          </p:cNvPr>
-          <p:cNvPicPr>
-            <a:picLocks noChangeAspect="1"/>
-          </p:cNvPicPr>
-          <p:nvPr/>
-        </p:nvPicPr>
-        <p:blipFill rotWithShape="1">
-          <a:blip r:embed="rId2">
-            <a:extLst>
-              <a:ext uri="{28A0092B-C50C-407E-A947-70E740481C1C}">
-                <a14:useLocalDpi xmlns:a14="http://schemas.microsoft.com/office/drawing/2010/main" val="0"/>
-              </a:ext>
-            </a:extLst>
-          </a:blip>
-          <a:srcRect l="2917" t="5230" r="12709" b="3981"/>
-          <a:stretch/>
-        </p:blipFill>
-        <p:spPr>
-          <a:xfrm>
-            <a:off x="3770895" y="1651701"/>
-            <a:ext cx="8922257" cy="6912053"/>
-          </a:xfrm>
-          <a:prstGeom prst="rect">
-            <a:avLst/>
-          </a:prstGeom>
-        </p:spPr>
-      </p:pic>
-      <p:pic>
-        <p:nvPicPr>
-          <p:cNvPr id="7" name="図 6">
-            <a:extLst>
-              <a:ext uri="{FF2B5EF4-FFF2-40B4-BE49-F238E27FC236}">
-                <a16:creationId xmlns:a16="http://schemas.microsoft.com/office/drawing/2014/main" id="{0FCCC57C-3C26-40AB-8220-3F5E3DC0C056}"/>
-              </a:ext>
-            </a:extLst>
-          </p:cNvPr>
-          <p:cNvPicPr>
-            <a:picLocks noChangeAspect="1"/>
-          </p:cNvPicPr>
-          <p:nvPr/>
-        </p:nvPicPr>
-        <p:blipFill>
-          <a:blip r:embed="rId3">
-            <a:extLst>
-              <a:ext uri="{28A0092B-C50C-407E-A947-70E740481C1C}">
-                <a14:useLocalDpi xmlns:a14="http://schemas.microsoft.com/office/drawing/2010/main" val="0"/>
-              </a:ext>
-            </a:extLst>
-          </a:blip>
-          <a:stretch>
-            <a:fillRect/>
-          </a:stretch>
-        </p:blipFill>
-        <p:spPr>
-          <a:xfrm>
-            <a:off x="149808" y="1414360"/>
-            <a:ext cx="3543596" cy="2709257"/>
-          </a:xfrm>
-          <a:prstGeom prst="rect">
-            <a:avLst/>
-          </a:prstGeom>
-        </p:spPr>
-      </p:pic>
     </p:spTree>
     <p:extLst>
       <p:ext uri="{BB962C8B-B14F-4D97-AF65-F5344CB8AC3E}">
@@ -5024,516 +5003,6 @@
           </a:p>
         </p:txBody>
       </p:sp>
-      <p:pic>
-        <p:nvPicPr>
-          <p:cNvPr id="21" name="図 20">
-            <a:extLst>
-              <a:ext uri="{FF2B5EF4-FFF2-40B4-BE49-F238E27FC236}">
-                <a16:creationId xmlns:a16="http://schemas.microsoft.com/office/drawing/2014/main" id="{364D5A5B-71B8-42D8-93CC-A3931F928E72}"/>
-              </a:ext>
-            </a:extLst>
-          </p:cNvPr>
-          <p:cNvPicPr>
-            <a:picLocks noChangeAspect="1"/>
-          </p:cNvPicPr>
-          <p:nvPr/>
-        </p:nvPicPr>
-        <p:blipFill rotWithShape="1">
-          <a:blip r:embed="rId2">
-            <a:extLst>
-              <a:ext uri="{28A0092B-C50C-407E-A947-70E740481C1C}">
-                <a14:useLocalDpi xmlns:a14="http://schemas.microsoft.com/office/drawing/2010/main" val="0"/>
-              </a:ext>
-            </a:extLst>
-          </a:blip>
-          <a:srcRect l="3615" t="9497" r="17753" b="9659"/>
-          <a:stretch/>
-        </p:blipFill>
-        <p:spPr>
-          <a:xfrm>
-            <a:off x="178201" y="1430396"/>
-            <a:ext cx="1873961" cy="2704964"/>
-          </a:xfrm>
-          <a:prstGeom prst="rect">
-            <a:avLst/>
-          </a:prstGeom>
-        </p:spPr>
-      </p:pic>
-      <p:pic>
-        <p:nvPicPr>
-          <p:cNvPr id="27" name="図 26">
-            <a:extLst>
-              <a:ext uri="{FF2B5EF4-FFF2-40B4-BE49-F238E27FC236}">
-                <a16:creationId xmlns:a16="http://schemas.microsoft.com/office/drawing/2014/main" id="{47F725EB-71F4-4531-B0D4-238392C63D29}"/>
-              </a:ext>
-            </a:extLst>
-          </p:cNvPr>
-          <p:cNvPicPr>
-            <a:picLocks noChangeAspect="1"/>
-          </p:cNvPicPr>
-          <p:nvPr/>
-        </p:nvPicPr>
-        <p:blipFill rotWithShape="1">
-          <a:blip r:embed="rId3">
-            <a:extLst>
-              <a:ext uri="{28A0092B-C50C-407E-A947-70E740481C1C}">
-                <a14:useLocalDpi xmlns:a14="http://schemas.microsoft.com/office/drawing/2010/main" val="0"/>
-              </a:ext>
-            </a:extLst>
-          </a:blip>
-          <a:srcRect l="5697" t="10137" r="5681" b="8341"/>
-          <a:stretch/>
-        </p:blipFill>
-        <p:spPr>
-          <a:xfrm>
-            <a:off x="2345138" y="1385607"/>
-            <a:ext cx="2332314" cy="2704965"/>
-          </a:xfrm>
-          <a:prstGeom prst="rect">
-            <a:avLst/>
-          </a:prstGeom>
-        </p:spPr>
-      </p:pic>
-      <p:pic>
-        <p:nvPicPr>
-          <p:cNvPr id="34" name="図 33">
-            <a:extLst>
-              <a:ext uri="{FF2B5EF4-FFF2-40B4-BE49-F238E27FC236}">
-                <a16:creationId xmlns:a16="http://schemas.microsoft.com/office/drawing/2014/main" id="{0B6BCE25-B563-4D2E-BA5E-223D36C9C495}"/>
-              </a:ext>
-            </a:extLst>
-          </p:cNvPr>
-          <p:cNvPicPr>
-            <a:picLocks noChangeAspect="1"/>
-          </p:cNvPicPr>
-          <p:nvPr/>
-        </p:nvPicPr>
-        <p:blipFill rotWithShape="1">
-          <a:blip r:embed="rId4">
-            <a:extLst>
-              <a:ext uri="{28A0092B-C50C-407E-A947-70E740481C1C}">
-                <a14:useLocalDpi xmlns:a14="http://schemas.microsoft.com/office/drawing/2010/main" val="0"/>
-              </a:ext>
-            </a:extLst>
-          </a:blip>
-          <a:srcRect l="4049" t="10245" r="3935" b="10418"/>
-          <a:stretch/>
-        </p:blipFill>
-        <p:spPr>
-          <a:xfrm>
-            <a:off x="9026446" y="1409370"/>
-            <a:ext cx="3248164" cy="2307223"/>
-          </a:xfrm>
-          <a:prstGeom prst="rect">
-            <a:avLst/>
-          </a:prstGeom>
-        </p:spPr>
-      </p:pic>
-      <p:pic>
-        <p:nvPicPr>
-          <p:cNvPr id="35" name="図 34">
-            <a:extLst>
-              <a:ext uri="{FF2B5EF4-FFF2-40B4-BE49-F238E27FC236}">
-                <a16:creationId xmlns:a16="http://schemas.microsoft.com/office/drawing/2014/main" id="{76055739-5FA9-4CB9-94B7-48C0D05CD03E}"/>
-              </a:ext>
-            </a:extLst>
-          </p:cNvPr>
-          <p:cNvPicPr>
-            <a:picLocks noChangeAspect="1"/>
-          </p:cNvPicPr>
-          <p:nvPr/>
-        </p:nvPicPr>
-        <p:blipFill rotWithShape="1">
-          <a:blip r:embed="rId5">
-            <a:extLst>
-              <a:ext uri="{28A0092B-C50C-407E-A947-70E740481C1C}">
-                <a14:useLocalDpi xmlns:a14="http://schemas.microsoft.com/office/drawing/2010/main" val="0"/>
-              </a:ext>
-            </a:extLst>
-          </a:blip>
-          <a:srcRect l="4879" t="9162" r="38080" b="10726"/>
-          <a:stretch/>
-        </p:blipFill>
-        <p:spPr>
-          <a:xfrm>
-            <a:off x="144515" y="5468327"/>
-            <a:ext cx="1824505" cy="3348673"/>
-          </a:xfrm>
-          <a:prstGeom prst="rect">
-            <a:avLst/>
-          </a:prstGeom>
-        </p:spPr>
-      </p:pic>
-      <p:pic>
-        <p:nvPicPr>
-          <p:cNvPr id="36" name="図 35">
-            <a:extLst>
-              <a:ext uri="{FF2B5EF4-FFF2-40B4-BE49-F238E27FC236}">
-                <a16:creationId xmlns:a16="http://schemas.microsoft.com/office/drawing/2014/main" id="{1169AB28-5950-47F7-A6A3-A401BD433C0C}"/>
-              </a:ext>
-            </a:extLst>
-          </p:cNvPr>
-          <p:cNvPicPr>
-            <a:picLocks noChangeAspect="1"/>
-          </p:cNvPicPr>
-          <p:nvPr/>
-        </p:nvPicPr>
-        <p:blipFill rotWithShape="1">
-          <a:blip r:embed="rId6">
-            <a:extLst>
-              <a:ext uri="{28A0092B-C50C-407E-A947-70E740481C1C}">
-                <a14:useLocalDpi xmlns:a14="http://schemas.microsoft.com/office/drawing/2010/main" val="0"/>
-              </a:ext>
-            </a:extLst>
-          </a:blip>
-          <a:srcRect l="7195" t="11893" r="6951" b="11750"/>
-          <a:stretch/>
-        </p:blipFill>
-        <p:spPr>
-          <a:xfrm>
-            <a:off x="5504365" y="5458092"/>
-            <a:ext cx="2995954" cy="1841030"/>
-          </a:xfrm>
-          <a:prstGeom prst="rect">
-            <a:avLst/>
-          </a:prstGeom>
-        </p:spPr>
-      </p:pic>
-      <p:pic>
-        <p:nvPicPr>
-          <p:cNvPr id="37" name="図 36">
-            <a:extLst>
-              <a:ext uri="{FF2B5EF4-FFF2-40B4-BE49-F238E27FC236}">
-                <a16:creationId xmlns:a16="http://schemas.microsoft.com/office/drawing/2014/main" id="{E0443241-A2E7-40F4-B7FE-43118F99EBDA}"/>
-              </a:ext>
-            </a:extLst>
-          </p:cNvPr>
-          <p:cNvPicPr>
-            <a:picLocks noChangeAspect="1"/>
-          </p:cNvPicPr>
-          <p:nvPr/>
-        </p:nvPicPr>
-        <p:blipFill rotWithShape="1">
-          <a:blip r:embed="rId7">
-            <a:extLst>
-              <a:ext uri="{28A0092B-C50C-407E-A947-70E740481C1C}">
-                <a14:useLocalDpi xmlns:a14="http://schemas.microsoft.com/office/drawing/2010/main" val="0"/>
-              </a:ext>
-            </a:extLst>
-          </a:blip>
-          <a:srcRect l="5812" t="6821" r="3743" b="6097"/>
-          <a:stretch/>
-        </p:blipFill>
-        <p:spPr>
-          <a:xfrm>
-            <a:off x="2017627" y="5470135"/>
-            <a:ext cx="3392429" cy="3469065"/>
-          </a:xfrm>
-          <a:prstGeom prst="rect">
-            <a:avLst/>
-          </a:prstGeom>
-        </p:spPr>
-      </p:pic>
-      <p:pic>
-        <p:nvPicPr>
-          <p:cNvPr id="38" name="図 37">
-            <a:extLst>
-              <a:ext uri="{FF2B5EF4-FFF2-40B4-BE49-F238E27FC236}">
-                <a16:creationId xmlns:a16="http://schemas.microsoft.com/office/drawing/2014/main" id="{55B08547-BBE8-4B1F-AA38-1B3C738A45DF}"/>
-              </a:ext>
-            </a:extLst>
-          </p:cNvPr>
-          <p:cNvPicPr>
-            <a:picLocks noChangeAspect="1"/>
-          </p:cNvPicPr>
-          <p:nvPr/>
-        </p:nvPicPr>
-        <p:blipFill rotWithShape="1">
-          <a:blip r:embed="rId8">
-            <a:extLst>
-              <a:ext uri="{28A0092B-C50C-407E-A947-70E740481C1C}">
-                <a14:useLocalDpi xmlns:a14="http://schemas.microsoft.com/office/drawing/2010/main" val="0"/>
-              </a:ext>
-            </a:extLst>
-          </a:blip>
-          <a:srcRect l="6861" t="14673" r="5060" b="11599"/>
-          <a:stretch/>
-        </p:blipFill>
-        <p:spPr>
-          <a:xfrm>
-            <a:off x="5266623" y="7780601"/>
-            <a:ext cx="3593559" cy="1700772"/>
-          </a:xfrm>
-          <a:prstGeom prst="rect">
-            <a:avLst/>
-          </a:prstGeom>
-        </p:spPr>
-      </p:pic>
-      <p:pic>
-        <p:nvPicPr>
-          <p:cNvPr id="39" name="図 38">
-            <a:extLst>
-              <a:ext uri="{FF2B5EF4-FFF2-40B4-BE49-F238E27FC236}">
-                <a16:creationId xmlns:a16="http://schemas.microsoft.com/office/drawing/2014/main" id="{68A67037-3B5F-46A3-8DE2-1974566D39E3}"/>
-              </a:ext>
-            </a:extLst>
-          </p:cNvPr>
-          <p:cNvPicPr>
-            <a:picLocks noChangeAspect="1"/>
-          </p:cNvPicPr>
-          <p:nvPr/>
-        </p:nvPicPr>
-        <p:blipFill rotWithShape="1">
-          <a:blip r:embed="rId9">
-            <a:extLst>
-              <a:ext uri="{28A0092B-C50C-407E-A947-70E740481C1C}">
-                <a14:useLocalDpi xmlns:a14="http://schemas.microsoft.com/office/drawing/2010/main" val="0"/>
-              </a:ext>
-            </a:extLst>
-          </a:blip>
-          <a:srcRect l="8109" t="15484" r="4727" b="12870"/>
-          <a:stretch/>
-        </p:blipFill>
-        <p:spPr>
-          <a:xfrm>
-            <a:off x="8970162" y="7758404"/>
-            <a:ext cx="3138184" cy="1620609"/>
-          </a:xfrm>
-          <a:prstGeom prst="rect">
-            <a:avLst/>
-          </a:prstGeom>
-        </p:spPr>
-      </p:pic>
-      <p:pic>
-        <p:nvPicPr>
-          <p:cNvPr id="40" name="図 39">
-            <a:extLst>
-              <a:ext uri="{FF2B5EF4-FFF2-40B4-BE49-F238E27FC236}">
-                <a16:creationId xmlns:a16="http://schemas.microsoft.com/office/drawing/2014/main" id="{EEE6D6B2-2915-4529-AE46-9D8DECCEA1D2}"/>
-              </a:ext>
-            </a:extLst>
-          </p:cNvPr>
-          <p:cNvPicPr>
-            <a:picLocks noChangeAspect="1"/>
-          </p:cNvPicPr>
-          <p:nvPr/>
-        </p:nvPicPr>
-        <p:blipFill rotWithShape="1">
-          <a:blip r:embed="rId10">
-            <a:extLst>
-              <a:ext uri="{28A0092B-C50C-407E-A947-70E740481C1C}">
-                <a14:useLocalDpi xmlns:a14="http://schemas.microsoft.com/office/drawing/2010/main" val="0"/>
-              </a:ext>
-            </a:extLst>
-          </a:blip>
-          <a:srcRect l="5555" t="7152" r="2350" b="7369"/>
-          <a:stretch/>
-        </p:blipFill>
-        <p:spPr>
-          <a:xfrm>
-            <a:off x="4882144" y="1399414"/>
-            <a:ext cx="3762452" cy="3404214"/>
-          </a:xfrm>
-          <a:prstGeom prst="rect">
-            <a:avLst/>
-          </a:prstGeom>
-        </p:spPr>
-      </p:pic>
-      <p:sp>
-        <p:nvSpPr>
-          <p:cNvPr id="41" name="テキスト ボックス 40">
-            <a:extLst>
-              <a:ext uri="{FF2B5EF4-FFF2-40B4-BE49-F238E27FC236}">
-                <a16:creationId xmlns:a16="http://schemas.microsoft.com/office/drawing/2014/main" id="{69C07385-3294-47B3-AD8F-8ED18B166F33}"/>
-              </a:ext>
-            </a:extLst>
-          </p:cNvPr>
-          <p:cNvSpPr txBox="1"/>
-          <p:nvPr/>
-        </p:nvSpPr>
-        <p:spPr>
-          <a:xfrm>
-            <a:off x="422973" y="1145498"/>
-            <a:ext cx="1469355" cy="253916"/>
-          </a:xfrm>
-          <a:prstGeom prst="rect">
-            <a:avLst/>
-          </a:prstGeom>
-          <a:noFill/>
-        </p:spPr>
-        <p:txBody>
-          <a:bodyPr wrap="square" rtlCol="0">
-            <a:spAutoFit/>
-          </a:bodyPr>
-          <a:lstStyle/>
-          <a:p>
-            <a:r>
-              <a:rPr kumimoji="1" lang="en-US" altLang="ja-JP" sz="1050" dirty="0">
-                <a:latin typeface="メイリオ" panose="020B0604030504040204" pitchFamily="50" charset="-128"/>
-                <a:ea typeface="メイリオ" panose="020B0604030504040204" pitchFamily="50" charset="-128"/>
-              </a:rPr>
-              <a:t>A-1.</a:t>
-            </a:r>
-            <a:r>
-              <a:rPr kumimoji="1" lang="ja-JP" altLang="en-US" sz="1050" dirty="0">
-                <a:latin typeface="メイリオ" panose="020B0604030504040204" pitchFamily="50" charset="-128"/>
-                <a:ea typeface="メイリオ" panose="020B0604030504040204" pitchFamily="50" charset="-128"/>
-              </a:rPr>
-              <a:t>ライントレース</a:t>
-            </a:r>
-          </a:p>
-        </p:txBody>
-      </p:sp>
-      <p:sp>
-        <p:nvSpPr>
-          <p:cNvPr id="42" name="テキスト ボックス 41">
-            <a:extLst>
-              <a:ext uri="{FF2B5EF4-FFF2-40B4-BE49-F238E27FC236}">
-                <a16:creationId xmlns:a16="http://schemas.microsoft.com/office/drawing/2014/main" id="{6855EA07-4C92-4BA8-A523-2425CA406665}"/>
-              </a:ext>
-            </a:extLst>
-          </p:cNvPr>
-          <p:cNvSpPr txBox="1"/>
-          <p:nvPr/>
-        </p:nvSpPr>
-        <p:spPr>
-          <a:xfrm>
-            <a:off x="2350963" y="1176585"/>
-            <a:ext cx="2320665" cy="253916"/>
-          </a:xfrm>
-          <a:prstGeom prst="rect">
-            <a:avLst/>
-          </a:prstGeom>
-          <a:noFill/>
-        </p:spPr>
-        <p:txBody>
-          <a:bodyPr wrap="square" rtlCol="0">
-            <a:spAutoFit/>
-          </a:bodyPr>
-          <a:lstStyle/>
-          <a:p>
-            <a:r>
-              <a:rPr kumimoji="1" lang="en-US" altLang="ja-JP" sz="1050" dirty="0">
-                <a:latin typeface="メイリオ" panose="020B0604030504040204" pitchFamily="50" charset="-128"/>
-                <a:ea typeface="メイリオ" panose="020B0604030504040204" pitchFamily="50" charset="-128"/>
-              </a:rPr>
-              <a:t>A-2.</a:t>
-            </a:r>
-            <a:r>
-              <a:rPr kumimoji="1" lang="ja-JP" altLang="en-US" sz="1050" dirty="0">
-                <a:latin typeface="メイリオ" panose="020B0604030504040204" pitchFamily="50" charset="-128"/>
-                <a:ea typeface="メイリオ" panose="020B0604030504040204" pitchFamily="50" charset="-128"/>
-              </a:rPr>
-              <a:t>ライントレース用情報の取得</a:t>
-            </a:r>
-          </a:p>
-        </p:txBody>
-      </p:sp>
-      <p:sp>
-        <p:nvSpPr>
-          <p:cNvPr id="43" name="テキスト ボックス 42">
-            <a:extLst>
-              <a:ext uri="{FF2B5EF4-FFF2-40B4-BE49-F238E27FC236}">
-                <a16:creationId xmlns:a16="http://schemas.microsoft.com/office/drawing/2014/main" id="{54B2EFF8-E1F3-4170-912A-D57AA4994B0E}"/>
-              </a:ext>
-            </a:extLst>
-          </p:cNvPr>
-          <p:cNvSpPr txBox="1"/>
-          <p:nvPr/>
-        </p:nvSpPr>
-        <p:spPr>
-          <a:xfrm>
-            <a:off x="5976634" y="1140955"/>
-            <a:ext cx="1989682" cy="253916"/>
-          </a:xfrm>
-          <a:prstGeom prst="rect">
-            <a:avLst/>
-          </a:prstGeom>
-          <a:noFill/>
-        </p:spPr>
-        <p:txBody>
-          <a:bodyPr wrap="square" rtlCol="0">
-            <a:spAutoFit/>
-          </a:bodyPr>
-          <a:lstStyle/>
-          <a:p>
-            <a:r>
-              <a:rPr lang="en-US" altLang="ja-JP" sz="1050" dirty="0">
-                <a:latin typeface="メイリオ" panose="020B0604030504040204" pitchFamily="50" charset="-128"/>
-                <a:ea typeface="メイリオ" panose="020B0604030504040204" pitchFamily="50" charset="-128"/>
-              </a:rPr>
-              <a:t>A-3</a:t>
-            </a:r>
-            <a:r>
-              <a:rPr kumimoji="1" lang="en-US" altLang="ja-JP" sz="1050" dirty="0">
-                <a:latin typeface="メイリオ" panose="020B0604030504040204" pitchFamily="50" charset="-128"/>
-                <a:ea typeface="メイリオ" panose="020B0604030504040204" pitchFamily="50" charset="-128"/>
-              </a:rPr>
-              <a:t>.</a:t>
-            </a:r>
-            <a:r>
-              <a:rPr kumimoji="1" lang="ja-JP" altLang="en-US" sz="1050" dirty="0">
-                <a:latin typeface="メイリオ" panose="020B0604030504040204" pitchFamily="50" charset="-128"/>
-                <a:ea typeface="メイリオ" panose="020B0604030504040204" pitchFamily="50" charset="-128"/>
-              </a:rPr>
-              <a:t>モータ出力の計算</a:t>
-            </a:r>
-            <a:endParaRPr kumimoji="1" lang="en-US" altLang="ja-JP" sz="1050" dirty="0">
-              <a:latin typeface="メイリオ" panose="020B0604030504040204" pitchFamily="50" charset="-128"/>
-              <a:ea typeface="メイリオ" panose="020B0604030504040204" pitchFamily="50" charset="-128"/>
-            </a:endParaRPr>
-          </a:p>
-        </p:txBody>
-      </p:sp>
-      <p:sp>
-        <p:nvSpPr>
-          <p:cNvPr id="44" name="テキスト ボックス 43">
-            <a:extLst>
-              <a:ext uri="{FF2B5EF4-FFF2-40B4-BE49-F238E27FC236}">
-                <a16:creationId xmlns:a16="http://schemas.microsoft.com/office/drawing/2014/main" id="{496A0767-7AC3-4AFB-B601-601B7284C307}"/>
-              </a:ext>
-            </a:extLst>
-          </p:cNvPr>
-          <p:cNvSpPr txBox="1"/>
-          <p:nvPr/>
-        </p:nvSpPr>
-        <p:spPr>
-          <a:xfrm>
-            <a:off x="9775093" y="4135360"/>
-            <a:ext cx="2320665" cy="253916"/>
-          </a:xfrm>
-          <a:prstGeom prst="rect">
-            <a:avLst/>
-          </a:prstGeom>
-          <a:noFill/>
-        </p:spPr>
-        <p:txBody>
-          <a:bodyPr wrap="square" rtlCol="0">
-            <a:spAutoFit/>
-          </a:bodyPr>
-          <a:lstStyle/>
-          <a:p>
-            <a:r>
-              <a:rPr kumimoji="1" lang="en-US" altLang="ja-JP" sz="1050" dirty="0">
-                <a:latin typeface="メイリオ" panose="020B0604030504040204" pitchFamily="50" charset="-128"/>
-                <a:ea typeface="メイリオ" panose="020B0604030504040204" pitchFamily="50" charset="-128"/>
-              </a:rPr>
-              <a:t>A-5.</a:t>
-            </a:r>
-            <a:r>
-              <a:rPr kumimoji="1" lang="ja-JP" altLang="en-US" sz="1050" dirty="0">
-                <a:latin typeface="メイリオ" panose="020B0604030504040204" pitchFamily="50" charset="-128"/>
-                <a:ea typeface="メイリオ" panose="020B0604030504040204" pitchFamily="50" charset="-128"/>
-              </a:rPr>
-              <a:t>転倒検知と緊急停止</a:t>
-            </a:r>
-            <a:endParaRPr kumimoji="1" lang="en-US" altLang="ja-JP" sz="1050" dirty="0">
-              <a:latin typeface="メイリオ" panose="020B0604030504040204" pitchFamily="50" charset="-128"/>
-              <a:ea typeface="メイリオ" panose="020B0604030504040204" pitchFamily="50" charset="-128"/>
-            </a:endParaRPr>
-          </a:p>
-        </p:txBody>
-      </p:sp>
       <p:sp>
         <p:nvSpPr>
           <p:cNvPr id="45" name="テキスト ボックス 44">
@@ -5651,554 +5120,6 @@
           </a:fontRef>
         </p:style>
       </p:cxnSp>
-      <p:sp>
-        <p:nvSpPr>
-          <p:cNvPr id="47" name="テキスト ボックス 46">
-            <a:extLst>
-              <a:ext uri="{FF2B5EF4-FFF2-40B4-BE49-F238E27FC236}">
-                <a16:creationId xmlns:a16="http://schemas.microsoft.com/office/drawing/2014/main" id="{F30EE666-63EC-43AB-B1A0-014BCC8EB846}"/>
-              </a:ext>
-            </a:extLst>
-          </p:cNvPr>
-          <p:cNvSpPr txBox="1"/>
-          <p:nvPr/>
-        </p:nvSpPr>
-        <p:spPr>
-          <a:xfrm>
-            <a:off x="186617" y="4767907"/>
-            <a:ext cx="3158616" cy="338554"/>
-          </a:xfrm>
-          <a:prstGeom prst="rect">
-            <a:avLst/>
-          </a:prstGeom>
-          <a:noFill/>
-        </p:spPr>
-        <p:txBody>
-          <a:bodyPr wrap="square" rtlCol="0">
-            <a:spAutoFit/>
-          </a:bodyPr>
-          <a:lstStyle/>
-          <a:p>
-            <a:pPr marL="0" marR="0" lvl="0" indent="0" algn="l" defTabSz="914400" rtl="0" eaLnBrk="1" fontAlgn="base" latinLnBrk="0" hangingPunct="1">
-              <a:lnSpc>
-                <a:spcPct val="100000"/>
-              </a:lnSpc>
-              <a:spcBef>
-                <a:spcPct val="0"/>
-              </a:spcBef>
-              <a:spcAft>
-                <a:spcPct val="0"/>
-              </a:spcAft>
-              <a:buClrTx/>
-              <a:buSzTx/>
-              <a:buFontTx/>
-              <a:buNone/>
-              <a:tabLst/>
-              <a:defRPr/>
-            </a:pPr>
-            <a:r>
-              <a:rPr lang="en-US" altLang="ja-JP" b="1" dirty="0">
-                <a:solidFill>
-                  <a:prstClr val="black"/>
-                </a:solidFill>
-                <a:latin typeface="游ゴシック" panose="020B0400000000000000" pitchFamily="50" charset="-128"/>
-                <a:ea typeface="游ゴシック" panose="020B0400000000000000" pitchFamily="50" charset="-128"/>
-              </a:rPr>
-              <a:t>B</a:t>
-            </a:r>
-            <a:r>
-              <a:rPr kumimoji="1" lang="ja-JP" altLang="en-US" b="1" i="0" u="none" strike="noStrike" kern="1200" cap="none" spc="0" normalizeH="0" baseline="0" noProof="0" dirty="0">
-                <a:ln>
-                  <a:noFill/>
-                </a:ln>
-                <a:solidFill>
-                  <a:prstClr val="black"/>
-                </a:solidFill>
-                <a:effectLst/>
-                <a:uLnTx/>
-                <a:uFillTx/>
-                <a:latin typeface="游ゴシック" panose="020B0400000000000000" pitchFamily="50" charset="-128"/>
-                <a:ea typeface="游ゴシック" panose="020B0400000000000000" pitchFamily="50" charset="-128"/>
-              </a:rPr>
-              <a:t>．計算管理の振る舞い</a:t>
-            </a:r>
-          </a:p>
-        </p:txBody>
-      </p:sp>
-      <p:cxnSp>
-        <p:nvCxnSpPr>
-          <p:cNvPr id="48" name="直線コネクタ 47">
-            <a:extLst>
-              <a:ext uri="{FF2B5EF4-FFF2-40B4-BE49-F238E27FC236}">
-                <a16:creationId xmlns:a16="http://schemas.microsoft.com/office/drawing/2014/main" id="{D15D0A6A-8070-4EEA-946A-0D5A30C5A544}"/>
-              </a:ext>
-            </a:extLst>
-          </p:cNvPr>
-          <p:cNvCxnSpPr>
-            <a:cxnSpLocks/>
-          </p:cNvCxnSpPr>
-          <p:nvPr/>
-        </p:nvCxnSpPr>
-        <p:spPr>
-          <a:xfrm>
-            <a:off x="144515" y="5108728"/>
-            <a:ext cx="8390013" cy="0"/>
-          </a:xfrm>
-          <a:prstGeom prst="line">
-            <a:avLst/>
-          </a:prstGeom>
-          <a:ln w="38100">
-            <a:solidFill>
-              <a:schemeClr val="accent6"/>
-            </a:solidFill>
-          </a:ln>
-        </p:spPr>
-        <p:style>
-          <a:lnRef idx="1">
-            <a:schemeClr val="accent1"/>
-          </a:lnRef>
-          <a:fillRef idx="0">
-            <a:schemeClr val="accent1"/>
-          </a:fillRef>
-          <a:effectRef idx="0">
-            <a:schemeClr val="accent1"/>
-          </a:effectRef>
-          <a:fontRef idx="minor">
-            <a:schemeClr val="tx1"/>
-          </a:fontRef>
-        </p:style>
-      </p:cxnSp>
-      <p:sp>
-        <p:nvSpPr>
-          <p:cNvPr id="49" name="テキスト ボックス 48">
-            <a:extLst>
-              <a:ext uri="{FF2B5EF4-FFF2-40B4-BE49-F238E27FC236}">
-                <a16:creationId xmlns:a16="http://schemas.microsoft.com/office/drawing/2014/main" id="{B1925847-BDF6-4E0C-8C07-1E4A8D6CE7A0}"/>
-              </a:ext>
-            </a:extLst>
-          </p:cNvPr>
-          <p:cNvSpPr txBox="1"/>
-          <p:nvPr/>
-        </p:nvSpPr>
-        <p:spPr>
-          <a:xfrm>
-            <a:off x="322089" y="5190743"/>
-            <a:ext cx="1469355" cy="253916"/>
-          </a:xfrm>
-          <a:prstGeom prst="rect">
-            <a:avLst/>
-          </a:prstGeom>
-          <a:noFill/>
-        </p:spPr>
-        <p:txBody>
-          <a:bodyPr wrap="square" rtlCol="0">
-            <a:spAutoFit/>
-          </a:bodyPr>
-          <a:lstStyle/>
-          <a:p>
-            <a:r>
-              <a:rPr lang="en-US" altLang="ja-JP" sz="1050" dirty="0">
-                <a:latin typeface="メイリオ" panose="020B0604030504040204" pitchFamily="50" charset="-128"/>
-                <a:ea typeface="メイリオ" panose="020B0604030504040204" pitchFamily="50" charset="-128"/>
-              </a:rPr>
-              <a:t>B</a:t>
-            </a:r>
-            <a:r>
-              <a:rPr kumimoji="1" lang="en-US" altLang="ja-JP" sz="1050" dirty="0">
-                <a:latin typeface="メイリオ" panose="020B0604030504040204" pitchFamily="50" charset="-128"/>
-                <a:ea typeface="メイリオ" panose="020B0604030504040204" pitchFamily="50" charset="-128"/>
-              </a:rPr>
-              <a:t>-1.</a:t>
-            </a:r>
-            <a:r>
-              <a:rPr lang="ja-JP" altLang="en-US" sz="1050" dirty="0">
-                <a:latin typeface="メイリオ" panose="020B0604030504040204" pitchFamily="50" charset="-128"/>
-                <a:ea typeface="メイリオ" panose="020B0604030504040204" pitchFamily="50" charset="-128"/>
-              </a:rPr>
-              <a:t>計算管理タスク</a:t>
-            </a:r>
-            <a:endParaRPr kumimoji="1" lang="ja-JP" altLang="en-US" sz="1050" dirty="0">
-              <a:latin typeface="メイリオ" panose="020B0604030504040204" pitchFamily="50" charset="-128"/>
-              <a:ea typeface="メイリオ" panose="020B0604030504040204" pitchFamily="50" charset="-128"/>
-            </a:endParaRPr>
-          </a:p>
-        </p:txBody>
-      </p:sp>
-      <p:sp>
-        <p:nvSpPr>
-          <p:cNvPr id="50" name="テキスト ボックス 49">
-            <a:extLst>
-              <a:ext uri="{FF2B5EF4-FFF2-40B4-BE49-F238E27FC236}">
-                <a16:creationId xmlns:a16="http://schemas.microsoft.com/office/drawing/2014/main" id="{91B1987E-9064-482B-B491-8CCB05CE60BD}"/>
-              </a:ext>
-            </a:extLst>
-          </p:cNvPr>
-          <p:cNvSpPr txBox="1"/>
-          <p:nvPr/>
-        </p:nvSpPr>
-        <p:spPr>
-          <a:xfrm>
-            <a:off x="3034707" y="5198042"/>
-            <a:ext cx="1469355" cy="253916"/>
-          </a:xfrm>
-          <a:prstGeom prst="rect">
-            <a:avLst/>
-          </a:prstGeom>
-          <a:noFill/>
-        </p:spPr>
-        <p:txBody>
-          <a:bodyPr wrap="square" rtlCol="0">
-            <a:spAutoFit/>
-          </a:bodyPr>
-          <a:lstStyle/>
-          <a:p>
-            <a:r>
-              <a:rPr lang="en-US" altLang="ja-JP" sz="1050" dirty="0">
-                <a:latin typeface="メイリオ" panose="020B0604030504040204" pitchFamily="50" charset="-128"/>
-                <a:ea typeface="メイリオ" panose="020B0604030504040204" pitchFamily="50" charset="-128"/>
-              </a:rPr>
-              <a:t>B</a:t>
-            </a:r>
-            <a:r>
-              <a:rPr kumimoji="1" lang="en-US" altLang="ja-JP" sz="1050" dirty="0">
-                <a:latin typeface="メイリオ" panose="020B0604030504040204" pitchFamily="50" charset="-128"/>
-                <a:ea typeface="メイリオ" panose="020B0604030504040204" pitchFamily="50" charset="-128"/>
-              </a:rPr>
-              <a:t>-2.</a:t>
-            </a:r>
-            <a:r>
-              <a:rPr kumimoji="1" lang="ja-JP" altLang="en-US" sz="1050" dirty="0">
-                <a:latin typeface="メイリオ" panose="020B0604030504040204" pitchFamily="50" charset="-128"/>
-                <a:ea typeface="メイリオ" panose="020B0604030504040204" pitchFamily="50" charset="-128"/>
-              </a:rPr>
-              <a:t>輝度距離管理</a:t>
-            </a:r>
-          </a:p>
-        </p:txBody>
-      </p:sp>
-      <p:sp>
-        <p:nvSpPr>
-          <p:cNvPr id="51" name="テキスト ボックス 50">
-            <a:extLst>
-              <a:ext uri="{FF2B5EF4-FFF2-40B4-BE49-F238E27FC236}">
-                <a16:creationId xmlns:a16="http://schemas.microsoft.com/office/drawing/2014/main" id="{652CE75D-9A2C-40BD-9620-A87CBC140419}"/>
-              </a:ext>
-            </a:extLst>
-          </p:cNvPr>
-          <p:cNvSpPr txBox="1"/>
-          <p:nvPr/>
-        </p:nvSpPr>
-        <p:spPr>
-          <a:xfrm>
-            <a:off x="6184776" y="5190743"/>
-            <a:ext cx="1635133" cy="253916"/>
-          </a:xfrm>
-          <a:prstGeom prst="rect">
-            <a:avLst/>
-          </a:prstGeom>
-          <a:noFill/>
-        </p:spPr>
-        <p:txBody>
-          <a:bodyPr wrap="square" rtlCol="0">
-            <a:spAutoFit/>
-          </a:bodyPr>
-          <a:lstStyle/>
-          <a:p>
-            <a:r>
-              <a:rPr lang="en-US" altLang="ja-JP" sz="1050" dirty="0">
-                <a:latin typeface="メイリオ" panose="020B0604030504040204" pitchFamily="50" charset="-128"/>
-                <a:ea typeface="メイリオ" panose="020B0604030504040204" pitchFamily="50" charset="-128"/>
-              </a:rPr>
-              <a:t>B-3.</a:t>
-            </a:r>
-            <a:r>
-              <a:rPr lang="ja-JP" altLang="en-US" sz="1050" dirty="0">
-                <a:latin typeface="メイリオ" panose="020B0604030504040204" pitchFamily="50" charset="-128"/>
-                <a:ea typeface="メイリオ" panose="020B0604030504040204" pitchFamily="50" charset="-128"/>
-              </a:rPr>
-              <a:t>走行距離管理</a:t>
-            </a:r>
-            <a:endParaRPr kumimoji="1" lang="ja-JP" altLang="en-US" sz="1050" dirty="0">
-              <a:latin typeface="メイリオ" panose="020B0604030504040204" pitchFamily="50" charset="-128"/>
-              <a:ea typeface="メイリオ" panose="020B0604030504040204" pitchFamily="50" charset="-128"/>
-            </a:endParaRPr>
-          </a:p>
-        </p:txBody>
-      </p:sp>
-      <p:sp>
-        <p:nvSpPr>
-          <p:cNvPr id="52" name="テキスト ボックス 51">
-            <a:extLst>
-              <a:ext uri="{FF2B5EF4-FFF2-40B4-BE49-F238E27FC236}">
-                <a16:creationId xmlns:a16="http://schemas.microsoft.com/office/drawing/2014/main" id="{DFF3B352-F3DA-46A5-9112-7B09271F4476}"/>
-              </a:ext>
-            </a:extLst>
-          </p:cNvPr>
-          <p:cNvSpPr txBox="1"/>
-          <p:nvPr/>
-        </p:nvSpPr>
-        <p:spPr>
-          <a:xfrm>
-            <a:off x="6097737" y="7489074"/>
-            <a:ext cx="1635133" cy="253916"/>
-          </a:xfrm>
-          <a:prstGeom prst="rect">
-            <a:avLst/>
-          </a:prstGeom>
-          <a:noFill/>
-        </p:spPr>
-        <p:txBody>
-          <a:bodyPr wrap="square" rtlCol="0">
-            <a:spAutoFit/>
-          </a:bodyPr>
-          <a:lstStyle/>
-          <a:p>
-            <a:r>
-              <a:rPr lang="en-US" altLang="ja-JP" sz="1050" dirty="0">
-                <a:latin typeface="メイリオ" panose="020B0604030504040204" pitchFamily="50" charset="-128"/>
-                <a:ea typeface="メイリオ" panose="020B0604030504040204" pitchFamily="50" charset="-128"/>
-              </a:rPr>
-              <a:t>B</a:t>
-            </a:r>
-            <a:r>
-              <a:rPr kumimoji="1" lang="en-US" altLang="ja-JP" sz="1050" dirty="0">
-                <a:latin typeface="メイリオ" panose="020B0604030504040204" pitchFamily="50" charset="-128"/>
-                <a:ea typeface="メイリオ" panose="020B0604030504040204" pitchFamily="50" charset="-128"/>
-              </a:rPr>
-              <a:t>-4.</a:t>
-            </a:r>
-            <a:r>
-              <a:rPr kumimoji="1" lang="ja-JP" altLang="en-US" sz="1050" dirty="0">
-                <a:latin typeface="メイリオ" panose="020B0604030504040204" pitchFamily="50" charset="-128"/>
-                <a:ea typeface="メイリオ" panose="020B0604030504040204" pitchFamily="50" charset="-128"/>
-              </a:rPr>
-              <a:t>ピッチ角速度管理</a:t>
-            </a:r>
-          </a:p>
-        </p:txBody>
-      </p:sp>
-      <p:sp>
-        <p:nvSpPr>
-          <p:cNvPr id="53" name="テキスト ボックス 52">
-            <a:extLst>
-              <a:ext uri="{FF2B5EF4-FFF2-40B4-BE49-F238E27FC236}">
-                <a16:creationId xmlns:a16="http://schemas.microsoft.com/office/drawing/2014/main" id="{95D8625E-DE5B-46D8-876D-96675D21E821}"/>
-              </a:ext>
-            </a:extLst>
-          </p:cNvPr>
-          <p:cNvSpPr txBox="1"/>
-          <p:nvPr/>
-        </p:nvSpPr>
-        <p:spPr>
-          <a:xfrm>
-            <a:off x="10016696" y="7492260"/>
-            <a:ext cx="1045116" cy="253916"/>
-          </a:xfrm>
-          <a:prstGeom prst="rect">
-            <a:avLst/>
-          </a:prstGeom>
-          <a:noFill/>
-        </p:spPr>
-        <p:txBody>
-          <a:bodyPr wrap="square" rtlCol="0">
-            <a:spAutoFit/>
-          </a:bodyPr>
-          <a:lstStyle/>
-          <a:p>
-            <a:r>
-              <a:rPr lang="en-US" altLang="ja-JP" sz="1050" dirty="0">
-                <a:latin typeface="メイリオ" panose="020B0604030504040204" pitchFamily="50" charset="-128"/>
-                <a:ea typeface="メイリオ" panose="020B0604030504040204" pitchFamily="50" charset="-128"/>
-              </a:rPr>
-              <a:t>B</a:t>
-            </a:r>
-            <a:r>
-              <a:rPr kumimoji="1" lang="en-US" altLang="ja-JP" sz="1050" dirty="0">
-                <a:latin typeface="メイリオ" panose="020B0604030504040204" pitchFamily="50" charset="-128"/>
-                <a:ea typeface="メイリオ" panose="020B0604030504040204" pitchFamily="50" charset="-128"/>
-              </a:rPr>
-              <a:t>-5.</a:t>
-            </a:r>
-            <a:r>
-              <a:rPr kumimoji="1" lang="ja-JP" altLang="en-US" sz="1050" dirty="0">
-                <a:latin typeface="メイリオ" panose="020B0604030504040204" pitchFamily="50" charset="-128"/>
-                <a:ea typeface="メイリオ" panose="020B0604030504040204" pitchFamily="50" charset="-128"/>
-              </a:rPr>
-              <a:t>電圧管理</a:t>
-            </a:r>
-          </a:p>
-        </p:txBody>
-      </p:sp>
-      <p:pic>
-        <p:nvPicPr>
-          <p:cNvPr id="54" name="図 53">
-            <a:extLst>
-              <a:ext uri="{FF2B5EF4-FFF2-40B4-BE49-F238E27FC236}">
-                <a16:creationId xmlns:a16="http://schemas.microsoft.com/office/drawing/2014/main" id="{5803C570-E965-46BB-BD22-574C6B10BD04}"/>
-              </a:ext>
-            </a:extLst>
-          </p:cNvPr>
-          <p:cNvPicPr>
-            <a:picLocks noChangeAspect="1"/>
-          </p:cNvPicPr>
-          <p:nvPr/>
-        </p:nvPicPr>
-        <p:blipFill rotWithShape="1">
-          <a:blip r:embed="rId4">
-            <a:extLst>
-              <a:ext uri="{28A0092B-C50C-407E-A947-70E740481C1C}">
-                <a14:useLocalDpi xmlns:a14="http://schemas.microsoft.com/office/drawing/2010/main" val="0"/>
-              </a:ext>
-            </a:extLst>
-          </a:blip>
-          <a:srcRect l="3795" t="9607" r="7412" b="11931"/>
-          <a:stretch/>
-        </p:blipFill>
-        <p:spPr>
-          <a:xfrm>
-            <a:off x="8627048" y="4395679"/>
-            <a:ext cx="3923023" cy="2855841"/>
-          </a:xfrm>
-          <a:prstGeom prst="rect">
-            <a:avLst/>
-          </a:prstGeom>
-        </p:spPr>
-      </p:pic>
-      <p:cxnSp>
-        <p:nvCxnSpPr>
-          <p:cNvPr id="55" name="直線コネクタ 54">
-            <a:extLst>
-              <a:ext uri="{FF2B5EF4-FFF2-40B4-BE49-F238E27FC236}">
-                <a16:creationId xmlns:a16="http://schemas.microsoft.com/office/drawing/2014/main" id="{AC70D0BC-945F-4AF5-8D91-CC0B29EFF651}"/>
-              </a:ext>
-            </a:extLst>
-          </p:cNvPr>
-          <p:cNvCxnSpPr>
-            <a:cxnSpLocks/>
-          </p:cNvCxnSpPr>
-          <p:nvPr/>
-        </p:nvCxnSpPr>
-        <p:spPr>
-          <a:xfrm>
-            <a:off x="8534528" y="7317690"/>
-            <a:ext cx="4059946" cy="0"/>
-          </a:xfrm>
-          <a:prstGeom prst="line">
-            <a:avLst/>
-          </a:prstGeom>
-          <a:ln w="38100">
-            <a:solidFill>
-              <a:schemeClr val="accent6"/>
-            </a:solidFill>
-          </a:ln>
-        </p:spPr>
-        <p:style>
-          <a:lnRef idx="1">
-            <a:schemeClr val="accent1"/>
-          </a:lnRef>
-          <a:fillRef idx="0">
-            <a:schemeClr val="accent1"/>
-          </a:fillRef>
-          <a:effectRef idx="0">
-            <a:schemeClr val="accent1"/>
-          </a:effectRef>
-          <a:fontRef idx="minor">
-            <a:schemeClr val="tx1"/>
-          </a:fontRef>
-        </p:style>
-      </p:cxnSp>
-      <p:cxnSp>
-        <p:nvCxnSpPr>
-          <p:cNvPr id="56" name="直線コネクタ 55">
-            <a:extLst>
-              <a:ext uri="{FF2B5EF4-FFF2-40B4-BE49-F238E27FC236}">
-                <a16:creationId xmlns:a16="http://schemas.microsoft.com/office/drawing/2014/main" id="{F9D07A4F-BDB1-411C-8A6D-14F186E39C1D}"/>
-              </a:ext>
-            </a:extLst>
-          </p:cNvPr>
-          <p:cNvCxnSpPr>
-            <a:cxnSpLocks/>
-          </p:cNvCxnSpPr>
-          <p:nvPr/>
-        </p:nvCxnSpPr>
-        <p:spPr>
-          <a:xfrm>
-            <a:off x="8534528" y="5090492"/>
-            <a:ext cx="0" cy="2227198"/>
-          </a:xfrm>
-          <a:prstGeom prst="line">
-            <a:avLst/>
-          </a:prstGeom>
-          <a:ln w="38100">
-            <a:solidFill>
-              <a:schemeClr val="accent6"/>
-            </a:solidFill>
-          </a:ln>
-        </p:spPr>
-        <p:style>
-          <a:lnRef idx="1">
-            <a:schemeClr val="accent1"/>
-          </a:lnRef>
-          <a:fillRef idx="0">
-            <a:schemeClr val="accent1"/>
-          </a:fillRef>
-          <a:effectRef idx="0">
-            <a:schemeClr val="accent1"/>
-          </a:effectRef>
-          <a:fontRef idx="minor">
-            <a:schemeClr val="tx1"/>
-          </a:fontRef>
-        </p:style>
-      </p:cxnSp>
-      <p:sp>
-        <p:nvSpPr>
-          <p:cNvPr id="57" name="テキスト ボックス 56">
-            <a:extLst>
-              <a:ext uri="{FF2B5EF4-FFF2-40B4-BE49-F238E27FC236}">
-                <a16:creationId xmlns:a16="http://schemas.microsoft.com/office/drawing/2014/main" id="{82E4B7B8-9BE1-4189-BD77-C8F6EDF13377}"/>
-              </a:ext>
-            </a:extLst>
-          </p:cNvPr>
-          <p:cNvSpPr txBox="1"/>
-          <p:nvPr/>
-        </p:nvSpPr>
-        <p:spPr>
-          <a:xfrm>
-            <a:off x="10069322" y="1149340"/>
-            <a:ext cx="2320665" cy="253916"/>
-          </a:xfrm>
-          <a:prstGeom prst="rect">
-            <a:avLst/>
-          </a:prstGeom>
-          <a:noFill/>
-        </p:spPr>
-        <p:txBody>
-          <a:bodyPr wrap="square" rtlCol="0">
-            <a:spAutoFit/>
-          </a:bodyPr>
-          <a:lstStyle/>
-          <a:p>
-            <a:r>
-              <a:rPr kumimoji="1" lang="en-US" altLang="ja-JP" sz="1050" dirty="0">
-                <a:latin typeface="メイリオ" panose="020B0604030504040204" pitchFamily="50" charset="-128"/>
-                <a:ea typeface="メイリオ" panose="020B0604030504040204" pitchFamily="50" charset="-128"/>
-              </a:rPr>
-              <a:t>A-5.</a:t>
-            </a:r>
-            <a:r>
-              <a:rPr kumimoji="1" lang="ja-JP" altLang="en-US" sz="1050" dirty="0">
-                <a:latin typeface="メイリオ" panose="020B0604030504040204" pitchFamily="50" charset="-128"/>
-                <a:ea typeface="メイリオ" panose="020B0604030504040204" pitchFamily="50" charset="-128"/>
-              </a:rPr>
-              <a:t>モータの駆動</a:t>
-            </a:r>
-            <a:endParaRPr kumimoji="1" lang="en-US" altLang="ja-JP" sz="1050" dirty="0">
-              <a:latin typeface="メイリオ" panose="020B0604030504040204" pitchFamily="50" charset="-128"/>
-              <a:ea typeface="メイリオ" panose="020B0604030504040204" pitchFamily="50" charset="-128"/>
-            </a:endParaRPr>
-          </a:p>
-        </p:txBody>
-      </p:sp>
       <p:sp>
         <p:nvSpPr>
           <p:cNvPr id="59" name="テキスト ボックス 58">
@@ -6341,6 +5262,150 @@
           </a:p>
         </p:txBody>
       </p:sp>
+      <p:pic>
+        <p:nvPicPr>
+          <p:cNvPr id="5" name="図 4" descr="スクリーンショット が含まれている画像&#10;&#10;自動的に生成された説明">
+            <a:extLst>
+              <a:ext uri="{FF2B5EF4-FFF2-40B4-BE49-F238E27FC236}">
+                <a16:creationId xmlns:a16="http://schemas.microsoft.com/office/drawing/2014/main" id="{052F5D10-BE0E-C740-8BFC-569C5401D99D}"/>
+              </a:ext>
+            </a:extLst>
+          </p:cNvPr>
+          <p:cNvPicPr>
+            <a:picLocks noChangeAspect="1"/>
+          </p:cNvPicPr>
+          <p:nvPr/>
+        </p:nvPicPr>
+        <p:blipFill>
+          <a:blip r:embed="rId2">
+            <a:extLst>
+              <a:ext uri="{28A0092B-C50C-407E-A947-70E740481C1C}">
+                <a14:useLocalDpi xmlns:a14="http://schemas.microsoft.com/office/drawing/2010/main" val="0"/>
+              </a:ext>
+            </a:extLst>
+          </a:blip>
+          <a:stretch>
+            <a:fillRect/>
+          </a:stretch>
+        </p:blipFill>
+        <p:spPr>
+          <a:xfrm>
+            <a:off x="2346173" y="1094739"/>
+            <a:ext cx="4178056" cy="4071097"/>
+          </a:xfrm>
+          <a:prstGeom prst="rect">
+            <a:avLst/>
+          </a:prstGeom>
+        </p:spPr>
+      </p:pic>
+      <p:pic>
+        <p:nvPicPr>
+          <p:cNvPr id="7" name="図 6" descr="スクリーンショット が含まれている画像&#10;&#10;自動的に生成された説明">
+            <a:extLst>
+              <a:ext uri="{FF2B5EF4-FFF2-40B4-BE49-F238E27FC236}">
+                <a16:creationId xmlns:a16="http://schemas.microsoft.com/office/drawing/2014/main" id="{A40D8DF9-3225-5644-B9D4-E9FE90F58037}"/>
+              </a:ext>
+            </a:extLst>
+          </p:cNvPr>
+          <p:cNvPicPr>
+            <a:picLocks noChangeAspect="1"/>
+          </p:cNvPicPr>
+          <p:nvPr/>
+        </p:nvPicPr>
+        <p:blipFill>
+          <a:blip r:embed="rId3">
+            <a:extLst>
+              <a:ext uri="{28A0092B-C50C-407E-A947-70E740481C1C}">
+                <a14:useLocalDpi xmlns:a14="http://schemas.microsoft.com/office/drawing/2010/main" val="0"/>
+              </a:ext>
+            </a:extLst>
+          </a:blip>
+          <a:stretch>
+            <a:fillRect/>
+          </a:stretch>
+        </p:blipFill>
+        <p:spPr>
+          <a:xfrm>
+            <a:off x="9894833" y="3417669"/>
+            <a:ext cx="2764114" cy="1756748"/>
+          </a:xfrm>
+          <a:prstGeom prst="rect">
+            <a:avLst/>
+          </a:prstGeom>
+        </p:spPr>
+      </p:pic>
+      <p:pic>
+        <p:nvPicPr>
+          <p:cNvPr id="9" name="図 8" descr="スクリーンショット が含まれている画像&#10;&#10;自動的に生成された説明">
+            <a:extLst>
+              <a:ext uri="{FF2B5EF4-FFF2-40B4-BE49-F238E27FC236}">
+                <a16:creationId xmlns:a16="http://schemas.microsoft.com/office/drawing/2014/main" id="{7D113B71-0A0E-8440-B52E-DF5F42B4CAAE}"/>
+              </a:ext>
+            </a:extLst>
+          </p:cNvPr>
+          <p:cNvPicPr>
+            <a:picLocks noChangeAspect="1"/>
+          </p:cNvPicPr>
+          <p:nvPr/>
+        </p:nvPicPr>
+        <p:blipFill>
+          <a:blip r:embed="rId4">
+            <a:extLst>
+              <a:ext uri="{28A0092B-C50C-407E-A947-70E740481C1C}">
+                <a14:useLocalDpi xmlns:a14="http://schemas.microsoft.com/office/drawing/2010/main" val="0"/>
+              </a:ext>
+            </a:extLst>
+          </a:blip>
+          <a:stretch>
+            <a:fillRect/>
+          </a:stretch>
+        </p:blipFill>
+        <p:spPr>
+          <a:xfrm>
+            <a:off x="6531395" y="1097147"/>
+            <a:ext cx="3418850" cy="2457299"/>
+          </a:xfrm>
+          <a:prstGeom prst="rect">
+            <a:avLst/>
+          </a:prstGeom>
+        </p:spPr>
+      </p:pic>
+      <p:pic>
+        <p:nvPicPr>
+          <p:cNvPr id="60" name="図 59" descr="スクリーンショット が含まれている画像&#10;&#10;自動的に生成された説明">
+            <a:extLst>
+              <a:ext uri="{FF2B5EF4-FFF2-40B4-BE49-F238E27FC236}">
+                <a16:creationId xmlns:a16="http://schemas.microsoft.com/office/drawing/2014/main" id="{72DCAA6E-1AD0-C647-A3BA-7B46685B33DE}"/>
+              </a:ext>
+            </a:extLst>
+          </p:cNvPr>
+          <p:cNvPicPr>
+            <a:picLocks noChangeAspect="1"/>
+          </p:cNvPicPr>
+          <p:nvPr/>
+        </p:nvPicPr>
+        <p:blipFill>
+          <a:blip r:embed="rId5">
+            <a:extLst>
+              <a:ext uri="{28A0092B-C50C-407E-A947-70E740481C1C}">
+                <a14:useLocalDpi xmlns:a14="http://schemas.microsoft.com/office/drawing/2010/main" val="0"/>
+              </a:ext>
+            </a:extLst>
+          </a:blip>
+          <a:stretch>
+            <a:fillRect/>
+          </a:stretch>
+        </p:blipFill>
+        <p:spPr>
+          <a:xfrm>
+            <a:off x="122725" y="2561022"/>
+            <a:ext cx="2229072" cy="2613395"/>
+          </a:xfrm>
+          <a:prstGeom prst="rect">
+            <a:avLst/>
+          </a:prstGeom>
+        </p:spPr>
+      </p:pic>
     </p:spTree>
     <p:extLst>
       <p:ext uri="{BB962C8B-B14F-4D97-AF65-F5344CB8AC3E}">

--- a/PowerPoint/振る舞いモデル.pptx
+++ b/PowerPoint/振る舞いモデル.pptx
@@ -3408,10 +3408,10 @@
       </p:pic>
       <p:pic>
         <p:nvPicPr>
-          <p:cNvPr id="11" name="図 10" descr="スクリーンショット が含まれている画像&#10;&#10;自動的に生成された説明">
+          <p:cNvPr id="13" name="図 12" descr="スクリーンショット が含まれている画像&#10;&#10;自動的に生成された説明">
             <a:extLst>
               <a:ext uri="{FF2B5EF4-FFF2-40B4-BE49-F238E27FC236}">
-                <a16:creationId xmlns:a16="http://schemas.microsoft.com/office/drawing/2014/main" id="{8B1A67E5-AF6C-BD49-88AD-B07B303F0BCD}"/>
+                <a16:creationId xmlns:a16="http://schemas.microsoft.com/office/drawing/2014/main" id="{DE0B9E85-7C26-1444-8CCE-1998F9F4E5A3}"/>
               </a:ext>
             </a:extLst>
           </p:cNvPr>
@@ -3422,42 +3422,6 @@
         </p:nvPicPr>
         <p:blipFill>
           <a:blip r:embed="rId3">
-            <a:extLst>
-              <a:ext uri="{28A0092B-C50C-407E-A947-70E740481C1C}">
-                <a14:useLocalDpi xmlns:a14="http://schemas.microsoft.com/office/drawing/2010/main" val="0"/>
-              </a:ext>
-            </a:extLst>
-          </a:blip>
-          <a:stretch>
-            <a:fillRect/>
-          </a:stretch>
-        </p:blipFill>
-        <p:spPr>
-          <a:xfrm>
-            <a:off x="4768578" y="4782195"/>
-            <a:ext cx="4240463" cy="4566653"/>
-          </a:xfrm>
-          <a:prstGeom prst="rect">
-            <a:avLst/>
-          </a:prstGeom>
-        </p:spPr>
-      </p:pic>
-      <p:pic>
-        <p:nvPicPr>
-          <p:cNvPr id="13" name="図 12" descr="スクリーンショット が含まれている画像&#10;&#10;自動的に生成された説明">
-            <a:extLst>
-              <a:ext uri="{FF2B5EF4-FFF2-40B4-BE49-F238E27FC236}">
-                <a16:creationId xmlns:a16="http://schemas.microsoft.com/office/drawing/2014/main" id="{DE0B9E85-7C26-1444-8CCE-1998F9F4E5A3}"/>
-              </a:ext>
-            </a:extLst>
-          </p:cNvPr>
-          <p:cNvPicPr>
-            <a:picLocks noChangeAspect="1"/>
-          </p:cNvPicPr>
-          <p:nvPr/>
-        </p:nvPicPr>
-        <p:blipFill>
-          <a:blip r:embed="rId4">
             <a:extLst>
               <a:ext uri="{28A0092B-C50C-407E-A947-70E740481C1C}">
                 <a14:useLocalDpi xmlns:a14="http://schemas.microsoft.com/office/drawing/2010/main" val="0"/>
@@ -3493,7 +3457,7 @@
           <p:nvPr/>
         </p:nvPicPr>
         <p:blipFill rotWithShape="1">
-          <a:blip r:embed="rId5">
+          <a:blip r:embed="rId4">
             <a:extLst>
               <a:ext uri="{28A0092B-C50C-407E-A947-70E740481C1C}">
                 <a14:useLocalDpi xmlns:a14="http://schemas.microsoft.com/office/drawing/2010/main" val="0"/>
@@ -3678,16 +3642,12 @@
           <a:lstStyle/>
           <a:p>
             <a:r>
-              <a:rPr kumimoji="1" lang="ja-JP" altLang="en-US" sz="1050">
+              <a:rPr kumimoji="1" lang="ja-JP" altLang="en-US" sz="1050" dirty="0">
                 <a:latin typeface="メイリオ" panose="020B0604030504040204" pitchFamily="50" charset="-128"/>
                 <a:ea typeface="メイリオ" panose="020B0604030504040204" pitchFamily="50" charset="-128"/>
               </a:rPr>
               <a:t>機能の状態をステートマシン図に示す</a:t>
             </a:r>
-            <a:endParaRPr kumimoji="1" lang="ja-JP" altLang="en-US" sz="1050" dirty="0">
-              <a:latin typeface="メイリオ" panose="020B0604030504040204" pitchFamily="50" charset="-128"/>
-              <a:ea typeface="メイリオ" panose="020B0604030504040204" pitchFamily="50" charset="-128"/>
-            </a:endParaRPr>
           </a:p>
         </p:txBody>
       </p:sp>
@@ -3880,6 +3840,42 @@
           </a:fontRef>
         </p:style>
       </p:cxnSp>
+      <p:pic>
+        <p:nvPicPr>
+          <p:cNvPr id="4" name="図 3">
+            <a:extLst>
+              <a:ext uri="{FF2B5EF4-FFF2-40B4-BE49-F238E27FC236}">
+                <a16:creationId xmlns:a16="http://schemas.microsoft.com/office/drawing/2014/main" id="{288A77D4-43CD-409A-8742-D488C876ED52}"/>
+              </a:ext>
+            </a:extLst>
+          </p:cNvPr>
+          <p:cNvPicPr>
+            <a:picLocks noChangeAspect="1"/>
+          </p:cNvPicPr>
+          <p:nvPr/>
+        </p:nvPicPr>
+        <p:blipFill>
+          <a:blip r:embed="rId5">
+            <a:extLst>
+              <a:ext uri="{28A0092B-C50C-407E-A947-70E740481C1C}">
+                <a14:useLocalDpi xmlns:a14="http://schemas.microsoft.com/office/drawing/2010/main" val="0"/>
+              </a:ext>
+            </a:extLst>
+          </a:blip>
+          <a:stretch>
+            <a:fillRect/>
+          </a:stretch>
+        </p:blipFill>
+        <p:spPr>
+          <a:xfrm>
+            <a:off x="4778590" y="4781948"/>
+            <a:ext cx="4208371" cy="4539449"/>
+          </a:xfrm>
+          <a:prstGeom prst="rect">
+            <a:avLst/>
+          </a:prstGeom>
+        </p:spPr>
+      </p:pic>
       <p:sp>
         <p:nvSpPr>
           <p:cNvPr id="57" name="テキスト ボックス 56">
@@ -3919,6 +3915,214 @@
               <a:latin typeface="メイリオ" panose="020B0604030504040204" pitchFamily="50" charset="-128"/>
               <a:ea typeface="メイリオ" panose="020B0604030504040204" pitchFamily="50" charset="-128"/>
             </a:endParaRPr>
+          </a:p>
+        </p:txBody>
+      </p:sp>
+      <p:sp>
+        <p:nvSpPr>
+          <p:cNvPr id="2" name="正方形/長方形 1">
+            <a:extLst>
+              <a:ext uri="{FF2B5EF4-FFF2-40B4-BE49-F238E27FC236}">
+                <a16:creationId xmlns:a16="http://schemas.microsoft.com/office/drawing/2014/main" id="{58976F3A-2430-4BBA-8B64-8463C19EB3BC}"/>
+              </a:ext>
+            </a:extLst>
+          </p:cNvPr>
+          <p:cNvSpPr/>
+          <p:nvPr/>
+        </p:nvSpPr>
+        <p:spPr>
+          <a:xfrm>
+            <a:off x="6946482" y="5880720"/>
+            <a:ext cx="1728000" cy="2592000"/>
+          </a:xfrm>
+          <a:prstGeom prst="rect">
+            <a:avLst/>
+          </a:prstGeom>
+          <a:noFill/>
+          <a:ln w="38100">
+            <a:solidFill>
+              <a:srgbClr val="0070C0"/>
+            </a:solidFill>
+          </a:ln>
+        </p:spPr>
+        <p:style>
+          <a:lnRef idx="2">
+            <a:schemeClr val="accent1">
+              <a:shade val="50000"/>
+            </a:schemeClr>
+          </a:lnRef>
+          <a:fillRef idx="1">
+            <a:schemeClr val="accent1"/>
+          </a:fillRef>
+          <a:effectRef idx="0">
+            <a:schemeClr val="accent1"/>
+          </a:effectRef>
+          <a:fontRef idx="minor">
+            <a:schemeClr val="lt1"/>
+          </a:fontRef>
+        </p:style>
+        <p:txBody>
+          <a:bodyPr rtlCol="0" anchor="ctr"/>
+          <a:lstStyle/>
+          <a:p>
+            <a:pPr algn="ctr"/>
+            <a:endParaRPr kumimoji="1" lang="ja-JP" altLang="en-US"/>
+          </a:p>
+        </p:txBody>
+      </p:sp>
+      <p:sp>
+        <p:nvSpPr>
+          <p:cNvPr id="26" name="正方形/長方形 25">
+            <a:extLst>
+              <a:ext uri="{FF2B5EF4-FFF2-40B4-BE49-F238E27FC236}">
+                <a16:creationId xmlns:a16="http://schemas.microsoft.com/office/drawing/2014/main" id="{AC5F2440-9077-4788-A590-DE0727215220}"/>
+              </a:ext>
+            </a:extLst>
+          </p:cNvPr>
+          <p:cNvSpPr/>
+          <p:nvPr/>
+        </p:nvSpPr>
+        <p:spPr>
+          <a:xfrm>
+            <a:off x="11077940" y="5913654"/>
+            <a:ext cx="1260000" cy="2559061"/>
+          </a:xfrm>
+          <a:prstGeom prst="rect">
+            <a:avLst/>
+          </a:prstGeom>
+          <a:noFill/>
+          <a:ln w="38100">
+            <a:solidFill>
+              <a:srgbClr val="FF0000"/>
+            </a:solidFill>
+          </a:ln>
+        </p:spPr>
+        <p:style>
+          <a:lnRef idx="2">
+            <a:schemeClr val="accent1">
+              <a:shade val="50000"/>
+            </a:schemeClr>
+          </a:lnRef>
+          <a:fillRef idx="1">
+            <a:schemeClr val="accent1"/>
+          </a:fillRef>
+          <a:effectRef idx="0">
+            <a:schemeClr val="accent1"/>
+          </a:effectRef>
+          <a:fontRef idx="minor">
+            <a:schemeClr val="lt1"/>
+          </a:fontRef>
+        </p:style>
+        <p:txBody>
+          <a:bodyPr rtlCol="0" anchor="ctr"/>
+          <a:lstStyle/>
+          <a:p>
+            <a:pPr algn="ctr"/>
+            <a:endParaRPr kumimoji="1" lang="ja-JP" altLang="en-US"/>
+          </a:p>
+        </p:txBody>
+      </p:sp>
+      <p:sp>
+        <p:nvSpPr>
+          <p:cNvPr id="29" name="正方形/長方形 28">
+            <a:extLst>
+              <a:ext uri="{FF2B5EF4-FFF2-40B4-BE49-F238E27FC236}">
+                <a16:creationId xmlns:a16="http://schemas.microsoft.com/office/drawing/2014/main" id="{34A05D94-6637-49BC-ADD3-677CC8630E1D}"/>
+              </a:ext>
+            </a:extLst>
+          </p:cNvPr>
+          <p:cNvSpPr/>
+          <p:nvPr/>
+        </p:nvSpPr>
+        <p:spPr>
+          <a:xfrm>
+            <a:off x="3549801" y="7452015"/>
+            <a:ext cx="1044000" cy="612000"/>
+          </a:xfrm>
+          <a:prstGeom prst="rect">
+            <a:avLst/>
+          </a:prstGeom>
+          <a:noFill/>
+          <a:ln w="38100">
+            <a:solidFill>
+              <a:srgbClr val="FFB163"/>
+            </a:solidFill>
+          </a:ln>
+        </p:spPr>
+        <p:style>
+          <a:lnRef idx="2">
+            <a:schemeClr val="accent1">
+              <a:shade val="50000"/>
+            </a:schemeClr>
+          </a:lnRef>
+          <a:fillRef idx="1">
+            <a:schemeClr val="accent1"/>
+          </a:fillRef>
+          <a:effectRef idx="0">
+            <a:schemeClr val="accent1"/>
+          </a:effectRef>
+          <a:fontRef idx="minor">
+            <a:schemeClr val="lt1"/>
+          </a:fontRef>
+        </p:style>
+        <p:txBody>
+          <a:bodyPr rtlCol="0" anchor="ctr"/>
+          <a:lstStyle/>
+          <a:p>
+            <a:pPr algn="ctr"/>
+            <a:endParaRPr kumimoji="1" lang="ja-JP" altLang="en-US"/>
+          </a:p>
+        </p:txBody>
+      </p:sp>
+      <p:sp>
+        <p:nvSpPr>
+          <p:cNvPr id="30" name="正方形/長方形 29">
+            <a:extLst>
+              <a:ext uri="{FF2B5EF4-FFF2-40B4-BE49-F238E27FC236}">
+                <a16:creationId xmlns:a16="http://schemas.microsoft.com/office/drawing/2014/main" id="{E55EAB55-5589-4066-B17E-9FC13EB27BEE}"/>
+              </a:ext>
+            </a:extLst>
+          </p:cNvPr>
+          <p:cNvSpPr/>
+          <p:nvPr/>
+        </p:nvSpPr>
+        <p:spPr>
+          <a:xfrm>
+            <a:off x="3549801" y="6719136"/>
+            <a:ext cx="1044000" cy="612000"/>
+          </a:xfrm>
+          <a:prstGeom prst="rect">
+            <a:avLst/>
+          </a:prstGeom>
+          <a:noFill/>
+          <a:ln w="38100">
+            <a:solidFill>
+              <a:srgbClr val="00B050"/>
+            </a:solidFill>
+          </a:ln>
+        </p:spPr>
+        <p:style>
+          <a:lnRef idx="2">
+            <a:schemeClr val="accent1">
+              <a:shade val="50000"/>
+            </a:schemeClr>
+          </a:lnRef>
+          <a:fillRef idx="1">
+            <a:schemeClr val="accent1"/>
+          </a:fillRef>
+          <a:effectRef idx="0">
+            <a:schemeClr val="accent1"/>
+          </a:effectRef>
+          <a:fontRef idx="minor">
+            <a:schemeClr val="lt1"/>
+          </a:fontRef>
+        </p:style>
+        <p:txBody>
+          <a:bodyPr rtlCol="0" anchor="ctr"/>
+          <a:lstStyle/>
+          <a:p>
+            <a:pPr algn="ctr"/>
+            <a:endParaRPr kumimoji="1" lang="ja-JP" altLang="en-US"/>
           </a:p>
         </p:txBody>
       </p:sp>
@@ -4371,7 +4575,7 @@
         </p:nvSpPr>
         <p:spPr>
           <a:xfrm>
-            <a:off x="97137" y="694983"/>
+            <a:off x="79692" y="660098"/>
             <a:ext cx="12600000" cy="8856984"/>
           </a:xfrm>
           <a:prstGeom prst="rect">
@@ -5072,7 +5276,33 @@
                 <a:latin typeface="游ゴシック" panose="020B0400000000000000" pitchFamily="50" charset="-128"/>
                 <a:ea typeface="游ゴシック" panose="020B0400000000000000" pitchFamily="50" charset="-128"/>
               </a:rPr>
-              <a:t>．ライントレースの振る舞い</a:t>
+              <a:t>．</a:t>
+            </a:r>
+            <a:r>
+              <a:rPr lang="ja-JP" altLang="en-US" b="1" dirty="0">
+                <a:solidFill>
+                  <a:prstClr val="black"/>
+                </a:solidFill>
+                <a:latin typeface="游ゴシック" panose="020B0400000000000000" pitchFamily="50" charset="-128"/>
+                <a:ea typeface="游ゴシック" panose="020B0400000000000000" pitchFamily="50" charset="-128"/>
+              </a:rPr>
+              <a:t>区間確認</a:t>
+            </a:r>
+            <a:r>
+              <a:rPr kumimoji="1" lang="ja-JP" altLang="en-US" b="1" i="0" u="none" strike="noStrike" kern="1200" cap="none" spc="0" normalizeH="0" baseline="0" noProof="0" dirty="0">
+                <a:ln>
+                  <a:noFill/>
+                </a:ln>
+                <a:solidFill>
+                  <a:prstClr val="black"/>
+                </a:solidFill>
+                <a:effectLst/>
+                <a:uLnTx/>
+                <a:uFillTx/>
+                <a:latin typeface="游ゴシック" panose="020B0400000000000000" pitchFamily="50" charset="-128"/>
+                <a:ea typeface="游ゴシック" panose="020B0400000000000000" pitchFamily="50" charset="-128"/>
+              </a:rPr>
+              <a:t>の振る舞い</a:t>
             </a:r>
           </a:p>
         </p:txBody>
@@ -5094,7 +5324,7 @@
         <p:spPr>
           <a:xfrm>
             <a:off x="122725" y="1032491"/>
-            <a:ext cx="12505119" cy="0"/>
+            <a:ext cx="3901811" cy="0"/>
           </a:xfrm>
           <a:prstGeom prst="line">
             <a:avLst/>
@@ -5290,8 +5520,44 @@
         </p:blipFill>
         <p:spPr>
           <a:xfrm>
-            <a:off x="2346173" y="1094739"/>
-            <a:ext cx="4178056" cy="4071097"/>
+            <a:off x="5477621" y="1489129"/>
+            <a:ext cx="3800839" cy="3703537"/>
+          </a:xfrm>
+          <a:prstGeom prst="rect">
+            <a:avLst/>
+          </a:prstGeom>
+        </p:spPr>
+      </p:pic>
+      <p:pic>
+        <p:nvPicPr>
+          <p:cNvPr id="9" name="図 8" descr="スクリーンショット が含まれている画像&#10;&#10;自動的に生成された説明">
+            <a:extLst>
+              <a:ext uri="{FF2B5EF4-FFF2-40B4-BE49-F238E27FC236}">
+                <a16:creationId xmlns:a16="http://schemas.microsoft.com/office/drawing/2014/main" id="{7D113B71-0A0E-8440-B52E-DF5F42B4CAAE}"/>
+              </a:ext>
+            </a:extLst>
+          </p:cNvPr>
+          <p:cNvPicPr>
+            <a:picLocks noChangeAspect="1"/>
+          </p:cNvPicPr>
+          <p:nvPr/>
+        </p:nvPicPr>
+        <p:blipFill>
+          <a:blip r:embed="rId3">
+            <a:extLst>
+              <a:ext uri="{28A0092B-C50C-407E-A947-70E740481C1C}">
+                <a14:useLocalDpi xmlns:a14="http://schemas.microsoft.com/office/drawing/2010/main" val="0"/>
+              </a:ext>
+            </a:extLst>
+          </a:blip>
+          <a:stretch>
+            <a:fillRect/>
+          </a:stretch>
+        </p:blipFill>
+        <p:spPr>
+          <a:xfrm>
+            <a:off x="9290406" y="3450448"/>
+            <a:ext cx="3418850" cy="2152729"/>
           </a:xfrm>
           <a:prstGeom prst="rect">
             <a:avLst/>
@@ -5313,7 +5579,7 @@
           <p:nvPr/>
         </p:nvPicPr>
         <p:blipFill>
-          <a:blip r:embed="rId3">
+          <a:blip r:embed="rId4">
             <a:extLst>
               <a:ext uri="{28A0092B-C50C-407E-A947-70E740481C1C}">
                 <a14:useLocalDpi xmlns:a14="http://schemas.microsoft.com/office/drawing/2010/main" val="0"/>
@@ -5326,7 +5592,7 @@
         </p:blipFill>
         <p:spPr>
           <a:xfrm>
-            <a:off x="9894833" y="3417669"/>
+            <a:off x="9278460" y="1488630"/>
             <a:ext cx="2764114" cy="1756748"/>
           </a:xfrm>
           <a:prstGeom prst="rect">
@@ -5336,10 +5602,10 @@
       </p:pic>
       <p:pic>
         <p:nvPicPr>
-          <p:cNvPr id="9" name="図 8" descr="スクリーンショット が含まれている画像&#10;&#10;自動的に生成された説明">
+          <p:cNvPr id="60" name="図 59" descr="スクリーンショット が含まれている画像&#10;&#10;自動的に生成された説明">
             <a:extLst>
               <a:ext uri="{FF2B5EF4-FFF2-40B4-BE49-F238E27FC236}">
-                <a16:creationId xmlns:a16="http://schemas.microsoft.com/office/drawing/2014/main" id="{7D113B71-0A0E-8440-B52E-DF5F42B4CAAE}"/>
+                <a16:creationId xmlns:a16="http://schemas.microsoft.com/office/drawing/2014/main" id="{72DCAA6E-1AD0-C647-A3BA-7B46685B33DE}"/>
               </a:ext>
             </a:extLst>
           </p:cNvPr>
@@ -5349,7 +5615,7 @@
           <p:nvPr/>
         </p:nvPicPr>
         <p:blipFill>
-          <a:blip r:embed="rId4">
+          <a:blip r:embed="rId5">
             <a:extLst>
               <a:ext uri="{28A0092B-C50C-407E-A947-70E740481C1C}">
                 <a14:useLocalDpi xmlns:a14="http://schemas.microsoft.com/office/drawing/2010/main" val="0"/>
@@ -5362,8 +5628,8 @@
         </p:blipFill>
         <p:spPr>
           <a:xfrm>
-            <a:off x="6531395" y="1097147"/>
-            <a:ext cx="3418850" cy="2457299"/>
+            <a:off x="4203636" y="1983473"/>
+            <a:ext cx="2764114" cy="3240686"/>
           </a:xfrm>
           <a:prstGeom prst="rect">
             <a:avLst/>
@@ -5372,10 +5638,10 @@
       </p:pic>
       <p:pic>
         <p:nvPicPr>
-          <p:cNvPr id="60" name="図 59" descr="スクリーンショット が含まれている画像&#10;&#10;自動的に生成された説明">
+          <p:cNvPr id="3" name="図 2">
             <a:extLst>
               <a:ext uri="{FF2B5EF4-FFF2-40B4-BE49-F238E27FC236}">
-                <a16:creationId xmlns:a16="http://schemas.microsoft.com/office/drawing/2014/main" id="{72DCAA6E-1AD0-C647-A3BA-7B46685B33DE}"/>
+                <a16:creationId xmlns:a16="http://schemas.microsoft.com/office/drawing/2014/main" id="{BA157041-1E33-417F-949A-8B4AB6A5B178}"/>
               </a:ext>
             </a:extLst>
           </p:cNvPr>
@@ -5385,7 +5651,7 @@
           <p:nvPr/>
         </p:nvPicPr>
         <p:blipFill>
-          <a:blip r:embed="rId5">
+          <a:blip r:embed="rId6">
             <a:extLst>
               <a:ext uri="{28A0092B-C50C-407E-A947-70E740481C1C}">
                 <a14:useLocalDpi xmlns:a14="http://schemas.microsoft.com/office/drawing/2010/main" val="0"/>
@@ -5398,14 +5664,530 @@
         </p:blipFill>
         <p:spPr>
           <a:xfrm>
-            <a:off x="122725" y="2561022"/>
-            <a:ext cx="2229072" cy="2613395"/>
+            <a:off x="142653" y="5563250"/>
+            <a:ext cx="3782398" cy="2613395"/>
           </a:xfrm>
           <a:prstGeom prst="rect">
             <a:avLst/>
           </a:prstGeom>
         </p:spPr>
       </p:pic>
+      <p:pic>
+        <p:nvPicPr>
+          <p:cNvPr id="6" name="図 5">
+            <a:extLst>
+              <a:ext uri="{FF2B5EF4-FFF2-40B4-BE49-F238E27FC236}">
+                <a16:creationId xmlns:a16="http://schemas.microsoft.com/office/drawing/2014/main" id="{53AC9236-3933-40AB-BA73-067D08D9FAAD}"/>
+              </a:ext>
+            </a:extLst>
+          </p:cNvPr>
+          <p:cNvPicPr>
+            <a:picLocks noChangeAspect="1"/>
+          </p:cNvPicPr>
+          <p:nvPr/>
+        </p:nvPicPr>
+        <p:blipFill>
+          <a:blip r:embed="rId7">
+            <a:extLst>
+              <a:ext uri="{28A0092B-C50C-407E-A947-70E740481C1C}">
+                <a14:useLocalDpi xmlns:a14="http://schemas.microsoft.com/office/drawing/2010/main" val="0"/>
+              </a:ext>
+            </a:extLst>
+          </a:blip>
+          <a:stretch>
+            <a:fillRect/>
+          </a:stretch>
+        </p:blipFill>
+        <p:spPr>
+          <a:xfrm>
+            <a:off x="3896633" y="5224159"/>
+            <a:ext cx="4016335" cy="4265698"/>
+          </a:xfrm>
+          <a:prstGeom prst="rect">
+            <a:avLst/>
+          </a:prstGeom>
+        </p:spPr>
+      </p:pic>
+      <p:pic>
+        <p:nvPicPr>
+          <p:cNvPr id="10" name="図 9">
+            <a:extLst>
+              <a:ext uri="{FF2B5EF4-FFF2-40B4-BE49-F238E27FC236}">
+                <a16:creationId xmlns:a16="http://schemas.microsoft.com/office/drawing/2014/main" id="{6B806580-78D6-43D1-A90F-AB448DC1F516}"/>
+              </a:ext>
+            </a:extLst>
+          </p:cNvPr>
+          <p:cNvPicPr>
+            <a:picLocks noChangeAspect="1"/>
+          </p:cNvPicPr>
+          <p:nvPr/>
+        </p:nvPicPr>
+        <p:blipFill>
+          <a:blip r:embed="rId8">
+            <a:extLst>
+              <a:ext uri="{28A0092B-C50C-407E-A947-70E740481C1C}">
+                <a14:useLocalDpi xmlns:a14="http://schemas.microsoft.com/office/drawing/2010/main" val="0"/>
+              </a:ext>
+            </a:extLst>
+          </a:blip>
+          <a:stretch>
+            <a:fillRect/>
+          </a:stretch>
+        </p:blipFill>
+        <p:spPr>
+          <a:xfrm>
+            <a:off x="7892018" y="5597273"/>
+            <a:ext cx="3233315" cy="1626057"/>
+          </a:xfrm>
+          <a:prstGeom prst="rect">
+            <a:avLst/>
+          </a:prstGeom>
+        </p:spPr>
+      </p:pic>
+      <p:pic>
+        <p:nvPicPr>
+          <p:cNvPr id="12" name="図 11">
+            <a:extLst>
+              <a:ext uri="{FF2B5EF4-FFF2-40B4-BE49-F238E27FC236}">
+                <a16:creationId xmlns:a16="http://schemas.microsoft.com/office/drawing/2014/main" id="{072C7AD9-5A3B-4A5E-8C1E-E79903344D0D}"/>
+              </a:ext>
+            </a:extLst>
+          </p:cNvPr>
+          <p:cNvPicPr>
+            <a:picLocks noChangeAspect="1"/>
+          </p:cNvPicPr>
+          <p:nvPr/>
+        </p:nvPicPr>
+        <p:blipFill>
+          <a:blip r:embed="rId9">
+            <a:extLst>
+              <a:ext uri="{28A0092B-C50C-407E-A947-70E740481C1C}">
+                <a14:useLocalDpi xmlns:a14="http://schemas.microsoft.com/office/drawing/2010/main" val="0"/>
+              </a:ext>
+            </a:extLst>
+          </a:blip>
+          <a:stretch>
+            <a:fillRect/>
+          </a:stretch>
+        </p:blipFill>
+        <p:spPr>
+          <a:xfrm>
+            <a:off x="7863248" y="7227598"/>
+            <a:ext cx="3739390" cy="2257991"/>
+          </a:xfrm>
+          <a:prstGeom prst="rect">
+            <a:avLst/>
+          </a:prstGeom>
+        </p:spPr>
+      </p:pic>
+      <p:sp>
+        <p:nvSpPr>
+          <p:cNvPr id="27" name="テキスト ボックス 26">
+            <a:extLst>
+              <a:ext uri="{FF2B5EF4-FFF2-40B4-BE49-F238E27FC236}">
+                <a16:creationId xmlns:a16="http://schemas.microsoft.com/office/drawing/2014/main" id="{4F8FCDEB-DE14-466C-B8CA-72CB08C76129}"/>
+              </a:ext>
+            </a:extLst>
+          </p:cNvPr>
+          <p:cNvSpPr txBox="1"/>
+          <p:nvPr/>
+        </p:nvSpPr>
+        <p:spPr>
+          <a:xfrm>
+            <a:off x="109922" y="4894110"/>
+            <a:ext cx="3158616" cy="338554"/>
+          </a:xfrm>
+          <a:prstGeom prst="rect">
+            <a:avLst/>
+          </a:prstGeom>
+          <a:noFill/>
+        </p:spPr>
+        <p:txBody>
+          <a:bodyPr wrap="square" rtlCol="0">
+            <a:spAutoFit/>
+          </a:bodyPr>
+          <a:lstStyle/>
+          <a:p>
+            <a:pPr marL="0" marR="0" lvl="0" indent="0" algn="l" defTabSz="914400" rtl="0" eaLnBrk="1" fontAlgn="base" latinLnBrk="0" hangingPunct="1">
+              <a:lnSpc>
+                <a:spcPct val="100000"/>
+              </a:lnSpc>
+              <a:spcBef>
+                <a:spcPct val="0"/>
+              </a:spcBef>
+              <a:spcAft>
+                <a:spcPct val="0"/>
+              </a:spcAft>
+              <a:buClrTx/>
+              <a:buSzTx/>
+              <a:buFontTx/>
+              <a:buNone/>
+              <a:tabLst/>
+              <a:defRPr/>
+            </a:pPr>
+            <a:r>
+              <a:rPr kumimoji="1" lang="en-US" altLang="ja-JP" b="1" i="0" u="none" strike="noStrike" kern="1200" cap="none" spc="0" normalizeH="0" baseline="0" noProof="0" dirty="0">
+                <a:ln>
+                  <a:noFill/>
+                </a:ln>
+                <a:solidFill>
+                  <a:prstClr val="black"/>
+                </a:solidFill>
+                <a:effectLst/>
+                <a:uLnTx/>
+                <a:uFillTx/>
+                <a:latin typeface="游ゴシック" panose="020B0400000000000000" pitchFamily="50" charset="-128"/>
+                <a:ea typeface="游ゴシック" panose="020B0400000000000000" pitchFamily="50" charset="-128"/>
+              </a:rPr>
+              <a:t>B</a:t>
+            </a:r>
+            <a:r>
+              <a:rPr kumimoji="1" lang="ja-JP" altLang="en-US" b="1" i="0" u="none" strike="noStrike" kern="1200" cap="none" spc="0" normalizeH="0" baseline="0" noProof="0" dirty="0">
+                <a:ln>
+                  <a:noFill/>
+                </a:ln>
+                <a:solidFill>
+                  <a:prstClr val="black"/>
+                </a:solidFill>
+                <a:effectLst/>
+                <a:uLnTx/>
+                <a:uFillTx/>
+                <a:latin typeface="游ゴシック" panose="020B0400000000000000" pitchFamily="50" charset="-128"/>
+                <a:ea typeface="游ゴシック" panose="020B0400000000000000" pitchFamily="50" charset="-128"/>
+              </a:rPr>
+              <a:t>．計算管理タスクの振る舞い</a:t>
+            </a:r>
+          </a:p>
+        </p:txBody>
+      </p:sp>
+      <p:cxnSp>
+        <p:nvCxnSpPr>
+          <p:cNvPr id="32" name="直線コネクタ 31">
+            <a:extLst>
+              <a:ext uri="{FF2B5EF4-FFF2-40B4-BE49-F238E27FC236}">
+                <a16:creationId xmlns:a16="http://schemas.microsoft.com/office/drawing/2014/main" id="{EE21FE0F-A9FC-4745-BA74-086C285B4945}"/>
+              </a:ext>
+            </a:extLst>
+          </p:cNvPr>
+          <p:cNvCxnSpPr>
+            <a:cxnSpLocks/>
+          </p:cNvCxnSpPr>
+          <p:nvPr/>
+        </p:nvCxnSpPr>
+        <p:spPr>
+          <a:xfrm>
+            <a:off x="142653" y="5213296"/>
+            <a:ext cx="12505119" cy="0"/>
+          </a:xfrm>
+          <a:prstGeom prst="line">
+            <a:avLst/>
+          </a:prstGeom>
+          <a:ln w="38100">
+            <a:solidFill>
+              <a:schemeClr val="accent6"/>
+            </a:solidFill>
+          </a:ln>
+        </p:spPr>
+        <p:style>
+          <a:lnRef idx="1">
+            <a:schemeClr val="accent1"/>
+          </a:lnRef>
+          <a:fillRef idx="0">
+            <a:schemeClr val="accent1"/>
+          </a:fillRef>
+          <a:effectRef idx="0">
+            <a:schemeClr val="accent1"/>
+          </a:effectRef>
+          <a:fontRef idx="minor">
+            <a:schemeClr val="tx1"/>
+          </a:fontRef>
+        </p:style>
+      </p:cxnSp>
+      <p:sp>
+        <p:nvSpPr>
+          <p:cNvPr id="34" name="テキスト ボックス 33">
+            <a:extLst>
+              <a:ext uri="{FF2B5EF4-FFF2-40B4-BE49-F238E27FC236}">
+                <a16:creationId xmlns:a16="http://schemas.microsoft.com/office/drawing/2014/main" id="{B4A7235A-2850-4D85-9FE0-BAB5C7307F5C}"/>
+              </a:ext>
+            </a:extLst>
+          </p:cNvPr>
+          <p:cNvSpPr txBox="1"/>
+          <p:nvPr/>
+        </p:nvSpPr>
+        <p:spPr>
+          <a:xfrm>
+            <a:off x="102756" y="1081630"/>
+            <a:ext cx="2768716" cy="415498"/>
+          </a:xfrm>
+          <a:prstGeom prst="rect">
+            <a:avLst/>
+          </a:prstGeom>
+          <a:noFill/>
+        </p:spPr>
+        <p:txBody>
+          <a:bodyPr wrap="square" rtlCol="0">
+            <a:spAutoFit/>
+          </a:bodyPr>
+          <a:lstStyle/>
+          <a:p>
+            <a:r>
+              <a:rPr lang="ja-JP" altLang="en-US" sz="1050" dirty="0">
+                <a:latin typeface="メイリオ" panose="020B0604030504040204" pitchFamily="50" charset="-128"/>
+                <a:ea typeface="メイリオ" panose="020B0604030504040204" pitchFamily="50" charset="-128"/>
+              </a:rPr>
+              <a:t>区間確認の振る舞いをシーケンス図で表す。前ページの緑枠の部分に当たる。</a:t>
+            </a:r>
+            <a:endParaRPr kumimoji="1" lang="ja-JP" altLang="en-US" sz="1050" dirty="0">
+              <a:latin typeface="メイリオ" panose="020B0604030504040204" pitchFamily="50" charset="-128"/>
+              <a:ea typeface="メイリオ" panose="020B0604030504040204" pitchFamily="50" charset="-128"/>
+            </a:endParaRPr>
+          </a:p>
+        </p:txBody>
+      </p:sp>
+      <p:sp>
+        <p:nvSpPr>
+          <p:cNvPr id="35" name="テキスト ボックス 34">
+            <a:extLst>
+              <a:ext uri="{FF2B5EF4-FFF2-40B4-BE49-F238E27FC236}">
+                <a16:creationId xmlns:a16="http://schemas.microsoft.com/office/drawing/2014/main" id="{6E65926F-8A60-4F01-920C-3BF36488C19E}"/>
+              </a:ext>
+            </a:extLst>
+          </p:cNvPr>
+          <p:cNvSpPr txBox="1"/>
+          <p:nvPr/>
+        </p:nvSpPr>
+        <p:spPr>
+          <a:xfrm>
+            <a:off x="110667" y="5230199"/>
+            <a:ext cx="3814384" cy="415498"/>
+          </a:xfrm>
+          <a:prstGeom prst="rect">
+            <a:avLst/>
+          </a:prstGeom>
+          <a:noFill/>
+        </p:spPr>
+        <p:txBody>
+          <a:bodyPr wrap="square" rtlCol="0">
+            <a:spAutoFit/>
+          </a:bodyPr>
+          <a:lstStyle/>
+          <a:p>
+            <a:r>
+              <a:rPr lang="ja-JP" altLang="en-US" sz="1050" dirty="0">
+                <a:latin typeface="メイリオ" panose="020B0604030504040204" pitchFamily="50" charset="-128"/>
+                <a:ea typeface="メイリオ" panose="020B0604030504040204" pitchFamily="50" charset="-128"/>
+              </a:rPr>
+              <a:t>計算管理タスクの振る舞いをシーケンス図で表す。前ページ赤枠の部分に当たる。</a:t>
+            </a:r>
+            <a:endParaRPr kumimoji="1" lang="ja-JP" altLang="en-US" sz="1050" dirty="0">
+              <a:latin typeface="メイリオ" panose="020B0604030504040204" pitchFamily="50" charset="-128"/>
+              <a:ea typeface="メイリオ" panose="020B0604030504040204" pitchFamily="50" charset="-128"/>
+            </a:endParaRPr>
+          </a:p>
+        </p:txBody>
+      </p:sp>
+      <p:pic>
+        <p:nvPicPr>
+          <p:cNvPr id="14" name="図 13">
+            <a:extLst>
+              <a:ext uri="{FF2B5EF4-FFF2-40B4-BE49-F238E27FC236}">
+                <a16:creationId xmlns:a16="http://schemas.microsoft.com/office/drawing/2014/main" id="{D3E09F59-8F2C-451F-BE93-D305E095BD53}"/>
+              </a:ext>
+            </a:extLst>
+          </p:cNvPr>
+          <p:cNvPicPr>
+            <a:picLocks noChangeAspect="1"/>
+          </p:cNvPicPr>
+          <p:nvPr/>
+        </p:nvPicPr>
+        <p:blipFill>
+          <a:blip r:embed="rId10">
+            <a:extLst>
+              <a:ext uri="{28A0092B-C50C-407E-A947-70E740481C1C}">
+                <a14:useLocalDpi xmlns:a14="http://schemas.microsoft.com/office/drawing/2010/main" val="0"/>
+              </a:ext>
+            </a:extLst>
+          </a:blip>
+          <a:stretch>
+            <a:fillRect/>
+          </a:stretch>
+        </p:blipFill>
+        <p:spPr>
+          <a:xfrm>
+            <a:off x="164393" y="1466150"/>
+            <a:ext cx="3954542" cy="2166920"/>
+          </a:xfrm>
+          <a:prstGeom prst="rect">
+            <a:avLst/>
+          </a:prstGeom>
+        </p:spPr>
+      </p:pic>
+      <p:sp>
+        <p:nvSpPr>
+          <p:cNvPr id="36" name="テキスト ボックス 35">
+            <a:extLst>
+              <a:ext uri="{FF2B5EF4-FFF2-40B4-BE49-F238E27FC236}">
+                <a16:creationId xmlns:a16="http://schemas.microsoft.com/office/drawing/2014/main" id="{B47578F5-3EB1-402B-B92C-48B70B9B6429}"/>
+              </a:ext>
+            </a:extLst>
+          </p:cNvPr>
+          <p:cNvSpPr txBox="1"/>
+          <p:nvPr/>
+        </p:nvSpPr>
+        <p:spPr>
+          <a:xfrm>
+            <a:off x="4200635" y="690290"/>
+            <a:ext cx="3158616" cy="338554"/>
+          </a:xfrm>
+          <a:prstGeom prst="rect">
+            <a:avLst/>
+          </a:prstGeom>
+          <a:noFill/>
+        </p:spPr>
+        <p:txBody>
+          <a:bodyPr wrap="square" rtlCol="0">
+            <a:spAutoFit/>
+          </a:bodyPr>
+          <a:lstStyle/>
+          <a:p>
+            <a:pPr marL="0" marR="0" lvl="0" indent="0" algn="l" defTabSz="914400" rtl="0" eaLnBrk="1" fontAlgn="base" latinLnBrk="0" hangingPunct="1">
+              <a:lnSpc>
+                <a:spcPct val="100000"/>
+              </a:lnSpc>
+              <a:spcBef>
+                <a:spcPct val="0"/>
+              </a:spcBef>
+              <a:spcAft>
+                <a:spcPct val="0"/>
+              </a:spcAft>
+              <a:buClrTx/>
+              <a:buSzTx/>
+              <a:buFontTx/>
+              <a:buNone/>
+              <a:tabLst/>
+              <a:defRPr/>
+            </a:pPr>
+            <a:r>
+              <a:rPr kumimoji="1" lang="en-US" altLang="ja-JP" b="1" i="0" u="none" strike="noStrike" kern="1200" cap="none" spc="0" normalizeH="0" baseline="0" noProof="0" dirty="0">
+                <a:ln>
+                  <a:noFill/>
+                </a:ln>
+                <a:solidFill>
+                  <a:prstClr val="black"/>
+                </a:solidFill>
+                <a:effectLst/>
+                <a:uLnTx/>
+                <a:uFillTx/>
+                <a:latin typeface="游ゴシック" panose="020B0400000000000000" pitchFamily="50" charset="-128"/>
+                <a:ea typeface="游ゴシック" panose="020B0400000000000000" pitchFamily="50" charset="-128"/>
+              </a:rPr>
+              <a:t>B</a:t>
+            </a:r>
+            <a:r>
+              <a:rPr kumimoji="1" lang="ja-JP" altLang="en-US" b="1" i="0" u="none" strike="noStrike" kern="1200" cap="none" spc="0" normalizeH="0" baseline="0" noProof="0" dirty="0">
+                <a:ln>
+                  <a:noFill/>
+                </a:ln>
+                <a:solidFill>
+                  <a:prstClr val="black"/>
+                </a:solidFill>
+                <a:effectLst/>
+                <a:uLnTx/>
+                <a:uFillTx/>
+                <a:latin typeface="游ゴシック" panose="020B0400000000000000" pitchFamily="50" charset="-128"/>
+                <a:ea typeface="游ゴシック" panose="020B0400000000000000" pitchFamily="50" charset="-128"/>
+              </a:rPr>
+              <a:t>．ライントレースの振る舞い</a:t>
+            </a:r>
+          </a:p>
+        </p:txBody>
+      </p:sp>
+      <p:sp>
+        <p:nvSpPr>
+          <p:cNvPr id="37" name="テキスト ボックス 36">
+            <a:extLst>
+              <a:ext uri="{FF2B5EF4-FFF2-40B4-BE49-F238E27FC236}">
+                <a16:creationId xmlns:a16="http://schemas.microsoft.com/office/drawing/2014/main" id="{64F9960F-EEA9-4411-9264-BA2CD640D62A}"/>
+              </a:ext>
+            </a:extLst>
+          </p:cNvPr>
+          <p:cNvSpPr txBox="1"/>
+          <p:nvPr/>
+        </p:nvSpPr>
+        <p:spPr>
+          <a:xfrm>
+            <a:off x="4243784" y="1051828"/>
+            <a:ext cx="2768716" cy="415498"/>
+          </a:xfrm>
+          <a:prstGeom prst="rect">
+            <a:avLst/>
+          </a:prstGeom>
+          <a:noFill/>
+        </p:spPr>
+        <p:txBody>
+          <a:bodyPr wrap="square" rtlCol="0">
+            <a:spAutoFit/>
+          </a:bodyPr>
+          <a:lstStyle/>
+          <a:p>
+            <a:r>
+              <a:rPr lang="ja-JP" altLang="en-US" sz="1050" dirty="0">
+                <a:latin typeface="メイリオ" panose="020B0604030504040204" pitchFamily="50" charset="-128"/>
+                <a:ea typeface="メイリオ" panose="020B0604030504040204" pitchFamily="50" charset="-128"/>
+              </a:rPr>
+              <a:t>ライントレースの振る舞いをシーケンス図で表す。前ページの青枠の部分に当たる。</a:t>
+            </a:r>
+            <a:endParaRPr kumimoji="1" lang="ja-JP" altLang="en-US" sz="1050" dirty="0">
+              <a:latin typeface="メイリオ" panose="020B0604030504040204" pitchFamily="50" charset="-128"/>
+              <a:ea typeface="メイリオ" panose="020B0604030504040204" pitchFamily="50" charset="-128"/>
+            </a:endParaRPr>
+          </a:p>
+        </p:txBody>
+      </p:sp>
+      <p:cxnSp>
+        <p:nvCxnSpPr>
+          <p:cNvPr id="38" name="直線コネクタ 37">
+            <a:extLst>
+              <a:ext uri="{FF2B5EF4-FFF2-40B4-BE49-F238E27FC236}">
+                <a16:creationId xmlns:a16="http://schemas.microsoft.com/office/drawing/2014/main" id="{D88ED411-C86F-4E72-BA64-CA683CC2256D}"/>
+              </a:ext>
+            </a:extLst>
+          </p:cNvPr>
+          <p:cNvCxnSpPr>
+            <a:cxnSpLocks/>
+          </p:cNvCxnSpPr>
+          <p:nvPr/>
+        </p:nvCxnSpPr>
+        <p:spPr>
+          <a:xfrm>
+            <a:off x="4262189" y="1028844"/>
+            <a:ext cx="8331299" cy="0"/>
+          </a:xfrm>
+          <a:prstGeom prst="line">
+            <a:avLst/>
+          </a:prstGeom>
+          <a:ln w="38100">
+            <a:solidFill>
+              <a:schemeClr val="accent6"/>
+            </a:solidFill>
+          </a:ln>
+        </p:spPr>
+        <p:style>
+          <a:lnRef idx="1">
+            <a:schemeClr val="accent1"/>
+          </a:lnRef>
+          <a:fillRef idx="0">
+            <a:schemeClr val="accent1"/>
+          </a:fillRef>
+          <a:effectRef idx="0">
+            <a:schemeClr val="accent1"/>
+          </a:effectRef>
+          <a:fontRef idx="minor">
+            <a:schemeClr val="tx1"/>
+          </a:fontRef>
+        </p:style>
+      </p:cxnSp>
     </p:spTree>
     <p:extLst>
       <p:ext uri="{BB962C8B-B14F-4D97-AF65-F5344CB8AC3E}">

--- a/PowerPoint/振る舞いモデル.pptx
+++ b/PowerPoint/振る舞いモデル.pptx
@@ -3168,7 +3168,7 @@
         </p:nvSpPr>
         <p:spPr>
           <a:xfrm>
-            <a:off x="73303" y="643403"/>
+            <a:off x="57922" y="606809"/>
             <a:ext cx="12600000" cy="8856984"/>
           </a:xfrm>
           <a:prstGeom prst="rect">
@@ -3372,78 +3372,6 @@
       </p:sp>
       <p:pic>
         <p:nvPicPr>
-          <p:cNvPr id="27" name="図 26">
-            <a:extLst>
-              <a:ext uri="{FF2B5EF4-FFF2-40B4-BE49-F238E27FC236}">
-                <a16:creationId xmlns:a16="http://schemas.microsoft.com/office/drawing/2014/main" id="{E3FBA33E-3EE2-6643-BD33-DDD4FC241E1F}"/>
-              </a:ext>
-            </a:extLst>
-          </p:cNvPr>
-          <p:cNvPicPr>
-            <a:picLocks noChangeAspect="1"/>
-          </p:cNvPicPr>
-          <p:nvPr/>
-        </p:nvPicPr>
-        <p:blipFill>
-          <a:blip r:embed="rId2">
-            <a:extLst>
-              <a:ext uri="{28A0092B-C50C-407E-A947-70E740481C1C}">
-                <a14:useLocalDpi xmlns:a14="http://schemas.microsoft.com/office/drawing/2010/main" val="0"/>
-              </a:ext>
-            </a:extLst>
-          </a:blip>
-          <a:stretch>
-            <a:fillRect/>
-          </a:stretch>
-        </p:blipFill>
-        <p:spPr>
-          <a:xfrm>
-            <a:off x="151883" y="4781948"/>
-            <a:ext cx="4667778" cy="4647701"/>
-          </a:xfrm>
-          <a:prstGeom prst="rect">
-            <a:avLst/>
-          </a:prstGeom>
-        </p:spPr>
-      </p:pic>
-      <p:pic>
-        <p:nvPicPr>
-          <p:cNvPr id="13" name="図 12" descr="スクリーンショット が含まれている画像&#10;&#10;自動的に生成された説明">
-            <a:extLst>
-              <a:ext uri="{FF2B5EF4-FFF2-40B4-BE49-F238E27FC236}">
-                <a16:creationId xmlns:a16="http://schemas.microsoft.com/office/drawing/2014/main" id="{DE0B9E85-7C26-1444-8CCE-1998F9F4E5A3}"/>
-              </a:ext>
-            </a:extLst>
-          </p:cNvPr>
-          <p:cNvPicPr>
-            <a:picLocks noChangeAspect="1"/>
-          </p:cNvPicPr>
-          <p:nvPr/>
-        </p:nvPicPr>
-        <p:blipFill>
-          <a:blip r:embed="rId3">
-            <a:extLst>
-              <a:ext uri="{28A0092B-C50C-407E-A947-70E740481C1C}">
-                <a14:useLocalDpi xmlns:a14="http://schemas.microsoft.com/office/drawing/2010/main" val="0"/>
-              </a:ext>
-            </a:extLst>
-          </a:blip>
-          <a:stretch>
-            <a:fillRect/>
-          </a:stretch>
-        </p:blipFill>
-        <p:spPr>
-          <a:xfrm>
-            <a:off x="8986962" y="4782195"/>
-            <a:ext cx="3633986" cy="4490779"/>
-          </a:xfrm>
-          <a:prstGeom prst="rect">
-            <a:avLst/>
-          </a:prstGeom>
-        </p:spPr>
-      </p:pic>
-      <p:pic>
-        <p:nvPicPr>
           <p:cNvPr id="17" name="図 16" descr="スクリーンショット が含まれている画像&#10;&#10;自動的に生成された説明">
             <a:extLst>
               <a:ext uri="{FF2B5EF4-FFF2-40B4-BE49-F238E27FC236}">
@@ -3457,7 +3385,7 @@
           <p:nvPr/>
         </p:nvPicPr>
         <p:blipFill rotWithShape="1">
-          <a:blip r:embed="rId4">
+          <a:blip r:embed="rId2">
             <a:extLst>
               <a:ext uri="{28A0092B-C50C-407E-A947-70E740481C1C}">
                 <a14:useLocalDpi xmlns:a14="http://schemas.microsoft.com/office/drawing/2010/main" val="0"/>
@@ -3539,7 +3467,7 @@
               <a:t>1.</a:t>
             </a:r>
             <a:r>
-              <a:rPr kumimoji="1" lang="ja-JP" altLang="en-US" b="1" i="0" u="none" strike="noStrike" kern="1200" cap="none" spc="0" normalizeH="0" baseline="0" noProof="0">
+              <a:rPr kumimoji="1" lang="ja-JP" altLang="en-US" b="1" i="0" u="none" strike="noStrike" kern="1200" cap="none" spc="0" normalizeH="0" baseline="0" noProof="0" dirty="0">
                 <a:ln>
                   <a:noFill/>
                 </a:ln>
@@ -3554,19 +3482,6 @@
               </a:rPr>
               <a:t>システム全体の状態</a:t>
             </a:r>
-            <a:endParaRPr kumimoji="1" lang="ja-JP" altLang="en-US" b="1" i="0" u="none" strike="noStrike" kern="1200" cap="none" spc="0" normalizeH="0" baseline="0" noProof="0" dirty="0">
-              <a:ln>
-                <a:noFill/>
-              </a:ln>
-              <a:solidFill>
-                <a:prstClr val="black"/>
-              </a:solidFill>
-              <a:effectLst/>
-              <a:uLnTx/>
-              <a:uFillTx/>
-              <a:latin typeface="游ゴシック" panose="020B0400000000000000" pitchFamily="50" charset="-128"/>
-              <a:ea typeface="游ゴシック" panose="020B0400000000000000" pitchFamily="50" charset="-128"/>
-            </a:endParaRPr>
           </a:p>
         </p:txBody>
       </p:sp>
@@ -3665,7 +3580,7 @@
         </p:nvSpPr>
         <p:spPr>
           <a:xfrm>
-            <a:off x="84542" y="4269734"/>
+            <a:off x="5145897" y="658336"/>
             <a:ext cx="2768716" cy="338554"/>
           </a:xfrm>
           <a:prstGeom prst="rect">
@@ -3723,7 +3638,7 @@
               <a:t>.</a:t>
             </a:r>
             <a:r>
-              <a:rPr kumimoji="1" lang="ja-JP" altLang="en-US" b="1" i="0" u="none" strike="noStrike" kern="1200" cap="none" spc="0" normalizeH="0" baseline="0" noProof="0">
+              <a:rPr kumimoji="1" lang="ja-JP" altLang="en-US" b="1" i="0" u="none" strike="noStrike" kern="1200" cap="none" spc="0" normalizeH="0" baseline="0" noProof="0" dirty="0">
                 <a:ln>
                   <a:noFill/>
                 </a:ln>
@@ -3738,19 +3653,6 @@
               </a:rPr>
               <a:t>システム全体の振る舞い</a:t>
             </a:r>
-            <a:endParaRPr kumimoji="1" lang="ja-JP" altLang="en-US" b="1" i="0" u="none" strike="noStrike" kern="1200" cap="none" spc="0" normalizeH="0" baseline="0" noProof="0" dirty="0">
-              <a:ln>
-                <a:noFill/>
-              </a:ln>
-              <a:solidFill>
-                <a:prstClr val="black"/>
-              </a:solidFill>
-              <a:effectLst/>
-              <a:uLnTx/>
-              <a:uFillTx/>
-              <a:latin typeface="游ゴシック" panose="020B0400000000000000" pitchFamily="50" charset="-128"/>
-              <a:ea typeface="游ゴシック" panose="020B0400000000000000" pitchFamily="50" charset="-128"/>
-            </a:endParaRPr>
           </a:p>
         </p:txBody>
       </p:sp>
@@ -3770,8 +3672,888 @@
         </p:nvCxnSpPr>
         <p:spPr>
           <a:xfrm>
-            <a:off x="4528592" y="806769"/>
-            <a:ext cx="0" cy="3632242"/>
+            <a:off x="4816624" y="750673"/>
+            <a:ext cx="0" cy="3777807"/>
+          </a:xfrm>
+          <a:prstGeom prst="line">
+            <a:avLst/>
+          </a:prstGeom>
+          <a:ln>
+            <a:solidFill>
+              <a:schemeClr val="accent6"/>
+            </a:solidFill>
+          </a:ln>
+        </p:spPr>
+        <p:style>
+          <a:lnRef idx="1">
+            <a:schemeClr val="accent1"/>
+          </a:lnRef>
+          <a:fillRef idx="0">
+            <a:schemeClr val="accent1"/>
+          </a:fillRef>
+          <a:effectRef idx="0">
+            <a:schemeClr val="accent1"/>
+          </a:effectRef>
+          <a:fontRef idx="minor">
+            <a:schemeClr val="tx1"/>
+          </a:fontRef>
+        </p:style>
+      </p:cxnSp>
+      <p:sp>
+        <p:nvSpPr>
+          <p:cNvPr id="57" name="テキスト ボックス 56">
+            <a:extLst>
+              <a:ext uri="{FF2B5EF4-FFF2-40B4-BE49-F238E27FC236}">
+                <a16:creationId xmlns:a16="http://schemas.microsoft.com/office/drawing/2014/main" id="{A2597920-B22A-F04A-9FB9-2017C5133FA4}"/>
+              </a:ext>
+            </a:extLst>
+          </p:cNvPr>
+          <p:cNvSpPr txBox="1"/>
+          <p:nvPr/>
+        </p:nvSpPr>
+        <p:spPr>
+          <a:xfrm>
+            <a:off x="5167925" y="1128193"/>
+            <a:ext cx="3130198" cy="1869743"/>
+          </a:xfrm>
+          <a:prstGeom prst="rect">
+            <a:avLst/>
+          </a:prstGeom>
+          <a:noFill/>
+        </p:spPr>
+        <p:txBody>
+          <a:bodyPr wrap="square" rtlCol="0">
+            <a:spAutoFit/>
+          </a:bodyPr>
+          <a:lstStyle/>
+          <a:p>
+            <a:r>
+              <a:rPr lang="ja-JP" altLang="en-US" sz="1050" dirty="0">
+                <a:latin typeface="メイリオ" panose="020B0604030504040204" pitchFamily="50" charset="-128"/>
+                <a:ea typeface="メイリオ" panose="020B0604030504040204" pitchFamily="50" charset="-128"/>
+              </a:rPr>
+              <a:t>システム全体の振る舞いをシーケンス図に示す．</a:t>
+            </a:r>
+            <a:endParaRPr lang="en-US" altLang="ja-JP" sz="1050" dirty="0">
+              <a:latin typeface="メイリオ" panose="020B0604030504040204" pitchFamily="50" charset="-128"/>
+              <a:ea typeface="メイリオ" panose="020B0604030504040204" pitchFamily="50" charset="-128"/>
+            </a:endParaRPr>
+          </a:p>
+          <a:p>
+            <a:endParaRPr lang="en-US" altLang="ja-JP" sz="1050" dirty="0">
+              <a:latin typeface="メイリオ" panose="020B0604030504040204" pitchFamily="50" charset="-128"/>
+              <a:ea typeface="メイリオ" panose="020B0604030504040204" pitchFamily="50" charset="-128"/>
+            </a:endParaRPr>
+          </a:p>
+          <a:p>
+            <a:r>
+              <a:rPr lang="ja-JP" altLang="en-US" sz="1050" dirty="0">
+                <a:latin typeface="メイリオ" panose="020B0604030504040204" pitchFamily="50" charset="-128"/>
+                <a:ea typeface="メイリオ" panose="020B0604030504040204" pitchFamily="50" charset="-128"/>
+              </a:rPr>
+              <a:t>右図はステートマシン図の振る舞いを具体的にしたものである．</a:t>
+            </a:r>
+            <a:endParaRPr lang="en-US" altLang="ja-JP" sz="1050" dirty="0">
+              <a:latin typeface="メイリオ" panose="020B0604030504040204" pitchFamily="50" charset="-128"/>
+              <a:ea typeface="メイリオ" panose="020B0604030504040204" pitchFamily="50" charset="-128"/>
+            </a:endParaRPr>
+          </a:p>
+          <a:p>
+            <a:endParaRPr lang="en-US" altLang="ja-JP" sz="1050" dirty="0">
+              <a:latin typeface="メイリオ" panose="020B0604030504040204" pitchFamily="50" charset="-128"/>
+              <a:ea typeface="メイリオ" panose="020B0604030504040204" pitchFamily="50" charset="-128"/>
+            </a:endParaRPr>
+          </a:p>
+          <a:p>
+            <a:r>
+              <a:rPr lang="en-US" altLang="ja-JP" sz="1050" dirty="0">
+                <a:latin typeface="メイリオ" panose="020B0604030504040204" pitchFamily="50" charset="-128"/>
+                <a:ea typeface="メイリオ" panose="020B0604030504040204" pitchFamily="50" charset="-128"/>
+              </a:rPr>
+              <a:t>Ref.</a:t>
+            </a:r>
+            <a:r>
+              <a:rPr lang="ja-JP" altLang="en-US" sz="1050" dirty="0">
+                <a:latin typeface="メイリオ" panose="020B0604030504040204" pitchFamily="50" charset="-128"/>
+                <a:ea typeface="メイリオ" panose="020B0604030504040204" pitchFamily="50" charset="-128"/>
+              </a:rPr>
+              <a:t>で示した部分はページ下部を参照．</a:t>
+            </a:r>
+            <a:endParaRPr lang="en-US" altLang="ja-JP" sz="1050" dirty="0">
+              <a:latin typeface="メイリオ" panose="020B0604030504040204" pitchFamily="50" charset="-128"/>
+              <a:ea typeface="メイリオ" panose="020B0604030504040204" pitchFamily="50" charset="-128"/>
+            </a:endParaRPr>
+          </a:p>
+          <a:p>
+            <a:endParaRPr lang="en-US" altLang="ja-JP" sz="1050" dirty="0">
+              <a:latin typeface="メイリオ" panose="020B0604030504040204" pitchFamily="50" charset="-128"/>
+              <a:ea typeface="メイリオ" panose="020B0604030504040204" pitchFamily="50" charset="-128"/>
+            </a:endParaRPr>
+          </a:p>
+          <a:p>
+            <a:r>
+              <a:rPr lang="ja-JP" altLang="en-US" sz="1050" dirty="0">
+                <a:latin typeface="メイリオ" panose="020B0604030504040204" pitchFamily="50" charset="-128"/>
+                <a:ea typeface="メイリオ" panose="020B0604030504040204" pitchFamily="50" charset="-128"/>
+              </a:rPr>
+              <a:t>記号や色はステートマシン図と対応している．</a:t>
+            </a:r>
+            <a:endParaRPr lang="en-US" altLang="ja-JP" sz="1050" dirty="0">
+              <a:latin typeface="メイリオ" panose="020B0604030504040204" pitchFamily="50" charset="-128"/>
+              <a:ea typeface="メイリオ" panose="020B0604030504040204" pitchFamily="50" charset="-128"/>
+            </a:endParaRPr>
+          </a:p>
+          <a:p>
+            <a:endParaRPr lang="en-US" altLang="ja-JP" sz="1050" dirty="0">
+              <a:latin typeface="メイリオ" panose="020B0604030504040204" pitchFamily="50" charset="-128"/>
+              <a:ea typeface="メイリオ" panose="020B0604030504040204" pitchFamily="50" charset="-128"/>
+            </a:endParaRPr>
+          </a:p>
+          <a:p>
+            <a:r>
+              <a:rPr lang="ja-JP" altLang="en-US" sz="1050" dirty="0">
+                <a:latin typeface="メイリオ" panose="020B0604030504040204" pitchFamily="50" charset="-128"/>
+                <a:ea typeface="メイリオ" panose="020B0604030504040204" pitchFamily="50" charset="-128"/>
+              </a:rPr>
+              <a:t>また，ステートマシン図とシーケンス図の対応は下の表のとおり．</a:t>
+            </a:r>
+            <a:endParaRPr lang="en-US" altLang="ja-JP" sz="1050" dirty="0">
+              <a:latin typeface="メイリオ" panose="020B0604030504040204" pitchFamily="50" charset="-128"/>
+              <a:ea typeface="メイリオ" panose="020B0604030504040204" pitchFamily="50" charset="-128"/>
+            </a:endParaRPr>
+          </a:p>
+        </p:txBody>
+      </p:sp>
+      <p:pic>
+        <p:nvPicPr>
+          <p:cNvPr id="4" name="図 3">
+            <a:extLst>
+              <a:ext uri="{FF2B5EF4-FFF2-40B4-BE49-F238E27FC236}">
+                <a16:creationId xmlns:a16="http://schemas.microsoft.com/office/drawing/2014/main" id="{288A77D4-43CD-409A-8742-D488C876ED52}"/>
+              </a:ext>
+            </a:extLst>
+          </p:cNvPr>
+          <p:cNvPicPr>
+            <a:picLocks noChangeAspect="1"/>
+          </p:cNvPicPr>
+          <p:nvPr/>
+        </p:nvPicPr>
+        <p:blipFill>
+          <a:blip r:embed="rId3">
+            <a:extLst>
+              <a:ext uri="{28A0092B-C50C-407E-A947-70E740481C1C}">
+                <a14:useLocalDpi xmlns:a14="http://schemas.microsoft.com/office/drawing/2010/main" val="0"/>
+              </a:ext>
+            </a:extLst>
+          </a:blip>
+          <a:stretch>
+            <a:fillRect/>
+          </a:stretch>
+        </p:blipFill>
+        <p:spPr>
+          <a:xfrm>
+            <a:off x="8408085" y="5577187"/>
+            <a:ext cx="3543829" cy="3822626"/>
+          </a:xfrm>
+          <a:prstGeom prst="rect">
+            <a:avLst/>
+          </a:prstGeom>
+        </p:spPr>
+      </p:pic>
+      <p:grpSp>
+        <p:nvGrpSpPr>
+          <p:cNvPr id="6" name="グループ化 5">
+            <a:extLst>
+              <a:ext uri="{FF2B5EF4-FFF2-40B4-BE49-F238E27FC236}">
+                <a16:creationId xmlns:a16="http://schemas.microsoft.com/office/drawing/2014/main" id="{F486DA3E-4757-4E9B-BDA2-4A537283FE7E}"/>
+              </a:ext>
+            </a:extLst>
+          </p:cNvPr>
+          <p:cNvGrpSpPr/>
+          <p:nvPr/>
+        </p:nvGrpSpPr>
+        <p:grpSpPr>
+          <a:xfrm>
+            <a:off x="8450866" y="1042313"/>
+            <a:ext cx="3528382" cy="3513206"/>
+            <a:chOff x="1836480" y="5645249"/>
+            <a:chExt cx="3528382" cy="3513206"/>
+          </a:xfrm>
+        </p:grpSpPr>
+        <p:pic>
+          <p:nvPicPr>
+            <p:cNvPr id="27" name="図 26">
+              <a:extLst>
+                <a:ext uri="{FF2B5EF4-FFF2-40B4-BE49-F238E27FC236}">
+                  <a16:creationId xmlns:a16="http://schemas.microsoft.com/office/drawing/2014/main" id="{E3FBA33E-3EE2-6643-BD33-DDD4FC241E1F}"/>
+                </a:ext>
+              </a:extLst>
+            </p:cNvPr>
+            <p:cNvPicPr>
+              <a:picLocks noChangeAspect="1"/>
+            </p:cNvPicPr>
+            <p:nvPr/>
+          </p:nvPicPr>
+          <p:blipFill>
+            <a:blip r:embed="rId4">
+              <a:extLst>
+                <a:ext uri="{28A0092B-C50C-407E-A947-70E740481C1C}">
+                  <a14:useLocalDpi xmlns:a14="http://schemas.microsoft.com/office/drawing/2010/main" val="0"/>
+                </a:ext>
+              </a:extLst>
+            </a:blip>
+            <a:stretch>
+              <a:fillRect/>
+            </a:stretch>
+          </p:blipFill>
+          <p:spPr>
+            <a:xfrm>
+              <a:off x="1836480" y="5645249"/>
+              <a:ext cx="3528382" cy="3513206"/>
+            </a:xfrm>
+            <a:prstGeom prst="rect">
+              <a:avLst/>
+            </a:prstGeom>
+          </p:spPr>
+        </p:pic>
+        <p:sp>
+          <p:nvSpPr>
+            <p:cNvPr id="29" name="正方形/長方形 28">
+              <a:extLst>
+                <a:ext uri="{FF2B5EF4-FFF2-40B4-BE49-F238E27FC236}">
+                  <a16:creationId xmlns:a16="http://schemas.microsoft.com/office/drawing/2014/main" id="{34A05D94-6637-49BC-ADD3-677CC8630E1D}"/>
+                </a:ext>
+              </a:extLst>
+            </p:cNvPr>
+            <p:cNvSpPr/>
+            <p:nvPr/>
+          </p:nvSpPr>
+          <p:spPr>
+            <a:xfrm>
+              <a:off x="4390554" y="7665736"/>
+              <a:ext cx="817987" cy="442779"/>
+            </a:xfrm>
+            <a:prstGeom prst="rect">
+              <a:avLst/>
+            </a:prstGeom>
+            <a:noFill/>
+            <a:ln w="38100">
+              <a:solidFill>
+                <a:srgbClr val="FFB163"/>
+              </a:solidFill>
+            </a:ln>
+          </p:spPr>
+          <p:style>
+            <a:lnRef idx="2">
+              <a:schemeClr val="accent1">
+                <a:shade val="50000"/>
+              </a:schemeClr>
+            </a:lnRef>
+            <a:fillRef idx="1">
+              <a:schemeClr val="accent1"/>
+            </a:fillRef>
+            <a:effectRef idx="0">
+              <a:schemeClr val="accent1"/>
+            </a:effectRef>
+            <a:fontRef idx="minor">
+              <a:schemeClr val="lt1"/>
+            </a:fontRef>
+          </p:style>
+          <p:txBody>
+            <a:bodyPr rtlCol="0" anchor="ctr"/>
+            <a:lstStyle/>
+            <a:p>
+              <a:pPr algn="ctr"/>
+              <a:endParaRPr kumimoji="1" lang="ja-JP" altLang="en-US"/>
+            </a:p>
+          </p:txBody>
+        </p:sp>
+        <p:sp>
+          <p:nvSpPr>
+            <p:cNvPr id="30" name="正方形/長方形 29">
+              <a:extLst>
+                <a:ext uri="{FF2B5EF4-FFF2-40B4-BE49-F238E27FC236}">
+                  <a16:creationId xmlns:a16="http://schemas.microsoft.com/office/drawing/2014/main" id="{E55EAB55-5589-4066-B17E-9FC13EB27BEE}"/>
+                </a:ext>
+              </a:extLst>
+            </p:cNvPr>
+            <p:cNvSpPr/>
+            <p:nvPr/>
+          </p:nvSpPr>
+          <p:spPr>
+            <a:xfrm>
+              <a:off x="4390554" y="7121364"/>
+              <a:ext cx="817986" cy="442779"/>
+            </a:xfrm>
+            <a:prstGeom prst="rect">
+              <a:avLst/>
+            </a:prstGeom>
+            <a:noFill/>
+            <a:ln w="38100">
+              <a:solidFill>
+                <a:srgbClr val="00B050"/>
+              </a:solidFill>
+            </a:ln>
+          </p:spPr>
+          <p:style>
+            <a:lnRef idx="2">
+              <a:schemeClr val="accent1">
+                <a:shade val="50000"/>
+              </a:schemeClr>
+            </a:lnRef>
+            <a:fillRef idx="1">
+              <a:schemeClr val="accent1"/>
+            </a:fillRef>
+            <a:effectRef idx="0">
+              <a:schemeClr val="accent1"/>
+            </a:effectRef>
+            <a:fontRef idx="minor">
+              <a:schemeClr val="lt1"/>
+            </a:fontRef>
+          </p:style>
+          <p:txBody>
+            <a:bodyPr rtlCol="0" anchor="ctr"/>
+            <a:lstStyle/>
+            <a:p>
+              <a:pPr algn="ctr"/>
+              <a:endParaRPr kumimoji="1" lang="ja-JP" altLang="en-US"/>
+            </a:p>
+          </p:txBody>
+        </p:sp>
+      </p:grpSp>
+      <p:pic>
+        <p:nvPicPr>
+          <p:cNvPr id="31" name="図 30">
+            <a:extLst>
+              <a:ext uri="{FF2B5EF4-FFF2-40B4-BE49-F238E27FC236}">
+                <a16:creationId xmlns:a16="http://schemas.microsoft.com/office/drawing/2014/main" id="{EB98B084-55CC-4211-A662-61054E9C4B81}"/>
+              </a:ext>
+            </a:extLst>
+          </p:cNvPr>
+          <p:cNvPicPr>
+            <a:picLocks noChangeAspect="1"/>
+          </p:cNvPicPr>
+          <p:nvPr/>
+        </p:nvPicPr>
+        <p:blipFill>
+          <a:blip r:embed="rId5">
+            <a:extLst>
+              <a:ext uri="{28A0092B-C50C-407E-A947-70E740481C1C}">
+                <a14:useLocalDpi xmlns:a14="http://schemas.microsoft.com/office/drawing/2010/main" val="0"/>
+              </a:ext>
+            </a:extLst>
+          </a:blip>
+          <a:stretch>
+            <a:fillRect/>
+          </a:stretch>
+        </p:blipFill>
+        <p:spPr>
+          <a:xfrm>
+            <a:off x="132987" y="5581243"/>
+            <a:ext cx="7053771" cy="3865165"/>
+          </a:xfrm>
+          <a:prstGeom prst="rect">
+            <a:avLst/>
+          </a:prstGeom>
+        </p:spPr>
+      </p:pic>
+      <p:cxnSp>
+        <p:nvCxnSpPr>
+          <p:cNvPr id="34" name="直線コネクタ 33">
+            <a:extLst>
+              <a:ext uri="{FF2B5EF4-FFF2-40B4-BE49-F238E27FC236}">
+                <a16:creationId xmlns:a16="http://schemas.microsoft.com/office/drawing/2014/main" id="{C7A7514A-1822-4240-8DA5-A3D8F7193F72}"/>
+              </a:ext>
+            </a:extLst>
+          </p:cNvPr>
+          <p:cNvCxnSpPr>
+            <a:cxnSpLocks/>
+          </p:cNvCxnSpPr>
+          <p:nvPr/>
+        </p:nvCxnSpPr>
+        <p:spPr>
+          <a:xfrm>
+            <a:off x="5138772" y="1030025"/>
+            <a:ext cx="7382708" cy="0"/>
+          </a:xfrm>
+          <a:prstGeom prst="line">
+            <a:avLst/>
+          </a:prstGeom>
+          <a:ln w="38100">
+            <a:solidFill>
+              <a:schemeClr val="accent6"/>
+            </a:solidFill>
+          </a:ln>
+        </p:spPr>
+        <p:style>
+          <a:lnRef idx="1">
+            <a:schemeClr val="accent1"/>
+          </a:lnRef>
+          <a:fillRef idx="0">
+            <a:schemeClr val="accent1"/>
+          </a:fillRef>
+          <a:effectRef idx="0">
+            <a:schemeClr val="accent1"/>
+          </a:effectRef>
+          <a:fontRef idx="minor">
+            <a:schemeClr val="tx1"/>
+          </a:fontRef>
+        </p:style>
+      </p:cxnSp>
+      <p:graphicFrame>
+        <p:nvGraphicFramePr>
+          <p:cNvPr id="9" name="表 8">
+            <a:extLst>
+              <a:ext uri="{FF2B5EF4-FFF2-40B4-BE49-F238E27FC236}">
+                <a16:creationId xmlns:a16="http://schemas.microsoft.com/office/drawing/2014/main" id="{3B36A374-E9E9-4D99-848E-D464006BC4E8}"/>
+              </a:ext>
+            </a:extLst>
+          </p:cNvPr>
+          <p:cNvGraphicFramePr>
+            <a:graphicFrameLocks noGrp="1"/>
+          </p:cNvGraphicFramePr>
+          <p:nvPr>
+            <p:extLst>
+              <p:ext uri="{D42A27DB-BD31-4B8C-83A1-F6EECF244321}">
+                <p14:modId xmlns:p14="http://schemas.microsoft.com/office/powerpoint/2010/main" val="626891334"/>
+              </p:ext>
+            </p:extLst>
+          </p:nvPr>
+        </p:nvGraphicFramePr>
+        <p:xfrm>
+          <a:off x="5138772" y="3309475"/>
+          <a:ext cx="3247842" cy="754380"/>
+        </p:xfrm>
+        <a:graphic>
+          <a:graphicData uri="http://schemas.openxmlformats.org/drawingml/2006/table">
+            <a:tbl>
+              <a:tblPr firstRow="1" bandRow="1">
+                <a:tableStyleId>{93296810-A885-4BE3-A3E7-6D5BEEA58F35}</a:tableStyleId>
+              </a:tblPr>
+              <a:tblGrid>
+                <a:gridCol w="478149">
+                  <a:extLst>
+                    <a:ext uri="{9D8B030D-6E8A-4147-A177-3AD203B41FA5}">
+                      <a16:colId xmlns:a16="http://schemas.microsoft.com/office/drawing/2014/main" val="2571724923"/>
+                    </a:ext>
+                  </a:extLst>
+                </a:gridCol>
+                <a:gridCol w="1368152">
+                  <a:extLst>
+                    <a:ext uri="{9D8B030D-6E8A-4147-A177-3AD203B41FA5}">
+                      <a16:colId xmlns:a16="http://schemas.microsoft.com/office/drawing/2014/main" val="1025851071"/>
+                    </a:ext>
+                  </a:extLst>
+                </a:gridCol>
+                <a:gridCol w="1401541">
+                  <a:extLst>
+                    <a:ext uri="{9D8B030D-6E8A-4147-A177-3AD203B41FA5}">
+                      <a16:colId xmlns:a16="http://schemas.microsoft.com/office/drawing/2014/main" val="809807974"/>
+                    </a:ext>
+                  </a:extLst>
+                </a:gridCol>
+              </a:tblGrid>
+              <a:tr h="204184">
+                <a:tc>
+                  <a:txBody>
+                    <a:bodyPr/>
+                    <a:lstStyle/>
+                    <a:p>
+                      <a:pPr algn="ctr"/>
+                      <a:endParaRPr kumimoji="1" lang="ja-JP" altLang="en-US" sz="1050" dirty="0"/>
+                    </a:p>
+                  </a:txBody>
+                  <a:tcPr>
+                    <a:solidFill>
+                      <a:schemeClr val="accent6"/>
+                    </a:solidFill>
+                  </a:tcPr>
+                </a:tc>
+                <a:tc>
+                  <a:txBody>
+                    <a:bodyPr/>
+                    <a:lstStyle/>
+                    <a:p>
+                      <a:pPr algn="ctr"/>
+                      <a:r>
+                        <a:rPr kumimoji="1" lang="ja-JP" altLang="en-US" sz="1050" dirty="0"/>
+                        <a:t>ステートマシン図</a:t>
+                      </a:r>
+                    </a:p>
+                  </a:txBody>
+                  <a:tcPr/>
+                </a:tc>
+                <a:tc>
+                  <a:txBody>
+                    <a:bodyPr/>
+                    <a:lstStyle/>
+                    <a:p>
+                      <a:pPr algn="ctr"/>
+                      <a:r>
+                        <a:rPr kumimoji="1" lang="ja-JP" altLang="en-US" sz="1050" dirty="0"/>
+                        <a:t>シーケンス図</a:t>
+                      </a:r>
+                    </a:p>
+                  </a:txBody>
+                  <a:tcPr/>
+                </a:tc>
+                <a:extLst>
+                  <a:ext uri="{0D108BD9-81ED-4DB2-BD59-A6C34878D82A}">
+                    <a16:rowId xmlns:a16="http://schemas.microsoft.com/office/drawing/2014/main" val="312303301"/>
+                  </a:ext>
+                </a:extLst>
+              </a:tr>
+              <a:tr h="204184">
+                <a:tc>
+                  <a:txBody>
+                    <a:bodyPr/>
+                    <a:lstStyle/>
+                    <a:p>
+                      <a:pPr algn="ctr"/>
+                      <a:r>
+                        <a:rPr kumimoji="1" lang="en-US" altLang="ja-JP" sz="1050" b="1" dirty="0">
+                          <a:solidFill>
+                            <a:schemeClr val="bg1"/>
+                          </a:solidFill>
+                          <a:latin typeface="メイリオ" panose="020B0604030504040204" pitchFamily="50" charset="-128"/>
+                          <a:ea typeface="メイリオ" panose="020B0604030504040204" pitchFamily="50" charset="-128"/>
+                        </a:rPr>
+                        <a:t>A</a:t>
+                      </a:r>
+                      <a:endParaRPr kumimoji="1" lang="ja-JP" altLang="en-US" sz="1050" b="1" dirty="0">
+                        <a:solidFill>
+                          <a:schemeClr val="bg1"/>
+                        </a:solidFill>
+                        <a:latin typeface="メイリオ" panose="020B0604030504040204" pitchFamily="50" charset="-128"/>
+                        <a:ea typeface="メイリオ" panose="020B0604030504040204" pitchFamily="50" charset="-128"/>
+                      </a:endParaRPr>
+                    </a:p>
+                  </a:txBody>
+                  <a:tcPr>
+                    <a:solidFill>
+                      <a:schemeClr val="accent6"/>
+                    </a:solidFill>
+                  </a:tcPr>
+                </a:tc>
+                <a:tc>
+                  <a:txBody>
+                    <a:bodyPr/>
+                    <a:lstStyle/>
+                    <a:p>
+                      <a:pPr algn="ctr"/>
+                      <a:r>
+                        <a:rPr kumimoji="1" lang="ja-JP" altLang="en-US" sz="1050" dirty="0">
+                          <a:latin typeface="メイリオ" panose="020B0604030504040204" pitchFamily="50" charset="-128"/>
+                          <a:ea typeface="メイリオ" panose="020B0604030504040204" pitchFamily="50" charset="-128"/>
+                        </a:rPr>
+                        <a:t>区間確認中</a:t>
+                      </a:r>
+                    </a:p>
+                  </a:txBody>
+                  <a:tcPr/>
+                </a:tc>
+                <a:tc>
+                  <a:txBody>
+                    <a:bodyPr/>
+                    <a:lstStyle/>
+                    <a:p>
+                      <a:pPr algn="ctr"/>
+                      <a:r>
+                        <a:rPr kumimoji="1" lang="ja-JP" altLang="en-US" sz="1050" dirty="0">
+                          <a:latin typeface="メイリオ" panose="020B0604030504040204" pitchFamily="50" charset="-128"/>
+                          <a:ea typeface="メイリオ" panose="020B0604030504040204" pitchFamily="50" charset="-128"/>
+                        </a:rPr>
+                        <a:t>区間確認</a:t>
+                      </a:r>
+                    </a:p>
+                  </a:txBody>
+                  <a:tcPr/>
+                </a:tc>
+                <a:extLst>
+                  <a:ext uri="{0D108BD9-81ED-4DB2-BD59-A6C34878D82A}">
+                    <a16:rowId xmlns:a16="http://schemas.microsoft.com/office/drawing/2014/main" val="2488118463"/>
+                  </a:ext>
+                </a:extLst>
+              </a:tr>
+              <a:tr h="204184">
+                <a:tc>
+                  <a:txBody>
+                    <a:bodyPr/>
+                    <a:lstStyle/>
+                    <a:p>
+                      <a:pPr algn="ctr"/>
+                      <a:r>
+                        <a:rPr kumimoji="1" lang="en-US" altLang="ja-JP" sz="1050" b="1" dirty="0">
+                          <a:solidFill>
+                            <a:schemeClr val="bg1"/>
+                          </a:solidFill>
+                          <a:latin typeface="メイリオ" panose="020B0604030504040204" pitchFamily="50" charset="-128"/>
+                          <a:ea typeface="メイリオ" panose="020B0604030504040204" pitchFamily="50" charset="-128"/>
+                        </a:rPr>
+                        <a:t>B</a:t>
+                      </a:r>
+                      <a:endParaRPr kumimoji="1" lang="ja-JP" altLang="en-US" sz="1050" b="1" dirty="0">
+                        <a:solidFill>
+                          <a:schemeClr val="bg1"/>
+                        </a:solidFill>
+                        <a:latin typeface="メイリオ" panose="020B0604030504040204" pitchFamily="50" charset="-128"/>
+                        <a:ea typeface="メイリオ" panose="020B0604030504040204" pitchFamily="50" charset="-128"/>
+                      </a:endParaRPr>
+                    </a:p>
+                  </a:txBody>
+                  <a:tcPr>
+                    <a:solidFill>
+                      <a:schemeClr val="accent6"/>
+                    </a:solidFill>
+                  </a:tcPr>
+                </a:tc>
+                <a:tc>
+                  <a:txBody>
+                    <a:bodyPr/>
+                    <a:lstStyle/>
+                    <a:p>
+                      <a:pPr algn="ctr"/>
+                      <a:r>
+                        <a:rPr kumimoji="1" lang="ja-JP" altLang="en-US" sz="1050" dirty="0">
+                          <a:latin typeface="メイリオ" panose="020B0604030504040204" pitchFamily="50" charset="-128"/>
+                          <a:ea typeface="メイリオ" panose="020B0604030504040204" pitchFamily="50" charset="-128"/>
+                        </a:rPr>
+                        <a:t>ライントレース中</a:t>
+                      </a:r>
+                    </a:p>
+                  </a:txBody>
+                  <a:tcPr/>
+                </a:tc>
+                <a:tc>
+                  <a:txBody>
+                    <a:bodyPr/>
+                    <a:lstStyle/>
+                    <a:p>
+                      <a:pPr algn="ctr"/>
+                      <a:r>
+                        <a:rPr kumimoji="1" lang="ja-JP" altLang="en-US" sz="1050" dirty="0">
+                          <a:latin typeface="メイリオ" panose="020B0604030504040204" pitchFamily="50" charset="-128"/>
+                          <a:ea typeface="メイリオ" panose="020B0604030504040204" pitchFamily="50" charset="-128"/>
+                        </a:rPr>
+                        <a:t>ライントレース</a:t>
+                      </a:r>
+                    </a:p>
+                  </a:txBody>
+                  <a:tcPr/>
+                </a:tc>
+                <a:extLst>
+                  <a:ext uri="{0D108BD9-81ED-4DB2-BD59-A6C34878D82A}">
+                    <a16:rowId xmlns:a16="http://schemas.microsoft.com/office/drawing/2014/main" val="3675270709"/>
+                  </a:ext>
+                </a:extLst>
+              </a:tr>
+            </a:tbl>
+          </a:graphicData>
+        </a:graphic>
+      </p:graphicFrame>
+      <p:sp>
+        <p:nvSpPr>
+          <p:cNvPr id="38" name="テキスト ボックス 37">
+            <a:extLst>
+              <a:ext uri="{FF2B5EF4-FFF2-40B4-BE49-F238E27FC236}">
+                <a16:creationId xmlns:a16="http://schemas.microsoft.com/office/drawing/2014/main" id="{C071F6AA-EE94-475F-8472-8448F87EF85C}"/>
+              </a:ext>
+            </a:extLst>
+          </p:cNvPr>
+          <p:cNvSpPr txBox="1"/>
+          <p:nvPr/>
+        </p:nvSpPr>
+        <p:spPr>
+          <a:xfrm>
+            <a:off x="152333" y="4863986"/>
+            <a:ext cx="3158616" cy="338554"/>
+          </a:xfrm>
+          <a:prstGeom prst="rect">
+            <a:avLst/>
+          </a:prstGeom>
+          <a:noFill/>
+        </p:spPr>
+        <p:txBody>
+          <a:bodyPr wrap="square" rtlCol="0">
+            <a:spAutoFit/>
+          </a:bodyPr>
+          <a:lstStyle/>
+          <a:p>
+            <a:pPr marL="0" marR="0" lvl="0" indent="0" algn="l" defTabSz="914400" rtl="0" eaLnBrk="1" fontAlgn="base" latinLnBrk="0" hangingPunct="1">
+              <a:lnSpc>
+                <a:spcPct val="100000"/>
+              </a:lnSpc>
+              <a:spcBef>
+                <a:spcPct val="0"/>
+              </a:spcBef>
+              <a:spcAft>
+                <a:spcPct val="0"/>
+              </a:spcAft>
+              <a:buClrTx/>
+              <a:buSzTx/>
+              <a:buFontTx/>
+              <a:buNone/>
+              <a:tabLst/>
+              <a:defRPr/>
+            </a:pPr>
+            <a:r>
+              <a:rPr lang="en-US" altLang="ja-JP" b="1" dirty="0">
+                <a:solidFill>
+                  <a:prstClr val="black"/>
+                </a:solidFill>
+                <a:latin typeface="游ゴシック" panose="020B0400000000000000" pitchFamily="50" charset="-128"/>
+                <a:ea typeface="游ゴシック" panose="020B0400000000000000" pitchFamily="50" charset="-128"/>
+              </a:rPr>
+              <a:t>A</a:t>
+            </a:r>
+            <a:r>
+              <a:rPr kumimoji="1" lang="ja-JP" altLang="en-US" b="1" i="0" u="none" strike="noStrike" kern="1200" cap="none" spc="0" normalizeH="0" baseline="0" noProof="0" dirty="0">
+                <a:ln>
+                  <a:noFill/>
+                </a:ln>
+                <a:solidFill>
+                  <a:prstClr val="black"/>
+                </a:solidFill>
+                <a:effectLst/>
+                <a:uLnTx/>
+                <a:uFillTx/>
+                <a:latin typeface="游ゴシック" panose="020B0400000000000000" pitchFamily="50" charset="-128"/>
+                <a:ea typeface="游ゴシック" panose="020B0400000000000000" pitchFamily="50" charset="-128"/>
+              </a:rPr>
+              <a:t>．</a:t>
+            </a:r>
+            <a:r>
+              <a:rPr lang="ja-JP" altLang="en-US" b="1" dirty="0">
+                <a:solidFill>
+                  <a:prstClr val="black"/>
+                </a:solidFill>
+                <a:latin typeface="游ゴシック" panose="020B0400000000000000" pitchFamily="50" charset="-128"/>
+                <a:ea typeface="游ゴシック" panose="020B0400000000000000" pitchFamily="50" charset="-128"/>
+              </a:rPr>
+              <a:t>区間確認</a:t>
+            </a:r>
+            <a:r>
+              <a:rPr kumimoji="1" lang="ja-JP" altLang="en-US" b="1" i="0" u="none" strike="noStrike" kern="1200" cap="none" spc="0" normalizeH="0" baseline="0" noProof="0" dirty="0">
+                <a:ln>
+                  <a:noFill/>
+                </a:ln>
+                <a:solidFill>
+                  <a:prstClr val="black"/>
+                </a:solidFill>
+                <a:effectLst/>
+                <a:uLnTx/>
+                <a:uFillTx/>
+                <a:latin typeface="游ゴシック" panose="020B0400000000000000" pitchFamily="50" charset="-128"/>
+                <a:ea typeface="游ゴシック" panose="020B0400000000000000" pitchFamily="50" charset="-128"/>
+              </a:rPr>
+              <a:t>の振る舞い</a:t>
+            </a:r>
+          </a:p>
+        </p:txBody>
+      </p:sp>
+      <p:cxnSp>
+        <p:nvCxnSpPr>
+          <p:cNvPr id="40" name="直線コネクタ 39">
+            <a:extLst>
+              <a:ext uri="{FF2B5EF4-FFF2-40B4-BE49-F238E27FC236}">
+                <a16:creationId xmlns:a16="http://schemas.microsoft.com/office/drawing/2014/main" id="{B2CCCAC5-1F58-4DE3-A25B-2787A184B964}"/>
+              </a:ext>
+            </a:extLst>
+          </p:cNvPr>
+          <p:cNvCxnSpPr>
+            <a:cxnSpLocks/>
+          </p:cNvCxnSpPr>
+          <p:nvPr/>
+        </p:nvCxnSpPr>
+        <p:spPr>
+          <a:xfrm>
+            <a:off x="195198" y="5170354"/>
+            <a:ext cx="7141706" cy="2069"/>
+          </a:xfrm>
+          <a:prstGeom prst="line">
+            <a:avLst/>
+          </a:prstGeom>
+          <a:ln w="38100">
+            <a:solidFill>
+              <a:schemeClr val="accent6"/>
+            </a:solidFill>
+          </a:ln>
+        </p:spPr>
+        <p:style>
+          <a:lnRef idx="1">
+            <a:schemeClr val="accent1"/>
+          </a:lnRef>
+          <a:fillRef idx="0">
+            <a:schemeClr val="accent1"/>
+          </a:fillRef>
+          <a:effectRef idx="0">
+            <a:schemeClr val="accent1"/>
+          </a:effectRef>
+          <a:fontRef idx="minor">
+            <a:schemeClr val="tx1"/>
+          </a:fontRef>
+        </p:style>
+      </p:cxnSp>
+      <p:sp>
+        <p:nvSpPr>
+          <p:cNvPr id="53" name="テキスト ボックス 52">
+            <a:extLst>
+              <a:ext uri="{FF2B5EF4-FFF2-40B4-BE49-F238E27FC236}">
+                <a16:creationId xmlns:a16="http://schemas.microsoft.com/office/drawing/2014/main" id="{3559B331-1A1F-41A1-94C9-67B78B725D83}"/>
+              </a:ext>
+            </a:extLst>
+          </p:cNvPr>
+          <p:cNvSpPr txBox="1"/>
+          <p:nvPr/>
+        </p:nvSpPr>
+        <p:spPr>
+          <a:xfrm>
+            <a:off x="175228" y="5219493"/>
+            <a:ext cx="5161675" cy="253916"/>
+          </a:xfrm>
+          <a:prstGeom prst="rect">
+            <a:avLst/>
+          </a:prstGeom>
+          <a:noFill/>
+        </p:spPr>
+        <p:txBody>
+          <a:bodyPr wrap="square" rtlCol="0">
+            <a:spAutoFit/>
+          </a:bodyPr>
+          <a:lstStyle/>
+          <a:p>
+            <a:r>
+              <a:rPr lang="ja-JP" altLang="en-US" sz="1050" dirty="0">
+                <a:latin typeface="メイリオ" panose="020B0604030504040204" pitchFamily="50" charset="-128"/>
+                <a:ea typeface="メイリオ" panose="020B0604030504040204" pitchFamily="50" charset="-128"/>
+              </a:rPr>
+              <a:t>区間確認の振る舞いをシーケンス図で表す。全体概要の緑枠の部分に当たる。</a:t>
+            </a:r>
+            <a:endParaRPr kumimoji="1" lang="ja-JP" altLang="en-US" sz="1050" dirty="0">
+              <a:latin typeface="メイリオ" panose="020B0604030504040204" pitchFamily="50" charset="-128"/>
+              <a:ea typeface="メイリオ" panose="020B0604030504040204" pitchFamily="50" charset="-128"/>
+            </a:endParaRPr>
+          </a:p>
+        </p:txBody>
+      </p:sp>
+      <p:cxnSp>
+        <p:nvCxnSpPr>
+          <p:cNvPr id="55" name="直線コネクタ 54">
+            <a:extLst>
+              <a:ext uri="{FF2B5EF4-FFF2-40B4-BE49-F238E27FC236}">
+                <a16:creationId xmlns:a16="http://schemas.microsoft.com/office/drawing/2014/main" id="{583C2C92-38F3-4EEA-B139-0161BD03A342}"/>
+              </a:ext>
+            </a:extLst>
+          </p:cNvPr>
+          <p:cNvCxnSpPr>
+            <a:cxnSpLocks/>
+          </p:cNvCxnSpPr>
+          <p:nvPr/>
+        </p:nvCxnSpPr>
+        <p:spPr>
+          <a:xfrm flipH="1">
+            <a:off x="122479" y="4638706"/>
+            <a:ext cx="12456000" cy="0"/>
           </a:xfrm>
           <a:prstGeom prst="line">
             <a:avLst/>
@@ -3799,10 +4581,245 @@
       </p:cxnSp>
       <p:cxnSp>
         <p:nvCxnSpPr>
-          <p:cNvPr id="54" name="直線コネクタ 53">
+          <p:cNvPr id="56" name="直線コネクタ 55">
             <a:extLst>
               <a:ext uri="{FF2B5EF4-FFF2-40B4-BE49-F238E27FC236}">
-                <a16:creationId xmlns:a16="http://schemas.microsoft.com/office/drawing/2014/main" id="{D854745E-A02A-8042-8696-36AF92323DB1}"/>
+                <a16:creationId xmlns:a16="http://schemas.microsoft.com/office/drawing/2014/main" id="{7A04B749-9600-4C21-87DA-E530504471A5}"/>
+              </a:ext>
+            </a:extLst>
+          </p:cNvPr>
+          <p:cNvCxnSpPr>
+            <a:cxnSpLocks/>
+          </p:cNvCxnSpPr>
+          <p:nvPr/>
+        </p:nvCxnSpPr>
+        <p:spPr>
+          <a:xfrm flipH="1">
+            <a:off x="7405806" y="4728592"/>
+            <a:ext cx="0" cy="4671393"/>
+          </a:xfrm>
+          <a:prstGeom prst="line">
+            <a:avLst/>
+          </a:prstGeom>
+          <a:ln>
+            <a:solidFill>
+              <a:schemeClr val="accent6"/>
+            </a:solidFill>
+          </a:ln>
+        </p:spPr>
+        <p:style>
+          <a:lnRef idx="1">
+            <a:schemeClr val="accent1"/>
+          </a:lnRef>
+          <a:fillRef idx="0">
+            <a:schemeClr val="accent1"/>
+          </a:fillRef>
+          <a:effectRef idx="0">
+            <a:schemeClr val="accent1"/>
+          </a:effectRef>
+          <a:fontRef idx="minor">
+            <a:schemeClr val="tx1"/>
+          </a:fontRef>
+        </p:style>
+      </p:cxnSp>
+      <p:sp>
+        <p:nvSpPr>
+          <p:cNvPr id="62" name="テキスト ボックス 61">
+            <a:extLst>
+              <a:ext uri="{FF2B5EF4-FFF2-40B4-BE49-F238E27FC236}">
+                <a16:creationId xmlns:a16="http://schemas.microsoft.com/office/drawing/2014/main" id="{FB0B7157-0CC0-47DF-8AE0-3BB4D14B8768}"/>
+              </a:ext>
+            </a:extLst>
+          </p:cNvPr>
+          <p:cNvSpPr txBox="1"/>
+          <p:nvPr/>
+        </p:nvSpPr>
+        <p:spPr>
+          <a:xfrm>
+            <a:off x="7455110" y="4833869"/>
+            <a:ext cx="3770219" cy="338554"/>
+          </a:xfrm>
+          <a:prstGeom prst="rect">
+            <a:avLst/>
+          </a:prstGeom>
+          <a:noFill/>
+        </p:spPr>
+        <p:txBody>
+          <a:bodyPr wrap="square" rtlCol="0">
+            <a:spAutoFit/>
+          </a:bodyPr>
+          <a:lstStyle/>
+          <a:p>
+            <a:pPr marL="0" marR="0" lvl="0" indent="0" algn="l" defTabSz="914400" rtl="0" eaLnBrk="1" fontAlgn="base" latinLnBrk="0" hangingPunct="1">
+              <a:lnSpc>
+                <a:spcPct val="100000"/>
+              </a:lnSpc>
+              <a:spcBef>
+                <a:spcPct val="0"/>
+              </a:spcBef>
+              <a:spcAft>
+                <a:spcPct val="0"/>
+              </a:spcAft>
+              <a:buClrTx/>
+              <a:buSzTx/>
+              <a:buFontTx/>
+              <a:buNone/>
+              <a:tabLst/>
+              <a:defRPr/>
+            </a:pPr>
+            <a:r>
+              <a:rPr kumimoji="1" lang="en-US" altLang="ja-JP" b="1" i="0" u="none" strike="noStrike" kern="1200" cap="none" spc="0" normalizeH="0" baseline="0" noProof="0" dirty="0">
+                <a:ln>
+                  <a:noFill/>
+                </a:ln>
+                <a:solidFill>
+                  <a:prstClr val="black"/>
+                </a:solidFill>
+                <a:effectLst/>
+                <a:uLnTx/>
+                <a:uFillTx/>
+                <a:latin typeface="游ゴシック" panose="020B0400000000000000" pitchFamily="50" charset="-128"/>
+                <a:ea typeface="游ゴシック" panose="020B0400000000000000" pitchFamily="50" charset="-128"/>
+              </a:rPr>
+              <a:t>B</a:t>
+            </a:r>
+            <a:r>
+              <a:rPr kumimoji="1" lang="ja-JP" altLang="en-US" b="1" i="0" u="none" strike="noStrike" kern="1200" cap="none" spc="0" normalizeH="0" baseline="0" noProof="0" dirty="0">
+                <a:ln>
+                  <a:noFill/>
+                </a:ln>
+                <a:solidFill>
+                  <a:prstClr val="black"/>
+                </a:solidFill>
+                <a:effectLst/>
+                <a:uLnTx/>
+                <a:uFillTx/>
+                <a:latin typeface="游ゴシック" panose="020B0400000000000000" pitchFamily="50" charset="-128"/>
+                <a:ea typeface="游ゴシック" panose="020B0400000000000000" pitchFamily="50" charset="-128"/>
+              </a:rPr>
+              <a:t>．ライントレースの振る舞い</a:t>
+            </a:r>
+            <a:r>
+              <a:rPr lang="ja-JP" altLang="en-US" b="1" dirty="0">
+                <a:solidFill>
+                  <a:prstClr val="black"/>
+                </a:solidFill>
+                <a:latin typeface="游ゴシック" panose="020B0400000000000000" pitchFamily="50" charset="-128"/>
+                <a:ea typeface="游ゴシック" panose="020B0400000000000000" pitchFamily="50" charset="-128"/>
+              </a:rPr>
+              <a:t>（</a:t>
+            </a:r>
+            <a:r>
+              <a:rPr lang="en-US" altLang="ja-JP" b="1" dirty="0">
+                <a:solidFill>
+                  <a:prstClr val="black"/>
+                </a:solidFill>
+                <a:latin typeface="游ゴシック" panose="020B0400000000000000" pitchFamily="50" charset="-128"/>
+                <a:ea typeface="游ゴシック" panose="020B0400000000000000" pitchFamily="50" charset="-128"/>
+              </a:rPr>
+              <a:t>1</a:t>
+            </a:r>
+            <a:r>
+              <a:rPr lang="ja-JP" altLang="en-US" b="1" dirty="0">
+                <a:solidFill>
+                  <a:prstClr val="black"/>
+                </a:solidFill>
+                <a:latin typeface="游ゴシック" panose="020B0400000000000000" pitchFamily="50" charset="-128"/>
+                <a:ea typeface="游ゴシック" panose="020B0400000000000000" pitchFamily="50" charset="-128"/>
+              </a:rPr>
+              <a:t>）</a:t>
+            </a:r>
+            <a:endParaRPr kumimoji="1" lang="ja-JP" altLang="en-US" b="1" i="0" u="none" strike="noStrike" kern="1200" cap="none" spc="0" normalizeH="0" baseline="0" noProof="0" dirty="0">
+              <a:ln>
+                <a:noFill/>
+              </a:ln>
+              <a:solidFill>
+                <a:prstClr val="black"/>
+              </a:solidFill>
+              <a:effectLst/>
+              <a:uLnTx/>
+              <a:uFillTx/>
+              <a:latin typeface="游ゴシック" panose="020B0400000000000000" pitchFamily="50" charset="-128"/>
+              <a:ea typeface="游ゴシック" panose="020B0400000000000000" pitchFamily="50" charset="-128"/>
+            </a:endParaRPr>
+          </a:p>
+        </p:txBody>
+      </p:sp>
+      <p:sp>
+        <p:nvSpPr>
+          <p:cNvPr id="63" name="テキスト ボックス 62">
+            <a:extLst>
+              <a:ext uri="{FF2B5EF4-FFF2-40B4-BE49-F238E27FC236}">
+                <a16:creationId xmlns:a16="http://schemas.microsoft.com/office/drawing/2014/main" id="{3B907795-F804-445B-82AE-D4780DC00EE1}"/>
+              </a:ext>
+            </a:extLst>
+          </p:cNvPr>
+          <p:cNvSpPr txBox="1"/>
+          <p:nvPr/>
+        </p:nvSpPr>
+        <p:spPr>
+          <a:xfrm>
+            <a:off x="7498259" y="5195407"/>
+            <a:ext cx="5128113" cy="415498"/>
+          </a:xfrm>
+          <a:prstGeom prst="rect">
+            <a:avLst/>
+          </a:prstGeom>
+          <a:noFill/>
+        </p:spPr>
+        <p:txBody>
+          <a:bodyPr wrap="square" rtlCol="0">
+            <a:spAutoFit/>
+          </a:bodyPr>
+          <a:lstStyle/>
+          <a:p>
+            <a:r>
+              <a:rPr lang="ja-JP" altLang="en-US" sz="1050" dirty="0">
+                <a:latin typeface="メイリオ" panose="020B0604030504040204" pitchFamily="50" charset="-128"/>
+                <a:ea typeface="メイリオ" panose="020B0604030504040204" pitchFamily="50" charset="-128"/>
+              </a:rPr>
+              <a:t>ライントレースの振る舞いをシーケンス図で表す。全体概要の青枠の部分に当たる．</a:t>
+            </a:r>
+            <a:endParaRPr lang="en-US" altLang="ja-JP" sz="1050" dirty="0">
+              <a:latin typeface="メイリオ" panose="020B0604030504040204" pitchFamily="50" charset="-128"/>
+              <a:ea typeface="メイリオ" panose="020B0604030504040204" pitchFamily="50" charset="-128"/>
+            </a:endParaRPr>
+          </a:p>
+          <a:p>
+            <a:r>
+              <a:rPr kumimoji="1" lang="en-US" altLang="ja-JP" sz="1050" dirty="0">
+                <a:latin typeface="メイリオ" panose="020B0604030504040204" pitchFamily="50" charset="-128"/>
+                <a:ea typeface="メイリオ" panose="020B0604030504040204" pitchFamily="50" charset="-128"/>
+              </a:rPr>
+              <a:t>Ref.</a:t>
+            </a:r>
+            <a:r>
+              <a:rPr kumimoji="1" lang="ja-JP" altLang="en-US" sz="1050" dirty="0">
+                <a:latin typeface="メイリオ" panose="020B0604030504040204" pitchFamily="50" charset="-128"/>
+                <a:ea typeface="メイリオ" panose="020B0604030504040204" pitchFamily="50" charset="-128"/>
+              </a:rPr>
+              <a:t>で示した部分は次</a:t>
+            </a:r>
+            <a:r>
+              <a:rPr lang="ja-JP" altLang="en-US" sz="1050" dirty="0">
+                <a:latin typeface="メイリオ" panose="020B0604030504040204" pitchFamily="50" charset="-128"/>
+                <a:ea typeface="メイリオ" panose="020B0604030504040204" pitchFamily="50" charset="-128"/>
+              </a:rPr>
+              <a:t>ページを参照．</a:t>
+            </a:r>
+            <a:endParaRPr kumimoji="1" lang="ja-JP" altLang="en-US" sz="1050" dirty="0">
+              <a:latin typeface="メイリオ" panose="020B0604030504040204" pitchFamily="50" charset="-128"/>
+              <a:ea typeface="メイリオ" panose="020B0604030504040204" pitchFamily="50" charset="-128"/>
+            </a:endParaRPr>
+          </a:p>
+        </p:txBody>
+      </p:sp>
+      <p:cxnSp>
+        <p:nvCxnSpPr>
+          <p:cNvPr id="64" name="直線コネクタ 63">
+            <a:extLst>
+              <a:ext uri="{FF2B5EF4-FFF2-40B4-BE49-F238E27FC236}">
+                <a16:creationId xmlns:a16="http://schemas.microsoft.com/office/drawing/2014/main" id="{8D142B72-19E9-4EAC-8501-6CDE18909052}"/>
               </a:ext>
             </a:extLst>
           </p:cNvPr>
@@ -3813,8 +4830,8 @@
         </p:nvCxnSpPr>
         <p:spPr>
           <a:xfrm>
-            <a:off x="143678" y="4572060"/>
-            <a:ext cx="12477270" cy="0"/>
+            <a:off x="7516665" y="5172423"/>
+            <a:ext cx="5061814" cy="30117"/>
           </a:xfrm>
           <a:prstGeom prst="line">
             <a:avLst/>
@@ -3840,48 +4857,12 @@
           </a:fontRef>
         </p:style>
       </p:cxnSp>
-      <p:pic>
-        <p:nvPicPr>
-          <p:cNvPr id="4" name="図 3">
-            <a:extLst>
-              <a:ext uri="{FF2B5EF4-FFF2-40B4-BE49-F238E27FC236}">
-                <a16:creationId xmlns:a16="http://schemas.microsoft.com/office/drawing/2014/main" id="{288A77D4-43CD-409A-8742-D488C876ED52}"/>
-              </a:ext>
-            </a:extLst>
-          </p:cNvPr>
-          <p:cNvPicPr>
-            <a:picLocks noChangeAspect="1"/>
-          </p:cNvPicPr>
-          <p:nvPr/>
-        </p:nvPicPr>
-        <p:blipFill>
-          <a:blip r:embed="rId5">
-            <a:extLst>
-              <a:ext uri="{28A0092B-C50C-407E-A947-70E740481C1C}">
-                <a14:useLocalDpi xmlns:a14="http://schemas.microsoft.com/office/drawing/2010/main" val="0"/>
-              </a:ext>
-            </a:extLst>
-          </a:blip>
-          <a:stretch>
-            <a:fillRect/>
-          </a:stretch>
-        </p:blipFill>
-        <p:spPr>
-          <a:xfrm>
-            <a:off x="4778590" y="4781948"/>
-            <a:ext cx="4208371" cy="4539449"/>
-          </a:xfrm>
-          <a:prstGeom prst="rect">
-            <a:avLst/>
-          </a:prstGeom>
-        </p:spPr>
-      </p:pic>
       <p:sp>
         <p:nvSpPr>
-          <p:cNvPr id="57" name="テキスト ボックス 56">
+          <p:cNvPr id="65" name="テキスト ボックス 64">
             <a:extLst>
               <a:ext uri="{FF2B5EF4-FFF2-40B4-BE49-F238E27FC236}">
-                <a16:creationId xmlns:a16="http://schemas.microsoft.com/office/drawing/2014/main" id="{A2597920-B22A-F04A-9FB9-2017C5133FA4}"/>
+                <a16:creationId xmlns:a16="http://schemas.microsoft.com/office/drawing/2014/main" id="{8101AA19-A64C-46C0-92A4-B1E488AB700A}"/>
               </a:ext>
             </a:extLst>
           </p:cNvPr>
@@ -3890,8 +4871,8 @@
         </p:nvSpPr>
         <p:spPr>
           <a:xfrm>
-            <a:off x="107456" y="4644514"/>
-            <a:ext cx="3192219" cy="253916"/>
+            <a:off x="10558745" y="2441921"/>
+            <a:ext cx="542362" cy="461665"/>
           </a:xfrm>
           <a:prstGeom prst="rect">
             <a:avLst/>
@@ -3904,26 +4885,152 @@
           </a:bodyPr>
           <a:lstStyle/>
           <a:p>
-            <a:r>
-              <a:rPr lang="ja-JP" altLang="en-US" sz="1050">
+            <a:pPr algn="ctr"/>
+            <a:r>
+              <a:rPr lang="en-US" altLang="ja-JP" sz="2400" b="1" dirty="0">
+                <a:solidFill>
+                  <a:srgbClr val="00B050"/>
+                </a:solidFill>
                 <a:latin typeface="メイリオ" panose="020B0604030504040204" pitchFamily="50" charset="-128"/>
                 <a:ea typeface="メイリオ" panose="020B0604030504040204" pitchFamily="50" charset="-128"/>
               </a:rPr>
-              <a:t>ステートマシン図を基にステートマシン図を示す</a:t>
-            </a:r>
-            <a:endParaRPr kumimoji="1" lang="ja-JP" altLang="en-US" sz="1050" dirty="0">
-              <a:latin typeface="メイリオ" panose="020B0604030504040204" pitchFamily="50" charset="-128"/>
-              <a:ea typeface="メイリオ" panose="020B0604030504040204" pitchFamily="50" charset="-128"/>
-            </a:endParaRPr>
+              <a:t>A</a:t>
+            </a:r>
           </a:p>
         </p:txBody>
       </p:sp>
       <p:sp>
         <p:nvSpPr>
-          <p:cNvPr id="2" name="正方形/長方形 1">
+          <p:cNvPr id="67" name="テキスト ボックス 66">
             <a:extLst>
               <a:ext uri="{FF2B5EF4-FFF2-40B4-BE49-F238E27FC236}">
-                <a16:creationId xmlns:a16="http://schemas.microsoft.com/office/drawing/2014/main" id="{58976F3A-2430-4BBA-8B64-8463C19EB3BC}"/>
+                <a16:creationId xmlns:a16="http://schemas.microsoft.com/office/drawing/2014/main" id="{DACAF75B-707E-445A-99E7-F3FDDC847702}"/>
+              </a:ext>
+            </a:extLst>
+          </p:cNvPr>
+          <p:cNvSpPr txBox="1"/>
+          <p:nvPr/>
+        </p:nvSpPr>
+        <p:spPr>
+          <a:xfrm>
+            <a:off x="10577438" y="2998621"/>
+            <a:ext cx="542362" cy="461665"/>
+          </a:xfrm>
+          <a:prstGeom prst="rect">
+            <a:avLst/>
+          </a:prstGeom>
+          <a:noFill/>
+        </p:spPr>
+        <p:txBody>
+          <a:bodyPr wrap="square" rtlCol="0">
+            <a:spAutoFit/>
+          </a:bodyPr>
+          <a:lstStyle/>
+          <a:p>
+            <a:pPr algn="ctr"/>
+            <a:r>
+              <a:rPr lang="en-US" altLang="ja-JP" sz="2400" b="1" dirty="0">
+                <a:solidFill>
+                  <a:schemeClr val="accent4"/>
+                </a:solidFill>
+                <a:latin typeface="メイリオ" panose="020B0604030504040204" pitchFamily="50" charset="-128"/>
+                <a:ea typeface="メイリオ" panose="020B0604030504040204" pitchFamily="50" charset="-128"/>
+              </a:rPr>
+              <a:t>B</a:t>
+            </a:r>
+          </a:p>
+        </p:txBody>
+      </p:sp>
+      <p:sp>
+        <p:nvSpPr>
+          <p:cNvPr id="68" name="テキスト ボックス 67">
+            <a:extLst>
+              <a:ext uri="{FF2B5EF4-FFF2-40B4-BE49-F238E27FC236}">
+                <a16:creationId xmlns:a16="http://schemas.microsoft.com/office/drawing/2014/main" id="{D93FE5FE-C639-4653-94A4-8ECC618D4924}"/>
+              </a:ext>
+            </a:extLst>
+          </p:cNvPr>
+          <p:cNvSpPr txBox="1"/>
+          <p:nvPr/>
+        </p:nvSpPr>
+        <p:spPr>
+          <a:xfrm>
+            <a:off x="822352" y="1975160"/>
+            <a:ext cx="542362" cy="461665"/>
+          </a:xfrm>
+          <a:prstGeom prst="rect">
+            <a:avLst/>
+          </a:prstGeom>
+          <a:noFill/>
+        </p:spPr>
+        <p:txBody>
+          <a:bodyPr wrap="square" rtlCol="0">
+            <a:spAutoFit/>
+          </a:bodyPr>
+          <a:lstStyle/>
+          <a:p>
+            <a:pPr algn="ctr"/>
+            <a:r>
+              <a:rPr lang="en-US" altLang="ja-JP" sz="2400" b="1" dirty="0">
+                <a:solidFill>
+                  <a:srgbClr val="00B050"/>
+                </a:solidFill>
+                <a:latin typeface="メイリオ" panose="020B0604030504040204" pitchFamily="50" charset="-128"/>
+                <a:ea typeface="メイリオ" panose="020B0604030504040204" pitchFamily="50" charset="-128"/>
+              </a:rPr>
+              <a:t>A</a:t>
+            </a:r>
+          </a:p>
+        </p:txBody>
+      </p:sp>
+      <p:sp>
+        <p:nvSpPr>
+          <p:cNvPr id="69" name="テキスト ボックス 68">
+            <a:extLst>
+              <a:ext uri="{FF2B5EF4-FFF2-40B4-BE49-F238E27FC236}">
+                <a16:creationId xmlns:a16="http://schemas.microsoft.com/office/drawing/2014/main" id="{8EA1034B-CA77-4028-B48E-9B3932A2488F}"/>
+              </a:ext>
+            </a:extLst>
+          </p:cNvPr>
+          <p:cNvSpPr txBox="1"/>
+          <p:nvPr/>
+        </p:nvSpPr>
+        <p:spPr>
+          <a:xfrm>
+            <a:off x="822352" y="2704560"/>
+            <a:ext cx="542362" cy="461665"/>
+          </a:xfrm>
+          <a:prstGeom prst="rect">
+            <a:avLst/>
+          </a:prstGeom>
+          <a:noFill/>
+        </p:spPr>
+        <p:txBody>
+          <a:bodyPr wrap="square" rtlCol="0">
+            <a:spAutoFit/>
+          </a:bodyPr>
+          <a:lstStyle/>
+          <a:p>
+            <a:pPr algn="ctr"/>
+            <a:r>
+              <a:rPr lang="en-US" altLang="ja-JP" sz="2400" b="1" dirty="0">
+                <a:solidFill>
+                  <a:schemeClr val="accent4"/>
+                </a:solidFill>
+                <a:latin typeface="メイリオ" panose="020B0604030504040204" pitchFamily="50" charset="-128"/>
+                <a:ea typeface="メイリオ" panose="020B0604030504040204" pitchFamily="50" charset="-128"/>
+              </a:rPr>
+              <a:t>B</a:t>
+            </a:r>
+          </a:p>
+        </p:txBody>
+      </p:sp>
+      <p:sp>
+        <p:nvSpPr>
+          <p:cNvPr id="70" name="正方形/長方形 69">
+            <a:extLst>
+              <a:ext uri="{FF2B5EF4-FFF2-40B4-BE49-F238E27FC236}">
+                <a16:creationId xmlns:a16="http://schemas.microsoft.com/office/drawing/2014/main" id="{955D3209-84A2-4AC4-94EB-10CABDCA9D7E}"/>
               </a:ext>
             </a:extLst>
           </p:cNvPr>
@@ -3932,8 +5039,8 @@
         </p:nvSpPr>
         <p:spPr>
           <a:xfrm>
-            <a:off x="6946482" y="5880720"/>
-            <a:ext cx="1728000" cy="2592000"/>
+            <a:off x="10180000" y="6526677"/>
+            <a:ext cx="1549392" cy="2143927"/>
           </a:xfrm>
           <a:prstGeom prst="rect">
             <a:avLst/>
@@ -3941,163 +5048,7 @@
           <a:noFill/>
           <a:ln w="38100">
             <a:solidFill>
-              <a:srgbClr val="0070C0"/>
-            </a:solidFill>
-          </a:ln>
-        </p:spPr>
-        <p:style>
-          <a:lnRef idx="2">
-            <a:schemeClr val="accent1">
-              <a:shade val="50000"/>
-            </a:schemeClr>
-          </a:lnRef>
-          <a:fillRef idx="1">
-            <a:schemeClr val="accent1"/>
-          </a:fillRef>
-          <a:effectRef idx="0">
-            <a:schemeClr val="accent1"/>
-          </a:effectRef>
-          <a:fontRef idx="minor">
-            <a:schemeClr val="lt1"/>
-          </a:fontRef>
-        </p:style>
-        <p:txBody>
-          <a:bodyPr rtlCol="0" anchor="ctr"/>
-          <a:lstStyle/>
-          <a:p>
-            <a:pPr algn="ctr"/>
-            <a:endParaRPr kumimoji="1" lang="ja-JP" altLang="en-US"/>
-          </a:p>
-        </p:txBody>
-      </p:sp>
-      <p:sp>
-        <p:nvSpPr>
-          <p:cNvPr id="26" name="正方形/長方形 25">
-            <a:extLst>
-              <a:ext uri="{FF2B5EF4-FFF2-40B4-BE49-F238E27FC236}">
-                <a16:creationId xmlns:a16="http://schemas.microsoft.com/office/drawing/2014/main" id="{AC5F2440-9077-4788-A590-DE0727215220}"/>
-              </a:ext>
-            </a:extLst>
-          </p:cNvPr>
-          <p:cNvSpPr/>
-          <p:nvPr/>
-        </p:nvSpPr>
-        <p:spPr>
-          <a:xfrm>
-            <a:off x="11077940" y="5913654"/>
-            <a:ext cx="1260000" cy="2559061"/>
-          </a:xfrm>
-          <a:prstGeom prst="rect">
-            <a:avLst/>
-          </a:prstGeom>
-          <a:noFill/>
-          <a:ln w="38100">
-            <a:solidFill>
-              <a:srgbClr val="FF0000"/>
-            </a:solidFill>
-          </a:ln>
-        </p:spPr>
-        <p:style>
-          <a:lnRef idx="2">
-            <a:schemeClr val="accent1">
-              <a:shade val="50000"/>
-            </a:schemeClr>
-          </a:lnRef>
-          <a:fillRef idx="1">
-            <a:schemeClr val="accent1"/>
-          </a:fillRef>
-          <a:effectRef idx="0">
-            <a:schemeClr val="accent1"/>
-          </a:effectRef>
-          <a:fontRef idx="minor">
-            <a:schemeClr val="lt1"/>
-          </a:fontRef>
-        </p:style>
-        <p:txBody>
-          <a:bodyPr rtlCol="0" anchor="ctr"/>
-          <a:lstStyle/>
-          <a:p>
-            <a:pPr algn="ctr"/>
-            <a:endParaRPr kumimoji="1" lang="ja-JP" altLang="en-US"/>
-          </a:p>
-        </p:txBody>
-      </p:sp>
-      <p:sp>
-        <p:nvSpPr>
-          <p:cNvPr id="29" name="正方形/長方形 28">
-            <a:extLst>
-              <a:ext uri="{FF2B5EF4-FFF2-40B4-BE49-F238E27FC236}">
-                <a16:creationId xmlns:a16="http://schemas.microsoft.com/office/drawing/2014/main" id="{34A05D94-6637-49BC-ADD3-677CC8630E1D}"/>
-              </a:ext>
-            </a:extLst>
-          </p:cNvPr>
-          <p:cNvSpPr/>
-          <p:nvPr/>
-        </p:nvSpPr>
-        <p:spPr>
-          <a:xfrm>
-            <a:off x="3549801" y="7452015"/>
-            <a:ext cx="1044000" cy="612000"/>
-          </a:xfrm>
-          <a:prstGeom prst="rect">
-            <a:avLst/>
-          </a:prstGeom>
-          <a:noFill/>
-          <a:ln w="38100">
-            <a:solidFill>
-              <a:srgbClr val="FFB163"/>
-            </a:solidFill>
-          </a:ln>
-        </p:spPr>
-        <p:style>
-          <a:lnRef idx="2">
-            <a:schemeClr val="accent1">
-              <a:shade val="50000"/>
-            </a:schemeClr>
-          </a:lnRef>
-          <a:fillRef idx="1">
-            <a:schemeClr val="accent1"/>
-          </a:fillRef>
-          <a:effectRef idx="0">
-            <a:schemeClr val="accent1"/>
-          </a:effectRef>
-          <a:fontRef idx="minor">
-            <a:schemeClr val="lt1"/>
-          </a:fontRef>
-        </p:style>
-        <p:txBody>
-          <a:bodyPr rtlCol="0" anchor="ctr"/>
-          <a:lstStyle/>
-          <a:p>
-            <a:pPr algn="ctr"/>
-            <a:endParaRPr kumimoji="1" lang="ja-JP" altLang="en-US"/>
-          </a:p>
-        </p:txBody>
-      </p:sp>
-      <p:sp>
-        <p:nvSpPr>
-          <p:cNvPr id="30" name="正方形/長方形 29">
-            <a:extLst>
-              <a:ext uri="{FF2B5EF4-FFF2-40B4-BE49-F238E27FC236}">
-                <a16:creationId xmlns:a16="http://schemas.microsoft.com/office/drawing/2014/main" id="{E55EAB55-5589-4066-B17E-9FC13EB27BEE}"/>
-              </a:ext>
-            </a:extLst>
-          </p:cNvPr>
-          <p:cNvSpPr/>
-          <p:nvPr/>
-        </p:nvSpPr>
-        <p:spPr>
-          <a:xfrm>
-            <a:off x="3549801" y="6719136"/>
-            <a:ext cx="1044000" cy="612000"/>
-          </a:xfrm>
-          <a:prstGeom prst="rect">
-            <a:avLst/>
-          </a:prstGeom>
-          <a:noFill/>
-          <a:ln w="38100">
-            <a:solidFill>
-              <a:srgbClr val="00B050"/>
+              <a:schemeClr val="accent1"/>
             </a:solidFill>
           </a:ln>
         </p:spPr>
@@ -4575,7 +5526,7 @@
         </p:nvSpPr>
         <p:spPr>
           <a:xfrm>
-            <a:off x="79692" y="660098"/>
+            <a:off x="91678" y="594597"/>
             <a:ext cx="12600000" cy="8856984"/>
           </a:xfrm>
           <a:prstGeom prst="rect">
@@ -4652,7 +5603,7 @@
         </p:nvSpPr>
         <p:spPr>
           <a:xfrm>
-            <a:off x="501532" y="274295"/>
+            <a:off x="501854" y="211298"/>
             <a:ext cx="1184003" cy="430887"/>
           </a:xfrm>
           <a:prstGeom prst="rect">
@@ -4794,7 +5745,7 @@
         </p:nvSpPr>
         <p:spPr>
           <a:xfrm>
-            <a:off x="4136982" y="233152"/>
+            <a:off x="4137578" y="194403"/>
             <a:ext cx="2049970" cy="446276"/>
           </a:xfrm>
           <a:prstGeom prst="rect">
@@ -4949,7 +5900,7 @@
         </p:nvSpPr>
         <p:spPr>
           <a:xfrm>
-            <a:off x="2513886" y="245479"/>
+            <a:off x="2513886" y="206093"/>
             <a:ext cx="1203919" cy="430887"/>
           </a:xfrm>
           <a:prstGeom prst="rect">
@@ -5209,10 +6160,10 @@
       </p:sp>
       <p:sp>
         <p:nvSpPr>
-          <p:cNvPr id="45" name="テキスト ボックス 44">
+          <p:cNvPr id="59" name="テキスト ボックス 58">
             <a:extLst>
               <a:ext uri="{FF2B5EF4-FFF2-40B4-BE49-F238E27FC236}">
-                <a16:creationId xmlns:a16="http://schemas.microsoft.com/office/drawing/2014/main" id="{2B13A124-5A74-4BF0-85BA-6F6822696911}"/>
+                <a16:creationId xmlns:a16="http://schemas.microsoft.com/office/drawing/2014/main" id="{F9BA1229-BF5E-4D11-9B41-7045545B5934}"/>
               </a:ext>
             </a:extLst>
           </p:cNvPr>
@@ -5221,150 +6172,7 @@
         </p:nvSpPr>
         <p:spPr>
           <a:xfrm>
-            <a:off x="79860" y="726123"/>
-            <a:ext cx="3158616" cy="338554"/>
-          </a:xfrm>
-          <a:prstGeom prst="rect">
-            <a:avLst/>
-          </a:prstGeom>
-          <a:noFill/>
-        </p:spPr>
-        <p:txBody>
-          <a:bodyPr wrap="square" rtlCol="0">
-            <a:spAutoFit/>
-          </a:bodyPr>
-          <a:lstStyle/>
-          <a:p>
-            <a:pPr marL="0" marR="0" lvl="0" indent="0" algn="l" defTabSz="914400" rtl="0" eaLnBrk="1" fontAlgn="base" latinLnBrk="0" hangingPunct="1">
-              <a:lnSpc>
-                <a:spcPct val="100000"/>
-              </a:lnSpc>
-              <a:spcBef>
-                <a:spcPct val="0"/>
-              </a:spcBef>
-              <a:spcAft>
-                <a:spcPct val="0"/>
-              </a:spcAft>
-              <a:buClrTx/>
-              <a:buSzTx/>
-              <a:buFontTx/>
-              <a:buNone/>
-              <a:tabLst/>
-              <a:defRPr/>
-            </a:pPr>
-            <a:r>
-              <a:rPr lang="en-US" altLang="ja-JP" b="1" dirty="0">
-                <a:solidFill>
-                  <a:prstClr val="black"/>
-                </a:solidFill>
-                <a:latin typeface="游ゴシック" panose="020B0400000000000000" pitchFamily="50" charset="-128"/>
-                <a:ea typeface="游ゴシック" panose="020B0400000000000000" pitchFamily="50" charset="-128"/>
-              </a:rPr>
-              <a:t>A</a:t>
-            </a:r>
-            <a:r>
-              <a:rPr kumimoji="1" lang="ja-JP" altLang="en-US" b="1" i="0" u="none" strike="noStrike" kern="1200" cap="none" spc="0" normalizeH="0" baseline="0" noProof="0" dirty="0">
-                <a:ln>
-                  <a:noFill/>
-                </a:ln>
-                <a:solidFill>
-                  <a:prstClr val="black"/>
-                </a:solidFill>
-                <a:effectLst/>
-                <a:uLnTx/>
-                <a:uFillTx/>
-                <a:latin typeface="游ゴシック" panose="020B0400000000000000" pitchFamily="50" charset="-128"/>
-                <a:ea typeface="游ゴシック" panose="020B0400000000000000" pitchFamily="50" charset="-128"/>
-              </a:rPr>
-              <a:t>．</a:t>
-            </a:r>
-            <a:r>
-              <a:rPr lang="ja-JP" altLang="en-US" b="1" dirty="0">
-                <a:solidFill>
-                  <a:prstClr val="black"/>
-                </a:solidFill>
-                <a:latin typeface="游ゴシック" panose="020B0400000000000000" pitchFamily="50" charset="-128"/>
-                <a:ea typeface="游ゴシック" panose="020B0400000000000000" pitchFamily="50" charset="-128"/>
-              </a:rPr>
-              <a:t>区間確認</a:t>
-            </a:r>
-            <a:r>
-              <a:rPr kumimoji="1" lang="ja-JP" altLang="en-US" b="1" i="0" u="none" strike="noStrike" kern="1200" cap="none" spc="0" normalizeH="0" baseline="0" noProof="0" dirty="0">
-                <a:ln>
-                  <a:noFill/>
-                </a:ln>
-                <a:solidFill>
-                  <a:prstClr val="black"/>
-                </a:solidFill>
-                <a:effectLst/>
-                <a:uLnTx/>
-                <a:uFillTx/>
-                <a:latin typeface="游ゴシック" panose="020B0400000000000000" pitchFamily="50" charset="-128"/>
-                <a:ea typeface="游ゴシック" panose="020B0400000000000000" pitchFamily="50" charset="-128"/>
-              </a:rPr>
-              <a:t>の振る舞い</a:t>
-            </a:r>
-          </a:p>
-        </p:txBody>
-      </p:sp>
-      <p:cxnSp>
-        <p:nvCxnSpPr>
-          <p:cNvPr id="46" name="直線コネクタ 45">
-            <a:extLst>
-              <a:ext uri="{FF2B5EF4-FFF2-40B4-BE49-F238E27FC236}">
-                <a16:creationId xmlns:a16="http://schemas.microsoft.com/office/drawing/2014/main" id="{C6448C58-A160-40C3-A420-703684FDD975}"/>
-              </a:ext>
-            </a:extLst>
-          </p:cNvPr>
-          <p:cNvCxnSpPr>
-            <a:cxnSpLocks/>
-          </p:cNvCxnSpPr>
-          <p:nvPr/>
-        </p:nvCxnSpPr>
-        <p:spPr>
-          <a:xfrm>
-            <a:off x="122725" y="1032491"/>
-            <a:ext cx="3901811" cy="0"/>
-          </a:xfrm>
-          <a:prstGeom prst="line">
-            <a:avLst/>
-          </a:prstGeom>
-          <a:ln w="38100">
-            <a:solidFill>
-              <a:schemeClr val="accent6"/>
-            </a:solidFill>
-          </a:ln>
-        </p:spPr>
-        <p:style>
-          <a:lnRef idx="1">
-            <a:schemeClr val="accent1"/>
-          </a:lnRef>
-          <a:fillRef idx="0">
-            <a:schemeClr val="accent1"/>
-          </a:fillRef>
-          <a:effectRef idx="0">
-            <a:schemeClr val="accent1"/>
-          </a:effectRef>
-          <a:fontRef idx="minor">
-            <a:schemeClr val="tx1"/>
-          </a:fontRef>
-        </p:style>
-      </p:cxnSp>
-      <p:sp>
-        <p:nvSpPr>
-          <p:cNvPr id="59" name="テキスト ボックス 58">
-            <a:extLst>
-              <a:ext uri="{FF2B5EF4-FFF2-40B4-BE49-F238E27FC236}">
-                <a16:creationId xmlns:a16="http://schemas.microsoft.com/office/drawing/2014/main" id="{F9BA1229-BF5E-4D11-9B41-7045545B5934}"/>
-              </a:ext>
-            </a:extLst>
-          </p:cNvPr>
-          <p:cNvSpPr txBox="1"/>
-          <p:nvPr/>
-        </p:nvSpPr>
-        <p:spPr>
-          <a:xfrm>
-            <a:off x="8449167" y="229211"/>
+            <a:off x="8449167" y="203312"/>
             <a:ext cx="1445666" cy="430887"/>
           </a:xfrm>
           <a:prstGeom prst="rect">
@@ -5520,8 +6328,8 @@
         </p:blipFill>
         <p:spPr>
           <a:xfrm>
-            <a:off x="5477621" y="1489129"/>
-            <a:ext cx="3800839" cy="3703537"/>
+            <a:off x="2481006" y="1117050"/>
+            <a:ext cx="3744998" cy="3649126"/>
           </a:xfrm>
           <a:prstGeom prst="rect">
             <a:avLst/>
@@ -5556,8 +6364,8 @@
         </p:blipFill>
         <p:spPr>
           <a:xfrm>
-            <a:off x="9290406" y="3450448"/>
-            <a:ext cx="3418850" cy="2152729"/>
+            <a:off x="6233170" y="2616848"/>
+            <a:ext cx="2822784" cy="2152636"/>
           </a:xfrm>
           <a:prstGeom prst="rect">
             <a:avLst/>
@@ -5592,8 +6400,8 @@
         </p:blipFill>
         <p:spPr>
           <a:xfrm>
-            <a:off x="9278460" y="1488630"/>
-            <a:ext cx="2764114" cy="1756748"/>
+            <a:off x="6214807" y="821909"/>
+            <a:ext cx="2855451" cy="1814798"/>
           </a:xfrm>
           <a:prstGeom prst="rect">
             <a:avLst/>
@@ -5628,8 +6436,8 @@
         </p:blipFill>
         <p:spPr>
           <a:xfrm>
-            <a:off x="4203636" y="1983473"/>
-            <a:ext cx="2764114" cy="3240686"/>
+            <a:off x="127621" y="1566367"/>
+            <a:ext cx="2363810" cy="2771364"/>
           </a:xfrm>
           <a:prstGeom prst="rect">
             <a:avLst/>
@@ -5664,7 +6472,7 @@
         </p:blipFill>
         <p:spPr>
           <a:xfrm>
-            <a:off x="142653" y="5563250"/>
+            <a:off x="319538" y="6168752"/>
             <a:ext cx="3782398" cy="2613395"/>
           </a:xfrm>
           <a:prstGeom prst="rect">
@@ -5700,8 +6508,8 @@
         </p:blipFill>
         <p:spPr>
           <a:xfrm>
-            <a:off x="3896633" y="5224159"/>
-            <a:ext cx="4016335" cy="4265698"/>
+            <a:off x="4193842" y="4935375"/>
+            <a:ext cx="4224863" cy="4487173"/>
           </a:xfrm>
           <a:prstGeom prst="rect">
             <a:avLst/>
@@ -5736,8 +6544,8 @@
         </p:blipFill>
         <p:spPr>
           <a:xfrm>
-            <a:off x="7892018" y="5597273"/>
-            <a:ext cx="3233315" cy="1626057"/>
+            <a:off x="8692627" y="5071653"/>
+            <a:ext cx="3792195" cy="1907121"/>
           </a:xfrm>
           <a:prstGeom prst="rect">
             <a:avLst/>
@@ -5772,8 +6580,8 @@
         </p:blipFill>
         <p:spPr>
           <a:xfrm>
-            <a:off x="7863248" y="7227598"/>
-            <a:ext cx="3739390" cy="2257991"/>
+            <a:off x="8911638" y="7303435"/>
+            <a:ext cx="3382816" cy="2042678"/>
           </a:xfrm>
           <a:prstGeom prst="rect">
             <a:avLst/>
@@ -5794,7 +6602,7 @@
         </p:nvSpPr>
         <p:spPr>
           <a:xfrm>
-            <a:off x="109922" y="4894110"/>
+            <a:off x="9237723" y="714292"/>
             <a:ext cx="3158616" cy="338554"/>
           </a:xfrm>
           <a:prstGeom prst="rect">
@@ -5826,7 +6634,17 @@
               <a:defRPr/>
             </a:pPr>
             <a:r>
-              <a:rPr kumimoji="1" lang="en-US" altLang="ja-JP" b="1" i="0" u="none" strike="noStrike" kern="1200" cap="none" spc="0" normalizeH="0" baseline="0" noProof="0" dirty="0">
+              <a:rPr lang="en-US" altLang="ja-JP" b="1" dirty="0">
+                <a:solidFill>
+                  <a:prstClr val="black"/>
+                </a:solidFill>
+                <a:latin typeface="游ゴシック" panose="020B0400000000000000" pitchFamily="50" charset="-128"/>
+                <a:ea typeface="游ゴシック" panose="020B0400000000000000" pitchFamily="50" charset="-128"/>
+              </a:rPr>
+              <a:t>3</a:t>
+            </a:r>
+            <a:r>
+              <a:rPr kumimoji="1" lang="ja-JP" altLang="en-US" b="1" i="0" u="none" strike="noStrike" kern="1200" cap="none" spc="0" normalizeH="0" baseline="0" noProof="0" dirty="0" err="1">
                 <a:ln>
                   <a:noFill/>
                 </a:ln>
@@ -5839,7 +6657,17 @@
                 <a:latin typeface="游ゴシック" panose="020B0400000000000000" pitchFamily="50" charset="-128"/>
                 <a:ea typeface="游ゴシック" panose="020B0400000000000000" pitchFamily="50" charset="-128"/>
               </a:rPr>
-              <a:t>B</a:t>
+              <a:t>．</a:t>
+            </a:r>
+            <a:r>
+              <a:rPr lang="ja-JP" altLang="en-US" b="1" dirty="0">
+                <a:solidFill>
+                  <a:prstClr val="black"/>
+                </a:solidFill>
+                <a:latin typeface="游ゴシック" panose="020B0400000000000000" pitchFamily="50" charset="-128"/>
+                <a:ea typeface="游ゴシック" panose="020B0400000000000000" pitchFamily="50" charset="-128"/>
+              </a:rPr>
+              <a:t>計器</a:t>
             </a:r>
             <a:r>
               <a:rPr kumimoji="1" lang="ja-JP" altLang="en-US" b="1" i="0" u="none" strike="noStrike" kern="1200" cap="none" spc="0" normalizeH="0" baseline="0" noProof="0" dirty="0">
@@ -5855,7 +6683,7 @@
                 <a:latin typeface="游ゴシック" panose="020B0400000000000000" pitchFamily="50" charset="-128"/>
                 <a:ea typeface="游ゴシック" panose="020B0400000000000000" pitchFamily="50" charset="-128"/>
               </a:rPr>
-              <a:t>．計算管理タスクの振る舞い</a:t>
+              <a:t>管理タスクの振る舞い</a:t>
             </a:r>
           </a:p>
         </p:txBody>
@@ -5876,8 +6704,8 @@
         </p:nvCxnSpPr>
         <p:spPr>
           <a:xfrm>
-            <a:off x="142653" y="5213296"/>
-            <a:ext cx="12505119" cy="0"/>
+            <a:off x="9270454" y="1033478"/>
+            <a:ext cx="3024000" cy="0"/>
           </a:xfrm>
           <a:prstGeom prst="line">
             <a:avLst/>
@@ -5905,10 +6733,10 @@
       </p:cxnSp>
       <p:sp>
         <p:nvSpPr>
-          <p:cNvPr id="34" name="テキスト ボックス 33">
+          <p:cNvPr id="35" name="テキスト ボックス 34">
             <a:extLst>
               <a:ext uri="{FF2B5EF4-FFF2-40B4-BE49-F238E27FC236}">
-                <a16:creationId xmlns:a16="http://schemas.microsoft.com/office/drawing/2014/main" id="{B4A7235A-2850-4D85-9FE0-BAB5C7307F5C}"/>
+                <a16:creationId xmlns:a16="http://schemas.microsoft.com/office/drawing/2014/main" id="{6E65926F-8A60-4F01-920C-3BF36488C19E}"/>
               </a:ext>
             </a:extLst>
           </p:cNvPr>
@@ -5917,8 +6745,8 @@
         </p:nvSpPr>
         <p:spPr>
           <a:xfrm>
-            <a:off x="102756" y="1081630"/>
-            <a:ext cx="2768716" cy="415498"/>
+            <a:off x="9238468" y="1050381"/>
+            <a:ext cx="3435510" cy="415498"/>
           </a:xfrm>
           <a:prstGeom prst="rect">
             <a:avLst/>
@@ -5936,7 +6764,21 @@
                 <a:latin typeface="メイリオ" panose="020B0604030504040204" pitchFamily="50" charset="-128"/>
                 <a:ea typeface="メイリオ" panose="020B0604030504040204" pitchFamily="50" charset="-128"/>
               </a:rPr>
-              <a:t>区間確認の振る舞いをシーケンス図で表す。前ページの緑枠の部分に当たる。</a:t>
+              <a:t>計器管理タスクの振る舞いをシーケンス図で表す。計器管理タスクは</a:t>
+            </a:r>
+            <a:r>
+              <a:rPr lang="en-US" altLang="ja-JP" sz="1050" dirty="0">
+                <a:latin typeface="メイリオ" panose="020B0604030504040204" pitchFamily="50" charset="-128"/>
+                <a:ea typeface="メイリオ" panose="020B0604030504040204" pitchFamily="50" charset="-128"/>
+              </a:rPr>
+              <a:t>2ms</a:t>
+            </a:r>
+            <a:r>
+              <a:rPr lang="ja-JP" altLang="en-US" sz="1050" dirty="0">
+                <a:latin typeface="メイリオ" panose="020B0604030504040204" pitchFamily="50" charset="-128"/>
+                <a:ea typeface="メイリオ" panose="020B0604030504040204" pitchFamily="50" charset="-128"/>
+              </a:rPr>
+              <a:t>周期で実行される．</a:t>
             </a:r>
             <a:endParaRPr kumimoji="1" lang="ja-JP" altLang="en-US" sz="1050" dirty="0">
               <a:latin typeface="メイリオ" panose="020B0604030504040204" pitchFamily="50" charset="-128"/>
@@ -5945,12 +6787,121 @@
           </a:p>
         </p:txBody>
       </p:sp>
+      <p:grpSp>
+        <p:nvGrpSpPr>
+          <p:cNvPr id="39" name="グループ化 38">
+            <a:extLst>
+              <a:ext uri="{FF2B5EF4-FFF2-40B4-BE49-F238E27FC236}">
+                <a16:creationId xmlns:a16="http://schemas.microsoft.com/office/drawing/2014/main" id="{C02F73A0-2132-4529-AF5E-ADEC3FBE81E1}"/>
+              </a:ext>
+            </a:extLst>
+          </p:cNvPr>
+          <p:cNvGrpSpPr/>
+          <p:nvPr/>
+        </p:nvGrpSpPr>
+        <p:grpSpPr>
+          <a:xfrm>
+            <a:off x="9669967" y="1627506"/>
+            <a:ext cx="2572511" cy="3179038"/>
+            <a:chOff x="8878874" y="5033867"/>
+            <a:chExt cx="2572511" cy="3179038"/>
+          </a:xfrm>
+        </p:grpSpPr>
+        <p:pic>
+          <p:nvPicPr>
+            <p:cNvPr id="40" name="図 39" descr="スクリーンショット が含まれている画像&#10;&#10;自動的に生成された説明">
+              <a:extLst>
+                <a:ext uri="{FF2B5EF4-FFF2-40B4-BE49-F238E27FC236}">
+                  <a16:creationId xmlns:a16="http://schemas.microsoft.com/office/drawing/2014/main" id="{A50BC827-B74D-42BD-BA46-7C3AA5DAD85B}"/>
+                </a:ext>
+              </a:extLst>
+            </p:cNvPr>
+            <p:cNvPicPr>
+              <a:picLocks noChangeAspect="1"/>
+            </p:cNvPicPr>
+            <p:nvPr/>
+          </p:nvPicPr>
+          <p:blipFill>
+            <a:blip r:embed="rId10">
+              <a:extLst>
+                <a:ext uri="{28A0092B-C50C-407E-A947-70E740481C1C}">
+                  <a14:useLocalDpi xmlns:a14="http://schemas.microsoft.com/office/drawing/2010/main" val="0"/>
+                </a:ext>
+              </a:extLst>
+            </a:blip>
+            <a:stretch>
+              <a:fillRect/>
+            </a:stretch>
+          </p:blipFill>
+          <p:spPr>
+            <a:xfrm>
+              <a:off x="8878874" y="5033867"/>
+              <a:ext cx="2572511" cy="3179038"/>
+            </a:xfrm>
+            <a:prstGeom prst="rect">
+              <a:avLst/>
+            </a:prstGeom>
+          </p:spPr>
+        </p:pic>
+        <p:sp>
+          <p:nvSpPr>
+            <p:cNvPr id="41" name="正方形/長方形 40">
+              <a:extLst>
+                <a:ext uri="{FF2B5EF4-FFF2-40B4-BE49-F238E27FC236}">
+                  <a16:creationId xmlns:a16="http://schemas.microsoft.com/office/drawing/2014/main" id="{11CE96E9-9E33-43F4-AFB7-A1B009A3D1C4}"/>
+                </a:ext>
+              </a:extLst>
+            </p:cNvPr>
+            <p:cNvSpPr/>
+            <p:nvPr/>
+          </p:nvSpPr>
+          <p:spPr>
+            <a:xfrm>
+              <a:off x="10370125" y="5830697"/>
+              <a:ext cx="855035" cy="1800199"/>
+            </a:xfrm>
+            <a:prstGeom prst="rect">
+              <a:avLst/>
+            </a:prstGeom>
+            <a:noFill/>
+            <a:ln w="38100">
+              <a:solidFill>
+                <a:srgbClr val="FF0000"/>
+              </a:solidFill>
+            </a:ln>
+          </p:spPr>
+          <p:style>
+            <a:lnRef idx="2">
+              <a:schemeClr val="accent1">
+                <a:shade val="50000"/>
+              </a:schemeClr>
+            </a:lnRef>
+            <a:fillRef idx="1">
+              <a:schemeClr val="accent1"/>
+            </a:fillRef>
+            <a:effectRef idx="0">
+              <a:schemeClr val="accent1"/>
+            </a:effectRef>
+            <a:fontRef idx="minor">
+              <a:schemeClr val="lt1"/>
+            </a:fontRef>
+          </p:style>
+          <p:txBody>
+            <a:bodyPr rtlCol="0" anchor="ctr"/>
+            <a:lstStyle/>
+            <a:p>
+              <a:pPr algn="ctr"/>
+              <a:endParaRPr kumimoji="1" lang="ja-JP" altLang="en-US"/>
+            </a:p>
+          </p:txBody>
+        </p:sp>
+      </p:grpSp>
       <p:sp>
         <p:nvSpPr>
-          <p:cNvPr id="35" name="テキスト ボックス 34">
+          <p:cNvPr id="42" name="テキスト ボックス 41">
             <a:extLst>
               <a:ext uri="{FF2B5EF4-FFF2-40B4-BE49-F238E27FC236}">
-                <a16:creationId xmlns:a16="http://schemas.microsoft.com/office/drawing/2014/main" id="{6E65926F-8A60-4F01-920C-3BF36488C19E}"/>
+                <a16:creationId xmlns:a16="http://schemas.microsoft.com/office/drawing/2014/main" id="{053432A5-F690-4A2F-8E5D-BB7CBDAFB068}"/>
               </a:ext>
             </a:extLst>
           </p:cNvPr>
@@ -5959,86 +6910,8 @@
         </p:nvSpPr>
         <p:spPr>
           <a:xfrm>
-            <a:off x="110667" y="5230199"/>
-            <a:ext cx="3814384" cy="415498"/>
-          </a:xfrm>
-          <a:prstGeom prst="rect">
-            <a:avLst/>
-          </a:prstGeom>
-          <a:noFill/>
-        </p:spPr>
-        <p:txBody>
-          <a:bodyPr wrap="square" rtlCol="0">
-            <a:spAutoFit/>
-          </a:bodyPr>
-          <a:lstStyle/>
-          <a:p>
-            <a:r>
-              <a:rPr lang="ja-JP" altLang="en-US" sz="1050" dirty="0">
-                <a:latin typeface="メイリオ" panose="020B0604030504040204" pitchFamily="50" charset="-128"/>
-                <a:ea typeface="メイリオ" panose="020B0604030504040204" pitchFamily="50" charset="-128"/>
-              </a:rPr>
-              <a:t>計算管理タスクの振る舞いをシーケンス図で表す。前ページ赤枠の部分に当たる。</a:t>
-            </a:r>
-            <a:endParaRPr kumimoji="1" lang="ja-JP" altLang="en-US" sz="1050" dirty="0">
-              <a:latin typeface="メイリオ" panose="020B0604030504040204" pitchFamily="50" charset="-128"/>
-              <a:ea typeface="メイリオ" panose="020B0604030504040204" pitchFamily="50" charset="-128"/>
-            </a:endParaRPr>
-          </a:p>
-        </p:txBody>
-      </p:sp>
-      <p:pic>
-        <p:nvPicPr>
-          <p:cNvPr id="14" name="図 13">
-            <a:extLst>
-              <a:ext uri="{FF2B5EF4-FFF2-40B4-BE49-F238E27FC236}">
-                <a16:creationId xmlns:a16="http://schemas.microsoft.com/office/drawing/2014/main" id="{D3E09F59-8F2C-451F-BE93-D305E095BD53}"/>
-              </a:ext>
-            </a:extLst>
-          </p:cNvPr>
-          <p:cNvPicPr>
-            <a:picLocks noChangeAspect="1"/>
-          </p:cNvPicPr>
-          <p:nvPr/>
-        </p:nvPicPr>
-        <p:blipFill>
-          <a:blip r:embed="rId10">
-            <a:extLst>
-              <a:ext uri="{28A0092B-C50C-407E-A947-70E740481C1C}">
-                <a14:useLocalDpi xmlns:a14="http://schemas.microsoft.com/office/drawing/2010/main" val="0"/>
-              </a:ext>
-            </a:extLst>
-          </a:blip>
-          <a:stretch>
-            <a:fillRect/>
-          </a:stretch>
-        </p:blipFill>
-        <p:spPr>
-          <a:xfrm>
-            <a:off x="164393" y="1466150"/>
-            <a:ext cx="3954542" cy="2166920"/>
-          </a:xfrm>
-          <a:prstGeom prst="rect">
-            <a:avLst/>
-          </a:prstGeom>
-        </p:spPr>
-      </p:pic>
-      <p:sp>
-        <p:nvSpPr>
-          <p:cNvPr id="36" name="テキスト ボックス 35">
-            <a:extLst>
-              <a:ext uri="{FF2B5EF4-FFF2-40B4-BE49-F238E27FC236}">
-                <a16:creationId xmlns:a16="http://schemas.microsoft.com/office/drawing/2014/main" id="{B47578F5-3EB1-402B-B92C-48B70B9B6429}"/>
-              </a:ext>
-            </a:extLst>
-          </p:cNvPr>
-          <p:cNvSpPr txBox="1"/>
-          <p:nvPr/>
-        </p:nvSpPr>
-        <p:spPr>
-          <a:xfrm>
-            <a:off x="4200635" y="690290"/>
-            <a:ext cx="3158616" cy="338554"/>
+            <a:off x="79692" y="679120"/>
+            <a:ext cx="3770219" cy="338554"/>
           </a:xfrm>
           <a:prstGeom prst="rect">
             <a:avLst/>
@@ -6100,57 +6973,58 @@
               </a:rPr>
               <a:t>．ライントレースの振る舞い</a:t>
             </a:r>
-          </a:p>
-        </p:txBody>
-      </p:sp>
-      <p:sp>
-        <p:nvSpPr>
-          <p:cNvPr id="37" name="テキスト ボックス 36">
-            <a:extLst>
-              <a:ext uri="{FF2B5EF4-FFF2-40B4-BE49-F238E27FC236}">
-                <a16:creationId xmlns:a16="http://schemas.microsoft.com/office/drawing/2014/main" id="{64F9960F-EEA9-4411-9264-BA2CD640D62A}"/>
-              </a:ext>
-            </a:extLst>
-          </p:cNvPr>
-          <p:cNvSpPr txBox="1"/>
-          <p:nvPr/>
-        </p:nvSpPr>
-        <p:spPr>
-          <a:xfrm>
-            <a:off x="4243784" y="1051828"/>
-            <a:ext cx="2768716" cy="415498"/>
-          </a:xfrm>
-          <a:prstGeom prst="rect">
-            <a:avLst/>
-          </a:prstGeom>
-          <a:noFill/>
-        </p:spPr>
-        <p:txBody>
-          <a:bodyPr wrap="square" rtlCol="0">
-            <a:spAutoFit/>
-          </a:bodyPr>
-          <a:lstStyle/>
-          <a:p>
-            <a:r>
-              <a:rPr lang="ja-JP" altLang="en-US" sz="1050" dirty="0">
-                <a:latin typeface="メイリオ" panose="020B0604030504040204" pitchFamily="50" charset="-128"/>
-                <a:ea typeface="メイリオ" panose="020B0604030504040204" pitchFamily="50" charset="-128"/>
+            <a:r>
+              <a:rPr lang="ja-JP" altLang="en-US" b="1" dirty="0">
+                <a:solidFill>
+                  <a:prstClr val="black"/>
+                </a:solidFill>
+                <a:latin typeface="游ゴシック" panose="020B0400000000000000" pitchFamily="50" charset="-128"/>
+                <a:ea typeface="游ゴシック" panose="020B0400000000000000" pitchFamily="50" charset="-128"/>
               </a:rPr>
-              <a:t>ライントレースの振る舞いをシーケンス図で表す。前ページの青枠の部分に当たる。</a:t>
-            </a:r>
-            <a:endParaRPr kumimoji="1" lang="ja-JP" altLang="en-US" sz="1050" dirty="0">
-              <a:latin typeface="メイリオ" panose="020B0604030504040204" pitchFamily="50" charset="-128"/>
-              <a:ea typeface="メイリオ" panose="020B0604030504040204" pitchFamily="50" charset="-128"/>
+              <a:t>（</a:t>
+            </a:r>
+            <a:r>
+              <a:rPr lang="en-US" altLang="ja-JP" b="1" dirty="0">
+                <a:solidFill>
+                  <a:prstClr val="black"/>
+                </a:solidFill>
+                <a:latin typeface="游ゴシック" panose="020B0400000000000000" pitchFamily="50" charset="-128"/>
+                <a:ea typeface="游ゴシック" panose="020B0400000000000000" pitchFamily="50" charset="-128"/>
+              </a:rPr>
+              <a:t>2</a:t>
+            </a:r>
+            <a:r>
+              <a:rPr lang="ja-JP" altLang="en-US" b="1" dirty="0">
+                <a:solidFill>
+                  <a:prstClr val="black"/>
+                </a:solidFill>
+                <a:latin typeface="游ゴシック" panose="020B0400000000000000" pitchFamily="50" charset="-128"/>
+                <a:ea typeface="游ゴシック" panose="020B0400000000000000" pitchFamily="50" charset="-128"/>
+              </a:rPr>
+              <a:t>）</a:t>
+            </a:r>
+            <a:endParaRPr kumimoji="1" lang="ja-JP" altLang="en-US" b="1" i="0" u="none" strike="noStrike" kern="1200" cap="none" spc="0" normalizeH="0" baseline="0" noProof="0" dirty="0">
+              <a:ln>
+                <a:noFill/>
+              </a:ln>
+              <a:solidFill>
+                <a:prstClr val="black"/>
+              </a:solidFill>
+              <a:effectLst/>
+              <a:uLnTx/>
+              <a:uFillTx/>
+              <a:latin typeface="游ゴシック" panose="020B0400000000000000" pitchFamily="50" charset="-128"/>
+              <a:ea typeface="游ゴシック" panose="020B0400000000000000" pitchFamily="50" charset="-128"/>
             </a:endParaRPr>
           </a:p>
         </p:txBody>
       </p:sp>
       <p:cxnSp>
         <p:nvCxnSpPr>
-          <p:cNvPr id="38" name="直線コネクタ 37">
+          <p:cNvPr id="43" name="直線コネクタ 42">
             <a:extLst>
               <a:ext uri="{FF2B5EF4-FFF2-40B4-BE49-F238E27FC236}">
-                <a16:creationId xmlns:a16="http://schemas.microsoft.com/office/drawing/2014/main" id="{D88ED411-C86F-4E72-BA64-CA683CC2256D}"/>
+                <a16:creationId xmlns:a16="http://schemas.microsoft.com/office/drawing/2014/main" id="{0FAFC74B-454D-40DE-BBD8-BF602499CE90}"/>
               </a:ext>
             </a:extLst>
           </p:cNvPr>
@@ -6161,13 +7035,99 @@
         </p:nvCxnSpPr>
         <p:spPr>
           <a:xfrm>
-            <a:off x="4262189" y="1028844"/>
-            <a:ext cx="8331299" cy="0"/>
+            <a:off x="141247" y="1017674"/>
+            <a:ext cx="3348000" cy="0"/>
           </a:xfrm>
           <a:prstGeom prst="line">
             <a:avLst/>
           </a:prstGeom>
           <a:ln w="38100">
+            <a:solidFill>
+              <a:schemeClr val="accent6"/>
+            </a:solidFill>
+          </a:ln>
+        </p:spPr>
+        <p:style>
+          <a:lnRef idx="1">
+            <a:schemeClr val="accent1"/>
+          </a:lnRef>
+          <a:fillRef idx="0">
+            <a:schemeClr val="accent1"/>
+          </a:fillRef>
+          <a:effectRef idx="0">
+            <a:schemeClr val="accent1"/>
+          </a:effectRef>
+          <a:fontRef idx="minor">
+            <a:schemeClr val="tx1"/>
+          </a:fontRef>
+        </p:style>
+      </p:cxnSp>
+      <p:cxnSp>
+        <p:nvCxnSpPr>
+          <p:cNvPr id="44" name="直線コネクタ 43">
+            <a:extLst>
+              <a:ext uri="{FF2B5EF4-FFF2-40B4-BE49-F238E27FC236}">
+                <a16:creationId xmlns:a16="http://schemas.microsoft.com/office/drawing/2014/main" id="{8788D21C-4961-4151-8002-DA84D7E308A9}"/>
+              </a:ext>
+            </a:extLst>
+          </p:cNvPr>
+          <p:cNvCxnSpPr>
+            <a:cxnSpLocks/>
+          </p:cNvCxnSpPr>
+          <p:nvPr/>
+        </p:nvCxnSpPr>
+        <p:spPr>
+          <a:xfrm flipH="1">
+            <a:off x="9172000" y="707541"/>
+            <a:ext cx="0" cy="4140000"/>
+          </a:xfrm>
+          <a:prstGeom prst="line">
+            <a:avLst/>
+          </a:prstGeom>
+          <a:ln>
+            <a:solidFill>
+              <a:schemeClr val="accent6"/>
+            </a:solidFill>
+          </a:ln>
+        </p:spPr>
+        <p:style>
+          <a:lnRef idx="1">
+            <a:schemeClr val="accent1"/>
+          </a:lnRef>
+          <a:fillRef idx="0">
+            <a:schemeClr val="accent1"/>
+          </a:fillRef>
+          <a:effectRef idx="0">
+            <a:schemeClr val="accent1"/>
+          </a:effectRef>
+          <a:fontRef idx="minor">
+            <a:schemeClr val="tx1"/>
+          </a:fontRef>
+        </p:style>
+      </p:cxnSp>
+      <p:cxnSp>
+        <p:nvCxnSpPr>
+          <p:cNvPr id="47" name="直線コネクタ 46">
+            <a:extLst>
+              <a:ext uri="{FF2B5EF4-FFF2-40B4-BE49-F238E27FC236}">
+                <a16:creationId xmlns:a16="http://schemas.microsoft.com/office/drawing/2014/main" id="{58F3FC48-19FE-460C-BFF9-23BBB6199CF8}"/>
+              </a:ext>
+            </a:extLst>
+          </p:cNvPr>
+          <p:cNvCxnSpPr>
+            <a:cxnSpLocks/>
+          </p:cNvCxnSpPr>
+          <p:nvPr/>
+        </p:nvCxnSpPr>
+        <p:spPr>
+          <a:xfrm flipH="1">
+            <a:off x="127621" y="4885672"/>
+            <a:ext cx="8964000" cy="0"/>
+          </a:xfrm>
+          <a:prstGeom prst="line">
+            <a:avLst/>
+          </a:prstGeom>
+          <a:ln>
             <a:solidFill>
               <a:schemeClr val="accent6"/>
             </a:solidFill>

--- a/PowerPoint/振る舞いモデル.pptx
+++ b/PowerPoint/振る舞いモデル.pptx
@@ -3168,7 +3168,7 @@
         </p:nvSpPr>
         <p:spPr>
           <a:xfrm>
-            <a:off x="57922" y="606809"/>
+            <a:off x="76758" y="733637"/>
             <a:ext cx="12600000" cy="8856984"/>
           </a:xfrm>
           <a:prstGeom prst="rect">
@@ -3397,7 +3397,7 @@
         </p:blipFill>
         <p:spPr>
           <a:xfrm>
-            <a:off x="143678" y="1199004"/>
+            <a:off x="143543" y="1384636"/>
             <a:ext cx="4320480" cy="2972428"/>
           </a:xfrm>
           <a:prstGeom prst="rect">
@@ -3419,7 +3419,7 @@
         </p:nvSpPr>
         <p:spPr>
           <a:xfrm>
-            <a:off x="84542" y="691471"/>
+            <a:off x="84540" y="719853"/>
             <a:ext cx="2211802" cy="338554"/>
           </a:xfrm>
           <a:prstGeom prst="rect">
@@ -3542,7 +3542,7 @@
         </p:nvSpPr>
         <p:spPr>
           <a:xfrm>
-            <a:off x="77784" y="1033980"/>
+            <a:off x="76758" y="1103775"/>
             <a:ext cx="2768716" cy="253916"/>
           </a:xfrm>
           <a:prstGeom prst="rect">
@@ -3580,7 +3580,7 @@
         </p:nvSpPr>
         <p:spPr>
           <a:xfrm>
-            <a:off x="5145897" y="658336"/>
+            <a:off x="4749580" y="733637"/>
             <a:ext cx="2768716" cy="338554"/>
           </a:xfrm>
           <a:prstGeom prst="rect">
@@ -3672,7 +3672,7 @@
         </p:nvCxnSpPr>
         <p:spPr>
           <a:xfrm>
-            <a:off x="4816624" y="750673"/>
+            <a:off x="4672608" y="765479"/>
             <a:ext cx="0" cy="3777807"/>
           </a:xfrm>
           <a:prstGeom prst="line">
@@ -3713,8 +3713,8 @@
         </p:nvSpPr>
         <p:spPr>
           <a:xfrm>
-            <a:off x="5167925" y="1128193"/>
-            <a:ext cx="3130198" cy="1869743"/>
+            <a:off x="4744616" y="1128193"/>
+            <a:ext cx="3298668" cy="1869743"/>
           </a:xfrm>
           <a:prstGeom prst="rect">
             <a:avLst/>
@@ -3824,239 +3824,6 @@
           </a:p>
         </p:txBody>
       </p:sp>
-      <p:pic>
-        <p:nvPicPr>
-          <p:cNvPr id="4" name="図 3">
-            <a:extLst>
-              <a:ext uri="{FF2B5EF4-FFF2-40B4-BE49-F238E27FC236}">
-                <a16:creationId xmlns:a16="http://schemas.microsoft.com/office/drawing/2014/main" id="{288A77D4-43CD-409A-8742-D488C876ED52}"/>
-              </a:ext>
-            </a:extLst>
-          </p:cNvPr>
-          <p:cNvPicPr>
-            <a:picLocks noChangeAspect="1"/>
-          </p:cNvPicPr>
-          <p:nvPr/>
-        </p:nvPicPr>
-        <p:blipFill>
-          <a:blip r:embed="rId3">
-            <a:extLst>
-              <a:ext uri="{28A0092B-C50C-407E-A947-70E740481C1C}">
-                <a14:useLocalDpi xmlns:a14="http://schemas.microsoft.com/office/drawing/2010/main" val="0"/>
-              </a:ext>
-            </a:extLst>
-          </a:blip>
-          <a:stretch>
-            <a:fillRect/>
-          </a:stretch>
-        </p:blipFill>
-        <p:spPr>
-          <a:xfrm>
-            <a:off x="8408085" y="5577187"/>
-            <a:ext cx="3543829" cy="3822626"/>
-          </a:xfrm>
-          <a:prstGeom prst="rect">
-            <a:avLst/>
-          </a:prstGeom>
-        </p:spPr>
-      </p:pic>
-      <p:grpSp>
-        <p:nvGrpSpPr>
-          <p:cNvPr id="6" name="グループ化 5">
-            <a:extLst>
-              <a:ext uri="{FF2B5EF4-FFF2-40B4-BE49-F238E27FC236}">
-                <a16:creationId xmlns:a16="http://schemas.microsoft.com/office/drawing/2014/main" id="{F486DA3E-4757-4E9B-BDA2-4A537283FE7E}"/>
-              </a:ext>
-            </a:extLst>
-          </p:cNvPr>
-          <p:cNvGrpSpPr/>
-          <p:nvPr/>
-        </p:nvGrpSpPr>
-        <p:grpSpPr>
-          <a:xfrm>
-            <a:off x="8450866" y="1042313"/>
-            <a:ext cx="3528382" cy="3513206"/>
-            <a:chOff x="1836480" y="5645249"/>
-            <a:chExt cx="3528382" cy="3513206"/>
-          </a:xfrm>
-        </p:grpSpPr>
-        <p:pic>
-          <p:nvPicPr>
-            <p:cNvPr id="27" name="図 26">
-              <a:extLst>
-                <a:ext uri="{FF2B5EF4-FFF2-40B4-BE49-F238E27FC236}">
-                  <a16:creationId xmlns:a16="http://schemas.microsoft.com/office/drawing/2014/main" id="{E3FBA33E-3EE2-6643-BD33-DDD4FC241E1F}"/>
-                </a:ext>
-              </a:extLst>
-            </p:cNvPr>
-            <p:cNvPicPr>
-              <a:picLocks noChangeAspect="1"/>
-            </p:cNvPicPr>
-            <p:nvPr/>
-          </p:nvPicPr>
-          <p:blipFill>
-            <a:blip r:embed="rId4">
-              <a:extLst>
-                <a:ext uri="{28A0092B-C50C-407E-A947-70E740481C1C}">
-                  <a14:useLocalDpi xmlns:a14="http://schemas.microsoft.com/office/drawing/2010/main" val="0"/>
-                </a:ext>
-              </a:extLst>
-            </a:blip>
-            <a:stretch>
-              <a:fillRect/>
-            </a:stretch>
-          </p:blipFill>
-          <p:spPr>
-            <a:xfrm>
-              <a:off x="1836480" y="5645249"/>
-              <a:ext cx="3528382" cy="3513206"/>
-            </a:xfrm>
-            <a:prstGeom prst="rect">
-              <a:avLst/>
-            </a:prstGeom>
-          </p:spPr>
-        </p:pic>
-        <p:sp>
-          <p:nvSpPr>
-            <p:cNvPr id="29" name="正方形/長方形 28">
-              <a:extLst>
-                <a:ext uri="{FF2B5EF4-FFF2-40B4-BE49-F238E27FC236}">
-                  <a16:creationId xmlns:a16="http://schemas.microsoft.com/office/drawing/2014/main" id="{34A05D94-6637-49BC-ADD3-677CC8630E1D}"/>
-                </a:ext>
-              </a:extLst>
-            </p:cNvPr>
-            <p:cNvSpPr/>
-            <p:nvPr/>
-          </p:nvSpPr>
-          <p:spPr>
-            <a:xfrm>
-              <a:off x="4390554" y="7665736"/>
-              <a:ext cx="817987" cy="442779"/>
-            </a:xfrm>
-            <a:prstGeom prst="rect">
-              <a:avLst/>
-            </a:prstGeom>
-            <a:noFill/>
-            <a:ln w="38100">
-              <a:solidFill>
-                <a:srgbClr val="FFB163"/>
-              </a:solidFill>
-            </a:ln>
-          </p:spPr>
-          <p:style>
-            <a:lnRef idx="2">
-              <a:schemeClr val="accent1">
-                <a:shade val="50000"/>
-              </a:schemeClr>
-            </a:lnRef>
-            <a:fillRef idx="1">
-              <a:schemeClr val="accent1"/>
-            </a:fillRef>
-            <a:effectRef idx="0">
-              <a:schemeClr val="accent1"/>
-            </a:effectRef>
-            <a:fontRef idx="minor">
-              <a:schemeClr val="lt1"/>
-            </a:fontRef>
-          </p:style>
-          <p:txBody>
-            <a:bodyPr rtlCol="0" anchor="ctr"/>
-            <a:lstStyle/>
-            <a:p>
-              <a:pPr algn="ctr"/>
-              <a:endParaRPr kumimoji="1" lang="ja-JP" altLang="en-US"/>
-            </a:p>
-          </p:txBody>
-        </p:sp>
-        <p:sp>
-          <p:nvSpPr>
-            <p:cNvPr id="30" name="正方形/長方形 29">
-              <a:extLst>
-                <a:ext uri="{FF2B5EF4-FFF2-40B4-BE49-F238E27FC236}">
-                  <a16:creationId xmlns:a16="http://schemas.microsoft.com/office/drawing/2014/main" id="{E55EAB55-5589-4066-B17E-9FC13EB27BEE}"/>
-                </a:ext>
-              </a:extLst>
-            </p:cNvPr>
-            <p:cNvSpPr/>
-            <p:nvPr/>
-          </p:nvSpPr>
-          <p:spPr>
-            <a:xfrm>
-              <a:off x="4390554" y="7121364"/>
-              <a:ext cx="817986" cy="442779"/>
-            </a:xfrm>
-            <a:prstGeom prst="rect">
-              <a:avLst/>
-            </a:prstGeom>
-            <a:noFill/>
-            <a:ln w="38100">
-              <a:solidFill>
-                <a:srgbClr val="00B050"/>
-              </a:solidFill>
-            </a:ln>
-          </p:spPr>
-          <p:style>
-            <a:lnRef idx="2">
-              <a:schemeClr val="accent1">
-                <a:shade val="50000"/>
-              </a:schemeClr>
-            </a:lnRef>
-            <a:fillRef idx="1">
-              <a:schemeClr val="accent1"/>
-            </a:fillRef>
-            <a:effectRef idx="0">
-              <a:schemeClr val="accent1"/>
-            </a:effectRef>
-            <a:fontRef idx="minor">
-              <a:schemeClr val="lt1"/>
-            </a:fontRef>
-          </p:style>
-          <p:txBody>
-            <a:bodyPr rtlCol="0" anchor="ctr"/>
-            <a:lstStyle/>
-            <a:p>
-              <a:pPr algn="ctr"/>
-              <a:endParaRPr kumimoji="1" lang="ja-JP" altLang="en-US"/>
-            </a:p>
-          </p:txBody>
-        </p:sp>
-      </p:grpSp>
-      <p:pic>
-        <p:nvPicPr>
-          <p:cNvPr id="31" name="図 30">
-            <a:extLst>
-              <a:ext uri="{FF2B5EF4-FFF2-40B4-BE49-F238E27FC236}">
-                <a16:creationId xmlns:a16="http://schemas.microsoft.com/office/drawing/2014/main" id="{EB98B084-55CC-4211-A662-61054E9C4B81}"/>
-              </a:ext>
-            </a:extLst>
-          </p:cNvPr>
-          <p:cNvPicPr>
-            <a:picLocks noChangeAspect="1"/>
-          </p:cNvPicPr>
-          <p:nvPr/>
-        </p:nvPicPr>
-        <p:blipFill>
-          <a:blip r:embed="rId5">
-            <a:extLst>
-              <a:ext uri="{28A0092B-C50C-407E-A947-70E740481C1C}">
-                <a14:useLocalDpi xmlns:a14="http://schemas.microsoft.com/office/drawing/2010/main" val="0"/>
-              </a:ext>
-            </a:extLst>
-          </a:blip>
-          <a:stretch>
-            <a:fillRect/>
-          </a:stretch>
-        </p:blipFill>
-        <p:spPr>
-          <a:xfrm>
-            <a:off x="132987" y="5581243"/>
-            <a:ext cx="7053771" cy="3865165"/>
-          </a:xfrm>
-          <a:prstGeom prst="rect">
-            <a:avLst/>
-          </a:prstGeom>
-        </p:spPr>
-      </p:pic>
       <p:cxnSp>
         <p:nvCxnSpPr>
           <p:cNvPr id="34" name="直線コネクタ 33">
@@ -4073,8 +3840,8 @@
         </p:nvCxnSpPr>
         <p:spPr>
           <a:xfrm>
-            <a:off x="5138772" y="1030025"/>
-            <a:ext cx="7382708" cy="0"/>
+            <a:off x="4744616" y="1030025"/>
+            <a:ext cx="7783811" cy="0"/>
           </a:xfrm>
           <a:prstGeom prst="line">
             <a:avLst/>
@@ -4115,13 +3882,13 @@
           <p:nvPr>
             <p:extLst>
               <p:ext uri="{D42A27DB-BD31-4B8C-83A1-F6EECF244321}">
-                <p14:modId xmlns:p14="http://schemas.microsoft.com/office/powerpoint/2010/main" val="626891334"/>
+                <p14:modId xmlns:p14="http://schemas.microsoft.com/office/powerpoint/2010/main" val="953287597"/>
               </p:ext>
             </p:extLst>
           </p:nvPr>
         </p:nvGraphicFramePr>
         <p:xfrm>
-          <a:off x="5138772" y="3309475"/>
+          <a:off x="4768365" y="3245890"/>
           <a:ext cx="3247842" cy="754380"/>
         </p:xfrm>
         <a:graphic>
@@ -4404,7 +4171,7 @@
                 <a:latin typeface="游ゴシック" panose="020B0400000000000000" pitchFamily="50" charset="-128"/>
                 <a:ea typeface="游ゴシック" panose="020B0400000000000000" pitchFamily="50" charset="-128"/>
               </a:rPr>
-              <a:t>A</a:t>
+              <a:t>2-A</a:t>
             </a:r>
             <a:r>
               <a:rPr kumimoji="1" lang="ja-JP" altLang="en-US" b="1" i="0" u="none" strike="noStrike" kern="1200" cap="none" spc="0" normalizeH="0" baseline="0" noProof="0" dirty="0">
@@ -4527,7 +4294,7 @@
                 <a:latin typeface="メイリオ" panose="020B0604030504040204" pitchFamily="50" charset="-128"/>
                 <a:ea typeface="メイリオ" panose="020B0604030504040204" pitchFamily="50" charset="-128"/>
               </a:rPr>
-              <a:t>区間確認の振る舞いをシーケンス図で表す。全体概要の緑枠の部分に当たる。</a:t>
+              <a:t>区間確認の振る舞いをシーケンス図で表す。全体概要の赤枠の部分に当たる。</a:t>
             </a:r>
             <a:endParaRPr kumimoji="1" lang="ja-JP" altLang="en-US" sz="1050" dirty="0">
               <a:latin typeface="メイリオ" panose="020B0604030504040204" pitchFamily="50" charset="-128"/>
@@ -4681,7 +4448,7 @@
                 <a:latin typeface="游ゴシック" panose="020B0400000000000000" pitchFamily="50" charset="-128"/>
                 <a:ea typeface="游ゴシック" panose="020B0400000000000000" pitchFamily="50" charset="-128"/>
               </a:rPr>
-              <a:t>B</a:t>
+              <a:t>2-B</a:t>
             </a:r>
             <a:r>
               <a:rPr kumimoji="1" lang="ja-JP" altLang="en-US" b="1" i="0" u="none" strike="noStrike" kern="1200" cap="none" spc="0" normalizeH="0" baseline="0" noProof="0" dirty="0">
@@ -4699,49 +4466,6 @@
               </a:rPr>
               <a:t>．ライントレースの振る舞い</a:t>
             </a:r>
-            <a:r>
-              <a:rPr lang="ja-JP" altLang="en-US" b="1" dirty="0">
-                <a:solidFill>
-                  <a:prstClr val="black"/>
-                </a:solidFill>
-                <a:latin typeface="游ゴシック" panose="020B0400000000000000" pitchFamily="50" charset="-128"/>
-                <a:ea typeface="游ゴシック" panose="020B0400000000000000" pitchFamily="50" charset="-128"/>
-              </a:rPr>
-              <a:t>（</a:t>
-            </a:r>
-            <a:r>
-              <a:rPr lang="en-US" altLang="ja-JP" b="1" dirty="0">
-                <a:solidFill>
-                  <a:prstClr val="black"/>
-                </a:solidFill>
-                <a:latin typeface="游ゴシック" panose="020B0400000000000000" pitchFamily="50" charset="-128"/>
-                <a:ea typeface="游ゴシック" panose="020B0400000000000000" pitchFamily="50" charset="-128"/>
-              </a:rPr>
-              <a:t>1</a:t>
-            </a:r>
-            <a:r>
-              <a:rPr lang="ja-JP" altLang="en-US" b="1" dirty="0">
-                <a:solidFill>
-                  <a:prstClr val="black"/>
-                </a:solidFill>
-                <a:latin typeface="游ゴシック" panose="020B0400000000000000" pitchFamily="50" charset="-128"/>
-                <a:ea typeface="游ゴシック" panose="020B0400000000000000" pitchFamily="50" charset="-128"/>
-              </a:rPr>
-              <a:t>）</a:t>
-            </a:r>
-            <a:endParaRPr kumimoji="1" lang="ja-JP" altLang="en-US" b="1" i="0" u="none" strike="noStrike" kern="1200" cap="none" spc="0" normalizeH="0" baseline="0" noProof="0" dirty="0">
-              <a:ln>
-                <a:noFill/>
-              </a:ln>
-              <a:solidFill>
-                <a:prstClr val="black"/>
-              </a:solidFill>
-              <a:effectLst/>
-              <a:uLnTx/>
-              <a:uFillTx/>
-              <a:latin typeface="游ゴシック" panose="020B0400000000000000" pitchFamily="50" charset="-128"/>
-              <a:ea typeface="游ゴシック" panose="020B0400000000000000" pitchFamily="50" charset="-128"/>
-            </a:endParaRPr>
           </a:p>
         </p:txBody>
       </p:sp>
@@ -4857,226 +4581,1288 @@
           </a:fontRef>
         </p:style>
       </p:cxnSp>
-      <p:sp>
-        <p:nvSpPr>
-          <p:cNvPr id="65" name="テキスト ボックス 64">
+      <p:pic>
+        <p:nvPicPr>
+          <p:cNvPr id="100" name="図 99">
             <a:extLst>
               <a:ext uri="{FF2B5EF4-FFF2-40B4-BE49-F238E27FC236}">
-                <a16:creationId xmlns:a16="http://schemas.microsoft.com/office/drawing/2014/main" id="{8101AA19-A64C-46C0-92A4-B1E488AB700A}"/>
+                <a16:creationId xmlns:a16="http://schemas.microsoft.com/office/drawing/2014/main" id="{ABCA3FFB-A439-4C9E-826D-6BA869E82294}"/>
               </a:ext>
             </a:extLst>
           </p:cNvPr>
-          <p:cNvSpPr txBox="1"/>
+          <p:cNvPicPr>
+            <a:picLocks noChangeAspect="1"/>
+          </p:cNvPicPr>
           <p:nvPr/>
-        </p:nvSpPr>
+        </p:nvPicPr>
+        <p:blipFill>
+          <a:blip r:embed="rId3">
+            <a:extLst>
+              <a:ext uri="{28A0092B-C50C-407E-A947-70E740481C1C}">
+                <a14:useLocalDpi xmlns:a14="http://schemas.microsoft.com/office/drawing/2010/main" val="0"/>
+              </a:ext>
+            </a:extLst>
+          </a:blip>
+          <a:stretch>
+            <a:fillRect/>
+          </a:stretch>
+        </p:blipFill>
         <p:spPr>
           <a:xfrm>
-            <a:off x="10558745" y="2441921"/>
-            <a:ext cx="542362" cy="461665"/>
+            <a:off x="1124662" y="5628407"/>
+            <a:ext cx="5161674" cy="3805510"/>
           </a:xfrm>
           <a:prstGeom prst="rect">
             <a:avLst/>
           </a:prstGeom>
-          <a:noFill/>
         </p:spPr>
-        <p:txBody>
-          <a:bodyPr wrap="square" rtlCol="0">
-            <a:spAutoFit/>
-          </a:bodyPr>
-          <a:lstStyle/>
-          <a:p>
-            <a:pPr algn="ctr"/>
-            <a:r>
-              <a:rPr lang="en-US" altLang="ja-JP" sz="2400" b="1" dirty="0">
+      </p:pic>
+      <p:grpSp>
+        <p:nvGrpSpPr>
+          <p:cNvPr id="103" name="グループ化 102">
+            <a:extLst>
+              <a:ext uri="{FF2B5EF4-FFF2-40B4-BE49-F238E27FC236}">
+                <a16:creationId xmlns:a16="http://schemas.microsoft.com/office/drawing/2014/main" id="{865736AE-5109-4572-A4A8-9056142AFB3F}"/>
+              </a:ext>
+            </a:extLst>
+          </p:cNvPr>
+          <p:cNvGrpSpPr/>
+          <p:nvPr/>
+        </p:nvGrpSpPr>
+        <p:grpSpPr>
+          <a:xfrm>
+            <a:off x="1050344" y="2220386"/>
+            <a:ext cx="279421" cy="307777"/>
+            <a:chOff x="2540906" y="1209974"/>
+            <a:chExt cx="279421" cy="307777"/>
+          </a:xfrm>
+        </p:grpSpPr>
+        <p:sp>
+          <p:nvSpPr>
+            <p:cNvPr id="104" name="楕円 103">
+              <a:extLst>
+                <a:ext uri="{FF2B5EF4-FFF2-40B4-BE49-F238E27FC236}">
+                  <a16:creationId xmlns:a16="http://schemas.microsoft.com/office/drawing/2014/main" id="{E2E59DAA-A540-4774-AA95-703B2ABF1B00}"/>
+                </a:ext>
+              </a:extLst>
+            </p:cNvPr>
+            <p:cNvSpPr/>
+            <p:nvPr/>
+          </p:nvSpPr>
+          <p:spPr>
+            <a:xfrm>
+              <a:off x="2563617" y="1246863"/>
+              <a:ext cx="234000" cy="234000"/>
+            </a:xfrm>
+            <a:prstGeom prst="ellipse">
+              <a:avLst/>
+            </a:prstGeom>
+            <a:solidFill>
+              <a:srgbClr val="FF0000"/>
+            </a:solidFill>
+            <a:ln>
+              <a:noFill/>
+            </a:ln>
+          </p:spPr>
+          <p:style>
+            <a:lnRef idx="2">
+              <a:schemeClr val="accent1">
+                <a:shade val="50000"/>
+              </a:schemeClr>
+            </a:lnRef>
+            <a:fillRef idx="1">
+              <a:schemeClr val="accent1"/>
+            </a:fillRef>
+            <a:effectRef idx="0">
+              <a:schemeClr val="accent1"/>
+            </a:effectRef>
+            <a:fontRef idx="minor">
+              <a:schemeClr val="lt1"/>
+            </a:fontRef>
+          </p:style>
+          <p:txBody>
+            <a:bodyPr rtlCol="0" anchor="ctr"/>
+            <a:lstStyle/>
+            <a:p>
+              <a:pPr algn="ctr"/>
+              <a:endParaRPr kumimoji="1" lang="ja-JP" altLang="en-US">
                 <a:solidFill>
-                  <a:srgbClr val="00B050"/>
+                  <a:srgbClr val="FF0000"/>
                 </a:solidFill>
-                <a:latin typeface="メイリオ" panose="020B0604030504040204" pitchFamily="50" charset="-128"/>
-                <a:ea typeface="メイリオ" panose="020B0604030504040204" pitchFamily="50" charset="-128"/>
-              </a:rPr>
-              <a:t>A</a:t>
-            </a:r>
-          </a:p>
-        </p:txBody>
-      </p:sp>
-      <p:sp>
-        <p:nvSpPr>
-          <p:cNvPr id="67" name="テキスト ボックス 66">
+              </a:endParaRPr>
+            </a:p>
+          </p:txBody>
+        </p:sp>
+        <p:sp>
+          <p:nvSpPr>
+            <p:cNvPr id="105" name="テキスト ボックス 104">
+              <a:extLst>
+                <a:ext uri="{FF2B5EF4-FFF2-40B4-BE49-F238E27FC236}">
+                  <a16:creationId xmlns:a16="http://schemas.microsoft.com/office/drawing/2014/main" id="{A9D0D471-2831-4376-ABB6-3EB113E7B326}"/>
+                </a:ext>
+              </a:extLst>
+            </p:cNvPr>
+            <p:cNvSpPr txBox="1"/>
+            <p:nvPr/>
+          </p:nvSpPr>
+          <p:spPr>
+            <a:xfrm>
+              <a:off x="2540906" y="1209974"/>
+              <a:ext cx="279421" cy="307777"/>
+            </a:xfrm>
+            <a:prstGeom prst="rect">
+              <a:avLst/>
+            </a:prstGeom>
+            <a:noFill/>
+          </p:spPr>
+          <p:txBody>
+            <a:bodyPr wrap="square" rtlCol="0">
+              <a:spAutoFit/>
+            </a:bodyPr>
+            <a:lstStyle/>
+            <a:p>
+              <a:pPr algn="ctr"/>
+              <a:r>
+                <a:rPr lang="en-US" altLang="ja-JP" sz="1400" b="1" dirty="0">
+                  <a:solidFill>
+                    <a:schemeClr val="bg1"/>
+                  </a:solidFill>
+                  <a:latin typeface="+mn-lt"/>
+                  <a:ea typeface="メイリオ" panose="020B0604030504040204" pitchFamily="50" charset="-128"/>
+                </a:rPr>
+                <a:t>A</a:t>
+              </a:r>
+            </a:p>
+          </p:txBody>
+        </p:sp>
+      </p:grpSp>
+      <p:grpSp>
+        <p:nvGrpSpPr>
+          <p:cNvPr id="115" name="グループ化 114">
             <a:extLst>
               <a:ext uri="{FF2B5EF4-FFF2-40B4-BE49-F238E27FC236}">
-                <a16:creationId xmlns:a16="http://schemas.microsoft.com/office/drawing/2014/main" id="{DACAF75B-707E-445A-99E7-F3FDDC847702}"/>
+                <a16:creationId xmlns:a16="http://schemas.microsoft.com/office/drawing/2014/main" id="{B59C63CD-B149-41B0-A5A8-09C164F21A5E}"/>
               </a:ext>
             </a:extLst>
           </p:cNvPr>
-          <p:cNvSpPr txBox="1"/>
+          <p:cNvGrpSpPr/>
           <p:nvPr/>
-        </p:nvSpPr>
+        </p:nvGrpSpPr>
+        <p:grpSpPr>
+          <a:xfrm>
+            <a:off x="1053292" y="5524983"/>
+            <a:ext cx="279421" cy="307777"/>
+            <a:chOff x="2540906" y="1209974"/>
+            <a:chExt cx="279421" cy="307777"/>
+          </a:xfrm>
+        </p:grpSpPr>
+        <p:sp>
+          <p:nvSpPr>
+            <p:cNvPr id="116" name="楕円 115">
+              <a:extLst>
+                <a:ext uri="{FF2B5EF4-FFF2-40B4-BE49-F238E27FC236}">
+                  <a16:creationId xmlns:a16="http://schemas.microsoft.com/office/drawing/2014/main" id="{9E68958A-9D32-4D83-90A9-D2B558E7E866}"/>
+                </a:ext>
+              </a:extLst>
+            </p:cNvPr>
+            <p:cNvSpPr/>
+            <p:nvPr/>
+          </p:nvSpPr>
+          <p:spPr>
+            <a:xfrm>
+              <a:off x="2563617" y="1246863"/>
+              <a:ext cx="234000" cy="234000"/>
+            </a:xfrm>
+            <a:prstGeom prst="ellipse">
+              <a:avLst/>
+            </a:prstGeom>
+            <a:solidFill>
+              <a:srgbClr val="FF0000"/>
+            </a:solidFill>
+            <a:ln>
+              <a:noFill/>
+            </a:ln>
+          </p:spPr>
+          <p:style>
+            <a:lnRef idx="2">
+              <a:schemeClr val="accent1">
+                <a:shade val="50000"/>
+              </a:schemeClr>
+            </a:lnRef>
+            <a:fillRef idx="1">
+              <a:schemeClr val="accent1"/>
+            </a:fillRef>
+            <a:effectRef idx="0">
+              <a:schemeClr val="accent1"/>
+            </a:effectRef>
+            <a:fontRef idx="minor">
+              <a:schemeClr val="lt1"/>
+            </a:fontRef>
+          </p:style>
+          <p:txBody>
+            <a:bodyPr rtlCol="0" anchor="ctr"/>
+            <a:lstStyle/>
+            <a:p>
+              <a:pPr algn="ctr"/>
+              <a:endParaRPr kumimoji="1" lang="ja-JP" altLang="en-US">
+                <a:solidFill>
+                  <a:srgbClr val="FF0000"/>
+                </a:solidFill>
+              </a:endParaRPr>
+            </a:p>
+          </p:txBody>
+        </p:sp>
+        <p:sp>
+          <p:nvSpPr>
+            <p:cNvPr id="117" name="テキスト ボックス 116">
+              <a:extLst>
+                <a:ext uri="{FF2B5EF4-FFF2-40B4-BE49-F238E27FC236}">
+                  <a16:creationId xmlns:a16="http://schemas.microsoft.com/office/drawing/2014/main" id="{7E8B28CB-D2C6-49E8-819E-39AE3A56B515}"/>
+                </a:ext>
+              </a:extLst>
+            </p:cNvPr>
+            <p:cNvSpPr txBox="1"/>
+            <p:nvPr/>
+          </p:nvSpPr>
+          <p:spPr>
+            <a:xfrm>
+              <a:off x="2540906" y="1209974"/>
+              <a:ext cx="279421" cy="307777"/>
+            </a:xfrm>
+            <a:prstGeom prst="rect">
+              <a:avLst/>
+            </a:prstGeom>
+            <a:noFill/>
+          </p:spPr>
+          <p:txBody>
+            <a:bodyPr wrap="square" rtlCol="0">
+              <a:spAutoFit/>
+            </a:bodyPr>
+            <a:lstStyle/>
+            <a:p>
+              <a:pPr algn="ctr"/>
+              <a:r>
+                <a:rPr lang="en-US" altLang="ja-JP" sz="1400" b="1" dirty="0">
+                  <a:solidFill>
+                    <a:schemeClr val="bg1"/>
+                  </a:solidFill>
+                  <a:latin typeface="+mn-lt"/>
+                  <a:ea typeface="メイリオ" panose="020B0604030504040204" pitchFamily="50" charset="-128"/>
+                </a:rPr>
+                <a:t>A</a:t>
+              </a:r>
+            </a:p>
+          </p:txBody>
+        </p:sp>
+      </p:grpSp>
+      <p:pic>
+        <p:nvPicPr>
+          <p:cNvPr id="125" name="図 124">
+            <a:extLst>
+              <a:ext uri="{FF2B5EF4-FFF2-40B4-BE49-F238E27FC236}">
+                <a16:creationId xmlns:a16="http://schemas.microsoft.com/office/drawing/2014/main" id="{A128CB75-59AA-4FB8-B586-AF38FB73152D}"/>
+              </a:ext>
+            </a:extLst>
+          </p:cNvPr>
+          <p:cNvPicPr>
+            <a:picLocks noChangeAspect="1"/>
+          </p:cNvPicPr>
+          <p:nvPr/>
+        </p:nvPicPr>
+        <p:blipFill>
+          <a:blip r:embed="rId4">
+            <a:extLst>
+              <a:ext uri="{28A0092B-C50C-407E-A947-70E740481C1C}">
+                <a14:useLocalDpi xmlns:a14="http://schemas.microsoft.com/office/drawing/2010/main" val="0"/>
+              </a:ext>
+            </a:extLst>
+          </a:blip>
+          <a:stretch>
+            <a:fillRect/>
+          </a:stretch>
+        </p:blipFill>
         <p:spPr>
           <a:xfrm>
-            <a:off x="10577438" y="2998621"/>
-            <a:ext cx="542362" cy="461665"/>
+            <a:off x="8199855" y="1207079"/>
+            <a:ext cx="4328572" cy="3369090"/>
           </a:xfrm>
           <a:prstGeom prst="rect">
             <a:avLst/>
           </a:prstGeom>
-          <a:noFill/>
         </p:spPr>
-        <p:txBody>
-          <a:bodyPr wrap="square" rtlCol="0">
-            <a:spAutoFit/>
-          </a:bodyPr>
-          <a:lstStyle/>
-          <a:p>
-            <a:pPr algn="ctr"/>
-            <a:r>
-              <a:rPr lang="en-US" altLang="ja-JP" sz="2400" b="1" dirty="0">
+      </p:pic>
+      <p:grpSp>
+        <p:nvGrpSpPr>
+          <p:cNvPr id="121" name="グループ化 120">
+            <a:extLst>
+              <a:ext uri="{FF2B5EF4-FFF2-40B4-BE49-F238E27FC236}">
+                <a16:creationId xmlns:a16="http://schemas.microsoft.com/office/drawing/2014/main" id="{FEB872D1-0F51-410C-938F-D3425420D32A}"/>
+              </a:ext>
+            </a:extLst>
+          </p:cNvPr>
+          <p:cNvGrpSpPr/>
+          <p:nvPr/>
+        </p:nvGrpSpPr>
+        <p:grpSpPr>
+          <a:xfrm>
+            <a:off x="897152" y="3106044"/>
+            <a:ext cx="279421" cy="307777"/>
+            <a:chOff x="2540906" y="1209974"/>
+            <a:chExt cx="279421" cy="307777"/>
+          </a:xfrm>
+        </p:grpSpPr>
+        <p:sp>
+          <p:nvSpPr>
+            <p:cNvPr id="122" name="楕円 121">
+              <a:extLst>
+                <a:ext uri="{FF2B5EF4-FFF2-40B4-BE49-F238E27FC236}">
+                  <a16:creationId xmlns:a16="http://schemas.microsoft.com/office/drawing/2014/main" id="{2E701D4B-50D0-46F4-B0F6-07B9F106E9C7}"/>
+                </a:ext>
+              </a:extLst>
+            </p:cNvPr>
+            <p:cNvSpPr/>
+            <p:nvPr/>
+          </p:nvSpPr>
+          <p:spPr>
+            <a:xfrm>
+              <a:off x="2563617" y="1246863"/>
+              <a:ext cx="234000" cy="234000"/>
+            </a:xfrm>
+            <a:prstGeom prst="ellipse">
+              <a:avLst/>
+            </a:prstGeom>
+            <a:solidFill>
+              <a:srgbClr val="0000FF"/>
+            </a:solidFill>
+            <a:ln>
+              <a:noFill/>
+            </a:ln>
+          </p:spPr>
+          <p:style>
+            <a:lnRef idx="2">
+              <a:schemeClr val="accent1">
+                <a:shade val="50000"/>
+              </a:schemeClr>
+            </a:lnRef>
+            <a:fillRef idx="1">
+              <a:schemeClr val="accent1"/>
+            </a:fillRef>
+            <a:effectRef idx="0">
+              <a:schemeClr val="accent1"/>
+            </a:effectRef>
+            <a:fontRef idx="minor">
+              <a:schemeClr val="lt1"/>
+            </a:fontRef>
+          </p:style>
+          <p:txBody>
+            <a:bodyPr rtlCol="0" anchor="ctr"/>
+            <a:lstStyle/>
+            <a:p>
+              <a:pPr algn="ctr"/>
+              <a:endParaRPr kumimoji="1" lang="ja-JP" altLang="en-US">
                 <a:solidFill>
-                  <a:schemeClr val="accent4"/>
+                  <a:srgbClr val="0000FF"/>
                 </a:solidFill>
-                <a:latin typeface="メイリオ" panose="020B0604030504040204" pitchFamily="50" charset="-128"/>
-                <a:ea typeface="メイリオ" panose="020B0604030504040204" pitchFamily="50" charset="-128"/>
-              </a:rPr>
-              <a:t>B</a:t>
-            </a:r>
-          </a:p>
-        </p:txBody>
-      </p:sp>
-      <p:sp>
-        <p:nvSpPr>
-          <p:cNvPr id="68" name="テキスト ボックス 67">
+              </a:endParaRPr>
+            </a:p>
+          </p:txBody>
+        </p:sp>
+        <p:sp>
+          <p:nvSpPr>
+            <p:cNvPr id="123" name="テキスト ボックス 122">
+              <a:extLst>
+                <a:ext uri="{FF2B5EF4-FFF2-40B4-BE49-F238E27FC236}">
+                  <a16:creationId xmlns:a16="http://schemas.microsoft.com/office/drawing/2014/main" id="{30CEBC36-9D6D-47C6-BAE6-EBB8DE8FA8EC}"/>
+                </a:ext>
+              </a:extLst>
+            </p:cNvPr>
+            <p:cNvSpPr txBox="1"/>
+            <p:nvPr/>
+          </p:nvSpPr>
+          <p:spPr>
+            <a:xfrm>
+              <a:off x="2540906" y="1209974"/>
+              <a:ext cx="279421" cy="307777"/>
+            </a:xfrm>
+            <a:prstGeom prst="rect">
+              <a:avLst/>
+            </a:prstGeom>
+            <a:noFill/>
+          </p:spPr>
+          <p:txBody>
+            <a:bodyPr wrap="square" rtlCol="0">
+              <a:spAutoFit/>
+            </a:bodyPr>
+            <a:lstStyle/>
+            <a:p>
+              <a:pPr algn="ctr"/>
+              <a:r>
+                <a:rPr lang="en-US" altLang="ja-JP" sz="1400" b="1" dirty="0">
+                  <a:solidFill>
+                    <a:schemeClr val="bg1"/>
+                  </a:solidFill>
+                  <a:latin typeface="+mn-lt"/>
+                  <a:ea typeface="メイリオ" panose="020B0604030504040204" pitchFamily="50" charset="-128"/>
+                </a:rPr>
+                <a:t>B</a:t>
+              </a:r>
+            </a:p>
+          </p:txBody>
+        </p:sp>
+      </p:grpSp>
+      <p:grpSp>
+        <p:nvGrpSpPr>
+          <p:cNvPr id="118" name="グループ化 117">
             <a:extLst>
               <a:ext uri="{FF2B5EF4-FFF2-40B4-BE49-F238E27FC236}">
-                <a16:creationId xmlns:a16="http://schemas.microsoft.com/office/drawing/2014/main" id="{D93FE5FE-C639-4653-94A4-8ECC618D4924}"/>
+                <a16:creationId xmlns:a16="http://schemas.microsoft.com/office/drawing/2014/main" id="{DFA176CA-29F9-4E93-83C9-2B00A57E2A10}"/>
               </a:ext>
             </a:extLst>
           </p:cNvPr>
-          <p:cNvSpPr txBox="1"/>
+          <p:cNvGrpSpPr/>
           <p:nvPr/>
-        </p:nvSpPr>
+        </p:nvGrpSpPr>
+        <p:grpSpPr>
+          <a:xfrm>
+            <a:off x="11321013" y="3142932"/>
+            <a:ext cx="279421" cy="307777"/>
+            <a:chOff x="2540906" y="1209974"/>
+            <a:chExt cx="279421" cy="307777"/>
+          </a:xfrm>
+        </p:grpSpPr>
+        <p:sp>
+          <p:nvSpPr>
+            <p:cNvPr id="119" name="楕円 118">
+              <a:extLst>
+                <a:ext uri="{FF2B5EF4-FFF2-40B4-BE49-F238E27FC236}">
+                  <a16:creationId xmlns:a16="http://schemas.microsoft.com/office/drawing/2014/main" id="{088B0B21-1CD7-4EC8-BF74-177DC02119F1}"/>
+                </a:ext>
+              </a:extLst>
+            </p:cNvPr>
+            <p:cNvSpPr/>
+            <p:nvPr/>
+          </p:nvSpPr>
+          <p:spPr>
+            <a:xfrm>
+              <a:off x="2563617" y="1246863"/>
+              <a:ext cx="234000" cy="234000"/>
+            </a:xfrm>
+            <a:prstGeom prst="ellipse">
+              <a:avLst/>
+            </a:prstGeom>
+            <a:solidFill>
+              <a:srgbClr val="0000FF"/>
+            </a:solidFill>
+            <a:ln>
+              <a:noFill/>
+            </a:ln>
+          </p:spPr>
+          <p:style>
+            <a:lnRef idx="2">
+              <a:schemeClr val="accent1">
+                <a:shade val="50000"/>
+              </a:schemeClr>
+            </a:lnRef>
+            <a:fillRef idx="1">
+              <a:schemeClr val="accent1"/>
+            </a:fillRef>
+            <a:effectRef idx="0">
+              <a:schemeClr val="accent1"/>
+            </a:effectRef>
+            <a:fontRef idx="minor">
+              <a:schemeClr val="lt1"/>
+            </a:fontRef>
+          </p:style>
+          <p:txBody>
+            <a:bodyPr rtlCol="0" anchor="ctr"/>
+            <a:lstStyle/>
+            <a:p>
+              <a:pPr algn="ctr"/>
+              <a:endParaRPr kumimoji="1" lang="ja-JP" altLang="en-US">
+                <a:solidFill>
+                  <a:srgbClr val="0000FF"/>
+                </a:solidFill>
+              </a:endParaRPr>
+            </a:p>
+          </p:txBody>
+        </p:sp>
+        <p:sp>
+          <p:nvSpPr>
+            <p:cNvPr id="120" name="テキスト ボックス 119">
+              <a:extLst>
+                <a:ext uri="{FF2B5EF4-FFF2-40B4-BE49-F238E27FC236}">
+                  <a16:creationId xmlns:a16="http://schemas.microsoft.com/office/drawing/2014/main" id="{888E893F-FB12-4B91-8FA2-5C09E27CB4B5}"/>
+                </a:ext>
+              </a:extLst>
+            </p:cNvPr>
+            <p:cNvSpPr txBox="1"/>
+            <p:nvPr/>
+          </p:nvSpPr>
+          <p:spPr>
+            <a:xfrm>
+              <a:off x="2540906" y="1209974"/>
+              <a:ext cx="279421" cy="307777"/>
+            </a:xfrm>
+            <a:prstGeom prst="rect">
+              <a:avLst/>
+            </a:prstGeom>
+            <a:noFill/>
+          </p:spPr>
+          <p:txBody>
+            <a:bodyPr wrap="square" rtlCol="0">
+              <a:spAutoFit/>
+            </a:bodyPr>
+            <a:lstStyle/>
+            <a:p>
+              <a:pPr algn="ctr"/>
+              <a:r>
+                <a:rPr lang="en-US" altLang="ja-JP" sz="1400" b="1" dirty="0">
+                  <a:solidFill>
+                    <a:schemeClr val="bg1"/>
+                  </a:solidFill>
+                  <a:latin typeface="+mn-lt"/>
+                  <a:ea typeface="メイリオ" panose="020B0604030504040204" pitchFamily="50" charset="-128"/>
+                </a:rPr>
+                <a:t>B</a:t>
+              </a:r>
+            </a:p>
+          </p:txBody>
+        </p:sp>
+      </p:grpSp>
+      <p:grpSp>
+        <p:nvGrpSpPr>
+          <p:cNvPr id="126" name="グループ化 125">
+            <a:extLst>
+              <a:ext uri="{FF2B5EF4-FFF2-40B4-BE49-F238E27FC236}">
+                <a16:creationId xmlns:a16="http://schemas.microsoft.com/office/drawing/2014/main" id="{FFED28F1-AE87-463E-9778-6DCD41FCBCF1}"/>
+              </a:ext>
+            </a:extLst>
+          </p:cNvPr>
+          <p:cNvGrpSpPr/>
+          <p:nvPr/>
+        </p:nvGrpSpPr>
+        <p:grpSpPr>
+          <a:xfrm>
+            <a:off x="11321013" y="2598545"/>
+            <a:ext cx="279421" cy="307777"/>
+            <a:chOff x="2540906" y="1209974"/>
+            <a:chExt cx="279421" cy="307777"/>
+          </a:xfrm>
+        </p:grpSpPr>
+        <p:sp>
+          <p:nvSpPr>
+            <p:cNvPr id="127" name="楕円 126">
+              <a:extLst>
+                <a:ext uri="{FF2B5EF4-FFF2-40B4-BE49-F238E27FC236}">
+                  <a16:creationId xmlns:a16="http://schemas.microsoft.com/office/drawing/2014/main" id="{35E21869-3634-433F-9DD3-DD524D2970EF}"/>
+                </a:ext>
+              </a:extLst>
+            </p:cNvPr>
+            <p:cNvSpPr/>
+            <p:nvPr/>
+          </p:nvSpPr>
+          <p:spPr>
+            <a:xfrm>
+              <a:off x="2563617" y="1246863"/>
+              <a:ext cx="234000" cy="234000"/>
+            </a:xfrm>
+            <a:prstGeom prst="ellipse">
+              <a:avLst/>
+            </a:prstGeom>
+            <a:solidFill>
+              <a:srgbClr val="FF0000"/>
+            </a:solidFill>
+            <a:ln>
+              <a:noFill/>
+            </a:ln>
+          </p:spPr>
+          <p:style>
+            <a:lnRef idx="2">
+              <a:schemeClr val="accent1">
+                <a:shade val="50000"/>
+              </a:schemeClr>
+            </a:lnRef>
+            <a:fillRef idx="1">
+              <a:schemeClr val="accent1"/>
+            </a:fillRef>
+            <a:effectRef idx="0">
+              <a:schemeClr val="accent1"/>
+            </a:effectRef>
+            <a:fontRef idx="minor">
+              <a:schemeClr val="lt1"/>
+            </a:fontRef>
+          </p:style>
+          <p:txBody>
+            <a:bodyPr rtlCol="0" anchor="ctr"/>
+            <a:lstStyle/>
+            <a:p>
+              <a:pPr algn="ctr"/>
+              <a:endParaRPr kumimoji="1" lang="ja-JP" altLang="en-US">
+                <a:solidFill>
+                  <a:srgbClr val="FF0000"/>
+                </a:solidFill>
+              </a:endParaRPr>
+            </a:p>
+          </p:txBody>
+        </p:sp>
+        <p:sp>
+          <p:nvSpPr>
+            <p:cNvPr id="128" name="テキスト ボックス 127">
+              <a:extLst>
+                <a:ext uri="{FF2B5EF4-FFF2-40B4-BE49-F238E27FC236}">
+                  <a16:creationId xmlns:a16="http://schemas.microsoft.com/office/drawing/2014/main" id="{9615FAE7-C40F-4FA8-A938-5B65126D2461}"/>
+                </a:ext>
+              </a:extLst>
+            </p:cNvPr>
+            <p:cNvSpPr txBox="1"/>
+            <p:nvPr/>
+          </p:nvSpPr>
+          <p:spPr>
+            <a:xfrm>
+              <a:off x="2540906" y="1209974"/>
+              <a:ext cx="279421" cy="307777"/>
+            </a:xfrm>
+            <a:prstGeom prst="rect">
+              <a:avLst/>
+            </a:prstGeom>
+            <a:noFill/>
+          </p:spPr>
+          <p:txBody>
+            <a:bodyPr wrap="square" rtlCol="0">
+              <a:spAutoFit/>
+            </a:bodyPr>
+            <a:lstStyle/>
+            <a:p>
+              <a:pPr algn="ctr"/>
+              <a:r>
+                <a:rPr lang="en-US" altLang="ja-JP" sz="1400" b="1" dirty="0">
+                  <a:solidFill>
+                    <a:schemeClr val="bg1"/>
+                  </a:solidFill>
+                  <a:latin typeface="+mn-lt"/>
+                  <a:ea typeface="メイリオ" panose="020B0604030504040204" pitchFamily="50" charset="-128"/>
+                </a:rPr>
+                <a:t>A</a:t>
+              </a:r>
+            </a:p>
+          </p:txBody>
+        </p:sp>
+      </p:grpSp>
+      <p:pic>
+        <p:nvPicPr>
+          <p:cNvPr id="131" name="図 130">
+            <a:extLst>
+              <a:ext uri="{FF2B5EF4-FFF2-40B4-BE49-F238E27FC236}">
+                <a16:creationId xmlns:a16="http://schemas.microsoft.com/office/drawing/2014/main" id="{B5C9338D-F804-49FC-95F7-7C63D1AB9B99}"/>
+              </a:ext>
+            </a:extLst>
+          </p:cNvPr>
+          <p:cNvPicPr>
+            <a:picLocks noChangeAspect="1"/>
+          </p:cNvPicPr>
+          <p:nvPr/>
+        </p:nvPicPr>
+        <p:blipFill>
+          <a:blip r:embed="rId5">
+            <a:extLst>
+              <a:ext uri="{28A0092B-C50C-407E-A947-70E740481C1C}">
+                <a14:useLocalDpi xmlns:a14="http://schemas.microsoft.com/office/drawing/2010/main" val="0"/>
+              </a:ext>
+            </a:extLst>
+          </a:blip>
+          <a:stretch>
+            <a:fillRect/>
+          </a:stretch>
+        </p:blipFill>
         <p:spPr>
           <a:xfrm>
-            <a:off x="822352" y="1975160"/>
-            <a:ext cx="542362" cy="461665"/>
+            <a:off x="8288817" y="5624689"/>
+            <a:ext cx="3782365" cy="3809228"/>
           </a:xfrm>
           <a:prstGeom prst="rect">
             <a:avLst/>
           </a:prstGeom>
-          <a:noFill/>
         </p:spPr>
-        <p:txBody>
-          <a:bodyPr wrap="square" rtlCol="0">
-            <a:spAutoFit/>
-          </a:bodyPr>
-          <a:lstStyle/>
-          <a:p>
-            <a:pPr algn="ctr"/>
-            <a:r>
-              <a:rPr lang="en-US" altLang="ja-JP" sz="2400" b="1" dirty="0">
+      </p:pic>
+      <p:grpSp>
+        <p:nvGrpSpPr>
+          <p:cNvPr id="112" name="グループ化 111">
+            <a:extLst>
+              <a:ext uri="{FF2B5EF4-FFF2-40B4-BE49-F238E27FC236}">
+                <a16:creationId xmlns:a16="http://schemas.microsoft.com/office/drawing/2014/main" id="{7C1B58E5-D63F-4411-B636-9A85C4A6926E}"/>
+              </a:ext>
+            </a:extLst>
+          </p:cNvPr>
+          <p:cNvGrpSpPr/>
+          <p:nvPr/>
+        </p:nvGrpSpPr>
+        <p:grpSpPr>
+          <a:xfrm>
+            <a:off x="8215528" y="5530555"/>
+            <a:ext cx="279421" cy="307777"/>
+            <a:chOff x="2540906" y="1209974"/>
+            <a:chExt cx="279421" cy="307777"/>
+          </a:xfrm>
+        </p:grpSpPr>
+        <p:sp>
+          <p:nvSpPr>
+            <p:cNvPr id="113" name="楕円 112">
+              <a:extLst>
+                <a:ext uri="{FF2B5EF4-FFF2-40B4-BE49-F238E27FC236}">
+                  <a16:creationId xmlns:a16="http://schemas.microsoft.com/office/drawing/2014/main" id="{886C2D32-43AB-4190-93EF-B6CB26A8E414}"/>
+                </a:ext>
+              </a:extLst>
+            </p:cNvPr>
+            <p:cNvSpPr/>
+            <p:nvPr/>
+          </p:nvSpPr>
+          <p:spPr>
+            <a:xfrm>
+              <a:off x="2563617" y="1246863"/>
+              <a:ext cx="234000" cy="234000"/>
+            </a:xfrm>
+            <a:prstGeom prst="ellipse">
+              <a:avLst/>
+            </a:prstGeom>
+            <a:solidFill>
+              <a:srgbClr val="0000FF"/>
+            </a:solidFill>
+            <a:ln>
+              <a:noFill/>
+            </a:ln>
+          </p:spPr>
+          <p:style>
+            <a:lnRef idx="2">
+              <a:schemeClr val="accent1">
+                <a:shade val="50000"/>
+              </a:schemeClr>
+            </a:lnRef>
+            <a:fillRef idx="1">
+              <a:schemeClr val="accent1"/>
+            </a:fillRef>
+            <a:effectRef idx="0">
+              <a:schemeClr val="accent1"/>
+            </a:effectRef>
+            <a:fontRef idx="minor">
+              <a:schemeClr val="lt1"/>
+            </a:fontRef>
+          </p:style>
+          <p:txBody>
+            <a:bodyPr rtlCol="0" anchor="ctr"/>
+            <a:lstStyle/>
+            <a:p>
+              <a:pPr algn="ctr"/>
+              <a:endParaRPr kumimoji="1" lang="ja-JP" altLang="en-US">
                 <a:solidFill>
-                  <a:srgbClr val="00B050"/>
+                  <a:srgbClr val="0000FF"/>
                 </a:solidFill>
-                <a:latin typeface="メイリオ" panose="020B0604030504040204" pitchFamily="50" charset="-128"/>
-                <a:ea typeface="メイリオ" panose="020B0604030504040204" pitchFamily="50" charset="-128"/>
-              </a:rPr>
-              <a:t>A</a:t>
-            </a:r>
-          </a:p>
-        </p:txBody>
-      </p:sp>
-      <p:sp>
-        <p:nvSpPr>
-          <p:cNvPr id="69" name="テキスト ボックス 68">
+              </a:endParaRPr>
+            </a:p>
+          </p:txBody>
+        </p:sp>
+        <p:sp>
+          <p:nvSpPr>
+            <p:cNvPr id="114" name="テキスト ボックス 113">
+              <a:extLst>
+                <a:ext uri="{FF2B5EF4-FFF2-40B4-BE49-F238E27FC236}">
+                  <a16:creationId xmlns:a16="http://schemas.microsoft.com/office/drawing/2014/main" id="{414C097F-830B-4086-8E3E-E85D28619BD7}"/>
+                </a:ext>
+              </a:extLst>
+            </p:cNvPr>
+            <p:cNvSpPr txBox="1"/>
+            <p:nvPr/>
+          </p:nvSpPr>
+          <p:spPr>
+            <a:xfrm>
+              <a:off x="2540906" y="1209974"/>
+              <a:ext cx="279421" cy="307777"/>
+            </a:xfrm>
+            <a:prstGeom prst="rect">
+              <a:avLst/>
+            </a:prstGeom>
+            <a:noFill/>
+          </p:spPr>
+          <p:txBody>
+            <a:bodyPr wrap="square" rtlCol="0">
+              <a:spAutoFit/>
+            </a:bodyPr>
+            <a:lstStyle/>
+            <a:p>
+              <a:pPr algn="ctr"/>
+              <a:r>
+                <a:rPr lang="en-US" altLang="ja-JP" sz="1400" b="1" dirty="0">
+                  <a:solidFill>
+                    <a:schemeClr val="bg1"/>
+                  </a:solidFill>
+                  <a:latin typeface="+mn-lt"/>
+                  <a:ea typeface="メイリオ" panose="020B0604030504040204" pitchFamily="50" charset="-128"/>
+                </a:rPr>
+                <a:t>B</a:t>
+              </a:r>
+            </a:p>
+          </p:txBody>
+        </p:sp>
+      </p:grpSp>
+      <p:grpSp>
+        <p:nvGrpSpPr>
+          <p:cNvPr id="132" name="グループ化 131">
             <a:extLst>
               <a:ext uri="{FF2B5EF4-FFF2-40B4-BE49-F238E27FC236}">
-                <a16:creationId xmlns:a16="http://schemas.microsoft.com/office/drawing/2014/main" id="{8EA1034B-CA77-4028-B48E-9B3932A2488F}"/>
+                <a16:creationId xmlns:a16="http://schemas.microsoft.com/office/drawing/2014/main" id="{FED087E6-B5DC-4EB8-936B-39F601E4DAD5}"/>
               </a:ext>
             </a:extLst>
           </p:cNvPr>
-          <p:cNvSpPr txBox="1"/>
+          <p:cNvGrpSpPr/>
           <p:nvPr/>
-        </p:nvSpPr>
-        <p:spPr>
+        </p:nvGrpSpPr>
+        <p:grpSpPr>
           <a:xfrm>
-            <a:off x="822352" y="2704560"/>
-            <a:ext cx="542362" cy="461665"/>
+            <a:off x="10433248" y="6684864"/>
+            <a:ext cx="279421" cy="307777"/>
+            <a:chOff x="2540906" y="1226436"/>
+            <a:chExt cx="279421" cy="307777"/>
           </a:xfrm>
-          <a:prstGeom prst="rect">
-            <a:avLst/>
-          </a:prstGeom>
-          <a:noFill/>
-        </p:spPr>
-        <p:txBody>
-          <a:bodyPr wrap="square" rtlCol="0">
-            <a:spAutoFit/>
-          </a:bodyPr>
-          <a:lstStyle/>
-          <a:p>
-            <a:pPr algn="ctr"/>
-            <a:r>
-              <a:rPr lang="en-US" altLang="ja-JP" sz="2400" b="1" dirty="0">
-                <a:solidFill>
-                  <a:schemeClr val="accent4"/>
-                </a:solidFill>
-                <a:latin typeface="メイリオ" panose="020B0604030504040204" pitchFamily="50" charset="-128"/>
-                <a:ea typeface="メイリオ" panose="020B0604030504040204" pitchFamily="50" charset="-128"/>
-              </a:rPr>
-              <a:t>B</a:t>
-            </a:r>
-          </a:p>
-        </p:txBody>
-      </p:sp>
-      <p:sp>
-        <p:nvSpPr>
-          <p:cNvPr id="70" name="正方形/長方形 69">
+        </p:grpSpPr>
+        <p:sp>
+          <p:nvSpPr>
+            <p:cNvPr id="133" name="楕円 132">
+              <a:extLst>
+                <a:ext uri="{FF2B5EF4-FFF2-40B4-BE49-F238E27FC236}">
+                  <a16:creationId xmlns:a16="http://schemas.microsoft.com/office/drawing/2014/main" id="{DB28BDA8-144E-4343-9C67-F9E76C4A1FEC}"/>
+                </a:ext>
+              </a:extLst>
+            </p:cNvPr>
+            <p:cNvSpPr/>
+            <p:nvPr/>
+          </p:nvSpPr>
+          <p:spPr>
+            <a:xfrm>
+              <a:off x="2563617" y="1246863"/>
+              <a:ext cx="234000" cy="234000"/>
+            </a:xfrm>
+            <a:prstGeom prst="ellipse">
+              <a:avLst/>
+            </a:prstGeom>
+            <a:solidFill>
+              <a:srgbClr val="00B0F0"/>
+            </a:solidFill>
+            <a:ln>
+              <a:noFill/>
+            </a:ln>
+          </p:spPr>
+          <p:style>
+            <a:lnRef idx="2">
+              <a:schemeClr val="accent1">
+                <a:shade val="50000"/>
+              </a:schemeClr>
+            </a:lnRef>
+            <a:fillRef idx="1">
+              <a:schemeClr val="accent1"/>
+            </a:fillRef>
+            <a:effectRef idx="0">
+              <a:schemeClr val="accent1"/>
+            </a:effectRef>
+            <a:fontRef idx="minor">
+              <a:schemeClr val="lt1"/>
+            </a:fontRef>
+          </p:style>
+          <p:txBody>
+            <a:bodyPr rtlCol="0" anchor="ctr"/>
+            <a:lstStyle/>
+            <a:p>
+              <a:pPr algn="ctr"/>
+              <a:endParaRPr kumimoji="1" lang="ja-JP" altLang="en-US"/>
+            </a:p>
+          </p:txBody>
+        </p:sp>
+        <p:sp>
+          <p:nvSpPr>
+            <p:cNvPr id="134" name="テキスト ボックス 133">
+              <a:extLst>
+                <a:ext uri="{FF2B5EF4-FFF2-40B4-BE49-F238E27FC236}">
+                  <a16:creationId xmlns:a16="http://schemas.microsoft.com/office/drawing/2014/main" id="{E3E885CE-EBFC-44AB-81A2-283C386CBED5}"/>
+                </a:ext>
+              </a:extLst>
+            </p:cNvPr>
+            <p:cNvSpPr txBox="1"/>
+            <p:nvPr/>
+          </p:nvSpPr>
+          <p:spPr>
+            <a:xfrm>
+              <a:off x="2540906" y="1226436"/>
+              <a:ext cx="279421" cy="307777"/>
+            </a:xfrm>
+            <a:prstGeom prst="rect">
+              <a:avLst/>
+            </a:prstGeom>
+            <a:noFill/>
+          </p:spPr>
+          <p:txBody>
+            <a:bodyPr wrap="square" rtlCol="0">
+              <a:spAutoFit/>
+            </a:bodyPr>
+            <a:lstStyle/>
+            <a:p>
+              <a:pPr algn="ctr"/>
+              <a:r>
+                <a:rPr lang="en-US" altLang="ja-JP" sz="1400" b="1" dirty="0">
+                  <a:solidFill>
+                    <a:schemeClr val="bg1"/>
+                  </a:solidFill>
+                  <a:latin typeface="+mn-lt"/>
+                  <a:ea typeface="メイリオ" panose="020B0604030504040204" pitchFamily="50" charset="-128"/>
+                </a:rPr>
+                <a:t>1</a:t>
+              </a:r>
+            </a:p>
+          </p:txBody>
+        </p:sp>
+      </p:grpSp>
+      <p:grpSp>
+        <p:nvGrpSpPr>
+          <p:cNvPr id="135" name="グループ化 134">
             <a:extLst>
               <a:ext uri="{FF2B5EF4-FFF2-40B4-BE49-F238E27FC236}">
-                <a16:creationId xmlns:a16="http://schemas.microsoft.com/office/drawing/2014/main" id="{955D3209-84A2-4AC4-94EB-10CABDCA9D7E}"/>
+                <a16:creationId xmlns:a16="http://schemas.microsoft.com/office/drawing/2014/main" id="{1C529E4E-75CD-48A8-A101-E852C7CEDFC6}"/>
               </a:ext>
             </a:extLst>
           </p:cNvPr>
-          <p:cNvSpPr/>
+          <p:cNvGrpSpPr/>
           <p:nvPr/>
-        </p:nvSpPr>
-        <p:spPr>
+        </p:nvGrpSpPr>
+        <p:grpSpPr>
           <a:xfrm>
-            <a:off x="10180000" y="6526677"/>
-            <a:ext cx="1549392" cy="2143927"/>
+            <a:off x="10433248" y="7289762"/>
+            <a:ext cx="279421" cy="307777"/>
+            <a:chOff x="2540906" y="1226436"/>
+            <a:chExt cx="279421" cy="307777"/>
           </a:xfrm>
-          <a:prstGeom prst="rect">
-            <a:avLst/>
-          </a:prstGeom>
-          <a:noFill/>
-          <a:ln w="38100">
+        </p:grpSpPr>
+        <p:sp>
+          <p:nvSpPr>
+            <p:cNvPr id="136" name="楕円 135">
+              <a:extLst>
+                <a:ext uri="{FF2B5EF4-FFF2-40B4-BE49-F238E27FC236}">
+                  <a16:creationId xmlns:a16="http://schemas.microsoft.com/office/drawing/2014/main" id="{16D58360-0757-4C8B-AE0E-2B43B18E3140}"/>
+                </a:ext>
+              </a:extLst>
+            </p:cNvPr>
+            <p:cNvSpPr/>
+            <p:nvPr/>
+          </p:nvSpPr>
+          <p:spPr>
+            <a:xfrm>
+              <a:off x="2563617" y="1246863"/>
+              <a:ext cx="234000" cy="234000"/>
+            </a:xfrm>
+            <a:prstGeom prst="ellipse">
+              <a:avLst/>
+            </a:prstGeom>
             <a:solidFill>
+              <a:srgbClr val="00B0F0"/>
+            </a:solidFill>
+            <a:ln>
+              <a:noFill/>
+            </a:ln>
+          </p:spPr>
+          <p:style>
+            <a:lnRef idx="2">
+              <a:schemeClr val="accent1">
+                <a:shade val="50000"/>
+              </a:schemeClr>
+            </a:lnRef>
+            <a:fillRef idx="1">
               <a:schemeClr val="accent1"/>
+            </a:fillRef>
+            <a:effectRef idx="0">
+              <a:schemeClr val="accent1"/>
+            </a:effectRef>
+            <a:fontRef idx="minor">
+              <a:schemeClr val="lt1"/>
+            </a:fontRef>
+          </p:style>
+          <p:txBody>
+            <a:bodyPr rtlCol="0" anchor="ctr"/>
+            <a:lstStyle/>
+            <a:p>
+              <a:pPr algn="ctr"/>
+              <a:endParaRPr kumimoji="1" lang="ja-JP" altLang="en-US"/>
+            </a:p>
+          </p:txBody>
+        </p:sp>
+        <p:sp>
+          <p:nvSpPr>
+            <p:cNvPr id="137" name="テキスト ボックス 136">
+              <a:extLst>
+                <a:ext uri="{FF2B5EF4-FFF2-40B4-BE49-F238E27FC236}">
+                  <a16:creationId xmlns:a16="http://schemas.microsoft.com/office/drawing/2014/main" id="{C27D1098-9224-49A1-9653-8448733F31E3}"/>
+                </a:ext>
+              </a:extLst>
+            </p:cNvPr>
+            <p:cNvSpPr txBox="1"/>
+            <p:nvPr/>
+          </p:nvSpPr>
+          <p:spPr>
+            <a:xfrm>
+              <a:off x="2540906" y="1226436"/>
+              <a:ext cx="279421" cy="307777"/>
+            </a:xfrm>
+            <a:prstGeom prst="rect">
+              <a:avLst/>
+            </a:prstGeom>
+            <a:noFill/>
+          </p:spPr>
+          <p:txBody>
+            <a:bodyPr wrap="square" rtlCol="0">
+              <a:spAutoFit/>
+            </a:bodyPr>
+            <a:lstStyle/>
+            <a:p>
+              <a:pPr algn="ctr"/>
+              <a:r>
+                <a:rPr lang="en-US" altLang="ja-JP" sz="1400" b="1" dirty="0">
+                  <a:solidFill>
+                    <a:schemeClr val="bg1"/>
+                  </a:solidFill>
+                  <a:latin typeface="+mn-lt"/>
+                  <a:ea typeface="メイリオ" panose="020B0604030504040204" pitchFamily="50" charset="-128"/>
+                </a:rPr>
+                <a:t>2</a:t>
+              </a:r>
+            </a:p>
+          </p:txBody>
+        </p:sp>
+      </p:grpSp>
+      <p:grpSp>
+        <p:nvGrpSpPr>
+          <p:cNvPr id="138" name="グループ化 137">
+            <a:extLst>
+              <a:ext uri="{FF2B5EF4-FFF2-40B4-BE49-F238E27FC236}">
+                <a16:creationId xmlns:a16="http://schemas.microsoft.com/office/drawing/2014/main" id="{878EECAD-7C7A-47D3-8B17-3D2C18BD4349}"/>
+              </a:ext>
+            </a:extLst>
+          </p:cNvPr>
+          <p:cNvGrpSpPr/>
+          <p:nvPr/>
+        </p:nvGrpSpPr>
+        <p:grpSpPr>
+          <a:xfrm>
+            <a:off x="10433248" y="7894660"/>
+            <a:ext cx="279421" cy="307777"/>
+            <a:chOff x="2540906" y="1226436"/>
+            <a:chExt cx="279421" cy="307777"/>
+          </a:xfrm>
+        </p:grpSpPr>
+        <p:sp>
+          <p:nvSpPr>
+            <p:cNvPr id="139" name="楕円 138">
+              <a:extLst>
+                <a:ext uri="{FF2B5EF4-FFF2-40B4-BE49-F238E27FC236}">
+                  <a16:creationId xmlns:a16="http://schemas.microsoft.com/office/drawing/2014/main" id="{7D381DF5-570E-49E9-B054-66782BC97766}"/>
+                </a:ext>
+              </a:extLst>
+            </p:cNvPr>
+            <p:cNvSpPr/>
+            <p:nvPr/>
+          </p:nvSpPr>
+          <p:spPr>
+            <a:xfrm>
+              <a:off x="2563617" y="1246863"/>
+              <a:ext cx="234000" cy="234000"/>
+            </a:xfrm>
+            <a:prstGeom prst="ellipse">
+              <a:avLst/>
+            </a:prstGeom>
+            <a:solidFill>
+              <a:srgbClr val="00B0F0"/>
             </a:solidFill>
-          </a:ln>
-        </p:spPr>
-        <p:style>
-          <a:lnRef idx="2">
-            <a:schemeClr val="accent1">
-              <a:shade val="50000"/>
-            </a:schemeClr>
-          </a:lnRef>
-          <a:fillRef idx="1">
-            <a:schemeClr val="accent1"/>
-          </a:fillRef>
-          <a:effectRef idx="0">
-            <a:schemeClr val="accent1"/>
-          </a:effectRef>
-          <a:fontRef idx="minor">
-            <a:schemeClr val="lt1"/>
-          </a:fontRef>
-        </p:style>
-        <p:txBody>
-          <a:bodyPr rtlCol="0" anchor="ctr"/>
-          <a:lstStyle/>
-          <a:p>
-            <a:pPr algn="ctr"/>
-            <a:endParaRPr kumimoji="1" lang="ja-JP" altLang="en-US"/>
-          </a:p>
-        </p:txBody>
-      </p:sp>
+            <a:ln>
+              <a:noFill/>
+            </a:ln>
+          </p:spPr>
+          <p:style>
+            <a:lnRef idx="2">
+              <a:schemeClr val="accent1">
+                <a:shade val="50000"/>
+              </a:schemeClr>
+            </a:lnRef>
+            <a:fillRef idx="1">
+              <a:schemeClr val="accent1"/>
+            </a:fillRef>
+            <a:effectRef idx="0">
+              <a:schemeClr val="accent1"/>
+            </a:effectRef>
+            <a:fontRef idx="minor">
+              <a:schemeClr val="lt1"/>
+            </a:fontRef>
+          </p:style>
+          <p:txBody>
+            <a:bodyPr rtlCol="0" anchor="ctr"/>
+            <a:lstStyle/>
+            <a:p>
+              <a:pPr algn="ctr"/>
+              <a:endParaRPr kumimoji="1" lang="ja-JP" altLang="en-US"/>
+            </a:p>
+          </p:txBody>
+        </p:sp>
+        <p:sp>
+          <p:nvSpPr>
+            <p:cNvPr id="140" name="テキスト ボックス 139">
+              <a:extLst>
+                <a:ext uri="{FF2B5EF4-FFF2-40B4-BE49-F238E27FC236}">
+                  <a16:creationId xmlns:a16="http://schemas.microsoft.com/office/drawing/2014/main" id="{7BC58B64-58BE-45B5-A9F1-9DCCF7905B9B}"/>
+                </a:ext>
+              </a:extLst>
+            </p:cNvPr>
+            <p:cNvSpPr txBox="1"/>
+            <p:nvPr/>
+          </p:nvSpPr>
+          <p:spPr>
+            <a:xfrm>
+              <a:off x="2540906" y="1226436"/>
+              <a:ext cx="279421" cy="307777"/>
+            </a:xfrm>
+            <a:prstGeom prst="rect">
+              <a:avLst/>
+            </a:prstGeom>
+            <a:noFill/>
+          </p:spPr>
+          <p:txBody>
+            <a:bodyPr wrap="square" rtlCol="0">
+              <a:spAutoFit/>
+            </a:bodyPr>
+            <a:lstStyle/>
+            <a:p>
+              <a:pPr algn="ctr"/>
+              <a:r>
+                <a:rPr lang="en-US" altLang="ja-JP" sz="1400" b="1" dirty="0">
+                  <a:solidFill>
+                    <a:schemeClr val="bg1"/>
+                  </a:solidFill>
+                  <a:latin typeface="+mn-lt"/>
+                  <a:ea typeface="メイリオ" panose="020B0604030504040204" pitchFamily="50" charset="-128"/>
+                </a:rPr>
+                <a:t>3</a:t>
+              </a:r>
+            </a:p>
+          </p:txBody>
+        </p:sp>
+      </p:grpSp>
+      <p:grpSp>
+        <p:nvGrpSpPr>
+          <p:cNvPr id="141" name="グループ化 140">
+            <a:extLst>
+              <a:ext uri="{FF2B5EF4-FFF2-40B4-BE49-F238E27FC236}">
+                <a16:creationId xmlns:a16="http://schemas.microsoft.com/office/drawing/2014/main" id="{66F899AF-0974-4215-B918-E45C0EB102B9}"/>
+              </a:ext>
+            </a:extLst>
+          </p:cNvPr>
+          <p:cNvGrpSpPr/>
+          <p:nvPr/>
+        </p:nvGrpSpPr>
+        <p:grpSpPr>
+          <a:xfrm>
+            <a:off x="10433248" y="8500815"/>
+            <a:ext cx="279421" cy="307777"/>
+            <a:chOff x="2540906" y="1226436"/>
+            <a:chExt cx="279421" cy="307777"/>
+          </a:xfrm>
+        </p:grpSpPr>
+        <p:sp>
+          <p:nvSpPr>
+            <p:cNvPr id="142" name="楕円 141">
+              <a:extLst>
+                <a:ext uri="{FF2B5EF4-FFF2-40B4-BE49-F238E27FC236}">
+                  <a16:creationId xmlns:a16="http://schemas.microsoft.com/office/drawing/2014/main" id="{9DAB725B-381A-4C25-9BA5-0BC7BB6A0936}"/>
+                </a:ext>
+              </a:extLst>
+            </p:cNvPr>
+            <p:cNvSpPr/>
+            <p:nvPr/>
+          </p:nvSpPr>
+          <p:spPr>
+            <a:xfrm>
+              <a:off x="2563617" y="1246863"/>
+              <a:ext cx="234000" cy="234000"/>
+            </a:xfrm>
+            <a:prstGeom prst="ellipse">
+              <a:avLst/>
+            </a:prstGeom>
+            <a:solidFill>
+              <a:srgbClr val="00B0F0"/>
+            </a:solidFill>
+            <a:ln>
+              <a:noFill/>
+            </a:ln>
+          </p:spPr>
+          <p:style>
+            <a:lnRef idx="2">
+              <a:schemeClr val="accent1">
+                <a:shade val="50000"/>
+              </a:schemeClr>
+            </a:lnRef>
+            <a:fillRef idx="1">
+              <a:schemeClr val="accent1"/>
+            </a:fillRef>
+            <a:effectRef idx="0">
+              <a:schemeClr val="accent1"/>
+            </a:effectRef>
+            <a:fontRef idx="minor">
+              <a:schemeClr val="lt1"/>
+            </a:fontRef>
+          </p:style>
+          <p:txBody>
+            <a:bodyPr rtlCol="0" anchor="ctr"/>
+            <a:lstStyle/>
+            <a:p>
+              <a:pPr algn="ctr"/>
+              <a:endParaRPr kumimoji="1" lang="ja-JP" altLang="en-US"/>
+            </a:p>
+          </p:txBody>
+        </p:sp>
+        <p:sp>
+          <p:nvSpPr>
+            <p:cNvPr id="143" name="テキスト ボックス 142">
+              <a:extLst>
+                <a:ext uri="{FF2B5EF4-FFF2-40B4-BE49-F238E27FC236}">
+                  <a16:creationId xmlns:a16="http://schemas.microsoft.com/office/drawing/2014/main" id="{CB6173FB-B61E-4C85-842C-711C6AF3E796}"/>
+                </a:ext>
+              </a:extLst>
+            </p:cNvPr>
+            <p:cNvSpPr txBox="1"/>
+            <p:nvPr/>
+          </p:nvSpPr>
+          <p:spPr>
+            <a:xfrm>
+              <a:off x="2540906" y="1226436"/>
+              <a:ext cx="279421" cy="307777"/>
+            </a:xfrm>
+            <a:prstGeom prst="rect">
+              <a:avLst/>
+            </a:prstGeom>
+            <a:noFill/>
+          </p:spPr>
+          <p:txBody>
+            <a:bodyPr wrap="square" rtlCol="0">
+              <a:spAutoFit/>
+            </a:bodyPr>
+            <a:lstStyle/>
+            <a:p>
+              <a:pPr algn="ctr"/>
+              <a:r>
+                <a:rPr lang="en-US" altLang="ja-JP" sz="1400" b="1" dirty="0">
+                  <a:solidFill>
+                    <a:schemeClr val="bg1"/>
+                  </a:solidFill>
+                  <a:latin typeface="+mn-lt"/>
+                  <a:ea typeface="メイリオ" panose="020B0604030504040204" pitchFamily="50" charset="-128"/>
+                </a:rPr>
+                <a:t>4</a:t>
+              </a:r>
+            </a:p>
+          </p:txBody>
+        </p:sp>
+      </p:grpSp>
     </p:spTree>
     <p:extLst>
       <p:ext uri="{BB962C8B-B14F-4D97-AF65-F5344CB8AC3E}">
@@ -5526,7 +6312,7 @@
         </p:nvSpPr>
         <p:spPr>
           <a:xfrm>
-            <a:off x="91678" y="594597"/>
+            <a:off x="60353" y="661119"/>
             <a:ext cx="12600000" cy="8856984"/>
           </a:xfrm>
           <a:prstGeom prst="rect">
@@ -6300,294 +7086,6 @@
           </a:p>
         </p:txBody>
       </p:sp>
-      <p:pic>
-        <p:nvPicPr>
-          <p:cNvPr id="5" name="図 4" descr="スクリーンショット が含まれている画像&#10;&#10;自動的に生成された説明">
-            <a:extLst>
-              <a:ext uri="{FF2B5EF4-FFF2-40B4-BE49-F238E27FC236}">
-                <a16:creationId xmlns:a16="http://schemas.microsoft.com/office/drawing/2014/main" id="{052F5D10-BE0E-C740-8BFC-569C5401D99D}"/>
-              </a:ext>
-            </a:extLst>
-          </p:cNvPr>
-          <p:cNvPicPr>
-            <a:picLocks noChangeAspect="1"/>
-          </p:cNvPicPr>
-          <p:nvPr/>
-        </p:nvPicPr>
-        <p:blipFill>
-          <a:blip r:embed="rId2">
-            <a:extLst>
-              <a:ext uri="{28A0092B-C50C-407E-A947-70E740481C1C}">
-                <a14:useLocalDpi xmlns:a14="http://schemas.microsoft.com/office/drawing/2010/main" val="0"/>
-              </a:ext>
-            </a:extLst>
-          </a:blip>
-          <a:stretch>
-            <a:fillRect/>
-          </a:stretch>
-        </p:blipFill>
-        <p:spPr>
-          <a:xfrm>
-            <a:off x="2481006" y="1117050"/>
-            <a:ext cx="3744998" cy="3649126"/>
-          </a:xfrm>
-          <a:prstGeom prst="rect">
-            <a:avLst/>
-          </a:prstGeom>
-        </p:spPr>
-      </p:pic>
-      <p:pic>
-        <p:nvPicPr>
-          <p:cNvPr id="9" name="図 8" descr="スクリーンショット が含まれている画像&#10;&#10;自動的に生成された説明">
-            <a:extLst>
-              <a:ext uri="{FF2B5EF4-FFF2-40B4-BE49-F238E27FC236}">
-                <a16:creationId xmlns:a16="http://schemas.microsoft.com/office/drawing/2014/main" id="{7D113B71-0A0E-8440-B52E-DF5F42B4CAAE}"/>
-              </a:ext>
-            </a:extLst>
-          </p:cNvPr>
-          <p:cNvPicPr>
-            <a:picLocks noChangeAspect="1"/>
-          </p:cNvPicPr>
-          <p:nvPr/>
-        </p:nvPicPr>
-        <p:blipFill>
-          <a:blip r:embed="rId3">
-            <a:extLst>
-              <a:ext uri="{28A0092B-C50C-407E-A947-70E740481C1C}">
-                <a14:useLocalDpi xmlns:a14="http://schemas.microsoft.com/office/drawing/2010/main" val="0"/>
-              </a:ext>
-            </a:extLst>
-          </a:blip>
-          <a:stretch>
-            <a:fillRect/>
-          </a:stretch>
-        </p:blipFill>
-        <p:spPr>
-          <a:xfrm>
-            <a:off x="6233170" y="2616848"/>
-            <a:ext cx="2822784" cy="2152636"/>
-          </a:xfrm>
-          <a:prstGeom prst="rect">
-            <a:avLst/>
-          </a:prstGeom>
-        </p:spPr>
-      </p:pic>
-      <p:pic>
-        <p:nvPicPr>
-          <p:cNvPr id="7" name="図 6" descr="スクリーンショット が含まれている画像&#10;&#10;自動的に生成された説明">
-            <a:extLst>
-              <a:ext uri="{FF2B5EF4-FFF2-40B4-BE49-F238E27FC236}">
-                <a16:creationId xmlns:a16="http://schemas.microsoft.com/office/drawing/2014/main" id="{A40D8DF9-3225-5644-B9D4-E9FE90F58037}"/>
-              </a:ext>
-            </a:extLst>
-          </p:cNvPr>
-          <p:cNvPicPr>
-            <a:picLocks noChangeAspect="1"/>
-          </p:cNvPicPr>
-          <p:nvPr/>
-        </p:nvPicPr>
-        <p:blipFill>
-          <a:blip r:embed="rId4">
-            <a:extLst>
-              <a:ext uri="{28A0092B-C50C-407E-A947-70E740481C1C}">
-                <a14:useLocalDpi xmlns:a14="http://schemas.microsoft.com/office/drawing/2010/main" val="0"/>
-              </a:ext>
-            </a:extLst>
-          </a:blip>
-          <a:stretch>
-            <a:fillRect/>
-          </a:stretch>
-        </p:blipFill>
-        <p:spPr>
-          <a:xfrm>
-            <a:off x="6214807" y="821909"/>
-            <a:ext cx="2855451" cy="1814798"/>
-          </a:xfrm>
-          <a:prstGeom prst="rect">
-            <a:avLst/>
-          </a:prstGeom>
-        </p:spPr>
-      </p:pic>
-      <p:pic>
-        <p:nvPicPr>
-          <p:cNvPr id="60" name="図 59" descr="スクリーンショット が含まれている画像&#10;&#10;自動的に生成された説明">
-            <a:extLst>
-              <a:ext uri="{FF2B5EF4-FFF2-40B4-BE49-F238E27FC236}">
-                <a16:creationId xmlns:a16="http://schemas.microsoft.com/office/drawing/2014/main" id="{72DCAA6E-1AD0-C647-A3BA-7B46685B33DE}"/>
-              </a:ext>
-            </a:extLst>
-          </p:cNvPr>
-          <p:cNvPicPr>
-            <a:picLocks noChangeAspect="1"/>
-          </p:cNvPicPr>
-          <p:nvPr/>
-        </p:nvPicPr>
-        <p:blipFill>
-          <a:blip r:embed="rId5">
-            <a:extLst>
-              <a:ext uri="{28A0092B-C50C-407E-A947-70E740481C1C}">
-                <a14:useLocalDpi xmlns:a14="http://schemas.microsoft.com/office/drawing/2010/main" val="0"/>
-              </a:ext>
-            </a:extLst>
-          </a:blip>
-          <a:stretch>
-            <a:fillRect/>
-          </a:stretch>
-        </p:blipFill>
-        <p:spPr>
-          <a:xfrm>
-            <a:off x="127621" y="1566367"/>
-            <a:ext cx="2363810" cy="2771364"/>
-          </a:xfrm>
-          <a:prstGeom prst="rect">
-            <a:avLst/>
-          </a:prstGeom>
-        </p:spPr>
-      </p:pic>
-      <p:pic>
-        <p:nvPicPr>
-          <p:cNvPr id="3" name="図 2">
-            <a:extLst>
-              <a:ext uri="{FF2B5EF4-FFF2-40B4-BE49-F238E27FC236}">
-                <a16:creationId xmlns:a16="http://schemas.microsoft.com/office/drawing/2014/main" id="{BA157041-1E33-417F-949A-8B4AB6A5B178}"/>
-              </a:ext>
-            </a:extLst>
-          </p:cNvPr>
-          <p:cNvPicPr>
-            <a:picLocks noChangeAspect="1"/>
-          </p:cNvPicPr>
-          <p:nvPr/>
-        </p:nvPicPr>
-        <p:blipFill>
-          <a:blip r:embed="rId6">
-            <a:extLst>
-              <a:ext uri="{28A0092B-C50C-407E-A947-70E740481C1C}">
-                <a14:useLocalDpi xmlns:a14="http://schemas.microsoft.com/office/drawing/2010/main" val="0"/>
-              </a:ext>
-            </a:extLst>
-          </a:blip>
-          <a:stretch>
-            <a:fillRect/>
-          </a:stretch>
-        </p:blipFill>
-        <p:spPr>
-          <a:xfrm>
-            <a:off x="319538" y="6168752"/>
-            <a:ext cx="3782398" cy="2613395"/>
-          </a:xfrm>
-          <a:prstGeom prst="rect">
-            <a:avLst/>
-          </a:prstGeom>
-        </p:spPr>
-      </p:pic>
-      <p:pic>
-        <p:nvPicPr>
-          <p:cNvPr id="6" name="図 5">
-            <a:extLst>
-              <a:ext uri="{FF2B5EF4-FFF2-40B4-BE49-F238E27FC236}">
-                <a16:creationId xmlns:a16="http://schemas.microsoft.com/office/drawing/2014/main" id="{53AC9236-3933-40AB-BA73-067D08D9FAAD}"/>
-              </a:ext>
-            </a:extLst>
-          </p:cNvPr>
-          <p:cNvPicPr>
-            <a:picLocks noChangeAspect="1"/>
-          </p:cNvPicPr>
-          <p:nvPr/>
-        </p:nvPicPr>
-        <p:blipFill>
-          <a:blip r:embed="rId7">
-            <a:extLst>
-              <a:ext uri="{28A0092B-C50C-407E-A947-70E740481C1C}">
-                <a14:useLocalDpi xmlns:a14="http://schemas.microsoft.com/office/drawing/2010/main" val="0"/>
-              </a:ext>
-            </a:extLst>
-          </a:blip>
-          <a:stretch>
-            <a:fillRect/>
-          </a:stretch>
-        </p:blipFill>
-        <p:spPr>
-          <a:xfrm>
-            <a:off x="4193842" y="4935375"/>
-            <a:ext cx="4224863" cy="4487173"/>
-          </a:xfrm>
-          <a:prstGeom prst="rect">
-            <a:avLst/>
-          </a:prstGeom>
-        </p:spPr>
-      </p:pic>
-      <p:pic>
-        <p:nvPicPr>
-          <p:cNvPr id="10" name="図 9">
-            <a:extLst>
-              <a:ext uri="{FF2B5EF4-FFF2-40B4-BE49-F238E27FC236}">
-                <a16:creationId xmlns:a16="http://schemas.microsoft.com/office/drawing/2014/main" id="{6B806580-78D6-43D1-A90F-AB448DC1F516}"/>
-              </a:ext>
-            </a:extLst>
-          </p:cNvPr>
-          <p:cNvPicPr>
-            <a:picLocks noChangeAspect="1"/>
-          </p:cNvPicPr>
-          <p:nvPr/>
-        </p:nvPicPr>
-        <p:blipFill>
-          <a:blip r:embed="rId8">
-            <a:extLst>
-              <a:ext uri="{28A0092B-C50C-407E-A947-70E740481C1C}">
-                <a14:useLocalDpi xmlns:a14="http://schemas.microsoft.com/office/drawing/2010/main" val="0"/>
-              </a:ext>
-            </a:extLst>
-          </a:blip>
-          <a:stretch>
-            <a:fillRect/>
-          </a:stretch>
-        </p:blipFill>
-        <p:spPr>
-          <a:xfrm>
-            <a:off x="8692627" y="5071653"/>
-            <a:ext cx="3792195" cy="1907121"/>
-          </a:xfrm>
-          <a:prstGeom prst="rect">
-            <a:avLst/>
-          </a:prstGeom>
-        </p:spPr>
-      </p:pic>
-      <p:pic>
-        <p:nvPicPr>
-          <p:cNvPr id="12" name="図 11">
-            <a:extLst>
-              <a:ext uri="{FF2B5EF4-FFF2-40B4-BE49-F238E27FC236}">
-                <a16:creationId xmlns:a16="http://schemas.microsoft.com/office/drawing/2014/main" id="{072C7AD9-5A3B-4A5E-8C1E-E79903344D0D}"/>
-              </a:ext>
-            </a:extLst>
-          </p:cNvPr>
-          <p:cNvPicPr>
-            <a:picLocks noChangeAspect="1"/>
-          </p:cNvPicPr>
-          <p:nvPr/>
-        </p:nvPicPr>
-        <p:blipFill>
-          <a:blip r:embed="rId9">
-            <a:extLst>
-              <a:ext uri="{28A0092B-C50C-407E-A947-70E740481C1C}">
-                <a14:useLocalDpi xmlns:a14="http://schemas.microsoft.com/office/drawing/2010/main" val="0"/>
-              </a:ext>
-            </a:extLst>
-          </a:blip>
-          <a:stretch>
-            <a:fillRect/>
-          </a:stretch>
-        </p:blipFill>
-        <p:spPr>
-          <a:xfrm>
-            <a:off x="8911638" y="7303435"/>
-            <a:ext cx="3382816" cy="2042678"/>
-          </a:xfrm>
-          <a:prstGeom prst="rect">
-            <a:avLst/>
-          </a:prstGeom>
-        </p:spPr>
-      </p:pic>
       <p:sp>
         <p:nvSpPr>
           <p:cNvPr id="27" name="テキスト ボックス 26">
@@ -6602,7 +7100,7 @@
         </p:nvSpPr>
         <p:spPr>
           <a:xfrm>
-            <a:off x="9237723" y="714292"/>
+            <a:off x="95025" y="4919517"/>
             <a:ext cx="3158616" cy="338554"/>
           </a:xfrm>
           <a:prstGeom prst="rect">
@@ -6704,7 +7202,7 @@
         </p:nvCxnSpPr>
         <p:spPr>
           <a:xfrm>
-            <a:off x="9270454" y="1033478"/>
+            <a:off x="127756" y="5238703"/>
             <a:ext cx="3024000" cy="0"/>
           </a:xfrm>
           <a:prstGeom prst="line">
@@ -6745,8 +7243,8 @@
         </p:nvSpPr>
         <p:spPr>
           <a:xfrm>
-            <a:off x="9238468" y="1050381"/>
-            <a:ext cx="3435510" cy="415498"/>
+            <a:off x="95770" y="5255606"/>
+            <a:ext cx="3363456" cy="415498"/>
           </a:xfrm>
           <a:prstGeom prst="rect">
             <a:avLst/>
@@ -6787,115 +7285,6 @@
           </a:p>
         </p:txBody>
       </p:sp>
-      <p:grpSp>
-        <p:nvGrpSpPr>
-          <p:cNvPr id="39" name="グループ化 38">
-            <a:extLst>
-              <a:ext uri="{FF2B5EF4-FFF2-40B4-BE49-F238E27FC236}">
-                <a16:creationId xmlns:a16="http://schemas.microsoft.com/office/drawing/2014/main" id="{C02F73A0-2132-4529-AF5E-ADEC3FBE81E1}"/>
-              </a:ext>
-            </a:extLst>
-          </p:cNvPr>
-          <p:cNvGrpSpPr/>
-          <p:nvPr/>
-        </p:nvGrpSpPr>
-        <p:grpSpPr>
-          <a:xfrm>
-            <a:off x="9669967" y="1627506"/>
-            <a:ext cx="2572511" cy="3179038"/>
-            <a:chOff x="8878874" y="5033867"/>
-            <a:chExt cx="2572511" cy="3179038"/>
-          </a:xfrm>
-        </p:grpSpPr>
-        <p:pic>
-          <p:nvPicPr>
-            <p:cNvPr id="40" name="図 39" descr="スクリーンショット が含まれている画像&#10;&#10;自動的に生成された説明">
-              <a:extLst>
-                <a:ext uri="{FF2B5EF4-FFF2-40B4-BE49-F238E27FC236}">
-                  <a16:creationId xmlns:a16="http://schemas.microsoft.com/office/drawing/2014/main" id="{A50BC827-B74D-42BD-BA46-7C3AA5DAD85B}"/>
-                </a:ext>
-              </a:extLst>
-            </p:cNvPr>
-            <p:cNvPicPr>
-              <a:picLocks noChangeAspect="1"/>
-            </p:cNvPicPr>
-            <p:nvPr/>
-          </p:nvPicPr>
-          <p:blipFill>
-            <a:blip r:embed="rId10">
-              <a:extLst>
-                <a:ext uri="{28A0092B-C50C-407E-A947-70E740481C1C}">
-                  <a14:useLocalDpi xmlns:a14="http://schemas.microsoft.com/office/drawing/2010/main" val="0"/>
-                </a:ext>
-              </a:extLst>
-            </a:blip>
-            <a:stretch>
-              <a:fillRect/>
-            </a:stretch>
-          </p:blipFill>
-          <p:spPr>
-            <a:xfrm>
-              <a:off x="8878874" y="5033867"/>
-              <a:ext cx="2572511" cy="3179038"/>
-            </a:xfrm>
-            <a:prstGeom prst="rect">
-              <a:avLst/>
-            </a:prstGeom>
-          </p:spPr>
-        </p:pic>
-        <p:sp>
-          <p:nvSpPr>
-            <p:cNvPr id="41" name="正方形/長方形 40">
-              <a:extLst>
-                <a:ext uri="{FF2B5EF4-FFF2-40B4-BE49-F238E27FC236}">
-                  <a16:creationId xmlns:a16="http://schemas.microsoft.com/office/drawing/2014/main" id="{11CE96E9-9E33-43F4-AFB7-A1B009A3D1C4}"/>
-                </a:ext>
-              </a:extLst>
-            </p:cNvPr>
-            <p:cNvSpPr/>
-            <p:nvPr/>
-          </p:nvSpPr>
-          <p:spPr>
-            <a:xfrm>
-              <a:off x="10370125" y="5830697"/>
-              <a:ext cx="855035" cy="1800199"/>
-            </a:xfrm>
-            <a:prstGeom prst="rect">
-              <a:avLst/>
-            </a:prstGeom>
-            <a:noFill/>
-            <a:ln w="38100">
-              <a:solidFill>
-                <a:srgbClr val="FF0000"/>
-              </a:solidFill>
-            </a:ln>
-          </p:spPr>
-          <p:style>
-            <a:lnRef idx="2">
-              <a:schemeClr val="accent1">
-                <a:shade val="50000"/>
-              </a:schemeClr>
-            </a:lnRef>
-            <a:fillRef idx="1">
-              <a:schemeClr val="accent1"/>
-            </a:fillRef>
-            <a:effectRef idx="0">
-              <a:schemeClr val="accent1"/>
-            </a:effectRef>
-            <a:fontRef idx="minor">
-              <a:schemeClr val="lt1"/>
-            </a:fontRef>
-          </p:style>
-          <p:txBody>
-            <a:bodyPr rtlCol="0" anchor="ctr"/>
-            <a:lstStyle/>
-            <a:p>
-              <a:pPr algn="ctr"/>
-              <a:endParaRPr kumimoji="1" lang="ja-JP" altLang="en-US"/>
-            </a:p>
-          </p:txBody>
-        </p:sp>
-      </p:grpSp>
       <p:sp>
         <p:nvSpPr>
           <p:cNvPr id="42" name="テキスト ボックス 41">
@@ -6911,7 +7300,7 @@
         <p:spPr>
           <a:xfrm>
             <a:off x="79692" y="679120"/>
-            <a:ext cx="3770219" cy="338554"/>
+            <a:ext cx="4304884" cy="338554"/>
           </a:xfrm>
           <a:prstGeom prst="rect">
             <a:avLst/>
@@ -6955,7 +7344,17 @@
                 <a:latin typeface="游ゴシック" panose="020B0400000000000000" pitchFamily="50" charset="-128"/>
                 <a:ea typeface="游ゴシック" panose="020B0400000000000000" pitchFamily="50" charset="-128"/>
               </a:rPr>
-              <a:t>B</a:t>
+              <a:t>2-B</a:t>
+            </a:r>
+            <a:r>
+              <a:rPr lang="en-US" altLang="ja-JP" b="1" dirty="0">
+                <a:solidFill>
+                  <a:prstClr val="black"/>
+                </a:solidFill>
+                <a:latin typeface="游ゴシック" panose="020B0400000000000000" pitchFamily="50" charset="-128"/>
+                <a:ea typeface="游ゴシック" panose="020B0400000000000000" pitchFamily="50" charset="-128"/>
+              </a:rPr>
+              <a:t>.</a:t>
             </a:r>
             <a:r>
               <a:rPr kumimoji="1" lang="ja-JP" altLang="en-US" b="1" i="0" u="none" strike="noStrike" kern="1200" cap="none" spc="0" normalizeH="0" baseline="0" noProof="0" dirty="0">
@@ -6971,7 +7370,7 @@
                 <a:latin typeface="游ゴシック" panose="020B0400000000000000" pitchFamily="50" charset="-128"/>
                 <a:ea typeface="游ゴシック" panose="020B0400000000000000" pitchFamily="50" charset="-128"/>
               </a:rPr>
-              <a:t>．ライントレースの振る舞い</a:t>
+              <a:t>ライントレース内の振る舞い</a:t>
             </a:r>
             <a:r>
               <a:rPr lang="ja-JP" altLang="en-US" b="1" dirty="0">
@@ -7036,7 +7435,7 @@
         <p:spPr>
           <a:xfrm>
             <a:off x="141247" y="1017674"/>
-            <a:ext cx="3348000" cy="0"/>
+            <a:ext cx="12344105" cy="0"/>
           </a:xfrm>
           <a:prstGeom prst="line">
             <a:avLst/>
@@ -7062,12 +7461,54 @@
           </a:fontRef>
         </p:style>
       </p:cxnSp>
+      <p:sp>
+        <p:nvSpPr>
+          <p:cNvPr id="71" name="テキスト ボックス 70">
+            <a:extLst>
+              <a:ext uri="{FF2B5EF4-FFF2-40B4-BE49-F238E27FC236}">
+                <a16:creationId xmlns:a16="http://schemas.microsoft.com/office/drawing/2014/main" id="{3155BCF5-C2CC-4FFC-BB77-1B83CD2869D6}"/>
+              </a:ext>
+            </a:extLst>
+          </p:cNvPr>
+          <p:cNvSpPr txBox="1"/>
+          <p:nvPr/>
+        </p:nvSpPr>
+        <p:spPr>
+          <a:xfrm>
+            <a:off x="203943" y="1073445"/>
+            <a:ext cx="5128113" cy="253916"/>
+          </a:xfrm>
+          <a:prstGeom prst="rect">
+            <a:avLst/>
+          </a:prstGeom>
+          <a:noFill/>
+        </p:spPr>
+        <p:txBody>
+          <a:bodyPr wrap="square" rtlCol="0">
+            <a:spAutoFit/>
+          </a:bodyPr>
+          <a:lstStyle/>
+          <a:p>
+            <a:r>
+              <a:rPr lang="ja-JP" altLang="en-US" sz="1050" dirty="0">
+                <a:latin typeface="メイリオ" panose="020B0604030504040204" pitchFamily="50" charset="-128"/>
+                <a:ea typeface="メイリオ" panose="020B0604030504040204" pitchFamily="50" charset="-128"/>
+              </a:rPr>
+              <a:t>ライントレース内の振る舞いをシーケンス図で示す．</a:t>
+            </a:r>
+            <a:endParaRPr kumimoji="1" lang="ja-JP" altLang="en-US" sz="1050" dirty="0">
+              <a:latin typeface="メイリオ" panose="020B0604030504040204" pitchFamily="50" charset="-128"/>
+              <a:ea typeface="メイリオ" panose="020B0604030504040204" pitchFamily="50" charset="-128"/>
+            </a:endParaRPr>
+          </a:p>
+        </p:txBody>
+      </p:sp>
       <p:cxnSp>
         <p:nvCxnSpPr>
-          <p:cNvPr id="44" name="直線コネクタ 43">
+          <p:cNvPr id="86" name="直線コネクタ 85">
             <a:extLst>
               <a:ext uri="{FF2B5EF4-FFF2-40B4-BE49-F238E27FC236}">
-                <a16:creationId xmlns:a16="http://schemas.microsoft.com/office/drawing/2014/main" id="{8788D21C-4961-4151-8002-DA84D7E308A9}"/>
+                <a16:creationId xmlns:a16="http://schemas.microsoft.com/office/drawing/2014/main" id="{B7FAB1F9-12EB-4C0D-AD1C-9F9E22641976}"/>
               </a:ext>
             </a:extLst>
           </p:cNvPr>
@@ -7078,8 +7519,8 @@
         </p:nvCxnSpPr>
         <p:spPr>
           <a:xfrm flipH="1">
-            <a:off x="9172000" y="707541"/>
-            <a:ext cx="0" cy="4140000"/>
+            <a:off x="7673570" y="4008512"/>
+            <a:ext cx="4811782" cy="0"/>
           </a:xfrm>
           <a:prstGeom prst="line">
             <a:avLst/>
@@ -7107,10 +7548,10 @@
       </p:cxnSp>
       <p:cxnSp>
         <p:nvCxnSpPr>
-          <p:cNvPr id="47" name="直線コネクタ 46">
+          <p:cNvPr id="88" name="直線コネクタ 87">
             <a:extLst>
               <a:ext uri="{FF2B5EF4-FFF2-40B4-BE49-F238E27FC236}">
-                <a16:creationId xmlns:a16="http://schemas.microsoft.com/office/drawing/2014/main" id="{58F3FC48-19FE-460C-BFF9-23BBB6199CF8}"/>
+                <a16:creationId xmlns:a16="http://schemas.microsoft.com/office/drawing/2014/main" id="{931E9C8B-C4F2-4619-99AE-84B8E706FE29}"/>
               </a:ext>
             </a:extLst>
           </p:cNvPr>
@@ -7120,9 +7561,9 @@
           <p:nvPr/>
         </p:nvCxnSpPr>
         <p:spPr>
-          <a:xfrm flipH="1">
-            <a:off x="127621" y="4885672"/>
-            <a:ext cx="8964000" cy="0"/>
+          <a:xfrm>
+            <a:off x="7666059" y="4008512"/>
+            <a:ext cx="0" cy="877161"/>
           </a:xfrm>
           <a:prstGeom prst="line">
             <a:avLst/>
@@ -7148,6 +7589,2019 @@
           </a:fontRef>
         </p:style>
       </p:cxnSp>
+      <p:pic>
+        <p:nvPicPr>
+          <p:cNvPr id="93" name="図 92">
+            <a:extLst>
+              <a:ext uri="{FF2B5EF4-FFF2-40B4-BE49-F238E27FC236}">
+                <a16:creationId xmlns:a16="http://schemas.microsoft.com/office/drawing/2014/main" id="{A7A9DBB4-2D4A-4F1F-B6F4-53F71041F61B}"/>
+              </a:ext>
+            </a:extLst>
+          </p:cNvPr>
+          <p:cNvPicPr>
+            <a:picLocks noChangeAspect="1"/>
+          </p:cNvPicPr>
+          <p:nvPr/>
+        </p:nvPicPr>
+        <p:blipFill>
+          <a:blip r:embed="rId2">
+            <a:extLst>
+              <a:ext uri="{28A0092B-C50C-407E-A947-70E740481C1C}">
+                <a14:useLocalDpi xmlns:a14="http://schemas.microsoft.com/office/drawing/2010/main" val="0"/>
+              </a:ext>
+            </a:extLst>
+          </a:blip>
+          <a:stretch>
+            <a:fillRect/>
+          </a:stretch>
+        </p:blipFill>
+        <p:spPr>
+          <a:xfrm>
+            <a:off x="187752" y="1455585"/>
+            <a:ext cx="2436016" cy="3447010"/>
+          </a:xfrm>
+          <a:prstGeom prst="rect">
+            <a:avLst/>
+          </a:prstGeom>
+        </p:spPr>
+      </p:pic>
+      <p:pic>
+        <p:nvPicPr>
+          <p:cNvPr id="95" name="図 94">
+            <a:extLst>
+              <a:ext uri="{FF2B5EF4-FFF2-40B4-BE49-F238E27FC236}">
+                <a16:creationId xmlns:a16="http://schemas.microsoft.com/office/drawing/2014/main" id="{C0DEA4E1-D354-4213-BBD2-C1786D270277}"/>
+              </a:ext>
+            </a:extLst>
+          </p:cNvPr>
+          <p:cNvPicPr>
+            <a:picLocks noChangeAspect="1"/>
+          </p:cNvPicPr>
+          <p:nvPr/>
+        </p:nvPicPr>
+        <p:blipFill>
+          <a:blip r:embed="rId3">
+            <a:extLst>
+              <a:ext uri="{28A0092B-C50C-407E-A947-70E740481C1C}">
+                <a14:useLocalDpi xmlns:a14="http://schemas.microsoft.com/office/drawing/2010/main" val="0"/>
+              </a:ext>
+            </a:extLst>
+          </a:blip>
+          <a:stretch>
+            <a:fillRect/>
+          </a:stretch>
+        </p:blipFill>
+        <p:spPr>
+          <a:xfrm>
+            <a:off x="2852234" y="1470531"/>
+            <a:ext cx="3463498" cy="3421969"/>
+          </a:xfrm>
+          <a:prstGeom prst="rect">
+            <a:avLst/>
+          </a:prstGeom>
+        </p:spPr>
+      </p:pic>
+      <p:pic>
+        <p:nvPicPr>
+          <p:cNvPr id="97" name="図 96">
+            <a:extLst>
+              <a:ext uri="{FF2B5EF4-FFF2-40B4-BE49-F238E27FC236}">
+                <a16:creationId xmlns:a16="http://schemas.microsoft.com/office/drawing/2014/main" id="{C0C59732-B808-4644-B8F4-9C385915C98B}"/>
+              </a:ext>
+            </a:extLst>
+          </p:cNvPr>
+          <p:cNvPicPr>
+            <a:picLocks noChangeAspect="1"/>
+          </p:cNvPicPr>
+          <p:nvPr/>
+        </p:nvPicPr>
+        <p:blipFill>
+          <a:blip r:embed="rId4">
+            <a:extLst>
+              <a:ext uri="{28A0092B-C50C-407E-A947-70E740481C1C}">
+                <a14:useLocalDpi xmlns:a14="http://schemas.microsoft.com/office/drawing/2010/main" val="0"/>
+              </a:ext>
+            </a:extLst>
+          </a:blip>
+          <a:stretch>
+            <a:fillRect/>
+          </a:stretch>
+        </p:blipFill>
+        <p:spPr>
+          <a:xfrm>
+            <a:off x="6509626" y="1456417"/>
+            <a:ext cx="2999874" cy="2484000"/>
+          </a:xfrm>
+          <a:prstGeom prst="rect">
+            <a:avLst/>
+          </a:prstGeom>
+        </p:spPr>
+      </p:pic>
+      <p:pic>
+        <p:nvPicPr>
+          <p:cNvPr id="99" name="図 98">
+            <a:extLst>
+              <a:ext uri="{FF2B5EF4-FFF2-40B4-BE49-F238E27FC236}">
+                <a16:creationId xmlns:a16="http://schemas.microsoft.com/office/drawing/2014/main" id="{645705C4-9846-4CBE-9670-0BE0AC3772DF}"/>
+              </a:ext>
+            </a:extLst>
+          </p:cNvPr>
+          <p:cNvPicPr>
+            <a:picLocks noChangeAspect="1"/>
+          </p:cNvPicPr>
+          <p:nvPr/>
+        </p:nvPicPr>
+        <p:blipFill>
+          <a:blip r:embed="rId5">
+            <a:extLst>
+              <a:ext uri="{28A0092B-C50C-407E-A947-70E740481C1C}">
+                <a14:useLocalDpi xmlns:a14="http://schemas.microsoft.com/office/drawing/2010/main" val="0"/>
+              </a:ext>
+            </a:extLst>
+          </a:blip>
+          <a:stretch>
+            <a:fillRect/>
+          </a:stretch>
+        </p:blipFill>
+        <p:spPr>
+          <a:xfrm>
+            <a:off x="9725042" y="1458273"/>
+            <a:ext cx="2784522" cy="2484000"/>
+          </a:xfrm>
+          <a:prstGeom prst="rect">
+            <a:avLst/>
+          </a:prstGeom>
+        </p:spPr>
+      </p:pic>
+      <p:cxnSp>
+        <p:nvCxnSpPr>
+          <p:cNvPr id="47" name="直線コネクタ 46">
+            <a:extLst>
+              <a:ext uri="{FF2B5EF4-FFF2-40B4-BE49-F238E27FC236}">
+                <a16:creationId xmlns:a16="http://schemas.microsoft.com/office/drawing/2014/main" id="{58F3FC48-19FE-460C-BFF9-23BBB6199CF8}"/>
+              </a:ext>
+            </a:extLst>
+          </p:cNvPr>
+          <p:cNvCxnSpPr>
+            <a:cxnSpLocks/>
+          </p:cNvCxnSpPr>
+          <p:nvPr/>
+        </p:nvCxnSpPr>
+        <p:spPr>
+          <a:xfrm flipH="1" flipV="1">
+            <a:off x="127622" y="4885673"/>
+            <a:ext cx="7538437" cy="0"/>
+          </a:xfrm>
+          <a:prstGeom prst="line">
+            <a:avLst/>
+          </a:prstGeom>
+          <a:ln>
+            <a:solidFill>
+              <a:schemeClr val="accent6"/>
+            </a:solidFill>
+          </a:ln>
+        </p:spPr>
+        <p:style>
+          <a:lnRef idx="1">
+            <a:schemeClr val="accent1"/>
+          </a:lnRef>
+          <a:fillRef idx="0">
+            <a:schemeClr val="accent1"/>
+          </a:fillRef>
+          <a:effectRef idx="0">
+            <a:schemeClr val="accent1"/>
+          </a:effectRef>
+          <a:fontRef idx="minor">
+            <a:schemeClr val="tx1"/>
+          </a:fontRef>
+        </p:style>
+      </p:cxnSp>
+      <p:pic>
+        <p:nvPicPr>
+          <p:cNvPr id="104" name="図 103">
+            <a:extLst>
+              <a:ext uri="{FF2B5EF4-FFF2-40B4-BE49-F238E27FC236}">
+                <a16:creationId xmlns:a16="http://schemas.microsoft.com/office/drawing/2014/main" id="{60F4CFA2-96B6-4988-BA60-51F651BB2AE3}"/>
+              </a:ext>
+            </a:extLst>
+          </p:cNvPr>
+          <p:cNvPicPr>
+            <a:picLocks noChangeAspect="1"/>
+          </p:cNvPicPr>
+          <p:nvPr/>
+        </p:nvPicPr>
+        <p:blipFill>
+          <a:blip r:embed="rId6">
+            <a:extLst>
+              <a:ext uri="{28A0092B-C50C-407E-A947-70E740481C1C}">
+                <a14:useLocalDpi xmlns:a14="http://schemas.microsoft.com/office/drawing/2010/main" val="0"/>
+              </a:ext>
+            </a:extLst>
+          </a:blip>
+          <a:stretch>
+            <a:fillRect/>
+          </a:stretch>
+        </p:blipFill>
+        <p:spPr>
+          <a:xfrm>
+            <a:off x="4104715" y="4969830"/>
+            <a:ext cx="3561344" cy="2465184"/>
+          </a:xfrm>
+          <a:prstGeom prst="rect">
+            <a:avLst/>
+          </a:prstGeom>
+        </p:spPr>
+      </p:pic>
+      <p:pic>
+        <p:nvPicPr>
+          <p:cNvPr id="106" name="図 105">
+            <a:extLst>
+              <a:ext uri="{FF2B5EF4-FFF2-40B4-BE49-F238E27FC236}">
+                <a16:creationId xmlns:a16="http://schemas.microsoft.com/office/drawing/2014/main" id="{2EBD0A75-5C4F-4E1D-9EB1-01E65E53B4FE}"/>
+              </a:ext>
+            </a:extLst>
+          </p:cNvPr>
+          <p:cNvPicPr>
+            <a:picLocks noChangeAspect="1"/>
+          </p:cNvPicPr>
+          <p:nvPr/>
+        </p:nvPicPr>
+        <p:blipFill>
+          <a:blip r:embed="rId7">
+            <a:extLst>
+              <a:ext uri="{28A0092B-C50C-407E-A947-70E740481C1C}">
+                <a14:useLocalDpi xmlns:a14="http://schemas.microsoft.com/office/drawing/2010/main" val="0"/>
+              </a:ext>
+            </a:extLst>
+          </a:blip>
+          <a:stretch>
+            <a:fillRect/>
+          </a:stretch>
+        </p:blipFill>
+        <p:spPr>
+          <a:xfrm>
+            <a:off x="4104715" y="7467267"/>
+            <a:ext cx="3561344" cy="1868390"/>
+          </a:xfrm>
+          <a:prstGeom prst="rect">
+            <a:avLst/>
+          </a:prstGeom>
+        </p:spPr>
+      </p:pic>
+      <p:pic>
+        <p:nvPicPr>
+          <p:cNvPr id="108" name="図 107">
+            <a:extLst>
+              <a:ext uri="{FF2B5EF4-FFF2-40B4-BE49-F238E27FC236}">
+                <a16:creationId xmlns:a16="http://schemas.microsoft.com/office/drawing/2014/main" id="{B5302395-21A2-4A72-A5FF-AB77063B6505}"/>
+              </a:ext>
+            </a:extLst>
+          </p:cNvPr>
+          <p:cNvPicPr>
+            <a:picLocks noChangeAspect="1"/>
+          </p:cNvPicPr>
+          <p:nvPr/>
+        </p:nvPicPr>
+        <p:blipFill>
+          <a:blip r:embed="rId8">
+            <a:extLst>
+              <a:ext uri="{28A0092B-C50C-407E-A947-70E740481C1C}">
+                <a14:useLocalDpi xmlns:a14="http://schemas.microsoft.com/office/drawing/2010/main" val="0"/>
+              </a:ext>
+            </a:extLst>
+          </a:blip>
+          <a:stretch>
+            <a:fillRect/>
+          </a:stretch>
+        </p:blipFill>
+        <p:spPr>
+          <a:xfrm>
+            <a:off x="8585834" y="5746324"/>
+            <a:ext cx="3436873" cy="1986577"/>
+          </a:xfrm>
+          <a:prstGeom prst="rect">
+            <a:avLst/>
+          </a:prstGeom>
+        </p:spPr>
+      </p:pic>
+      <p:pic>
+        <p:nvPicPr>
+          <p:cNvPr id="110" name="図 109">
+            <a:extLst>
+              <a:ext uri="{FF2B5EF4-FFF2-40B4-BE49-F238E27FC236}">
+                <a16:creationId xmlns:a16="http://schemas.microsoft.com/office/drawing/2014/main" id="{68BD8BD6-E377-4977-AD31-362F7790A6C9}"/>
+              </a:ext>
+            </a:extLst>
+          </p:cNvPr>
+          <p:cNvPicPr>
+            <a:picLocks noChangeAspect="1"/>
+          </p:cNvPicPr>
+          <p:nvPr/>
+        </p:nvPicPr>
+        <p:blipFill>
+          <a:blip r:embed="rId9">
+            <a:extLst>
+              <a:ext uri="{28A0092B-C50C-407E-A947-70E740481C1C}">
+                <a14:useLocalDpi xmlns:a14="http://schemas.microsoft.com/office/drawing/2010/main" val="0"/>
+              </a:ext>
+            </a:extLst>
+          </a:blip>
+          <a:stretch>
+            <a:fillRect/>
+          </a:stretch>
+        </p:blipFill>
+        <p:spPr>
+          <a:xfrm>
+            <a:off x="8580552" y="4090548"/>
+            <a:ext cx="3464796" cy="1611316"/>
+          </a:xfrm>
+          <a:prstGeom prst="rect">
+            <a:avLst/>
+          </a:prstGeom>
+        </p:spPr>
+      </p:pic>
+      <p:pic>
+        <p:nvPicPr>
+          <p:cNvPr id="112" name="図 111">
+            <a:extLst>
+              <a:ext uri="{FF2B5EF4-FFF2-40B4-BE49-F238E27FC236}">
+                <a16:creationId xmlns:a16="http://schemas.microsoft.com/office/drawing/2014/main" id="{13146E4E-8880-417A-9341-679D206FA7A7}"/>
+              </a:ext>
+            </a:extLst>
+          </p:cNvPr>
+          <p:cNvPicPr>
+            <a:picLocks noChangeAspect="1"/>
+          </p:cNvPicPr>
+          <p:nvPr/>
+        </p:nvPicPr>
+        <p:blipFill>
+          <a:blip r:embed="rId10">
+            <a:extLst>
+              <a:ext uri="{28A0092B-C50C-407E-A947-70E740481C1C}">
+                <a14:useLocalDpi xmlns:a14="http://schemas.microsoft.com/office/drawing/2010/main" val="0"/>
+              </a:ext>
+            </a:extLst>
+          </a:blip>
+          <a:stretch>
+            <a:fillRect/>
+          </a:stretch>
+        </p:blipFill>
+        <p:spPr>
+          <a:xfrm>
+            <a:off x="8580551" y="7777361"/>
+            <a:ext cx="3409335" cy="1558296"/>
+          </a:xfrm>
+          <a:prstGeom prst="rect">
+            <a:avLst/>
+          </a:prstGeom>
+        </p:spPr>
+      </p:pic>
+      <p:grpSp>
+        <p:nvGrpSpPr>
+          <p:cNvPr id="65" name="グループ化 64">
+            <a:extLst>
+              <a:ext uri="{FF2B5EF4-FFF2-40B4-BE49-F238E27FC236}">
+                <a16:creationId xmlns:a16="http://schemas.microsoft.com/office/drawing/2014/main" id="{AE2A1EC6-6961-4203-BEA9-E057A90A7CDB}"/>
+              </a:ext>
+            </a:extLst>
+          </p:cNvPr>
+          <p:cNvGrpSpPr/>
+          <p:nvPr/>
+        </p:nvGrpSpPr>
+        <p:grpSpPr>
+          <a:xfrm>
+            <a:off x="6404487" y="1344464"/>
+            <a:ext cx="279421" cy="307777"/>
+            <a:chOff x="2540906" y="1226436"/>
+            <a:chExt cx="279421" cy="307777"/>
+          </a:xfrm>
+        </p:grpSpPr>
+        <p:sp>
+          <p:nvSpPr>
+            <p:cNvPr id="66" name="楕円 65">
+              <a:extLst>
+                <a:ext uri="{FF2B5EF4-FFF2-40B4-BE49-F238E27FC236}">
+                  <a16:creationId xmlns:a16="http://schemas.microsoft.com/office/drawing/2014/main" id="{42C703C7-AF88-424C-91E8-02BF3F47A986}"/>
+                </a:ext>
+              </a:extLst>
+            </p:cNvPr>
+            <p:cNvSpPr/>
+            <p:nvPr/>
+          </p:nvSpPr>
+          <p:spPr>
+            <a:xfrm>
+              <a:off x="2563617" y="1246863"/>
+              <a:ext cx="234000" cy="234000"/>
+            </a:xfrm>
+            <a:prstGeom prst="ellipse">
+              <a:avLst/>
+            </a:prstGeom>
+            <a:solidFill>
+              <a:srgbClr val="00B0F0"/>
+            </a:solidFill>
+            <a:ln>
+              <a:noFill/>
+            </a:ln>
+          </p:spPr>
+          <p:style>
+            <a:lnRef idx="2">
+              <a:schemeClr val="accent1">
+                <a:shade val="50000"/>
+              </a:schemeClr>
+            </a:lnRef>
+            <a:fillRef idx="1">
+              <a:schemeClr val="accent1"/>
+            </a:fillRef>
+            <a:effectRef idx="0">
+              <a:schemeClr val="accent1"/>
+            </a:effectRef>
+            <a:fontRef idx="minor">
+              <a:schemeClr val="lt1"/>
+            </a:fontRef>
+          </p:style>
+          <p:txBody>
+            <a:bodyPr rtlCol="0" anchor="ctr"/>
+            <a:lstStyle/>
+            <a:p>
+              <a:pPr algn="ctr"/>
+              <a:endParaRPr kumimoji="1" lang="ja-JP" altLang="en-US"/>
+            </a:p>
+          </p:txBody>
+        </p:sp>
+        <p:sp>
+          <p:nvSpPr>
+            <p:cNvPr id="67" name="テキスト ボックス 66">
+              <a:extLst>
+                <a:ext uri="{FF2B5EF4-FFF2-40B4-BE49-F238E27FC236}">
+                  <a16:creationId xmlns:a16="http://schemas.microsoft.com/office/drawing/2014/main" id="{DE27C7E1-3BFD-4495-8F25-31ABA9FE3514}"/>
+                </a:ext>
+              </a:extLst>
+            </p:cNvPr>
+            <p:cNvSpPr txBox="1"/>
+            <p:nvPr/>
+          </p:nvSpPr>
+          <p:spPr>
+            <a:xfrm>
+              <a:off x="2540906" y="1226436"/>
+              <a:ext cx="279421" cy="307777"/>
+            </a:xfrm>
+            <a:prstGeom prst="rect">
+              <a:avLst/>
+            </a:prstGeom>
+            <a:noFill/>
+          </p:spPr>
+          <p:txBody>
+            <a:bodyPr wrap="square" rtlCol="0">
+              <a:spAutoFit/>
+            </a:bodyPr>
+            <a:lstStyle/>
+            <a:p>
+              <a:pPr algn="ctr"/>
+              <a:r>
+                <a:rPr lang="en-US" altLang="ja-JP" sz="1400" b="1" dirty="0">
+                  <a:solidFill>
+                    <a:schemeClr val="bg1"/>
+                  </a:solidFill>
+                  <a:latin typeface="+mn-lt"/>
+                  <a:ea typeface="メイリオ" panose="020B0604030504040204" pitchFamily="50" charset="-128"/>
+                </a:rPr>
+                <a:t>3</a:t>
+              </a:r>
+            </a:p>
+          </p:txBody>
+        </p:sp>
+      </p:grpSp>
+      <p:grpSp>
+        <p:nvGrpSpPr>
+          <p:cNvPr id="68" name="グループ化 67">
+            <a:extLst>
+              <a:ext uri="{FF2B5EF4-FFF2-40B4-BE49-F238E27FC236}">
+                <a16:creationId xmlns:a16="http://schemas.microsoft.com/office/drawing/2014/main" id="{DDA0C9C6-FC2B-455F-8753-3196710A8E92}"/>
+              </a:ext>
+            </a:extLst>
+          </p:cNvPr>
+          <p:cNvGrpSpPr/>
+          <p:nvPr/>
+        </p:nvGrpSpPr>
+        <p:grpSpPr>
+          <a:xfrm>
+            <a:off x="9615412" y="1368331"/>
+            <a:ext cx="279421" cy="307777"/>
+            <a:chOff x="2540906" y="1226436"/>
+            <a:chExt cx="279421" cy="307777"/>
+          </a:xfrm>
+        </p:grpSpPr>
+        <p:sp>
+          <p:nvSpPr>
+            <p:cNvPr id="69" name="楕円 68">
+              <a:extLst>
+                <a:ext uri="{FF2B5EF4-FFF2-40B4-BE49-F238E27FC236}">
+                  <a16:creationId xmlns:a16="http://schemas.microsoft.com/office/drawing/2014/main" id="{D930EBC5-4550-47DD-ABF9-4304D8318893}"/>
+                </a:ext>
+              </a:extLst>
+            </p:cNvPr>
+            <p:cNvSpPr/>
+            <p:nvPr/>
+          </p:nvSpPr>
+          <p:spPr>
+            <a:xfrm>
+              <a:off x="2563617" y="1246863"/>
+              <a:ext cx="234000" cy="234000"/>
+            </a:xfrm>
+            <a:prstGeom prst="ellipse">
+              <a:avLst/>
+            </a:prstGeom>
+            <a:solidFill>
+              <a:srgbClr val="00B0F0"/>
+            </a:solidFill>
+            <a:ln>
+              <a:noFill/>
+            </a:ln>
+          </p:spPr>
+          <p:style>
+            <a:lnRef idx="2">
+              <a:schemeClr val="accent1">
+                <a:shade val="50000"/>
+              </a:schemeClr>
+            </a:lnRef>
+            <a:fillRef idx="1">
+              <a:schemeClr val="accent1"/>
+            </a:fillRef>
+            <a:effectRef idx="0">
+              <a:schemeClr val="accent1"/>
+            </a:effectRef>
+            <a:fontRef idx="minor">
+              <a:schemeClr val="lt1"/>
+            </a:fontRef>
+          </p:style>
+          <p:txBody>
+            <a:bodyPr rtlCol="0" anchor="ctr"/>
+            <a:lstStyle/>
+            <a:p>
+              <a:pPr algn="ctr"/>
+              <a:endParaRPr kumimoji="1" lang="ja-JP" altLang="en-US"/>
+            </a:p>
+          </p:txBody>
+        </p:sp>
+        <p:sp>
+          <p:nvSpPr>
+            <p:cNvPr id="70" name="テキスト ボックス 69">
+              <a:extLst>
+                <a:ext uri="{FF2B5EF4-FFF2-40B4-BE49-F238E27FC236}">
+                  <a16:creationId xmlns:a16="http://schemas.microsoft.com/office/drawing/2014/main" id="{35CAE0FD-26D0-4678-83A1-81D8FA2A3702}"/>
+                </a:ext>
+              </a:extLst>
+            </p:cNvPr>
+            <p:cNvSpPr txBox="1"/>
+            <p:nvPr/>
+          </p:nvSpPr>
+          <p:spPr>
+            <a:xfrm>
+              <a:off x="2540906" y="1226436"/>
+              <a:ext cx="279421" cy="307777"/>
+            </a:xfrm>
+            <a:prstGeom prst="rect">
+              <a:avLst/>
+            </a:prstGeom>
+            <a:noFill/>
+          </p:spPr>
+          <p:txBody>
+            <a:bodyPr wrap="square" rtlCol="0">
+              <a:spAutoFit/>
+            </a:bodyPr>
+            <a:lstStyle/>
+            <a:p>
+              <a:pPr algn="ctr"/>
+              <a:r>
+                <a:rPr lang="en-US" altLang="ja-JP" sz="1400" b="1" dirty="0">
+                  <a:solidFill>
+                    <a:schemeClr val="bg1"/>
+                  </a:solidFill>
+                  <a:latin typeface="+mn-lt"/>
+                  <a:ea typeface="メイリオ" panose="020B0604030504040204" pitchFamily="50" charset="-128"/>
+                </a:rPr>
+                <a:t>4</a:t>
+              </a:r>
+            </a:p>
+          </p:txBody>
+        </p:sp>
+      </p:grpSp>
+      <p:grpSp>
+        <p:nvGrpSpPr>
+          <p:cNvPr id="75" name="グループ化 74">
+            <a:extLst>
+              <a:ext uri="{FF2B5EF4-FFF2-40B4-BE49-F238E27FC236}">
+                <a16:creationId xmlns:a16="http://schemas.microsoft.com/office/drawing/2014/main" id="{458CF5D2-9636-4BBE-910F-DB49C9535B58}"/>
+              </a:ext>
+            </a:extLst>
+          </p:cNvPr>
+          <p:cNvGrpSpPr/>
+          <p:nvPr/>
+        </p:nvGrpSpPr>
+        <p:grpSpPr>
+          <a:xfrm>
+            <a:off x="2728907" y="1361204"/>
+            <a:ext cx="279421" cy="307777"/>
+            <a:chOff x="2540906" y="1226436"/>
+            <a:chExt cx="279421" cy="307777"/>
+          </a:xfrm>
+        </p:grpSpPr>
+        <p:sp>
+          <p:nvSpPr>
+            <p:cNvPr id="76" name="楕円 75">
+              <a:extLst>
+                <a:ext uri="{FF2B5EF4-FFF2-40B4-BE49-F238E27FC236}">
+                  <a16:creationId xmlns:a16="http://schemas.microsoft.com/office/drawing/2014/main" id="{5124E9B2-99A7-4E97-87D8-C12B7D8F41B3}"/>
+                </a:ext>
+              </a:extLst>
+            </p:cNvPr>
+            <p:cNvSpPr/>
+            <p:nvPr/>
+          </p:nvSpPr>
+          <p:spPr>
+            <a:xfrm>
+              <a:off x="2563617" y="1246863"/>
+              <a:ext cx="234000" cy="234000"/>
+            </a:xfrm>
+            <a:prstGeom prst="ellipse">
+              <a:avLst/>
+            </a:prstGeom>
+            <a:solidFill>
+              <a:srgbClr val="00B0F0"/>
+            </a:solidFill>
+            <a:ln>
+              <a:noFill/>
+            </a:ln>
+          </p:spPr>
+          <p:style>
+            <a:lnRef idx="2">
+              <a:schemeClr val="accent1">
+                <a:shade val="50000"/>
+              </a:schemeClr>
+            </a:lnRef>
+            <a:fillRef idx="1">
+              <a:schemeClr val="accent1"/>
+            </a:fillRef>
+            <a:effectRef idx="0">
+              <a:schemeClr val="accent1"/>
+            </a:effectRef>
+            <a:fontRef idx="minor">
+              <a:schemeClr val="lt1"/>
+            </a:fontRef>
+          </p:style>
+          <p:txBody>
+            <a:bodyPr rtlCol="0" anchor="ctr"/>
+            <a:lstStyle/>
+            <a:p>
+              <a:pPr algn="ctr"/>
+              <a:endParaRPr kumimoji="1" lang="ja-JP" altLang="en-US"/>
+            </a:p>
+          </p:txBody>
+        </p:sp>
+        <p:sp>
+          <p:nvSpPr>
+            <p:cNvPr id="77" name="テキスト ボックス 76">
+              <a:extLst>
+                <a:ext uri="{FF2B5EF4-FFF2-40B4-BE49-F238E27FC236}">
+                  <a16:creationId xmlns:a16="http://schemas.microsoft.com/office/drawing/2014/main" id="{4831E1DB-6329-4D91-9C08-12D4F88E49BE}"/>
+                </a:ext>
+              </a:extLst>
+            </p:cNvPr>
+            <p:cNvSpPr txBox="1"/>
+            <p:nvPr/>
+          </p:nvSpPr>
+          <p:spPr>
+            <a:xfrm>
+              <a:off x="2540906" y="1226436"/>
+              <a:ext cx="279421" cy="307777"/>
+            </a:xfrm>
+            <a:prstGeom prst="rect">
+              <a:avLst/>
+            </a:prstGeom>
+            <a:noFill/>
+          </p:spPr>
+          <p:txBody>
+            <a:bodyPr wrap="square" rtlCol="0">
+              <a:spAutoFit/>
+            </a:bodyPr>
+            <a:lstStyle/>
+            <a:p>
+              <a:pPr algn="ctr"/>
+              <a:r>
+                <a:rPr lang="en-US" altLang="ja-JP" sz="1400" b="1" dirty="0">
+                  <a:solidFill>
+                    <a:schemeClr val="bg1"/>
+                  </a:solidFill>
+                  <a:latin typeface="+mn-lt"/>
+                  <a:ea typeface="メイリオ" panose="020B0604030504040204" pitchFamily="50" charset="-128"/>
+                </a:rPr>
+                <a:t>2</a:t>
+              </a:r>
+            </a:p>
+          </p:txBody>
+        </p:sp>
+      </p:grpSp>
+      <p:grpSp>
+        <p:nvGrpSpPr>
+          <p:cNvPr id="78" name="グループ化 77">
+            <a:extLst>
+              <a:ext uri="{FF2B5EF4-FFF2-40B4-BE49-F238E27FC236}">
+                <a16:creationId xmlns:a16="http://schemas.microsoft.com/office/drawing/2014/main" id="{F410D1DA-ECC4-46F0-BF6C-5EEB2AB9E41C}"/>
+              </a:ext>
+            </a:extLst>
+          </p:cNvPr>
+          <p:cNvGrpSpPr/>
+          <p:nvPr/>
+        </p:nvGrpSpPr>
+        <p:grpSpPr>
+          <a:xfrm>
+            <a:off x="84538" y="1357262"/>
+            <a:ext cx="279421" cy="307777"/>
+            <a:chOff x="2540906" y="1226436"/>
+            <a:chExt cx="279421" cy="307777"/>
+          </a:xfrm>
+        </p:grpSpPr>
+        <p:sp>
+          <p:nvSpPr>
+            <p:cNvPr id="79" name="楕円 78">
+              <a:extLst>
+                <a:ext uri="{FF2B5EF4-FFF2-40B4-BE49-F238E27FC236}">
+                  <a16:creationId xmlns:a16="http://schemas.microsoft.com/office/drawing/2014/main" id="{EE8B6AD9-20F7-465E-8E6B-B14BEF9F9086}"/>
+                </a:ext>
+              </a:extLst>
+            </p:cNvPr>
+            <p:cNvSpPr/>
+            <p:nvPr/>
+          </p:nvSpPr>
+          <p:spPr>
+            <a:xfrm>
+              <a:off x="2563617" y="1246863"/>
+              <a:ext cx="234000" cy="234000"/>
+            </a:xfrm>
+            <a:prstGeom prst="ellipse">
+              <a:avLst/>
+            </a:prstGeom>
+            <a:solidFill>
+              <a:srgbClr val="00B0F0"/>
+            </a:solidFill>
+            <a:ln>
+              <a:noFill/>
+            </a:ln>
+          </p:spPr>
+          <p:style>
+            <a:lnRef idx="2">
+              <a:schemeClr val="accent1">
+                <a:shade val="50000"/>
+              </a:schemeClr>
+            </a:lnRef>
+            <a:fillRef idx="1">
+              <a:schemeClr val="accent1"/>
+            </a:fillRef>
+            <a:effectRef idx="0">
+              <a:schemeClr val="accent1"/>
+            </a:effectRef>
+            <a:fontRef idx="minor">
+              <a:schemeClr val="lt1"/>
+            </a:fontRef>
+          </p:style>
+          <p:txBody>
+            <a:bodyPr rtlCol="0" anchor="ctr"/>
+            <a:lstStyle/>
+            <a:p>
+              <a:pPr algn="ctr"/>
+              <a:endParaRPr kumimoji="1" lang="ja-JP" altLang="en-US"/>
+            </a:p>
+          </p:txBody>
+        </p:sp>
+        <p:sp>
+          <p:nvSpPr>
+            <p:cNvPr id="80" name="テキスト ボックス 79">
+              <a:extLst>
+                <a:ext uri="{FF2B5EF4-FFF2-40B4-BE49-F238E27FC236}">
+                  <a16:creationId xmlns:a16="http://schemas.microsoft.com/office/drawing/2014/main" id="{2B0FE2B7-DC3D-4E78-846C-29FCB685506B}"/>
+                </a:ext>
+              </a:extLst>
+            </p:cNvPr>
+            <p:cNvSpPr txBox="1"/>
+            <p:nvPr/>
+          </p:nvSpPr>
+          <p:spPr>
+            <a:xfrm>
+              <a:off x="2540906" y="1226436"/>
+              <a:ext cx="279421" cy="307777"/>
+            </a:xfrm>
+            <a:prstGeom prst="rect">
+              <a:avLst/>
+            </a:prstGeom>
+            <a:noFill/>
+          </p:spPr>
+          <p:txBody>
+            <a:bodyPr wrap="square" rtlCol="0">
+              <a:spAutoFit/>
+            </a:bodyPr>
+            <a:lstStyle/>
+            <a:p>
+              <a:pPr algn="ctr"/>
+              <a:r>
+                <a:rPr lang="en-US" altLang="ja-JP" sz="1400" b="1" dirty="0">
+                  <a:solidFill>
+                    <a:schemeClr val="bg1"/>
+                  </a:solidFill>
+                  <a:latin typeface="+mn-lt"/>
+                  <a:ea typeface="メイリオ" panose="020B0604030504040204" pitchFamily="50" charset="-128"/>
+                </a:rPr>
+                <a:t>1</a:t>
+              </a:r>
+            </a:p>
+          </p:txBody>
+        </p:sp>
+      </p:grpSp>
+      <p:grpSp>
+        <p:nvGrpSpPr>
+          <p:cNvPr id="118" name="グループ化 117">
+            <a:extLst>
+              <a:ext uri="{FF2B5EF4-FFF2-40B4-BE49-F238E27FC236}">
+                <a16:creationId xmlns:a16="http://schemas.microsoft.com/office/drawing/2014/main" id="{456703DF-4264-437E-B792-6C89BCF1F7F0}"/>
+              </a:ext>
+            </a:extLst>
+          </p:cNvPr>
+          <p:cNvGrpSpPr/>
+          <p:nvPr/>
+        </p:nvGrpSpPr>
+        <p:grpSpPr>
+          <a:xfrm>
+            <a:off x="3965003" y="4881781"/>
+            <a:ext cx="279421" cy="307777"/>
+            <a:chOff x="2540906" y="1219634"/>
+            <a:chExt cx="279421" cy="307777"/>
+          </a:xfrm>
+        </p:grpSpPr>
+        <p:sp>
+          <p:nvSpPr>
+            <p:cNvPr id="119" name="楕円 118">
+              <a:extLst>
+                <a:ext uri="{FF2B5EF4-FFF2-40B4-BE49-F238E27FC236}">
+                  <a16:creationId xmlns:a16="http://schemas.microsoft.com/office/drawing/2014/main" id="{6A54C88A-8379-453B-85A8-BF1879033B4B}"/>
+                </a:ext>
+              </a:extLst>
+            </p:cNvPr>
+            <p:cNvSpPr/>
+            <p:nvPr/>
+          </p:nvSpPr>
+          <p:spPr>
+            <a:xfrm>
+              <a:off x="2563617" y="1246863"/>
+              <a:ext cx="234000" cy="234000"/>
+            </a:xfrm>
+            <a:prstGeom prst="ellipse">
+              <a:avLst/>
+            </a:prstGeom>
+            <a:solidFill>
+              <a:schemeClr val="accent2"/>
+            </a:solidFill>
+            <a:ln>
+              <a:noFill/>
+            </a:ln>
+          </p:spPr>
+          <p:style>
+            <a:lnRef idx="2">
+              <a:schemeClr val="accent1">
+                <a:shade val="50000"/>
+              </a:schemeClr>
+            </a:lnRef>
+            <a:fillRef idx="1">
+              <a:schemeClr val="accent1"/>
+            </a:fillRef>
+            <a:effectRef idx="0">
+              <a:schemeClr val="accent1"/>
+            </a:effectRef>
+            <a:fontRef idx="minor">
+              <a:schemeClr val="lt1"/>
+            </a:fontRef>
+          </p:style>
+          <p:txBody>
+            <a:bodyPr rtlCol="0" anchor="ctr"/>
+            <a:lstStyle/>
+            <a:p>
+              <a:pPr algn="ctr"/>
+              <a:endParaRPr kumimoji="1" lang="ja-JP" altLang="en-US"/>
+            </a:p>
+          </p:txBody>
+        </p:sp>
+        <p:sp>
+          <p:nvSpPr>
+            <p:cNvPr id="120" name="テキスト ボックス 119">
+              <a:extLst>
+                <a:ext uri="{FF2B5EF4-FFF2-40B4-BE49-F238E27FC236}">
+                  <a16:creationId xmlns:a16="http://schemas.microsoft.com/office/drawing/2014/main" id="{9707B891-BC5E-4A85-BF2A-706518B8ABED}"/>
+                </a:ext>
+              </a:extLst>
+            </p:cNvPr>
+            <p:cNvSpPr txBox="1"/>
+            <p:nvPr/>
+          </p:nvSpPr>
+          <p:spPr>
+            <a:xfrm>
+              <a:off x="2540906" y="1219634"/>
+              <a:ext cx="279421" cy="307777"/>
+            </a:xfrm>
+            <a:prstGeom prst="rect">
+              <a:avLst/>
+            </a:prstGeom>
+            <a:noFill/>
+          </p:spPr>
+          <p:txBody>
+            <a:bodyPr wrap="square" rtlCol="0">
+              <a:spAutoFit/>
+            </a:bodyPr>
+            <a:lstStyle/>
+            <a:p>
+              <a:pPr algn="ctr"/>
+              <a:r>
+                <a:rPr lang="en-US" altLang="ja-JP" sz="1400" b="1" dirty="0">
+                  <a:solidFill>
+                    <a:schemeClr val="bg1"/>
+                  </a:solidFill>
+                  <a:latin typeface="+mn-lt"/>
+                  <a:ea typeface="メイリオ" panose="020B0604030504040204" pitchFamily="50" charset="-128"/>
+                </a:rPr>
+                <a:t>1</a:t>
+              </a:r>
+            </a:p>
+          </p:txBody>
+        </p:sp>
+      </p:grpSp>
+      <p:grpSp>
+        <p:nvGrpSpPr>
+          <p:cNvPr id="121" name="グループ化 120">
+            <a:extLst>
+              <a:ext uri="{FF2B5EF4-FFF2-40B4-BE49-F238E27FC236}">
+                <a16:creationId xmlns:a16="http://schemas.microsoft.com/office/drawing/2014/main" id="{5B5955CC-1550-4159-9E04-75CC77F65BB7}"/>
+              </a:ext>
+            </a:extLst>
+          </p:cNvPr>
+          <p:cNvGrpSpPr/>
+          <p:nvPr/>
+        </p:nvGrpSpPr>
+        <p:grpSpPr>
+          <a:xfrm>
+            <a:off x="8444530" y="7692619"/>
+            <a:ext cx="279421" cy="307777"/>
+            <a:chOff x="2540906" y="1219634"/>
+            <a:chExt cx="279421" cy="307777"/>
+          </a:xfrm>
+        </p:grpSpPr>
+        <p:sp>
+          <p:nvSpPr>
+            <p:cNvPr id="122" name="楕円 121">
+              <a:extLst>
+                <a:ext uri="{FF2B5EF4-FFF2-40B4-BE49-F238E27FC236}">
+                  <a16:creationId xmlns:a16="http://schemas.microsoft.com/office/drawing/2014/main" id="{8A55F474-B39A-4455-8436-5BD0C9686377}"/>
+                </a:ext>
+              </a:extLst>
+            </p:cNvPr>
+            <p:cNvSpPr/>
+            <p:nvPr/>
+          </p:nvSpPr>
+          <p:spPr>
+            <a:xfrm>
+              <a:off x="2563617" y="1246863"/>
+              <a:ext cx="234000" cy="234000"/>
+            </a:xfrm>
+            <a:prstGeom prst="ellipse">
+              <a:avLst/>
+            </a:prstGeom>
+            <a:solidFill>
+              <a:schemeClr val="accent2"/>
+            </a:solidFill>
+            <a:ln>
+              <a:noFill/>
+            </a:ln>
+          </p:spPr>
+          <p:style>
+            <a:lnRef idx="2">
+              <a:schemeClr val="accent1">
+                <a:shade val="50000"/>
+              </a:schemeClr>
+            </a:lnRef>
+            <a:fillRef idx="1">
+              <a:schemeClr val="accent1"/>
+            </a:fillRef>
+            <a:effectRef idx="0">
+              <a:schemeClr val="accent1"/>
+            </a:effectRef>
+            <a:fontRef idx="minor">
+              <a:schemeClr val="lt1"/>
+            </a:fontRef>
+          </p:style>
+          <p:txBody>
+            <a:bodyPr rtlCol="0" anchor="ctr"/>
+            <a:lstStyle/>
+            <a:p>
+              <a:pPr algn="ctr"/>
+              <a:endParaRPr kumimoji="1" lang="ja-JP" altLang="en-US"/>
+            </a:p>
+          </p:txBody>
+        </p:sp>
+        <p:sp>
+          <p:nvSpPr>
+            <p:cNvPr id="123" name="テキスト ボックス 122">
+              <a:extLst>
+                <a:ext uri="{FF2B5EF4-FFF2-40B4-BE49-F238E27FC236}">
+                  <a16:creationId xmlns:a16="http://schemas.microsoft.com/office/drawing/2014/main" id="{3BF259CB-3D1D-4EE2-9CC4-E6F3526D00BB}"/>
+                </a:ext>
+              </a:extLst>
+            </p:cNvPr>
+            <p:cNvSpPr txBox="1"/>
+            <p:nvPr/>
+          </p:nvSpPr>
+          <p:spPr>
+            <a:xfrm>
+              <a:off x="2540906" y="1219634"/>
+              <a:ext cx="279421" cy="307777"/>
+            </a:xfrm>
+            <a:prstGeom prst="rect">
+              <a:avLst/>
+            </a:prstGeom>
+            <a:noFill/>
+          </p:spPr>
+          <p:txBody>
+            <a:bodyPr wrap="square" rtlCol="0">
+              <a:spAutoFit/>
+            </a:bodyPr>
+            <a:lstStyle/>
+            <a:p>
+              <a:pPr algn="ctr"/>
+              <a:r>
+                <a:rPr lang="en-US" altLang="ja-JP" sz="1400" b="1" dirty="0">
+                  <a:solidFill>
+                    <a:schemeClr val="bg1"/>
+                  </a:solidFill>
+                  <a:latin typeface="+mn-lt"/>
+                  <a:ea typeface="メイリオ" panose="020B0604030504040204" pitchFamily="50" charset="-128"/>
+                </a:rPr>
+                <a:t>5</a:t>
+              </a:r>
+            </a:p>
+          </p:txBody>
+        </p:sp>
+      </p:grpSp>
+      <p:grpSp>
+        <p:nvGrpSpPr>
+          <p:cNvPr id="124" name="グループ化 123">
+            <a:extLst>
+              <a:ext uri="{FF2B5EF4-FFF2-40B4-BE49-F238E27FC236}">
+                <a16:creationId xmlns:a16="http://schemas.microsoft.com/office/drawing/2014/main" id="{B12E5E76-5339-431A-AD74-3320309819B6}"/>
+              </a:ext>
+            </a:extLst>
+          </p:cNvPr>
+          <p:cNvGrpSpPr/>
+          <p:nvPr/>
+        </p:nvGrpSpPr>
+        <p:grpSpPr>
+          <a:xfrm>
+            <a:off x="8453342" y="5663252"/>
+            <a:ext cx="279421" cy="307777"/>
+            <a:chOff x="2540906" y="1219634"/>
+            <a:chExt cx="279421" cy="307777"/>
+          </a:xfrm>
+        </p:grpSpPr>
+        <p:sp>
+          <p:nvSpPr>
+            <p:cNvPr id="125" name="楕円 124">
+              <a:extLst>
+                <a:ext uri="{FF2B5EF4-FFF2-40B4-BE49-F238E27FC236}">
+                  <a16:creationId xmlns:a16="http://schemas.microsoft.com/office/drawing/2014/main" id="{EAA417AE-B9C0-4C26-A3DC-9285A27224DB}"/>
+                </a:ext>
+              </a:extLst>
+            </p:cNvPr>
+            <p:cNvSpPr/>
+            <p:nvPr/>
+          </p:nvSpPr>
+          <p:spPr>
+            <a:xfrm>
+              <a:off x="2563617" y="1246863"/>
+              <a:ext cx="234000" cy="234000"/>
+            </a:xfrm>
+            <a:prstGeom prst="ellipse">
+              <a:avLst/>
+            </a:prstGeom>
+            <a:solidFill>
+              <a:schemeClr val="accent2"/>
+            </a:solidFill>
+            <a:ln>
+              <a:noFill/>
+            </a:ln>
+          </p:spPr>
+          <p:style>
+            <a:lnRef idx="2">
+              <a:schemeClr val="accent1">
+                <a:shade val="50000"/>
+              </a:schemeClr>
+            </a:lnRef>
+            <a:fillRef idx="1">
+              <a:schemeClr val="accent1"/>
+            </a:fillRef>
+            <a:effectRef idx="0">
+              <a:schemeClr val="accent1"/>
+            </a:effectRef>
+            <a:fontRef idx="minor">
+              <a:schemeClr val="lt1"/>
+            </a:fontRef>
+          </p:style>
+          <p:txBody>
+            <a:bodyPr rtlCol="0" anchor="ctr"/>
+            <a:lstStyle/>
+            <a:p>
+              <a:pPr algn="ctr"/>
+              <a:endParaRPr kumimoji="1" lang="ja-JP" altLang="en-US"/>
+            </a:p>
+          </p:txBody>
+        </p:sp>
+        <p:sp>
+          <p:nvSpPr>
+            <p:cNvPr id="126" name="テキスト ボックス 125">
+              <a:extLst>
+                <a:ext uri="{FF2B5EF4-FFF2-40B4-BE49-F238E27FC236}">
+                  <a16:creationId xmlns:a16="http://schemas.microsoft.com/office/drawing/2014/main" id="{B27FDB59-5BCB-4DEB-9BFE-E5A263BDC802}"/>
+                </a:ext>
+              </a:extLst>
+            </p:cNvPr>
+            <p:cNvSpPr txBox="1"/>
+            <p:nvPr/>
+          </p:nvSpPr>
+          <p:spPr>
+            <a:xfrm>
+              <a:off x="2540906" y="1219634"/>
+              <a:ext cx="279421" cy="307777"/>
+            </a:xfrm>
+            <a:prstGeom prst="rect">
+              <a:avLst/>
+            </a:prstGeom>
+            <a:noFill/>
+          </p:spPr>
+          <p:txBody>
+            <a:bodyPr wrap="square" rtlCol="0">
+              <a:spAutoFit/>
+            </a:bodyPr>
+            <a:lstStyle/>
+            <a:p>
+              <a:pPr algn="ctr"/>
+              <a:r>
+                <a:rPr lang="en-US" altLang="ja-JP" sz="1400" b="1" dirty="0">
+                  <a:solidFill>
+                    <a:schemeClr val="bg1"/>
+                  </a:solidFill>
+                  <a:latin typeface="+mn-lt"/>
+                  <a:ea typeface="メイリオ" panose="020B0604030504040204" pitchFamily="50" charset="-128"/>
+                </a:rPr>
+                <a:t>4</a:t>
+              </a:r>
+            </a:p>
+          </p:txBody>
+        </p:sp>
+      </p:grpSp>
+      <p:grpSp>
+        <p:nvGrpSpPr>
+          <p:cNvPr id="127" name="グループ化 126">
+            <a:extLst>
+              <a:ext uri="{FF2B5EF4-FFF2-40B4-BE49-F238E27FC236}">
+                <a16:creationId xmlns:a16="http://schemas.microsoft.com/office/drawing/2014/main" id="{D67CC32B-855C-4B9A-833F-4E3D68696DE5}"/>
+              </a:ext>
+            </a:extLst>
+          </p:cNvPr>
+          <p:cNvGrpSpPr/>
+          <p:nvPr/>
+        </p:nvGrpSpPr>
+        <p:grpSpPr>
+          <a:xfrm>
+            <a:off x="8445704" y="3997863"/>
+            <a:ext cx="279421" cy="307777"/>
+            <a:chOff x="2540906" y="1219634"/>
+            <a:chExt cx="279421" cy="307777"/>
+          </a:xfrm>
+        </p:grpSpPr>
+        <p:sp>
+          <p:nvSpPr>
+            <p:cNvPr id="128" name="楕円 127">
+              <a:extLst>
+                <a:ext uri="{FF2B5EF4-FFF2-40B4-BE49-F238E27FC236}">
+                  <a16:creationId xmlns:a16="http://schemas.microsoft.com/office/drawing/2014/main" id="{C8368B26-F45B-491F-935A-04D409B8E43C}"/>
+                </a:ext>
+              </a:extLst>
+            </p:cNvPr>
+            <p:cNvSpPr/>
+            <p:nvPr/>
+          </p:nvSpPr>
+          <p:spPr>
+            <a:xfrm>
+              <a:off x="2563617" y="1246863"/>
+              <a:ext cx="234000" cy="234000"/>
+            </a:xfrm>
+            <a:prstGeom prst="ellipse">
+              <a:avLst/>
+            </a:prstGeom>
+            <a:solidFill>
+              <a:schemeClr val="accent2"/>
+            </a:solidFill>
+            <a:ln>
+              <a:noFill/>
+            </a:ln>
+          </p:spPr>
+          <p:style>
+            <a:lnRef idx="2">
+              <a:schemeClr val="accent1">
+                <a:shade val="50000"/>
+              </a:schemeClr>
+            </a:lnRef>
+            <a:fillRef idx="1">
+              <a:schemeClr val="accent1"/>
+            </a:fillRef>
+            <a:effectRef idx="0">
+              <a:schemeClr val="accent1"/>
+            </a:effectRef>
+            <a:fontRef idx="minor">
+              <a:schemeClr val="lt1"/>
+            </a:fontRef>
+          </p:style>
+          <p:txBody>
+            <a:bodyPr rtlCol="0" anchor="ctr"/>
+            <a:lstStyle/>
+            <a:p>
+              <a:pPr algn="ctr"/>
+              <a:endParaRPr kumimoji="1" lang="ja-JP" altLang="en-US"/>
+            </a:p>
+          </p:txBody>
+        </p:sp>
+        <p:sp>
+          <p:nvSpPr>
+            <p:cNvPr id="129" name="テキスト ボックス 128">
+              <a:extLst>
+                <a:ext uri="{FF2B5EF4-FFF2-40B4-BE49-F238E27FC236}">
+                  <a16:creationId xmlns:a16="http://schemas.microsoft.com/office/drawing/2014/main" id="{6DA12BC1-E506-4AEE-946B-E06052BCB4B0}"/>
+                </a:ext>
+              </a:extLst>
+            </p:cNvPr>
+            <p:cNvSpPr txBox="1"/>
+            <p:nvPr/>
+          </p:nvSpPr>
+          <p:spPr>
+            <a:xfrm>
+              <a:off x="2540906" y="1219634"/>
+              <a:ext cx="279421" cy="307777"/>
+            </a:xfrm>
+            <a:prstGeom prst="rect">
+              <a:avLst/>
+            </a:prstGeom>
+            <a:noFill/>
+          </p:spPr>
+          <p:txBody>
+            <a:bodyPr wrap="square" rtlCol="0">
+              <a:spAutoFit/>
+            </a:bodyPr>
+            <a:lstStyle/>
+            <a:p>
+              <a:pPr algn="ctr"/>
+              <a:r>
+                <a:rPr lang="en-US" altLang="ja-JP" sz="1400" b="1" dirty="0">
+                  <a:solidFill>
+                    <a:schemeClr val="bg1"/>
+                  </a:solidFill>
+                  <a:latin typeface="+mn-lt"/>
+                  <a:ea typeface="メイリオ" panose="020B0604030504040204" pitchFamily="50" charset="-128"/>
+                </a:rPr>
+                <a:t>3</a:t>
+              </a:r>
+            </a:p>
+          </p:txBody>
+        </p:sp>
+      </p:grpSp>
+      <p:grpSp>
+        <p:nvGrpSpPr>
+          <p:cNvPr id="130" name="グループ化 129">
+            <a:extLst>
+              <a:ext uri="{FF2B5EF4-FFF2-40B4-BE49-F238E27FC236}">
+                <a16:creationId xmlns:a16="http://schemas.microsoft.com/office/drawing/2014/main" id="{0E8AADB3-C4EC-4ECB-B36B-A58A8478AE66}"/>
+              </a:ext>
+            </a:extLst>
+          </p:cNvPr>
+          <p:cNvGrpSpPr/>
+          <p:nvPr/>
+        </p:nvGrpSpPr>
+        <p:grpSpPr>
+          <a:xfrm>
+            <a:off x="3965004" y="7358455"/>
+            <a:ext cx="279421" cy="307777"/>
+            <a:chOff x="2540906" y="1219634"/>
+            <a:chExt cx="279421" cy="307777"/>
+          </a:xfrm>
+        </p:grpSpPr>
+        <p:sp>
+          <p:nvSpPr>
+            <p:cNvPr id="131" name="楕円 130">
+              <a:extLst>
+                <a:ext uri="{FF2B5EF4-FFF2-40B4-BE49-F238E27FC236}">
+                  <a16:creationId xmlns:a16="http://schemas.microsoft.com/office/drawing/2014/main" id="{D104CA14-6E76-4619-ADE3-968C09E74A22}"/>
+                </a:ext>
+              </a:extLst>
+            </p:cNvPr>
+            <p:cNvSpPr/>
+            <p:nvPr/>
+          </p:nvSpPr>
+          <p:spPr>
+            <a:xfrm>
+              <a:off x="2563617" y="1246863"/>
+              <a:ext cx="234000" cy="234000"/>
+            </a:xfrm>
+            <a:prstGeom prst="ellipse">
+              <a:avLst/>
+            </a:prstGeom>
+            <a:solidFill>
+              <a:schemeClr val="accent2"/>
+            </a:solidFill>
+            <a:ln>
+              <a:noFill/>
+            </a:ln>
+          </p:spPr>
+          <p:style>
+            <a:lnRef idx="2">
+              <a:schemeClr val="accent1">
+                <a:shade val="50000"/>
+              </a:schemeClr>
+            </a:lnRef>
+            <a:fillRef idx="1">
+              <a:schemeClr val="accent1"/>
+            </a:fillRef>
+            <a:effectRef idx="0">
+              <a:schemeClr val="accent1"/>
+            </a:effectRef>
+            <a:fontRef idx="minor">
+              <a:schemeClr val="lt1"/>
+            </a:fontRef>
+          </p:style>
+          <p:txBody>
+            <a:bodyPr rtlCol="0" anchor="ctr"/>
+            <a:lstStyle/>
+            <a:p>
+              <a:pPr algn="ctr"/>
+              <a:endParaRPr kumimoji="1" lang="ja-JP" altLang="en-US"/>
+            </a:p>
+          </p:txBody>
+        </p:sp>
+        <p:sp>
+          <p:nvSpPr>
+            <p:cNvPr id="132" name="テキスト ボックス 131">
+              <a:extLst>
+                <a:ext uri="{FF2B5EF4-FFF2-40B4-BE49-F238E27FC236}">
+                  <a16:creationId xmlns:a16="http://schemas.microsoft.com/office/drawing/2014/main" id="{17B5F3F8-0352-4511-B805-B150FA9FE547}"/>
+                </a:ext>
+              </a:extLst>
+            </p:cNvPr>
+            <p:cNvSpPr txBox="1"/>
+            <p:nvPr/>
+          </p:nvSpPr>
+          <p:spPr>
+            <a:xfrm>
+              <a:off x="2540906" y="1219634"/>
+              <a:ext cx="279421" cy="307777"/>
+            </a:xfrm>
+            <a:prstGeom prst="rect">
+              <a:avLst/>
+            </a:prstGeom>
+            <a:noFill/>
+          </p:spPr>
+          <p:txBody>
+            <a:bodyPr wrap="square" rtlCol="0">
+              <a:spAutoFit/>
+            </a:bodyPr>
+            <a:lstStyle/>
+            <a:p>
+              <a:pPr algn="ctr"/>
+              <a:r>
+                <a:rPr lang="en-US" altLang="ja-JP" sz="1400" b="1" dirty="0">
+                  <a:solidFill>
+                    <a:schemeClr val="bg1"/>
+                  </a:solidFill>
+                  <a:latin typeface="+mn-lt"/>
+                  <a:ea typeface="メイリオ" panose="020B0604030504040204" pitchFamily="50" charset="-128"/>
+                </a:rPr>
+                <a:t>2</a:t>
+              </a:r>
+            </a:p>
+          </p:txBody>
+        </p:sp>
+      </p:grpSp>
+      <p:pic>
+        <p:nvPicPr>
+          <p:cNvPr id="134" name="図 133">
+            <a:extLst>
+              <a:ext uri="{FF2B5EF4-FFF2-40B4-BE49-F238E27FC236}">
+                <a16:creationId xmlns:a16="http://schemas.microsoft.com/office/drawing/2014/main" id="{6F32AEE7-9891-47CA-9933-56DC3E636F92}"/>
+              </a:ext>
+            </a:extLst>
+          </p:cNvPr>
+          <p:cNvPicPr>
+            <a:picLocks noChangeAspect="1"/>
+          </p:cNvPicPr>
+          <p:nvPr/>
+        </p:nvPicPr>
+        <p:blipFill>
+          <a:blip r:embed="rId11">
+            <a:extLst>
+              <a:ext uri="{28A0092B-C50C-407E-A947-70E740481C1C}">
+                <a14:useLocalDpi xmlns:a14="http://schemas.microsoft.com/office/drawing/2010/main" val="0"/>
+              </a:ext>
+            </a:extLst>
+          </a:blip>
+          <a:stretch>
+            <a:fillRect/>
+          </a:stretch>
+        </p:blipFill>
+        <p:spPr>
+          <a:xfrm>
+            <a:off x="127622" y="5678672"/>
+            <a:ext cx="3326107" cy="3659699"/>
+          </a:xfrm>
+          <a:prstGeom prst="rect">
+            <a:avLst/>
+          </a:prstGeom>
+        </p:spPr>
+      </p:pic>
+      <p:grpSp>
+        <p:nvGrpSpPr>
+          <p:cNvPr id="135" name="グループ化 134">
+            <a:extLst>
+              <a:ext uri="{FF2B5EF4-FFF2-40B4-BE49-F238E27FC236}">
+                <a16:creationId xmlns:a16="http://schemas.microsoft.com/office/drawing/2014/main" id="{B7F264D4-1007-4CDA-BD0D-AAA0C5FF8A6B}"/>
+              </a:ext>
+            </a:extLst>
+          </p:cNvPr>
+          <p:cNvGrpSpPr/>
+          <p:nvPr/>
+        </p:nvGrpSpPr>
+        <p:grpSpPr>
+          <a:xfrm>
+            <a:off x="1216224" y="6480596"/>
+            <a:ext cx="279421" cy="307777"/>
+            <a:chOff x="2540906" y="1219634"/>
+            <a:chExt cx="279421" cy="307777"/>
+          </a:xfrm>
+        </p:grpSpPr>
+        <p:sp>
+          <p:nvSpPr>
+            <p:cNvPr id="136" name="楕円 135">
+              <a:extLst>
+                <a:ext uri="{FF2B5EF4-FFF2-40B4-BE49-F238E27FC236}">
+                  <a16:creationId xmlns:a16="http://schemas.microsoft.com/office/drawing/2014/main" id="{4311A83A-2040-4C3A-915C-9CEF9E0BFCF5}"/>
+                </a:ext>
+              </a:extLst>
+            </p:cNvPr>
+            <p:cNvSpPr/>
+            <p:nvPr/>
+          </p:nvSpPr>
+          <p:spPr>
+            <a:xfrm>
+              <a:off x="2563617" y="1246863"/>
+              <a:ext cx="234000" cy="234000"/>
+            </a:xfrm>
+            <a:prstGeom prst="ellipse">
+              <a:avLst/>
+            </a:prstGeom>
+            <a:solidFill>
+              <a:schemeClr val="accent2"/>
+            </a:solidFill>
+            <a:ln>
+              <a:noFill/>
+            </a:ln>
+          </p:spPr>
+          <p:style>
+            <a:lnRef idx="2">
+              <a:schemeClr val="accent1">
+                <a:shade val="50000"/>
+              </a:schemeClr>
+            </a:lnRef>
+            <a:fillRef idx="1">
+              <a:schemeClr val="accent1"/>
+            </a:fillRef>
+            <a:effectRef idx="0">
+              <a:schemeClr val="accent1"/>
+            </a:effectRef>
+            <a:fontRef idx="minor">
+              <a:schemeClr val="lt1"/>
+            </a:fontRef>
+          </p:style>
+          <p:txBody>
+            <a:bodyPr rtlCol="0" anchor="ctr"/>
+            <a:lstStyle/>
+            <a:p>
+              <a:pPr algn="ctr"/>
+              <a:endParaRPr kumimoji="1" lang="ja-JP" altLang="en-US"/>
+            </a:p>
+          </p:txBody>
+        </p:sp>
+        <p:sp>
+          <p:nvSpPr>
+            <p:cNvPr id="137" name="テキスト ボックス 136">
+              <a:extLst>
+                <a:ext uri="{FF2B5EF4-FFF2-40B4-BE49-F238E27FC236}">
+                  <a16:creationId xmlns:a16="http://schemas.microsoft.com/office/drawing/2014/main" id="{966DE389-47A3-473D-8CAF-16D9C4A24B3F}"/>
+                </a:ext>
+              </a:extLst>
+            </p:cNvPr>
+            <p:cNvSpPr txBox="1"/>
+            <p:nvPr/>
+          </p:nvSpPr>
+          <p:spPr>
+            <a:xfrm>
+              <a:off x="2540906" y="1219634"/>
+              <a:ext cx="279421" cy="307777"/>
+            </a:xfrm>
+            <a:prstGeom prst="rect">
+              <a:avLst/>
+            </a:prstGeom>
+            <a:noFill/>
+          </p:spPr>
+          <p:txBody>
+            <a:bodyPr wrap="square" rtlCol="0">
+              <a:spAutoFit/>
+            </a:bodyPr>
+            <a:lstStyle/>
+            <a:p>
+              <a:pPr algn="ctr"/>
+              <a:r>
+                <a:rPr lang="en-US" altLang="ja-JP" sz="1400" b="1" dirty="0">
+                  <a:solidFill>
+                    <a:schemeClr val="bg1"/>
+                  </a:solidFill>
+                  <a:latin typeface="+mn-lt"/>
+                  <a:ea typeface="メイリオ" panose="020B0604030504040204" pitchFamily="50" charset="-128"/>
+                </a:rPr>
+                <a:t>1</a:t>
+              </a:r>
+            </a:p>
+          </p:txBody>
+        </p:sp>
+      </p:grpSp>
+      <p:grpSp>
+        <p:nvGrpSpPr>
+          <p:cNvPr id="141" name="グループ化 140">
+            <a:extLst>
+              <a:ext uri="{FF2B5EF4-FFF2-40B4-BE49-F238E27FC236}">
+                <a16:creationId xmlns:a16="http://schemas.microsoft.com/office/drawing/2014/main" id="{3C9EC0F0-38BD-49BC-BCB4-148F9E137F31}"/>
+              </a:ext>
+            </a:extLst>
+          </p:cNvPr>
+          <p:cNvGrpSpPr/>
+          <p:nvPr/>
+        </p:nvGrpSpPr>
+        <p:grpSpPr>
+          <a:xfrm>
+            <a:off x="2164240" y="7014967"/>
+            <a:ext cx="279421" cy="307777"/>
+            <a:chOff x="2540906" y="1219634"/>
+            <a:chExt cx="279421" cy="307777"/>
+          </a:xfrm>
+        </p:grpSpPr>
+        <p:sp>
+          <p:nvSpPr>
+            <p:cNvPr id="142" name="楕円 141">
+              <a:extLst>
+                <a:ext uri="{FF2B5EF4-FFF2-40B4-BE49-F238E27FC236}">
+                  <a16:creationId xmlns:a16="http://schemas.microsoft.com/office/drawing/2014/main" id="{6C966B29-6530-4E5A-BEAC-B1C0A86BA78F}"/>
+                </a:ext>
+              </a:extLst>
+            </p:cNvPr>
+            <p:cNvSpPr/>
+            <p:nvPr/>
+          </p:nvSpPr>
+          <p:spPr>
+            <a:xfrm>
+              <a:off x="2563617" y="1246863"/>
+              <a:ext cx="234000" cy="234000"/>
+            </a:xfrm>
+            <a:prstGeom prst="ellipse">
+              <a:avLst/>
+            </a:prstGeom>
+            <a:solidFill>
+              <a:schemeClr val="accent2"/>
+            </a:solidFill>
+            <a:ln>
+              <a:noFill/>
+            </a:ln>
+          </p:spPr>
+          <p:style>
+            <a:lnRef idx="2">
+              <a:schemeClr val="accent1">
+                <a:shade val="50000"/>
+              </a:schemeClr>
+            </a:lnRef>
+            <a:fillRef idx="1">
+              <a:schemeClr val="accent1"/>
+            </a:fillRef>
+            <a:effectRef idx="0">
+              <a:schemeClr val="accent1"/>
+            </a:effectRef>
+            <a:fontRef idx="minor">
+              <a:schemeClr val="lt1"/>
+            </a:fontRef>
+          </p:style>
+          <p:txBody>
+            <a:bodyPr rtlCol="0" anchor="ctr"/>
+            <a:lstStyle/>
+            <a:p>
+              <a:pPr algn="ctr"/>
+              <a:endParaRPr kumimoji="1" lang="ja-JP" altLang="en-US"/>
+            </a:p>
+          </p:txBody>
+        </p:sp>
+        <p:sp>
+          <p:nvSpPr>
+            <p:cNvPr id="143" name="テキスト ボックス 142">
+              <a:extLst>
+                <a:ext uri="{FF2B5EF4-FFF2-40B4-BE49-F238E27FC236}">
+                  <a16:creationId xmlns:a16="http://schemas.microsoft.com/office/drawing/2014/main" id="{27915049-E567-442B-82D7-7390904BB91D}"/>
+                </a:ext>
+              </a:extLst>
+            </p:cNvPr>
+            <p:cNvSpPr txBox="1"/>
+            <p:nvPr/>
+          </p:nvSpPr>
+          <p:spPr>
+            <a:xfrm>
+              <a:off x="2540906" y="1219634"/>
+              <a:ext cx="279421" cy="307777"/>
+            </a:xfrm>
+            <a:prstGeom prst="rect">
+              <a:avLst/>
+            </a:prstGeom>
+            <a:noFill/>
+          </p:spPr>
+          <p:txBody>
+            <a:bodyPr wrap="square" rtlCol="0">
+              <a:spAutoFit/>
+            </a:bodyPr>
+            <a:lstStyle/>
+            <a:p>
+              <a:pPr algn="ctr"/>
+              <a:r>
+                <a:rPr lang="en-US" altLang="ja-JP" sz="1400" b="1" dirty="0">
+                  <a:solidFill>
+                    <a:schemeClr val="bg1"/>
+                  </a:solidFill>
+                  <a:latin typeface="+mn-lt"/>
+                  <a:ea typeface="メイリオ" panose="020B0604030504040204" pitchFamily="50" charset="-128"/>
+                </a:rPr>
+                <a:t>2</a:t>
+              </a:r>
+            </a:p>
+          </p:txBody>
+        </p:sp>
+      </p:grpSp>
+      <p:grpSp>
+        <p:nvGrpSpPr>
+          <p:cNvPr id="144" name="グループ化 143">
+            <a:extLst>
+              <a:ext uri="{FF2B5EF4-FFF2-40B4-BE49-F238E27FC236}">
+                <a16:creationId xmlns:a16="http://schemas.microsoft.com/office/drawing/2014/main" id="{90E13857-E422-4AA8-8C40-E5931206E037}"/>
+              </a:ext>
+            </a:extLst>
+          </p:cNvPr>
+          <p:cNvGrpSpPr/>
+          <p:nvPr/>
+        </p:nvGrpSpPr>
+        <p:grpSpPr>
+          <a:xfrm>
+            <a:off x="2162141" y="7508215"/>
+            <a:ext cx="279421" cy="307777"/>
+            <a:chOff x="2540906" y="1219634"/>
+            <a:chExt cx="279421" cy="307777"/>
+          </a:xfrm>
+        </p:grpSpPr>
+        <p:sp>
+          <p:nvSpPr>
+            <p:cNvPr id="145" name="楕円 144">
+              <a:extLst>
+                <a:ext uri="{FF2B5EF4-FFF2-40B4-BE49-F238E27FC236}">
+                  <a16:creationId xmlns:a16="http://schemas.microsoft.com/office/drawing/2014/main" id="{D2CA4E39-9ADC-424F-89CB-ADCEED395E01}"/>
+                </a:ext>
+              </a:extLst>
+            </p:cNvPr>
+            <p:cNvSpPr/>
+            <p:nvPr/>
+          </p:nvSpPr>
+          <p:spPr>
+            <a:xfrm>
+              <a:off x="2563617" y="1246863"/>
+              <a:ext cx="234000" cy="234000"/>
+            </a:xfrm>
+            <a:prstGeom prst="ellipse">
+              <a:avLst/>
+            </a:prstGeom>
+            <a:solidFill>
+              <a:schemeClr val="accent2"/>
+            </a:solidFill>
+            <a:ln>
+              <a:noFill/>
+            </a:ln>
+          </p:spPr>
+          <p:style>
+            <a:lnRef idx="2">
+              <a:schemeClr val="accent1">
+                <a:shade val="50000"/>
+              </a:schemeClr>
+            </a:lnRef>
+            <a:fillRef idx="1">
+              <a:schemeClr val="accent1"/>
+            </a:fillRef>
+            <a:effectRef idx="0">
+              <a:schemeClr val="accent1"/>
+            </a:effectRef>
+            <a:fontRef idx="minor">
+              <a:schemeClr val="lt1"/>
+            </a:fontRef>
+          </p:style>
+          <p:txBody>
+            <a:bodyPr rtlCol="0" anchor="ctr"/>
+            <a:lstStyle/>
+            <a:p>
+              <a:pPr algn="ctr"/>
+              <a:endParaRPr kumimoji="1" lang="ja-JP" altLang="en-US"/>
+            </a:p>
+          </p:txBody>
+        </p:sp>
+        <p:sp>
+          <p:nvSpPr>
+            <p:cNvPr id="146" name="テキスト ボックス 145">
+              <a:extLst>
+                <a:ext uri="{FF2B5EF4-FFF2-40B4-BE49-F238E27FC236}">
+                  <a16:creationId xmlns:a16="http://schemas.microsoft.com/office/drawing/2014/main" id="{CF7D7047-6952-4FAB-9013-59AFE4F554E2}"/>
+                </a:ext>
+              </a:extLst>
+            </p:cNvPr>
+            <p:cNvSpPr txBox="1"/>
+            <p:nvPr/>
+          </p:nvSpPr>
+          <p:spPr>
+            <a:xfrm>
+              <a:off x="2540906" y="1219634"/>
+              <a:ext cx="279421" cy="307777"/>
+            </a:xfrm>
+            <a:prstGeom prst="rect">
+              <a:avLst/>
+            </a:prstGeom>
+            <a:noFill/>
+          </p:spPr>
+          <p:txBody>
+            <a:bodyPr wrap="square" rtlCol="0">
+              <a:spAutoFit/>
+            </a:bodyPr>
+            <a:lstStyle/>
+            <a:p>
+              <a:pPr algn="ctr"/>
+              <a:r>
+                <a:rPr lang="en-US" altLang="ja-JP" sz="1400" b="1" dirty="0">
+                  <a:solidFill>
+                    <a:schemeClr val="bg1"/>
+                  </a:solidFill>
+                  <a:latin typeface="+mn-lt"/>
+                  <a:ea typeface="メイリオ" panose="020B0604030504040204" pitchFamily="50" charset="-128"/>
+                </a:rPr>
+                <a:t>3</a:t>
+              </a:r>
+            </a:p>
+          </p:txBody>
+        </p:sp>
+      </p:grpSp>
+      <p:grpSp>
+        <p:nvGrpSpPr>
+          <p:cNvPr id="147" name="グループ化 146">
+            <a:extLst>
+              <a:ext uri="{FF2B5EF4-FFF2-40B4-BE49-F238E27FC236}">
+                <a16:creationId xmlns:a16="http://schemas.microsoft.com/office/drawing/2014/main" id="{7A213496-6371-4132-98B2-A10F65C5EDE4}"/>
+              </a:ext>
+            </a:extLst>
+          </p:cNvPr>
+          <p:cNvGrpSpPr/>
+          <p:nvPr/>
+        </p:nvGrpSpPr>
+        <p:grpSpPr>
+          <a:xfrm>
+            <a:off x="2162141" y="8013731"/>
+            <a:ext cx="279421" cy="307777"/>
+            <a:chOff x="2540906" y="1219634"/>
+            <a:chExt cx="279421" cy="307777"/>
+          </a:xfrm>
+        </p:grpSpPr>
+        <p:sp>
+          <p:nvSpPr>
+            <p:cNvPr id="148" name="楕円 147">
+              <a:extLst>
+                <a:ext uri="{FF2B5EF4-FFF2-40B4-BE49-F238E27FC236}">
+                  <a16:creationId xmlns:a16="http://schemas.microsoft.com/office/drawing/2014/main" id="{6B6CAC7F-E12E-4405-A475-2445947A1883}"/>
+                </a:ext>
+              </a:extLst>
+            </p:cNvPr>
+            <p:cNvSpPr/>
+            <p:nvPr/>
+          </p:nvSpPr>
+          <p:spPr>
+            <a:xfrm>
+              <a:off x="2563617" y="1246863"/>
+              <a:ext cx="234000" cy="234000"/>
+            </a:xfrm>
+            <a:prstGeom prst="ellipse">
+              <a:avLst/>
+            </a:prstGeom>
+            <a:solidFill>
+              <a:schemeClr val="accent2"/>
+            </a:solidFill>
+            <a:ln>
+              <a:noFill/>
+            </a:ln>
+          </p:spPr>
+          <p:style>
+            <a:lnRef idx="2">
+              <a:schemeClr val="accent1">
+                <a:shade val="50000"/>
+              </a:schemeClr>
+            </a:lnRef>
+            <a:fillRef idx="1">
+              <a:schemeClr val="accent1"/>
+            </a:fillRef>
+            <a:effectRef idx="0">
+              <a:schemeClr val="accent1"/>
+            </a:effectRef>
+            <a:fontRef idx="minor">
+              <a:schemeClr val="lt1"/>
+            </a:fontRef>
+          </p:style>
+          <p:txBody>
+            <a:bodyPr rtlCol="0" anchor="ctr"/>
+            <a:lstStyle/>
+            <a:p>
+              <a:pPr algn="ctr"/>
+              <a:endParaRPr kumimoji="1" lang="ja-JP" altLang="en-US"/>
+            </a:p>
+          </p:txBody>
+        </p:sp>
+        <p:sp>
+          <p:nvSpPr>
+            <p:cNvPr id="149" name="テキスト ボックス 148">
+              <a:extLst>
+                <a:ext uri="{FF2B5EF4-FFF2-40B4-BE49-F238E27FC236}">
+                  <a16:creationId xmlns:a16="http://schemas.microsoft.com/office/drawing/2014/main" id="{3C3533E7-0B69-42C2-BC2E-7C32CFF2BD1A}"/>
+                </a:ext>
+              </a:extLst>
+            </p:cNvPr>
+            <p:cNvSpPr txBox="1"/>
+            <p:nvPr/>
+          </p:nvSpPr>
+          <p:spPr>
+            <a:xfrm>
+              <a:off x="2540906" y="1219634"/>
+              <a:ext cx="279421" cy="307777"/>
+            </a:xfrm>
+            <a:prstGeom prst="rect">
+              <a:avLst/>
+            </a:prstGeom>
+            <a:noFill/>
+          </p:spPr>
+          <p:txBody>
+            <a:bodyPr wrap="square" rtlCol="0">
+              <a:spAutoFit/>
+            </a:bodyPr>
+            <a:lstStyle/>
+            <a:p>
+              <a:pPr algn="ctr"/>
+              <a:r>
+                <a:rPr lang="en-US" altLang="ja-JP" sz="1400" b="1" dirty="0">
+                  <a:solidFill>
+                    <a:schemeClr val="bg1"/>
+                  </a:solidFill>
+                  <a:latin typeface="+mn-lt"/>
+                  <a:ea typeface="メイリオ" panose="020B0604030504040204" pitchFamily="50" charset="-128"/>
+                </a:rPr>
+                <a:t>4</a:t>
+              </a:r>
+            </a:p>
+          </p:txBody>
+        </p:sp>
+      </p:grpSp>
+      <p:grpSp>
+        <p:nvGrpSpPr>
+          <p:cNvPr id="150" name="グループ化 149">
+            <a:extLst>
+              <a:ext uri="{FF2B5EF4-FFF2-40B4-BE49-F238E27FC236}">
+                <a16:creationId xmlns:a16="http://schemas.microsoft.com/office/drawing/2014/main" id="{FEF8F733-05BE-4443-AC8B-BD527894C988}"/>
+              </a:ext>
+            </a:extLst>
+          </p:cNvPr>
+          <p:cNvGrpSpPr/>
+          <p:nvPr/>
+        </p:nvGrpSpPr>
+        <p:grpSpPr>
+          <a:xfrm>
+            <a:off x="2162141" y="8513979"/>
+            <a:ext cx="279421" cy="307777"/>
+            <a:chOff x="2540906" y="1219634"/>
+            <a:chExt cx="279421" cy="307777"/>
+          </a:xfrm>
+        </p:grpSpPr>
+        <p:sp>
+          <p:nvSpPr>
+            <p:cNvPr id="151" name="楕円 150">
+              <a:extLst>
+                <a:ext uri="{FF2B5EF4-FFF2-40B4-BE49-F238E27FC236}">
+                  <a16:creationId xmlns:a16="http://schemas.microsoft.com/office/drawing/2014/main" id="{53C15CB9-AD36-4677-B8FC-D91E92A37B6F}"/>
+                </a:ext>
+              </a:extLst>
+            </p:cNvPr>
+            <p:cNvSpPr/>
+            <p:nvPr/>
+          </p:nvSpPr>
+          <p:spPr>
+            <a:xfrm>
+              <a:off x="2563617" y="1246863"/>
+              <a:ext cx="234000" cy="234000"/>
+            </a:xfrm>
+            <a:prstGeom prst="ellipse">
+              <a:avLst/>
+            </a:prstGeom>
+            <a:solidFill>
+              <a:schemeClr val="accent2"/>
+            </a:solidFill>
+            <a:ln>
+              <a:noFill/>
+            </a:ln>
+          </p:spPr>
+          <p:style>
+            <a:lnRef idx="2">
+              <a:schemeClr val="accent1">
+                <a:shade val="50000"/>
+              </a:schemeClr>
+            </a:lnRef>
+            <a:fillRef idx="1">
+              <a:schemeClr val="accent1"/>
+            </a:fillRef>
+            <a:effectRef idx="0">
+              <a:schemeClr val="accent1"/>
+            </a:effectRef>
+            <a:fontRef idx="minor">
+              <a:schemeClr val="lt1"/>
+            </a:fontRef>
+          </p:style>
+          <p:txBody>
+            <a:bodyPr rtlCol="0" anchor="ctr"/>
+            <a:lstStyle/>
+            <a:p>
+              <a:pPr algn="ctr"/>
+              <a:endParaRPr kumimoji="1" lang="ja-JP" altLang="en-US"/>
+            </a:p>
+          </p:txBody>
+        </p:sp>
+        <p:sp>
+          <p:nvSpPr>
+            <p:cNvPr id="152" name="テキスト ボックス 151">
+              <a:extLst>
+                <a:ext uri="{FF2B5EF4-FFF2-40B4-BE49-F238E27FC236}">
+                  <a16:creationId xmlns:a16="http://schemas.microsoft.com/office/drawing/2014/main" id="{D76D0E2D-D07C-4076-9A8F-DF4E146E55B2}"/>
+                </a:ext>
+              </a:extLst>
+            </p:cNvPr>
+            <p:cNvSpPr txBox="1"/>
+            <p:nvPr/>
+          </p:nvSpPr>
+          <p:spPr>
+            <a:xfrm>
+              <a:off x="2540906" y="1219634"/>
+              <a:ext cx="279421" cy="307777"/>
+            </a:xfrm>
+            <a:prstGeom prst="rect">
+              <a:avLst/>
+            </a:prstGeom>
+            <a:noFill/>
+          </p:spPr>
+          <p:txBody>
+            <a:bodyPr wrap="square" rtlCol="0">
+              <a:spAutoFit/>
+            </a:bodyPr>
+            <a:lstStyle/>
+            <a:p>
+              <a:pPr algn="ctr"/>
+              <a:r>
+                <a:rPr lang="en-US" altLang="ja-JP" sz="1400" b="1" dirty="0">
+                  <a:solidFill>
+                    <a:schemeClr val="bg1"/>
+                  </a:solidFill>
+                  <a:latin typeface="+mn-lt"/>
+                  <a:ea typeface="メイリオ" panose="020B0604030504040204" pitchFamily="50" charset="-128"/>
+                </a:rPr>
+                <a:t>5</a:t>
+              </a:r>
+            </a:p>
+          </p:txBody>
+        </p:sp>
+      </p:grpSp>
     </p:spTree>
     <p:extLst>
       <p:ext uri="{BB962C8B-B14F-4D97-AF65-F5344CB8AC3E}">

--- a/PowerPoint/振る舞いモデル.pptx
+++ b/PowerPoint/振る舞いモデル.pptx
@@ -12,8 +12,8 @@
     <p:handoutMasterId r:id="rId6"/>
   </p:handoutMasterIdLst>
   <p:sldIdLst>
-    <p:sldId id="278" r:id="rId3"/>
-    <p:sldId id="280" r:id="rId4"/>
+    <p:sldId id="281" r:id="rId3"/>
+    <p:sldId id="282" r:id="rId4"/>
   </p:sldIdLst>
   <p:sldSz cx="12801600" cy="9601200" type="A3"/>
   <p:notesSz cx="9990138" cy="14374813"/>
@@ -150,8 +150,8 @@
         </p14:section>
         <p14:section name="モデル図ページ（プライマリークラス）" id="{8B2B3982-7BAC-4EE5-974E-E0EE0719EC85}">
           <p14:sldIdLst>
-            <p14:sldId id="278"/>
-            <p14:sldId id="280"/>
+            <p14:sldId id="281"/>
+            <p14:sldId id="282"/>
           </p14:sldIdLst>
         </p14:section>
       </p14:sectionLst>
@@ -2290,7 +2290,7 @@
         </p:nvSpPr>
         <p:spPr>
           <a:xfrm>
-            <a:off x="8449167" y="229211"/>
+            <a:off x="8680986" y="227904"/>
             <a:ext cx="1445666" cy="430887"/>
           </a:xfrm>
           <a:prstGeom prst="rect">
@@ -2356,46 +2356,6 @@
                 <a:ea typeface="HG創英角ｺﾞｼｯｸUB" panose="020B0909000000000000" pitchFamily="49" charset="-128"/>
                 <a:cs typeface="+mn-cs"/>
               </a:rPr>
-              <a:t>４</a:t>
-            </a:r>
-            <a:r>
-              <a:rPr kumimoji="1" lang="en-US" altLang="ja-JP" sz="2200" b="1" i="0" u="none" strike="noStrike" kern="1200" cap="none" spc="0" normalizeH="0" baseline="0" noProof="0" dirty="0">
-                <a:ln>
-                  <a:noFill/>
-                </a:ln>
-                <a:solidFill>
-                  <a:srgbClr val="70AD47">
-                    <a:lumMod val="60000"/>
-                    <a:lumOff val="40000"/>
-                  </a:srgbClr>
-                </a:solidFill>
-                <a:effectLst/>
-                <a:uLnTx/>
-                <a:uFillTx/>
-                <a:latin typeface="HG創英角ｺﾞｼｯｸUB" panose="020B0909000000000000" pitchFamily="49" charset="-128"/>
-                <a:ea typeface="HG創英角ｺﾞｼｯｸUB" panose="020B0909000000000000" pitchFamily="49" charset="-128"/>
-                <a:cs typeface="+mn-cs"/>
-              </a:rPr>
-              <a:t>.</a:t>
-            </a:r>
-            <a:r>
-              <a:rPr kumimoji="1" lang="ja-JP" altLang="en-US" sz="2200" b="0" i="0" u="none" strike="noStrike" kern="1200" cap="none" spc="0" normalizeH="0" baseline="0" noProof="0" dirty="0">
-                <a:ln>
-                  <a:noFill/>
-                </a:ln>
-                <a:solidFill>
-                  <a:srgbClr val="70AD47">
-                    <a:lumMod val="60000"/>
-                    <a:lumOff val="40000"/>
-                  </a:srgbClr>
-                </a:solidFill>
-                <a:effectLst/>
-                <a:uLnTx/>
-                <a:uFillTx/>
-                <a:latin typeface="HG創英角ｺﾞｼｯｸUB" panose="020B0909000000000000" pitchFamily="49" charset="-128"/>
-                <a:ea typeface="HG創英角ｺﾞｼｯｸUB" panose="020B0909000000000000" pitchFamily="49" charset="-128"/>
-                <a:cs typeface="+mn-cs"/>
-              </a:rPr>
               <a:t>工夫点</a:t>
             </a:r>
             <a:endParaRPr kumimoji="1" lang="en-US" altLang="ja-JP" sz="2200" b="0" i="0" u="none" strike="noStrike" kern="1200" cap="none" spc="0" normalizeH="0" baseline="0" noProof="0" dirty="0">
@@ -2432,7 +2392,7 @@
         </p:nvSpPr>
         <p:spPr>
           <a:xfrm>
-            <a:off x="501532" y="274295"/>
+            <a:off x="714673" y="256085"/>
             <a:ext cx="1184003" cy="430887"/>
           </a:xfrm>
           <a:prstGeom prst="rect">
@@ -2498,46 +2458,6 @@
                 <a:ea typeface="HG創英角ｺﾞｼｯｸUB" panose="020B0909000000000000" pitchFamily="49" charset="-128"/>
                 <a:cs typeface="+mn-cs"/>
               </a:rPr>
-              <a:t>１</a:t>
-            </a:r>
-            <a:r>
-              <a:rPr kumimoji="1" lang="en-US" altLang="ja-JP" sz="2200" b="1" i="0" u="none" strike="noStrike" kern="1200" cap="none" spc="0" normalizeH="0" baseline="0" noProof="0" dirty="0">
-                <a:ln>
-                  <a:noFill/>
-                </a:ln>
-                <a:solidFill>
-                  <a:srgbClr val="70AD47">
-                    <a:lumMod val="60000"/>
-                    <a:lumOff val="40000"/>
-                  </a:srgbClr>
-                </a:solidFill>
-                <a:effectLst/>
-                <a:uLnTx/>
-                <a:uFillTx/>
-                <a:latin typeface="HG創英角ｺﾞｼｯｸUB" panose="020B0909000000000000" pitchFamily="49" charset="-128"/>
-                <a:ea typeface="HG創英角ｺﾞｼｯｸUB" panose="020B0909000000000000" pitchFamily="49" charset="-128"/>
-                <a:cs typeface="+mn-cs"/>
-              </a:rPr>
-              <a:t>.</a:t>
-            </a:r>
-            <a:r>
-              <a:rPr kumimoji="1" lang="ja-JP" altLang="en-US" sz="2200" b="0" i="0" u="none" strike="noStrike" kern="1200" cap="none" spc="0" normalizeH="0" baseline="0" noProof="0" dirty="0">
-                <a:ln>
-                  <a:noFill/>
-                </a:ln>
-                <a:solidFill>
-                  <a:srgbClr val="70AD47">
-                    <a:lumMod val="60000"/>
-                    <a:lumOff val="40000"/>
-                  </a:srgbClr>
-                </a:solidFill>
-                <a:effectLst/>
-                <a:uLnTx/>
-                <a:uFillTx/>
-                <a:latin typeface="HG創英角ｺﾞｼｯｸUB" panose="020B0909000000000000" pitchFamily="49" charset="-128"/>
-                <a:ea typeface="HG創英角ｺﾞｼｯｸUB" panose="020B0909000000000000" pitchFamily="49" charset="-128"/>
-                <a:cs typeface="+mn-cs"/>
-              </a:rPr>
               <a:t>機能</a:t>
             </a:r>
             <a:endParaRPr kumimoji="1" lang="en-US" altLang="ja-JP" sz="2200" b="0" i="0" u="none" strike="noStrike" kern="1200" cap="none" spc="0" normalizeH="0" baseline="0" noProof="0" dirty="0">
@@ -2574,7 +2494,7 @@
         </p:nvSpPr>
         <p:spPr>
           <a:xfrm>
-            <a:off x="2513886" y="245479"/>
+            <a:off x="2753382" y="227904"/>
             <a:ext cx="1203919" cy="430887"/>
           </a:xfrm>
           <a:prstGeom prst="rect">
@@ -2640,46 +2560,6 @@
                 <a:ea typeface="HG創英角ｺﾞｼｯｸUB" panose="020B0909000000000000" pitchFamily="49" charset="-128"/>
                 <a:cs typeface="+mn-cs"/>
               </a:rPr>
-              <a:t>２</a:t>
-            </a:r>
-            <a:r>
-              <a:rPr kumimoji="1" lang="en-US" altLang="ja-JP" sz="2200" b="1" i="0" u="none" strike="noStrike" kern="1200" cap="none" spc="0" normalizeH="0" baseline="0" noProof="0" dirty="0">
-                <a:ln>
-                  <a:noFill/>
-                </a:ln>
-                <a:solidFill>
-                  <a:srgbClr val="70AD47">
-                    <a:lumMod val="60000"/>
-                    <a:lumOff val="40000"/>
-                  </a:srgbClr>
-                </a:solidFill>
-                <a:effectLst/>
-                <a:uLnTx/>
-                <a:uFillTx/>
-                <a:latin typeface="HG創英角ｺﾞｼｯｸUB" panose="020B0909000000000000" pitchFamily="49" charset="-128"/>
-                <a:ea typeface="HG創英角ｺﾞｼｯｸUB" panose="020B0909000000000000" pitchFamily="49" charset="-128"/>
-                <a:cs typeface="+mn-cs"/>
-              </a:rPr>
-              <a:t>.</a:t>
-            </a:r>
-            <a:r>
-              <a:rPr kumimoji="1" lang="ja-JP" altLang="en-US" sz="2200" b="0" i="0" u="none" strike="noStrike" kern="1200" cap="none" spc="0" normalizeH="0" baseline="0" noProof="0" dirty="0">
-                <a:ln>
-                  <a:noFill/>
-                </a:ln>
-                <a:solidFill>
-                  <a:srgbClr val="70AD47">
-                    <a:lumMod val="60000"/>
-                    <a:lumOff val="40000"/>
-                  </a:srgbClr>
-                </a:solidFill>
-                <a:effectLst/>
-                <a:uLnTx/>
-                <a:uFillTx/>
-                <a:latin typeface="HG創英角ｺﾞｼｯｸUB" panose="020B0909000000000000" pitchFamily="49" charset="-128"/>
-                <a:ea typeface="HG創英角ｺﾞｼｯｸUB" panose="020B0909000000000000" pitchFamily="49" charset="-128"/>
-                <a:cs typeface="+mn-cs"/>
-              </a:rPr>
               <a:t>構造</a:t>
             </a:r>
             <a:endParaRPr kumimoji="1" lang="en-US" altLang="ja-JP" sz="2200" b="0" i="0" u="none" strike="noStrike" kern="1200" cap="none" spc="0" normalizeH="0" baseline="0" noProof="0" dirty="0">
@@ -2770,7 +2650,7 @@
                   <a:noFill/>
                 </a:ln>
                 <a:solidFill>
-                  <a:schemeClr val="bg1"/>
+                  <a:prstClr val="white"/>
                 </a:solidFill>
                 <a:effectLst/>
                 <a:uLnTx/>
@@ -2787,7 +2667,7 @@
                   <a:noFill/>
                 </a:ln>
                 <a:solidFill>
-                  <a:schemeClr val="bg1"/>
+                  <a:prstClr val="white"/>
                 </a:solidFill>
                 <a:effectLst/>
                 <a:uLnTx/>
@@ -2804,7 +2684,7 @@
                   <a:noFill/>
                 </a:ln>
                 <a:solidFill>
-                  <a:schemeClr val="bg1"/>
+                  <a:prstClr val="white"/>
                 </a:solidFill>
                 <a:effectLst/>
                 <a:uLnTx/>
@@ -2820,7 +2700,7 @@
                 <a:noFill/>
               </a:ln>
               <a:solidFill>
-                <a:schemeClr val="bg1"/>
+                <a:prstClr val="white"/>
               </a:solidFill>
               <a:effectLst/>
               <a:uLnTx/>
@@ -2927,7 +2807,7 @@
         </p:nvSpPr>
         <p:spPr>
           <a:xfrm>
-            <a:off x="6141604" y="221517"/>
+            <a:off x="6443912" y="230828"/>
             <a:ext cx="2022396" cy="446276"/>
           </a:xfrm>
           <a:prstGeom prst="rect">
@@ -2976,66 +2856,6 @@
               <a:defRPr/>
             </a:pPr>
             <a:r>
-              <a:rPr kumimoji="1" lang="ja-JP" altLang="en-US" sz="2200" b="0" i="0" u="none" strike="noStrike" kern="1200" cap="none" spc="0" normalizeH="0" baseline="0" noProof="0">
-                <a:ln>
-                  <a:noFill/>
-                </a:ln>
-                <a:solidFill>
-                  <a:srgbClr val="70AD47">
-                    <a:lumMod val="60000"/>
-                    <a:lumOff val="40000"/>
-                  </a:srgbClr>
-                </a:solidFill>
-                <a:effectLst/>
-                <a:uLnTx/>
-                <a:uFillTx/>
-                <a:latin typeface="HG創英角ｺﾞｼｯｸUB" panose="020B0909000000000000" pitchFamily="49" charset="-128"/>
-                <a:ea typeface="HG創英角ｺﾞｼｯｸUB" panose="020B0909000000000000" pitchFamily="49" charset="-128"/>
-                <a:cs typeface="+mn-cs"/>
-              </a:rPr>
-              <a:t>３</a:t>
-            </a:r>
-            <a:r>
-              <a:rPr kumimoji="1" lang="en-US" altLang="ja-JP" sz="2200" b="1" i="0" u="none" strike="noStrike" kern="1200" cap="none" spc="0" normalizeH="0" baseline="0" noProof="0" dirty="0">
-                <a:ln>
-                  <a:noFill/>
-                </a:ln>
-                <a:solidFill>
-                  <a:srgbClr val="70AD47">
-                    <a:lumMod val="60000"/>
-                    <a:lumOff val="40000"/>
-                  </a:srgbClr>
-                </a:solidFill>
-                <a:effectLst/>
-                <a:uLnTx/>
-                <a:uFillTx/>
-                <a:latin typeface="HG創英角ｺﾞｼｯｸUB" panose="020B0909000000000000" pitchFamily="49" charset="-128"/>
-                <a:ea typeface="HG創英角ｺﾞｼｯｸUB" panose="020B0909000000000000" pitchFamily="49" charset="-128"/>
-                <a:cs typeface="+mn-cs"/>
-              </a:rPr>
-              <a:t>.</a:t>
-            </a:r>
-            <a:r>
-              <a:rPr kumimoji="1" lang="ja-JP" altLang="en-US" sz="2200" b="0" i="0" u="none" strike="noStrike" kern="1200" cap="none" spc="0" normalizeH="0" baseline="0" noProof="0">
-                <a:ln>
-                  <a:noFill/>
-                </a:ln>
-                <a:solidFill>
-                  <a:srgbClr val="70AD47">
-                    <a:lumMod val="60000"/>
-                    <a:lumOff val="40000"/>
-                  </a:srgbClr>
-                </a:solidFill>
-                <a:effectLst/>
-                <a:uLnTx/>
-                <a:uFillTx/>
-                <a:latin typeface="HG創英角ｺﾞｼｯｸUB" panose="020B0909000000000000" pitchFamily="49" charset="-128"/>
-                <a:ea typeface="HG創英角ｺﾞｼｯｸUB" panose="020B0909000000000000" pitchFamily="49" charset="-128"/>
-                <a:cs typeface="+mn-cs"/>
-              </a:rPr>
-              <a:t>振る舞い</a:t>
-            </a:r>
-            <a:r>
               <a:rPr kumimoji="1" lang="ja-JP" altLang="en-US" sz="2200" b="0" i="0" u="none" strike="noStrike" kern="1200" cap="none" spc="0" normalizeH="0" baseline="0" noProof="0" dirty="0">
                 <a:ln>
                   <a:noFill/>
@@ -3053,7 +2873,7 @@
                 <a:ea typeface="HG創英角ｺﾞｼｯｸUB" panose="020B0909000000000000" pitchFamily="49" charset="-128"/>
                 <a:cs typeface="+mn-cs"/>
               </a:rPr>
-              <a:t>②</a:t>
+              <a:t>振る舞い②</a:t>
             </a:r>
             <a:endParaRPr kumimoji="1" lang="en-US" altLang="ja-JP" sz="2200" b="0" i="0" u="none" strike="noStrike" kern="1200" cap="none" spc="0" normalizeH="0" baseline="0" noProof="0" dirty="0">
               <a:ln>
@@ -3089,7 +2909,7 @@
         </p:nvSpPr>
         <p:spPr>
           <a:xfrm>
-            <a:off x="4130772" y="28672"/>
+            <a:off x="4130772" y="47824"/>
             <a:ext cx="2016000" cy="1224384"/>
           </a:xfrm>
           <a:prstGeom prst="roundRect">
@@ -3168,7 +2988,7 @@
         </p:nvSpPr>
         <p:spPr>
           <a:xfrm>
-            <a:off x="76758" y="733637"/>
+            <a:off x="100800" y="696144"/>
             <a:ext cx="12600000" cy="8856984"/>
           </a:xfrm>
           <a:prstGeom prst="rect">
@@ -3245,8 +3065,8 @@
         </p:nvSpPr>
         <p:spPr>
           <a:xfrm>
-            <a:off x="4113787" y="118872"/>
-            <a:ext cx="2049970" cy="446276"/>
+            <a:off x="4373655" y="134347"/>
+            <a:ext cx="1614110" cy="446276"/>
           </a:xfrm>
           <a:prstGeom prst="rect">
             <a:avLst/>
@@ -3294,12 +3114,12 @@
               <a:defRPr/>
             </a:pPr>
             <a:r>
-              <a:rPr kumimoji="1" lang="ja-JP" altLang="en-US" sz="2200" b="0" i="0" u="none" strike="noStrike" kern="1200" cap="none" spc="0" normalizeH="0" baseline="0" noProof="0">
+              <a:rPr kumimoji="1" lang="ja-JP" altLang="en-US" sz="2200" b="0" i="0" u="none" strike="noStrike" kern="1200" cap="none" spc="0" normalizeH="0" baseline="0" noProof="0" dirty="0">
                 <a:ln>
                   <a:noFill/>
                 </a:ln>
                 <a:solidFill>
-                  <a:schemeClr val="bg1"/>
+                  <a:prstClr val="white"/>
                 </a:solidFill>
                 <a:effectLst/>
                 <a:uLnTx/>
@@ -3308,74 +3128,79 @@
                 <a:ea typeface="HG創英角ｺﾞｼｯｸUB" panose="020B0909000000000000" pitchFamily="49" charset="-128"/>
                 <a:cs typeface="+mn-cs"/>
               </a:rPr>
-              <a:t>３</a:t>
-            </a:r>
-            <a:r>
-              <a:rPr kumimoji="1" lang="en-US" altLang="ja-JP" sz="2200" b="1" i="0" u="none" strike="noStrike" kern="1200" cap="none" spc="0" normalizeH="0" baseline="0" noProof="0" dirty="0">
-                <a:ln>
-                  <a:noFill/>
-                </a:ln>
-                <a:solidFill>
-                  <a:schemeClr val="bg1"/>
-                </a:solidFill>
-                <a:effectLst/>
-                <a:uLnTx/>
-                <a:uFillTx/>
-                <a:latin typeface="HG創英角ｺﾞｼｯｸUB" panose="020B0909000000000000" pitchFamily="49" charset="-128"/>
-                <a:ea typeface="HG創英角ｺﾞｼｯｸUB" panose="020B0909000000000000" pitchFamily="49" charset="-128"/>
-                <a:cs typeface="+mn-cs"/>
-              </a:rPr>
-              <a:t>.</a:t>
-            </a:r>
-            <a:r>
-              <a:rPr kumimoji="1" lang="ja-JP" altLang="en-US" sz="2200" b="0" i="0" u="none" strike="noStrike" kern="1200" cap="none" spc="0" normalizeH="0" baseline="0" noProof="0">
-                <a:ln>
-                  <a:noFill/>
-                </a:ln>
-                <a:solidFill>
-                  <a:schemeClr val="bg1"/>
-                </a:solidFill>
-                <a:effectLst/>
-                <a:uLnTx/>
-                <a:uFillTx/>
-                <a:latin typeface="HG創英角ｺﾞｼｯｸUB" panose="020B0909000000000000" pitchFamily="49" charset="-128"/>
-                <a:ea typeface="HG創英角ｺﾞｼｯｸUB" panose="020B0909000000000000" pitchFamily="49" charset="-128"/>
-                <a:cs typeface="+mn-cs"/>
-              </a:rPr>
-              <a:t>振る舞い</a:t>
-            </a:r>
-            <a:r>
-              <a:rPr lang="ja-JP" altLang="en-US" sz="2200" dirty="0">
-                <a:solidFill>
-                  <a:schemeClr val="bg1"/>
-                </a:solidFill>
-                <a:latin typeface="HG創英角ｺﾞｼｯｸUB" panose="020B0909000000000000" pitchFamily="49" charset="-128"/>
-                <a:ea typeface="HG創英角ｺﾞｼｯｸUB" panose="020B0909000000000000" pitchFamily="49" charset="-128"/>
-              </a:rPr>
-              <a:t>①</a:t>
+              <a:t>振る舞い①</a:t>
             </a:r>
             <a:endParaRPr kumimoji="1" lang="en-US" altLang="ja-JP" sz="2200" b="0" i="0" u="none" strike="noStrike" kern="1200" cap="none" spc="0" normalizeH="0" baseline="0" noProof="0" dirty="0">
               <a:ln>
                 <a:noFill/>
               </a:ln>
               <a:solidFill>
-                <a:schemeClr val="bg1"/>
+                <a:prstClr val="white"/>
               </a:solidFill>
               <a:effectLst/>
               <a:uLnTx/>
               <a:uFillTx/>
               <a:latin typeface="HG創英角ｺﾞｼｯｸUB" panose="020B0909000000000000" pitchFamily="49" charset="-128"/>
               <a:ea typeface="HG創英角ｺﾞｼｯｸUB" panose="020B0909000000000000" pitchFamily="49" charset="-128"/>
+              <a:cs typeface="+mn-cs"/>
+            </a:endParaRPr>
+          </a:p>
+        </p:txBody>
+      </p:sp>
+      <p:sp>
+        <p:nvSpPr>
+          <p:cNvPr id="65" name="テキスト ボックス 64">
+            <a:extLst>
+              <a:ext uri="{FF2B5EF4-FFF2-40B4-BE49-F238E27FC236}">
+                <a16:creationId xmlns:a16="http://schemas.microsoft.com/office/drawing/2014/main" id="{A6DAA2E6-402A-45E8-9769-DF1DC8EBA18A}"/>
+              </a:ext>
+            </a:extLst>
+          </p:cNvPr>
+          <p:cNvSpPr txBox="1"/>
+          <p:nvPr/>
+        </p:nvSpPr>
+        <p:spPr>
+          <a:xfrm>
+            <a:off x="10301946" y="109416"/>
+            <a:ext cx="2392114" cy="584775"/>
+          </a:xfrm>
+          <a:prstGeom prst="rect">
+            <a:avLst/>
+          </a:prstGeom>
+          <a:noFill/>
+        </p:spPr>
+        <p:txBody>
+          <a:bodyPr wrap="square" rtlCol="0">
+            <a:spAutoFit/>
+          </a:bodyPr>
+          <a:lstStyle/>
+          <a:p>
+            <a:r>
+              <a:rPr kumimoji="1" lang="en-US" altLang="ja-JP" sz="3200" b="1" dirty="0" err="1">
+                <a:solidFill>
+                  <a:srgbClr val="F600AA"/>
+                </a:solidFill>
+                <a:latin typeface="+mn-ea"/>
+                <a:ea typeface="+mn-ea"/>
+              </a:rPr>
+              <a:t>teamNITIC</a:t>
+            </a:r>
+            <a:endParaRPr kumimoji="1" lang="ja-JP" altLang="en-US" sz="3200" b="1" dirty="0">
+              <a:solidFill>
+                <a:srgbClr val="F600AA"/>
+              </a:solidFill>
+              <a:latin typeface="+mn-ea"/>
+              <a:ea typeface="+mn-ea"/>
             </a:endParaRPr>
           </a:p>
         </p:txBody>
       </p:sp>
       <p:pic>
         <p:nvPicPr>
-          <p:cNvPr id="17" name="図 16" descr="スクリーンショット が含まれている画像&#10;&#10;自動的に生成された説明">
+          <p:cNvPr id="67" name="図 66" descr="スクリーンショット が含まれている画像&#10;&#10;自動的に生成された説明">
             <a:extLst>
               <a:ext uri="{FF2B5EF4-FFF2-40B4-BE49-F238E27FC236}">
-                <a16:creationId xmlns:a16="http://schemas.microsoft.com/office/drawing/2014/main" id="{4C44B92B-AD6B-8843-8AED-47545E826AB8}"/>
+                <a16:creationId xmlns:a16="http://schemas.microsoft.com/office/drawing/2014/main" id="{67D32CAB-F163-4271-B706-427491352635}"/>
               </a:ext>
             </a:extLst>
           </p:cNvPr>
@@ -3407,10 +3232,10 @@
       </p:pic>
       <p:sp>
         <p:nvSpPr>
-          <p:cNvPr id="41" name="テキスト ボックス 40">
+          <p:cNvPr id="68" name="テキスト ボックス 67">
             <a:extLst>
               <a:ext uri="{FF2B5EF4-FFF2-40B4-BE49-F238E27FC236}">
-                <a16:creationId xmlns:a16="http://schemas.microsoft.com/office/drawing/2014/main" id="{84164602-304F-2D4C-9FC2-03244B73CC4A}"/>
+                <a16:creationId xmlns:a16="http://schemas.microsoft.com/office/drawing/2014/main" id="{DFFACABC-4DA0-4856-BE2C-FBAD7D4B7D2A}"/>
               </a:ext>
             </a:extLst>
           </p:cNvPr>
@@ -3419,8 +3244,8 @@
         </p:nvSpPr>
         <p:spPr>
           <a:xfrm>
-            <a:off x="84540" y="719853"/>
-            <a:ext cx="2211802" cy="338554"/>
+            <a:off x="84539" y="719853"/>
+            <a:ext cx="2572069" cy="338554"/>
           </a:xfrm>
           <a:prstGeom prst="rect">
             <a:avLst/>
@@ -3464,7 +3289,7 @@
                 <a:latin typeface="游ゴシック" panose="020B0400000000000000" pitchFamily="50" charset="-128"/>
                 <a:ea typeface="游ゴシック" panose="020B0400000000000000" pitchFamily="50" charset="-128"/>
               </a:rPr>
-              <a:t>1.</a:t>
+              <a:t>1. </a:t>
             </a:r>
             <a:r>
               <a:rPr kumimoji="1" lang="ja-JP" altLang="en-US" b="1" i="0" u="none" strike="noStrike" kern="1200" cap="none" spc="0" normalizeH="0" baseline="0" noProof="0" dirty="0">
@@ -3487,10 +3312,10 @@
       </p:sp>
       <p:cxnSp>
         <p:nvCxnSpPr>
-          <p:cNvPr id="50" name="直線コネクタ 49">
+          <p:cNvPr id="69" name="直線コネクタ 68">
             <a:extLst>
               <a:ext uri="{FF2B5EF4-FFF2-40B4-BE49-F238E27FC236}">
-                <a16:creationId xmlns:a16="http://schemas.microsoft.com/office/drawing/2014/main" id="{D23FE191-4727-8040-A83B-5C3B05BC557D}"/>
+                <a16:creationId xmlns:a16="http://schemas.microsoft.com/office/drawing/2014/main" id="{08A2710D-888B-4C4C-82D1-576EDFA86BA4}"/>
               </a:ext>
             </a:extLst>
           </p:cNvPr>
@@ -3530,10 +3355,10 @@
       </p:cxnSp>
       <p:sp>
         <p:nvSpPr>
-          <p:cNvPr id="51" name="テキスト ボックス 50">
+          <p:cNvPr id="70" name="テキスト ボックス 69">
             <a:extLst>
               <a:ext uri="{FF2B5EF4-FFF2-40B4-BE49-F238E27FC236}">
-                <a16:creationId xmlns:a16="http://schemas.microsoft.com/office/drawing/2014/main" id="{0E208EF2-3DC9-8842-85F1-016BCC69C7FD}"/>
+                <a16:creationId xmlns:a16="http://schemas.microsoft.com/office/drawing/2014/main" id="{B67CFD2D-EC78-43DA-885E-9479E2B899F5}"/>
               </a:ext>
             </a:extLst>
           </p:cNvPr>
@@ -3563,15 +3388,26 @@
               </a:rPr>
               <a:t>機能の状態をステートマシン図に示す</a:t>
             </a:r>
+            <a:r>
+              <a:rPr lang="ja-JP" altLang="en-US" sz="1050" dirty="0">
+                <a:latin typeface="メイリオ" panose="020B0604030504040204" pitchFamily="50" charset="-128"/>
+                <a:ea typeface="メイリオ" panose="020B0604030504040204" pitchFamily="50" charset="-128"/>
+              </a:rPr>
+              <a:t>．</a:t>
+            </a:r>
+            <a:endParaRPr kumimoji="1" lang="en-US" altLang="ja-JP" sz="1050" dirty="0">
+              <a:latin typeface="メイリオ" panose="020B0604030504040204" pitchFamily="50" charset="-128"/>
+              <a:ea typeface="メイリオ" panose="020B0604030504040204" pitchFamily="50" charset="-128"/>
+            </a:endParaRPr>
           </a:p>
         </p:txBody>
       </p:sp>
       <p:sp>
         <p:nvSpPr>
-          <p:cNvPr id="52" name="テキスト ボックス 51">
+          <p:cNvPr id="71" name="テキスト ボックス 70">
             <a:extLst>
               <a:ext uri="{FF2B5EF4-FFF2-40B4-BE49-F238E27FC236}">
-                <a16:creationId xmlns:a16="http://schemas.microsoft.com/office/drawing/2014/main" id="{A9FF27DF-B6F0-ED45-963E-793ABB41C8FF}"/>
+                <a16:creationId xmlns:a16="http://schemas.microsoft.com/office/drawing/2014/main" id="{D142AA33-9B77-4C0B-BFD6-A4DFE92CDCC3}"/>
               </a:ext>
             </a:extLst>
           </p:cNvPr>
@@ -3635,7 +3471,7 @@
                 <a:latin typeface="游ゴシック" panose="020B0400000000000000" pitchFamily="50" charset="-128"/>
                 <a:ea typeface="游ゴシック" panose="020B0400000000000000" pitchFamily="50" charset="-128"/>
               </a:rPr>
-              <a:t>.</a:t>
+              <a:t>. </a:t>
             </a:r>
             <a:r>
               <a:rPr kumimoji="1" lang="ja-JP" altLang="en-US" b="1" i="0" u="none" strike="noStrike" kern="1200" cap="none" spc="0" normalizeH="0" baseline="0" noProof="0" dirty="0">
@@ -3658,10 +3494,10 @@
       </p:sp>
       <p:cxnSp>
         <p:nvCxnSpPr>
-          <p:cNvPr id="23" name="直線コネクタ 22">
+          <p:cNvPr id="72" name="直線コネクタ 71">
             <a:extLst>
               <a:ext uri="{FF2B5EF4-FFF2-40B4-BE49-F238E27FC236}">
-                <a16:creationId xmlns:a16="http://schemas.microsoft.com/office/drawing/2014/main" id="{8135B6D7-17FA-3A41-89A8-F49243F404AF}"/>
+                <a16:creationId xmlns:a16="http://schemas.microsoft.com/office/drawing/2014/main" id="{41382414-EEDE-495A-BC9B-E101D44247C4}"/>
               </a:ext>
             </a:extLst>
           </p:cNvPr>
@@ -3701,10 +3537,10 @@
       </p:cxnSp>
       <p:sp>
         <p:nvSpPr>
-          <p:cNvPr id="57" name="テキスト ボックス 56">
+          <p:cNvPr id="73" name="テキスト ボックス 72">
             <a:extLst>
               <a:ext uri="{FF2B5EF4-FFF2-40B4-BE49-F238E27FC236}">
-                <a16:creationId xmlns:a16="http://schemas.microsoft.com/office/drawing/2014/main" id="{A2597920-B22A-F04A-9FB9-2017C5133FA4}"/>
+                <a16:creationId xmlns:a16="http://schemas.microsoft.com/office/drawing/2014/main" id="{FFF2B231-3701-4174-9531-695426865060}"/>
               </a:ext>
             </a:extLst>
           </p:cNvPr>
@@ -3826,10 +3662,10 @@
       </p:sp>
       <p:cxnSp>
         <p:nvCxnSpPr>
-          <p:cNvPr id="34" name="直線コネクタ 33">
+          <p:cNvPr id="74" name="直線コネクタ 73">
             <a:extLst>
               <a:ext uri="{FF2B5EF4-FFF2-40B4-BE49-F238E27FC236}">
-                <a16:creationId xmlns:a16="http://schemas.microsoft.com/office/drawing/2014/main" id="{C7A7514A-1822-4240-8DA5-A3D8F7193F72}"/>
+                <a16:creationId xmlns:a16="http://schemas.microsoft.com/office/drawing/2014/main" id="{222A91B4-8DE5-4D2B-9621-40E233F07C4E}"/>
               </a:ext>
             </a:extLst>
           </p:cNvPr>
@@ -3869,10 +3705,10 @@
       </p:cxnSp>
       <p:graphicFrame>
         <p:nvGraphicFramePr>
-          <p:cNvPr id="9" name="表 8">
+          <p:cNvPr id="75" name="表 74">
             <a:extLst>
               <a:ext uri="{FF2B5EF4-FFF2-40B4-BE49-F238E27FC236}">
-                <a16:creationId xmlns:a16="http://schemas.microsoft.com/office/drawing/2014/main" id="{3B36A374-E9E9-4D99-848E-D464006BC4E8}"/>
+                <a16:creationId xmlns:a16="http://schemas.microsoft.com/office/drawing/2014/main" id="{B6073636-7D71-45CE-9DDB-8F26711CEFC0}"/>
               </a:ext>
             </a:extLst>
           </p:cNvPr>
@@ -3882,7 +3718,7 @@
           <p:nvPr>
             <p:extLst>
               <p:ext uri="{D42A27DB-BD31-4B8C-83A1-F6EECF244321}">
-                <p14:modId xmlns:p14="http://schemas.microsoft.com/office/powerpoint/2010/main" val="953287597"/>
+                <p14:modId xmlns:p14="http://schemas.microsoft.com/office/powerpoint/2010/main" val="2478069421"/>
               </p:ext>
             </p:extLst>
           </p:nvPr>
@@ -4120,10 +3956,10 @@
       </p:graphicFrame>
       <p:sp>
         <p:nvSpPr>
-          <p:cNvPr id="38" name="テキスト ボックス 37">
+          <p:cNvPr id="76" name="テキスト ボックス 75">
             <a:extLst>
               <a:ext uri="{FF2B5EF4-FFF2-40B4-BE49-F238E27FC236}">
-                <a16:creationId xmlns:a16="http://schemas.microsoft.com/office/drawing/2014/main" id="{C071F6AA-EE94-475F-8472-8448F87EF85C}"/>
+                <a16:creationId xmlns:a16="http://schemas.microsoft.com/office/drawing/2014/main" id="{07A786D4-336E-44ED-A4CA-B219FECFD13E}"/>
               </a:ext>
             </a:extLst>
           </p:cNvPr>
@@ -4220,10 +4056,10 @@
       </p:sp>
       <p:cxnSp>
         <p:nvCxnSpPr>
-          <p:cNvPr id="40" name="直線コネクタ 39">
+          <p:cNvPr id="77" name="直線コネクタ 76">
             <a:extLst>
               <a:ext uri="{FF2B5EF4-FFF2-40B4-BE49-F238E27FC236}">
-                <a16:creationId xmlns:a16="http://schemas.microsoft.com/office/drawing/2014/main" id="{B2CCCAC5-1F58-4DE3-A25B-2787A184B964}"/>
+                <a16:creationId xmlns:a16="http://schemas.microsoft.com/office/drawing/2014/main" id="{D54DBDB6-7DF8-4A11-B2B7-1C4EEFBC2675}"/>
               </a:ext>
             </a:extLst>
           </p:cNvPr>
@@ -4263,10 +4099,10 @@
       </p:cxnSp>
       <p:sp>
         <p:nvSpPr>
-          <p:cNvPr id="53" name="テキスト ボックス 52">
+          <p:cNvPr id="78" name="テキスト ボックス 77">
             <a:extLst>
               <a:ext uri="{FF2B5EF4-FFF2-40B4-BE49-F238E27FC236}">
-                <a16:creationId xmlns:a16="http://schemas.microsoft.com/office/drawing/2014/main" id="{3559B331-1A1F-41A1-94C9-67B78B725D83}"/>
+                <a16:creationId xmlns:a16="http://schemas.microsoft.com/office/drawing/2014/main" id="{D30BA5CC-FADD-496A-8CB2-3732A1497CE5}"/>
               </a:ext>
             </a:extLst>
           </p:cNvPr>
@@ -4305,10 +4141,10 @@
       </p:sp>
       <p:cxnSp>
         <p:nvCxnSpPr>
-          <p:cNvPr id="55" name="直線コネクタ 54">
+          <p:cNvPr id="79" name="直線コネクタ 78">
             <a:extLst>
               <a:ext uri="{FF2B5EF4-FFF2-40B4-BE49-F238E27FC236}">
-                <a16:creationId xmlns:a16="http://schemas.microsoft.com/office/drawing/2014/main" id="{583C2C92-38F3-4EEA-B139-0161BD03A342}"/>
+                <a16:creationId xmlns:a16="http://schemas.microsoft.com/office/drawing/2014/main" id="{AA292FA2-8EF1-481D-A4A4-FD2DCFDA81C1}"/>
               </a:ext>
             </a:extLst>
           </p:cNvPr>
@@ -4348,10 +4184,10 @@
       </p:cxnSp>
       <p:cxnSp>
         <p:nvCxnSpPr>
-          <p:cNvPr id="56" name="直線コネクタ 55">
+          <p:cNvPr id="80" name="直線コネクタ 79">
             <a:extLst>
               <a:ext uri="{FF2B5EF4-FFF2-40B4-BE49-F238E27FC236}">
-                <a16:creationId xmlns:a16="http://schemas.microsoft.com/office/drawing/2014/main" id="{7A04B749-9600-4C21-87DA-E530504471A5}"/>
+                <a16:creationId xmlns:a16="http://schemas.microsoft.com/office/drawing/2014/main" id="{9753F1D3-1207-4095-A6AF-F783B1F40C82}"/>
               </a:ext>
             </a:extLst>
           </p:cNvPr>
@@ -4391,10 +4227,10 @@
       </p:cxnSp>
       <p:sp>
         <p:nvSpPr>
-          <p:cNvPr id="62" name="テキスト ボックス 61">
+          <p:cNvPr id="81" name="テキスト ボックス 80">
             <a:extLst>
               <a:ext uri="{FF2B5EF4-FFF2-40B4-BE49-F238E27FC236}">
-                <a16:creationId xmlns:a16="http://schemas.microsoft.com/office/drawing/2014/main" id="{FB0B7157-0CC0-47DF-8AE0-3BB4D14B8768}"/>
+                <a16:creationId xmlns:a16="http://schemas.microsoft.com/office/drawing/2014/main" id="{8632D72F-12BB-4B4E-A2D2-72AFDB888BD9}"/>
               </a:ext>
             </a:extLst>
           </p:cNvPr>
@@ -4471,10 +4307,10 @@
       </p:sp>
       <p:sp>
         <p:nvSpPr>
-          <p:cNvPr id="63" name="テキスト ボックス 62">
+          <p:cNvPr id="82" name="テキスト ボックス 81">
             <a:extLst>
               <a:ext uri="{FF2B5EF4-FFF2-40B4-BE49-F238E27FC236}">
-                <a16:creationId xmlns:a16="http://schemas.microsoft.com/office/drawing/2014/main" id="{3B907795-F804-445B-82AE-D4780DC00EE1}"/>
+                <a16:creationId xmlns:a16="http://schemas.microsoft.com/office/drawing/2014/main" id="{3386EA29-018C-4678-86B1-E8067B67020A}"/>
               </a:ext>
             </a:extLst>
           </p:cNvPr>
@@ -4540,10 +4376,10 @@
       </p:sp>
       <p:cxnSp>
         <p:nvCxnSpPr>
-          <p:cNvPr id="64" name="直線コネクタ 63">
+          <p:cNvPr id="83" name="直線コネクタ 82">
             <a:extLst>
               <a:ext uri="{FF2B5EF4-FFF2-40B4-BE49-F238E27FC236}">
-                <a16:creationId xmlns:a16="http://schemas.microsoft.com/office/drawing/2014/main" id="{8D142B72-19E9-4EAC-8501-6CDE18909052}"/>
+                <a16:creationId xmlns:a16="http://schemas.microsoft.com/office/drawing/2014/main" id="{4E204DF8-820E-4F9E-9F28-799F16E8729F}"/>
               </a:ext>
             </a:extLst>
           </p:cNvPr>
@@ -4583,10 +4419,10 @@
       </p:cxnSp>
       <p:pic>
         <p:nvPicPr>
-          <p:cNvPr id="100" name="図 99">
+          <p:cNvPr id="84" name="図 83">
             <a:extLst>
               <a:ext uri="{FF2B5EF4-FFF2-40B4-BE49-F238E27FC236}">
-                <a16:creationId xmlns:a16="http://schemas.microsoft.com/office/drawing/2014/main" id="{ABCA3FFB-A439-4C9E-826D-6BA869E82294}"/>
+                <a16:creationId xmlns:a16="http://schemas.microsoft.com/office/drawing/2014/main" id="{EFDD1FDE-9909-4708-B87F-B703C42B9C2C}"/>
               </a:ext>
             </a:extLst>
           </p:cNvPr>
@@ -4619,10 +4455,10 @@
       </p:pic>
       <p:grpSp>
         <p:nvGrpSpPr>
-          <p:cNvPr id="103" name="グループ化 102">
+          <p:cNvPr id="85" name="グループ化 84">
             <a:extLst>
               <a:ext uri="{FF2B5EF4-FFF2-40B4-BE49-F238E27FC236}">
-                <a16:creationId xmlns:a16="http://schemas.microsoft.com/office/drawing/2014/main" id="{865736AE-5109-4572-A4A8-9056142AFB3F}"/>
+                <a16:creationId xmlns:a16="http://schemas.microsoft.com/office/drawing/2014/main" id="{5F8921EF-EBF4-4188-BAF2-4FC62AE66413}"/>
               </a:ext>
             </a:extLst>
           </p:cNvPr>
@@ -4639,10 +4475,10 @@
         </p:grpSpPr>
         <p:sp>
           <p:nvSpPr>
-            <p:cNvPr id="104" name="楕円 103">
+            <p:cNvPr id="86" name="楕円 85">
               <a:extLst>
                 <a:ext uri="{FF2B5EF4-FFF2-40B4-BE49-F238E27FC236}">
-                  <a16:creationId xmlns:a16="http://schemas.microsoft.com/office/drawing/2014/main" id="{E2E59DAA-A540-4774-AA95-703B2ABF1B00}"/>
+                  <a16:creationId xmlns:a16="http://schemas.microsoft.com/office/drawing/2014/main" id="{169BADFD-B5C7-40BD-AADF-2C5F2579F4CB}"/>
                 </a:ext>
               </a:extLst>
             </p:cNvPr>
@@ -4695,10 +4531,10 @@
         </p:sp>
         <p:sp>
           <p:nvSpPr>
-            <p:cNvPr id="105" name="テキスト ボックス 104">
+            <p:cNvPr id="87" name="テキスト ボックス 86">
               <a:extLst>
                 <a:ext uri="{FF2B5EF4-FFF2-40B4-BE49-F238E27FC236}">
-                  <a16:creationId xmlns:a16="http://schemas.microsoft.com/office/drawing/2014/main" id="{A9D0D471-2831-4376-ABB6-3EB113E7B326}"/>
+                  <a16:creationId xmlns:a16="http://schemas.microsoft.com/office/drawing/2014/main" id="{D61155B5-104E-4E8B-9FCC-52418A6FDD94}"/>
                 </a:ext>
               </a:extLst>
             </p:cNvPr>
@@ -4738,10 +4574,10 @@
       </p:grpSp>
       <p:grpSp>
         <p:nvGrpSpPr>
-          <p:cNvPr id="115" name="グループ化 114">
+          <p:cNvPr id="88" name="グループ化 87">
             <a:extLst>
               <a:ext uri="{FF2B5EF4-FFF2-40B4-BE49-F238E27FC236}">
-                <a16:creationId xmlns:a16="http://schemas.microsoft.com/office/drawing/2014/main" id="{B59C63CD-B149-41B0-A5A8-09C164F21A5E}"/>
+                <a16:creationId xmlns:a16="http://schemas.microsoft.com/office/drawing/2014/main" id="{C308EB8A-BC7E-4019-A2CC-A00CE793F8C5}"/>
               </a:ext>
             </a:extLst>
           </p:cNvPr>
@@ -4758,10 +4594,10 @@
         </p:grpSpPr>
         <p:sp>
           <p:nvSpPr>
-            <p:cNvPr id="116" name="楕円 115">
+            <p:cNvPr id="89" name="楕円 88">
               <a:extLst>
                 <a:ext uri="{FF2B5EF4-FFF2-40B4-BE49-F238E27FC236}">
-                  <a16:creationId xmlns:a16="http://schemas.microsoft.com/office/drawing/2014/main" id="{9E68958A-9D32-4D83-90A9-D2B558E7E866}"/>
+                  <a16:creationId xmlns:a16="http://schemas.microsoft.com/office/drawing/2014/main" id="{D37A8231-1ED9-4907-AD2F-0DED30EFBDD2}"/>
                 </a:ext>
               </a:extLst>
             </p:cNvPr>
@@ -4814,10 +4650,10 @@
         </p:sp>
         <p:sp>
           <p:nvSpPr>
-            <p:cNvPr id="117" name="テキスト ボックス 116">
+            <p:cNvPr id="90" name="テキスト ボックス 89">
               <a:extLst>
                 <a:ext uri="{FF2B5EF4-FFF2-40B4-BE49-F238E27FC236}">
-                  <a16:creationId xmlns:a16="http://schemas.microsoft.com/office/drawing/2014/main" id="{7E8B28CB-D2C6-49E8-819E-39AE3A56B515}"/>
+                  <a16:creationId xmlns:a16="http://schemas.microsoft.com/office/drawing/2014/main" id="{A0F22D09-0D0C-4329-8CF1-35C6B7B08242}"/>
                 </a:ext>
               </a:extLst>
             </p:cNvPr>
@@ -4857,10 +4693,10 @@
       </p:grpSp>
       <p:pic>
         <p:nvPicPr>
-          <p:cNvPr id="125" name="図 124">
+          <p:cNvPr id="91" name="図 90">
             <a:extLst>
               <a:ext uri="{FF2B5EF4-FFF2-40B4-BE49-F238E27FC236}">
-                <a16:creationId xmlns:a16="http://schemas.microsoft.com/office/drawing/2014/main" id="{A128CB75-59AA-4FB8-B586-AF38FB73152D}"/>
+                <a16:creationId xmlns:a16="http://schemas.microsoft.com/office/drawing/2014/main" id="{2F3CF6F7-8954-4B32-8FAE-5EE0051CC28F}"/>
               </a:ext>
             </a:extLst>
           </p:cNvPr>
@@ -4893,10 +4729,10 @@
       </p:pic>
       <p:grpSp>
         <p:nvGrpSpPr>
-          <p:cNvPr id="121" name="グループ化 120">
+          <p:cNvPr id="92" name="グループ化 91">
             <a:extLst>
               <a:ext uri="{FF2B5EF4-FFF2-40B4-BE49-F238E27FC236}">
-                <a16:creationId xmlns:a16="http://schemas.microsoft.com/office/drawing/2014/main" id="{FEB872D1-0F51-410C-938F-D3425420D32A}"/>
+                <a16:creationId xmlns:a16="http://schemas.microsoft.com/office/drawing/2014/main" id="{0AAA6C39-FFA6-4426-BA3A-4C0E3C0AA2D4}"/>
               </a:ext>
             </a:extLst>
           </p:cNvPr>
@@ -4913,10 +4749,10 @@
         </p:grpSpPr>
         <p:sp>
           <p:nvSpPr>
-            <p:cNvPr id="122" name="楕円 121">
+            <p:cNvPr id="93" name="楕円 92">
               <a:extLst>
                 <a:ext uri="{FF2B5EF4-FFF2-40B4-BE49-F238E27FC236}">
-                  <a16:creationId xmlns:a16="http://schemas.microsoft.com/office/drawing/2014/main" id="{2E701D4B-50D0-46F4-B0F6-07B9F106E9C7}"/>
+                  <a16:creationId xmlns:a16="http://schemas.microsoft.com/office/drawing/2014/main" id="{BACE689D-8B7D-48C0-82A7-E353A7AFC925}"/>
                 </a:ext>
               </a:extLst>
             </p:cNvPr>
@@ -4969,10 +4805,10 @@
         </p:sp>
         <p:sp>
           <p:nvSpPr>
-            <p:cNvPr id="123" name="テキスト ボックス 122">
+            <p:cNvPr id="94" name="テキスト ボックス 93">
               <a:extLst>
                 <a:ext uri="{FF2B5EF4-FFF2-40B4-BE49-F238E27FC236}">
-                  <a16:creationId xmlns:a16="http://schemas.microsoft.com/office/drawing/2014/main" id="{30CEBC36-9D6D-47C6-BAE6-EBB8DE8FA8EC}"/>
+                  <a16:creationId xmlns:a16="http://schemas.microsoft.com/office/drawing/2014/main" id="{88DB7DF2-0B85-4FB6-A2E0-60C63575CED8}"/>
                 </a:ext>
               </a:extLst>
             </p:cNvPr>
@@ -5012,10 +4848,10 @@
       </p:grpSp>
       <p:grpSp>
         <p:nvGrpSpPr>
-          <p:cNvPr id="118" name="グループ化 117">
+          <p:cNvPr id="95" name="グループ化 94">
             <a:extLst>
               <a:ext uri="{FF2B5EF4-FFF2-40B4-BE49-F238E27FC236}">
-                <a16:creationId xmlns:a16="http://schemas.microsoft.com/office/drawing/2014/main" id="{DFA176CA-29F9-4E93-83C9-2B00A57E2A10}"/>
+                <a16:creationId xmlns:a16="http://schemas.microsoft.com/office/drawing/2014/main" id="{981099FE-E70B-42EA-AFD6-C700F0F84496}"/>
               </a:ext>
             </a:extLst>
           </p:cNvPr>
@@ -5032,10 +4868,10 @@
         </p:grpSpPr>
         <p:sp>
           <p:nvSpPr>
-            <p:cNvPr id="119" name="楕円 118">
+            <p:cNvPr id="96" name="楕円 95">
               <a:extLst>
                 <a:ext uri="{FF2B5EF4-FFF2-40B4-BE49-F238E27FC236}">
-                  <a16:creationId xmlns:a16="http://schemas.microsoft.com/office/drawing/2014/main" id="{088B0B21-1CD7-4EC8-BF74-177DC02119F1}"/>
+                  <a16:creationId xmlns:a16="http://schemas.microsoft.com/office/drawing/2014/main" id="{CF30B01F-DEC9-4B7C-BA9D-B485D3C6C0FC}"/>
                 </a:ext>
               </a:extLst>
             </p:cNvPr>
@@ -5088,10 +4924,10 @@
         </p:sp>
         <p:sp>
           <p:nvSpPr>
-            <p:cNvPr id="120" name="テキスト ボックス 119">
+            <p:cNvPr id="97" name="テキスト ボックス 96">
               <a:extLst>
                 <a:ext uri="{FF2B5EF4-FFF2-40B4-BE49-F238E27FC236}">
-                  <a16:creationId xmlns:a16="http://schemas.microsoft.com/office/drawing/2014/main" id="{888E893F-FB12-4B91-8FA2-5C09E27CB4B5}"/>
+                  <a16:creationId xmlns:a16="http://schemas.microsoft.com/office/drawing/2014/main" id="{ABD065AB-74D2-4A6E-AED2-690C99F568B8}"/>
                 </a:ext>
               </a:extLst>
             </p:cNvPr>
@@ -5131,10 +4967,10 @@
       </p:grpSp>
       <p:grpSp>
         <p:nvGrpSpPr>
-          <p:cNvPr id="126" name="グループ化 125">
+          <p:cNvPr id="98" name="グループ化 97">
             <a:extLst>
               <a:ext uri="{FF2B5EF4-FFF2-40B4-BE49-F238E27FC236}">
-                <a16:creationId xmlns:a16="http://schemas.microsoft.com/office/drawing/2014/main" id="{FFED28F1-AE87-463E-9778-6DCD41FCBCF1}"/>
+                <a16:creationId xmlns:a16="http://schemas.microsoft.com/office/drawing/2014/main" id="{EFBE7098-6FCE-4D26-860A-F6332BED812E}"/>
               </a:ext>
             </a:extLst>
           </p:cNvPr>
@@ -5151,10 +4987,10 @@
         </p:grpSpPr>
         <p:sp>
           <p:nvSpPr>
-            <p:cNvPr id="127" name="楕円 126">
+            <p:cNvPr id="99" name="楕円 98">
               <a:extLst>
                 <a:ext uri="{FF2B5EF4-FFF2-40B4-BE49-F238E27FC236}">
-                  <a16:creationId xmlns:a16="http://schemas.microsoft.com/office/drawing/2014/main" id="{35E21869-3634-433F-9DD3-DD524D2970EF}"/>
+                  <a16:creationId xmlns:a16="http://schemas.microsoft.com/office/drawing/2014/main" id="{271071C3-976A-48B9-9AF7-2C4CCBB7C72F}"/>
                 </a:ext>
               </a:extLst>
             </p:cNvPr>
@@ -5207,10 +5043,10 @@
         </p:sp>
         <p:sp>
           <p:nvSpPr>
-            <p:cNvPr id="128" name="テキスト ボックス 127">
+            <p:cNvPr id="101" name="テキスト ボックス 100">
               <a:extLst>
                 <a:ext uri="{FF2B5EF4-FFF2-40B4-BE49-F238E27FC236}">
-                  <a16:creationId xmlns:a16="http://schemas.microsoft.com/office/drawing/2014/main" id="{9615FAE7-C40F-4FA8-A938-5B65126D2461}"/>
+                  <a16:creationId xmlns:a16="http://schemas.microsoft.com/office/drawing/2014/main" id="{20437890-A551-4E6C-A56E-2F1EF679851A}"/>
                 </a:ext>
               </a:extLst>
             </p:cNvPr>
@@ -5250,10 +5086,10 @@
       </p:grpSp>
       <p:pic>
         <p:nvPicPr>
-          <p:cNvPr id="131" name="図 130">
+          <p:cNvPr id="102" name="図 101">
             <a:extLst>
               <a:ext uri="{FF2B5EF4-FFF2-40B4-BE49-F238E27FC236}">
-                <a16:creationId xmlns:a16="http://schemas.microsoft.com/office/drawing/2014/main" id="{B5C9338D-F804-49FC-95F7-7C63D1AB9B99}"/>
+                <a16:creationId xmlns:a16="http://schemas.microsoft.com/office/drawing/2014/main" id="{5F87F8EE-7898-43DA-99DE-56C5B0D4AD4A}"/>
               </a:ext>
             </a:extLst>
           </p:cNvPr>
@@ -5286,10 +5122,10 @@
       </p:pic>
       <p:grpSp>
         <p:nvGrpSpPr>
-          <p:cNvPr id="112" name="グループ化 111">
+          <p:cNvPr id="106" name="グループ化 105">
             <a:extLst>
               <a:ext uri="{FF2B5EF4-FFF2-40B4-BE49-F238E27FC236}">
-                <a16:creationId xmlns:a16="http://schemas.microsoft.com/office/drawing/2014/main" id="{7C1B58E5-D63F-4411-B636-9A85C4A6926E}"/>
+                <a16:creationId xmlns:a16="http://schemas.microsoft.com/office/drawing/2014/main" id="{6464957B-2D38-424B-97F6-D6DE37D9228E}"/>
               </a:ext>
             </a:extLst>
           </p:cNvPr>
@@ -5306,10 +5142,10 @@
         </p:grpSpPr>
         <p:sp>
           <p:nvSpPr>
-            <p:cNvPr id="113" name="楕円 112">
+            <p:cNvPr id="107" name="楕円 106">
               <a:extLst>
                 <a:ext uri="{FF2B5EF4-FFF2-40B4-BE49-F238E27FC236}">
-                  <a16:creationId xmlns:a16="http://schemas.microsoft.com/office/drawing/2014/main" id="{886C2D32-43AB-4190-93EF-B6CB26A8E414}"/>
+                  <a16:creationId xmlns:a16="http://schemas.microsoft.com/office/drawing/2014/main" id="{196FCD8E-6A90-448D-8F67-0966031801C4}"/>
                 </a:ext>
               </a:extLst>
             </p:cNvPr>
@@ -5362,10 +5198,10 @@
         </p:sp>
         <p:sp>
           <p:nvSpPr>
-            <p:cNvPr id="114" name="テキスト ボックス 113">
+            <p:cNvPr id="108" name="テキスト ボックス 107">
               <a:extLst>
                 <a:ext uri="{FF2B5EF4-FFF2-40B4-BE49-F238E27FC236}">
-                  <a16:creationId xmlns:a16="http://schemas.microsoft.com/office/drawing/2014/main" id="{414C097F-830B-4086-8E3E-E85D28619BD7}"/>
+                  <a16:creationId xmlns:a16="http://schemas.microsoft.com/office/drawing/2014/main" id="{D56F02C8-C912-4004-9A4C-A94A572E372C}"/>
                 </a:ext>
               </a:extLst>
             </p:cNvPr>
@@ -5405,10 +5241,10 @@
       </p:grpSp>
       <p:grpSp>
         <p:nvGrpSpPr>
-          <p:cNvPr id="132" name="グループ化 131">
+          <p:cNvPr id="109" name="グループ化 108">
             <a:extLst>
               <a:ext uri="{FF2B5EF4-FFF2-40B4-BE49-F238E27FC236}">
-                <a16:creationId xmlns:a16="http://schemas.microsoft.com/office/drawing/2014/main" id="{FED087E6-B5DC-4EB8-936B-39F601E4DAD5}"/>
+                <a16:creationId xmlns:a16="http://schemas.microsoft.com/office/drawing/2014/main" id="{E9BAFEF8-63AA-427F-9D79-6546EEBA8B87}"/>
               </a:ext>
             </a:extLst>
           </p:cNvPr>
@@ -5425,10 +5261,10 @@
         </p:grpSpPr>
         <p:sp>
           <p:nvSpPr>
-            <p:cNvPr id="133" name="楕円 132">
+            <p:cNvPr id="110" name="楕円 109">
               <a:extLst>
                 <a:ext uri="{FF2B5EF4-FFF2-40B4-BE49-F238E27FC236}">
-                  <a16:creationId xmlns:a16="http://schemas.microsoft.com/office/drawing/2014/main" id="{DB28BDA8-144E-4343-9C67-F9E76C4A1FEC}"/>
+                  <a16:creationId xmlns:a16="http://schemas.microsoft.com/office/drawing/2014/main" id="{44E3D27C-8348-4042-BC7E-EBDF6851523B}"/>
                 </a:ext>
               </a:extLst>
             </p:cNvPr>
@@ -5477,10 +5313,10 @@
         </p:sp>
         <p:sp>
           <p:nvSpPr>
-            <p:cNvPr id="134" name="テキスト ボックス 133">
+            <p:cNvPr id="111" name="テキスト ボックス 110">
               <a:extLst>
                 <a:ext uri="{FF2B5EF4-FFF2-40B4-BE49-F238E27FC236}">
-                  <a16:creationId xmlns:a16="http://schemas.microsoft.com/office/drawing/2014/main" id="{E3E885CE-EBFC-44AB-81A2-283C386CBED5}"/>
+                  <a16:creationId xmlns:a16="http://schemas.microsoft.com/office/drawing/2014/main" id="{82EB8736-2FC6-4457-A524-00D8684E84B7}"/>
                 </a:ext>
               </a:extLst>
             </p:cNvPr>
@@ -5520,10 +5356,10 @@
       </p:grpSp>
       <p:grpSp>
         <p:nvGrpSpPr>
-          <p:cNvPr id="135" name="グループ化 134">
+          <p:cNvPr id="124" name="グループ化 123">
             <a:extLst>
               <a:ext uri="{FF2B5EF4-FFF2-40B4-BE49-F238E27FC236}">
-                <a16:creationId xmlns:a16="http://schemas.microsoft.com/office/drawing/2014/main" id="{1C529E4E-75CD-48A8-A101-E852C7CEDFC6}"/>
+                <a16:creationId xmlns:a16="http://schemas.microsoft.com/office/drawing/2014/main" id="{402AB6D0-54A3-484C-B437-E22FA57FFD4C}"/>
               </a:ext>
             </a:extLst>
           </p:cNvPr>
@@ -5540,10 +5376,10 @@
         </p:grpSpPr>
         <p:sp>
           <p:nvSpPr>
-            <p:cNvPr id="136" name="楕円 135">
+            <p:cNvPr id="129" name="楕円 128">
               <a:extLst>
                 <a:ext uri="{FF2B5EF4-FFF2-40B4-BE49-F238E27FC236}">
-                  <a16:creationId xmlns:a16="http://schemas.microsoft.com/office/drawing/2014/main" id="{16D58360-0757-4C8B-AE0E-2B43B18E3140}"/>
+                  <a16:creationId xmlns:a16="http://schemas.microsoft.com/office/drawing/2014/main" id="{CB89DDDF-77F1-45A3-92ED-5A8A574F83E3}"/>
                 </a:ext>
               </a:extLst>
             </p:cNvPr>
@@ -5592,10 +5428,10 @@
         </p:sp>
         <p:sp>
           <p:nvSpPr>
-            <p:cNvPr id="137" name="テキスト ボックス 136">
+            <p:cNvPr id="130" name="テキスト ボックス 129">
               <a:extLst>
                 <a:ext uri="{FF2B5EF4-FFF2-40B4-BE49-F238E27FC236}">
-                  <a16:creationId xmlns:a16="http://schemas.microsoft.com/office/drawing/2014/main" id="{C27D1098-9224-49A1-9653-8448733F31E3}"/>
+                  <a16:creationId xmlns:a16="http://schemas.microsoft.com/office/drawing/2014/main" id="{E876A982-E999-4898-B175-B937A38A1152}"/>
                 </a:ext>
               </a:extLst>
             </p:cNvPr>
@@ -5635,10 +5471,10 @@
       </p:grpSp>
       <p:grpSp>
         <p:nvGrpSpPr>
-          <p:cNvPr id="138" name="グループ化 137">
+          <p:cNvPr id="144" name="グループ化 143">
             <a:extLst>
               <a:ext uri="{FF2B5EF4-FFF2-40B4-BE49-F238E27FC236}">
-                <a16:creationId xmlns:a16="http://schemas.microsoft.com/office/drawing/2014/main" id="{878EECAD-7C7A-47D3-8B17-3D2C18BD4349}"/>
+                <a16:creationId xmlns:a16="http://schemas.microsoft.com/office/drawing/2014/main" id="{4F73A694-B9CF-42C2-8E09-4FACCC7740BF}"/>
               </a:ext>
             </a:extLst>
           </p:cNvPr>
@@ -5655,10 +5491,10 @@
         </p:grpSpPr>
         <p:sp>
           <p:nvSpPr>
-            <p:cNvPr id="139" name="楕円 138">
+            <p:cNvPr id="145" name="楕円 144">
               <a:extLst>
                 <a:ext uri="{FF2B5EF4-FFF2-40B4-BE49-F238E27FC236}">
-                  <a16:creationId xmlns:a16="http://schemas.microsoft.com/office/drawing/2014/main" id="{7D381DF5-570E-49E9-B054-66782BC97766}"/>
+                  <a16:creationId xmlns:a16="http://schemas.microsoft.com/office/drawing/2014/main" id="{4AA347D2-A2E0-42C7-AC69-F3D3B238A393}"/>
                 </a:ext>
               </a:extLst>
             </p:cNvPr>
@@ -5707,10 +5543,10 @@
         </p:sp>
         <p:sp>
           <p:nvSpPr>
-            <p:cNvPr id="140" name="テキスト ボックス 139">
+            <p:cNvPr id="146" name="テキスト ボックス 145">
               <a:extLst>
                 <a:ext uri="{FF2B5EF4-FFF2-40B4-BE49-F238E27FC236}">
-                  <a16:creationId xmlns:a16="http://schemas.microsoft.com/office/drawing/2014/main" id="{7BC58B64-58BE-45B5-A9F1-9DCCF7905B9B}"/>
+                  <a16:creationId xmlns:a16="http://schemas.microsoft.com/office/drawing/2014/main" id="{9D8970C7-B8EC-450E-8907-3023AE9D2BEE}"/>
                 </a:ext>
               </a:extLst>
             </p:cNvPr>
@@ -5750,10 +5586,10 @@
       </p:grpSp>
       <p:grpSp>
         <p:nvGrpSpPr>
-          <p:cNvPr id="141" name="グループ化 140">
+          <p:cNvPr id="147" name="グループ化 146">
             <a:extLst>
               <a:ext uri="{FF2B5EF4-FFF2-40B4-BE49-F238E27FC236}">
-                <a16:creationId xmlns:a16="http://schemas.microsoft.com/office/drawing/2014/main" id="{66F899AF-0974-4215-B918-E45C0EB102B9}"/>
+                <a16:creationId xmlns:a16="http://schemas.microsoft.com/office/drawing/2014/main" id="{8E11DA43-5C7A-4D4A-9E46-71E5B959DB9D}"/>
               </a:ext>
             </a:extLst>
           </p:cNvPr>
@@ -5770,10 +5606,10 @@
         </p:grpSpPr>
         <p:sp>
           <p:nvSpPr>
-            <p:cNvPr id="142" name="楕円 141">
+            <p:cNvPr id="148" name="楕円 147">
               <a:extLst>
                 <a:ext uri="{FF2B5EF4-FFF2-40B4-BE49-F238E27FC236}">
-                  <a16:creationId xmlns:a16="http://schemas.microsoft.com/office/drawing/2014/main" id="{9DAB725B-381A-4C25-9BA5-0BC7BB6A0936}"/>
+                  <a16:creationId xmlns:a16="http://schemas.microsoft.com/office/drawing/2014/main" id="{C98FA539-CF71-4B91-8F5A-A35C67302F8F}"/>
                 </a:ext>
               </a:extLst>
             </p:cNvPr>
@@ -5822,10 +5658,10 @@
         </p:sp>
         <p:sp>
           <p:nvSpPr>
-            <p:cNvPr id="143" name="テキスト ボックス 142">
+            <p:cNvPr id="149" name="テキスト ボックス 148">
               <a:extLst>
                 <a:ext uri="{FF2B5EF4-FFF2-40B4-BE49-F238E27FC236}">
-                  <a16:creationId xmlns:a16="http://schemas.microsoft.com/office/drawing/2014/main" id="{CB6173FB-B61E-4C85-842C-711C6AF3E796}"/>
+                  <a16:creationId xmlns:a16="http://schemas.microsoft.com/office/drawing/2014/main" id="{D7139D1F-5141-4E4B-97D7-FD660D0D5FC8}"/>
                 </a:ext>
               </a:extLst>
             </p:cNvPr>
@@ -5866,7 +5702,7 @@
     </p:spTree>
     <p:extLst>
       <p:ext uri="{BB962C8B-B14F-4D97-AF65-F5344CB8AC3E}">
-        <p14:creationId xmlns:p14="http://schemas.microsoft.com/office/powerpoint/2010/main" val="2695025840"/>
+        <p14:creationId xmlns:p14="http://schemas.microsoft.com/office/powerpoint/2010/main" val="1903147661"/>
       </p:ext>
     </p:extLst>
   </p:cSld>
@@ -5957,7 +5793,7 @@
               <a:tabLst/>
               <a:defRPr/>
             </a:pPr>
-            <a:endParaRPr kumimoji="1" lang="ja-JP" altLang="en-US" sz="1600" i="0" u="none" strike="noStrike" kern="1200" cap="none" spc="0" normalizeH="0" baseline="0" noProof="0" dirty="0">
+            <a:endParaRPr kumimoji="1" lang="ja-JP" altLang="en-US" sz="1600" b="0" i="0" u="none" strike="noStrike" kern="1200" cap="none" spc="0" normalizeH="0" baseline="0" noProof="0" dirty="0">
               <a:ln>
                 <a:noFill/>
               </a:ln>
@@ -6312,7 +6148,7 @@
         </p:nvSpPr>
         <p:spPr>
           <a:xfrm>
-            <a:off x="60353" y="661119"/>
+            <a:off x="100800" y="696144"/>
             <a:ext cx="12600000" cy="8856984"/>
           </a:xfrm>
           <a:prstGeom prst="rect">
@@ -6389,8 +6225,8 @@
         </p:nvSpPr>
         <p:spPr>
           <a:xfrm>
-            <a:off x="501854" y="211298"/>
-            <a:ext cx="1184003" cy="430887"/>
+            <a:off x="751005" y="238522"/>
+            <a:ext cx="754387" cy="430887"/>
           </a:xfrm>
           <a:prstGeom prst="rect">
             <a:avLst/>
@@ -6455,46 +6291,6 @@
                 <a:ea typeface="HG創英角ｺﾞｼｯｸUB" panose="020B0909000000000000" pitchFamily="49" charset="-128"/>
                 <a:cs typeface="+mn-cs"/>
               </a:rPr>
-              <a:t>１</a:t>
-            </a:r>
-            <a:r>
-              <a:rPr kumimoji="1" lang="en-US" altLang="ja-JP" sz="2200" b="1" i="0" u="none" strike="noStrike" kern="1200" cap="none" spc="0" normalizeH="0" baseline="0" noProof="0" dirty="0">
-                <a:ln>
-                  <a:noFill/>
-                </a:ln>
-                <a:solidFill>
-                  <a:srgbClr val="70AD47">
-                    <a:lumMod val="60000"/>
-                    <a:lumOff val="40000"/>
-                  </a:srgbClr>
-                </a:solidFill>
-                <a:effectLst/>
-                <a:uLnTx/>
-                <a:uFillTx/>
-                <a:latin typeface="HG創英角ｺﾞｼｯｸUB" panose="020B0909000000000000" pitchFamily="49" charset="-128"/>
-                <a:ea typeface="HG創英角ｺﾞｼｯｸUB" panose="020B0909000000000000" pitchFamily="49" charset="-128"/>
-                <a:cs typeface="+mn-cs"/>
-              </a:rPr>
-              <a:t>.</a:t>
-            </a:r>
-            <a:r>
-              <a:rPr kumimoji="1" lang="ja-JP" altLang="en-US" sz="2200" b="0" i="0" u="none" strike="noStrike" kern="1200" cap="none" spc="0" normalizeH="0" baseline="0" noProof="0" dirty="0">
-                <a:ln>
-                  <a:noFill/>
-                </a:ln>
-                <a:solidFill>
-                  <a:srgbClr val="70AD47">
-                    <a:lumMod val="60000"/>
-                    <a:lumOff val="40000"/>
-                  </a:srgbClr>
-                </a:solidFill>
-                <a:effectLst/>
-                <a:uLnTx/>
-                <a:uFillTx/>
-                <a:latin typeface="HG創英角ｺﾞｼｯｸUB" panose="020B0909000000000000" pitchFamily="49" charset="-128"/>
-                <a:ea typeface="HG創英角ｺﾞｼｯｸUB" panose="020B0909000000000000" pitchFamily="49" charset="-128"/>
-                <a:cs typeface="+mn-cs"/>
-              </a:rPr>
               <a:t>機能</a:t>
             </a:r>
             <a:endParaRPr kumimoji="1" lang="en-US" altLang="ja-JP" sz="2200" b="0" i="0" u="none" strike="noStrike" kern="1200" cap="none" spc="0" normalizeH="0" baseline="0" noProof="0" dirty="0">
@@ -6531,7 +6327,7 @@
         </p:nvSpPr>
         <p:spPr>
           <a:xfrm>
-            <a:off x="4137578" y="194403"/>
+            <a:off x="4400838" y="247943"/>
             <a:ext cx="2049970" cy="446276"/>
           </a:xfrm>
           <a:prstGeom prst="rect">
@@ -6597,60 +6393,7 @@
                 <a:ea typeface="HG創英角ｺﾞｼｯｸUB" panose="020B0909000000000000" pitchFamily="49" charset="-128"/>
                 <a:cs typeface="+mn-cs"/>
               </a:rPr>
-              <a:t>３</a:t>
-            </a:r>
-            <a:r>
-              <a:rPr kumimoji="1" lang="en-US" altLang="ja-JP" sz="2200" b="1" i="0" u="none" strike="noStrike" kern="1200" cap="none" spc="0" normalizeH="0" baseline="0" noProof="0" dirty="0">
-                <a:ln>
-                  <a:noFill/>
-                </a:ln>
-                <a:solidFill>
-                  <a:srgbClr val="70AD47">
-                    <a:lumMod val="60000"/>
-                    <a:lumOff val="40000"/>
-                  </a:srgbClr>
-                </a:solidFill>
-                <a:effectLst/>
-                <a:uLnTx/>
-                <a:uFillTx/>
-                <a:latin typeface="HG創英角ｺﾞｼｯｸUB" panose="020B0909000000000000" pitchFamily="49" charset="-128"/>
-                <a:ea typeface="HG創英角ｺﾞｼｯｸUB" panose="020B0909000000000000" pitchFamily="49" charset="-128"/>
-                <a:cs typeface="+mn-cs"/>
-              </a:rPr>
-              <a:t>.</a:t>
-            </a:r>
-            <a:r>
-              <a:rPr kumimoji="1" lang="ja-JP" altLang="en-US" sz="2200" b="0" i="0" u="none" strike="noStrike" kern="1200" cap="none" spc="0" normalizeH="0" baseline="0" noProof="0" dirty="0">
-                <a:ln>
-                  <a:noFill/>
-                </a:ln>
-                <a:solidFill>
-                  <a:srgbClr val="70AD47">
-                    <a:lumMod val="60000"/>
-                    <a:lumOff val="40000"/>
-                  </a:srgbClr>
-                </a:solidFill>
-                <a:effectLst/>
-                <a:uLnTx/>
-                <a:uFillTx/>
-                <a:latin typeface="HG創英角ｺﾞｼｯｸUB" panose="020B0909000000000000" pitchFamily="49" charset="-128"/>
-                <a:ea typeface="HG創英角ｺﾞｼｯｸUB" panose="020B0909000000000000" pitchFamily="49" charset="-128"/>
-                <a:cs typeface="+mn-cs"/>
-              </a:rPr>
-              <a:t>振る舞い</a:t>
-            </a:r>
-            <a:r>
-              <a:rPr lang="ja-JP" altLang="en-US" sz="2200" dirty="0">
-                <a:solidFill>
-                  <a:srgbClr val="70AD47">
-                    <a:lumMod val="60000"/>
-                    <a:lumOff val="40000"/>
-                  </a:srgbClr>
-                </a:solidFill>
-                <a:latin typeface="HG創英角ｺﾞｼｯｸUB" panose="020B0909000000000000" pitchFamily="49" charset="-128"/>
-                <a:ea typeface="HG創英角ｺﾞｼｯｸUB" panose="020B0909000000000000" pitchFamily="49" charset="-128"/>
-              </a:rPr>
-              <a:t>①</a:t>
+              <a:t>振る舞い①</a:t>
             </a:r>
             <a:endParaRPr kumimoji="1" lang="en-US" altLang="ja-JP" sz="2200" b="0" i="0" u="none" strike="noStrike" kern="1200" cap="none" spc="0" normalizeH="0" baseline="0" noProof="0" dirty="0">
               <a:ln>
@@ -6686,7 +6429,7 @@
         </p:nvSpPr>
         <p:spPr>
           <a:xfrm>
-            <a:off x="2513886" y="206093"/>
+            <a:off x="2766118" y="251748"/>
             <a:ext cx="1203919" cy="430887"/>
           </a:xfrm>
           <a:prstGeom prst="rect">
@@ -6752,46 +6495,6 @@
                 <a:ea typeface="HG創英角ｺﾞｼｯｸUB" panose="020B0909000000000000" pitchFamily="49" charset="-128"/>
                 <a:cs typeface="+mn-cs"/>
               </a:rPr>
-              <a:t>２</a:t>
-            </a:r>
-            <a:r>
-              <a:rPr kumimoji="1" lang="en-US" altLang="ja-JP" sz="2200" b="1" i="0" u="none" strike="noStrike" kern="1200" cap="none" spc="0" normalizeH="0" baseline="0" noProof="0" dirty="0">
-                <a:ln>
-                  <a:noFill/>
-                </a:ln>
-                <a:solidFill>
-                  <a:srgbClr val="70AD47">
-                    <a:lumMod val="60000"/>
-                    <a:lumOff val="40000"/>
-                  </a:srgbClr>
-                </a:solidFill>
-                <a:effectLst/>
-                <a:uLnTx/>
-                <a:uFillTx/>
-                <a:latin typeface="HG創英角ｺﾞｼｯｸUB" panose="020B0909000000000000" pitchFamily="49" charset="-128"/>
-                <a:ea typeface="HG創英角ｺﾞｼｯｸUB" panose="020B0909000000000000" pitchFamily="49" charset="-128"/>
-                <a:cs typeface="+mn-cs"/>
-              </a:rPr>
-              <a:t>.</a:t>
-            </a:r>
-            <a:r>
-              <a:rPr kumimoji="1" lang="ja-JP" altLang="en-US" sz="2200" b="0" i="0" u="none" strike="noStrike" kern="1200" cap="none" spc="0" normalizeH="0" baseline="0" noProof="0" dirty="0">
-                <a:ln>
-                  <a:noFill/>
-                </a:ln>
-                <a:solidFill>
-                  <a:srgbClr val="70AD47">
-                    <a:lumMod val="60000"/>
-                    <a:lumOff val="40000"/>
-                  </a:srgbClr>
-                </a:solidFill>
-                <a:effectLst/>
-                <a:uLnTx/>
-                <a:uFillTx/>
-                <a:latin typeface="HG創英角ｺﾞｼｯｸUB" panose="020B0909000000000000" pitchFamily="49" charset="-128"/>
-                <a:ea typeface="HG創英角ｺﾞｼｯｸUB" panose="020B0909000000000000" pitchFamily="49" charset="-128"/>
-                <a:cs typeface="+mn-cs"/>
-              </a:rPr>
               <a:t>構造</a:t>
             </a:r>
             <a:endParaRPr kumimoji="1" lang="en-US" altLang="ja-JP" sz="2200" b="0" i="0" u="none" strike="noStrike" kern="1200" cap="none" spc="0" normalizeH="0" baseline="0" noProof="0" dirty="0">
@@ -6828,7 +6531,7 @@
         </p:nvSpPr>
         <p:spPr>
           <a:xfrm>
-            <a:off x="6185756" y="140469"/>
+            <a:off x="6398969" y="149394"/>
             <a:ext cx="2049970" cy="446276"/>
           </a:xfrm>
           <a:prstGeom prst="rect">
@@ -6882,41 +6585,7 @@
                   <a:noFill/>
                 </a:ln>
                 <a:solidFill>
-                  <a:schemeClr val="bg1"/>
-                </a:solidFill>
-                <a:effectLst/>
-                <a:uLnTx/>
-                <a:uFillTx/>
-                <a:latin typeface="HG創英角ｺﾞｼｯｸUB" panose="020B0909000000000000" pitchFamily="49" charset="-128"/>
-                <a:ea typeface="HG創英角ｺﾞｼｯｸUB" panose="020B0909000000000000" pitchFamily="49" charset="-128"/>
-                <a:cs typeface="+mn-cs"/>
-              </a:rPr>
-              <a:t>３</a:t>
-            </a:r>
-            <a:r>
-              <a:rPr kumimoji="1" lang="en-US" altLang="ja-JP" sz="2200" b="1" i="0" u="none" strike="noStrike" kern="1200" cap="none" spc="0" normalizeH="0" baseline="0" noProof="0" dirty="0">
-                <a:ln>
-                  <a:noFill/>
-                </a:ln>
-                <a:solidFill>
-                  <a:schemeClr val="bg1"/>
-                </a:solidFill>
-                <a:effectLst/>
-                <a:uLnTx/>
-                <a:uFillTx/>
-                <a:latin typeface="HG創英角ｺﾞｼｯｸUB" panose="020B0909000000000000" pitchFamily="49" charset="-128"/>
-                <a:ea typeface="HG創英角ｺﾞｼｯｸUB" panose="020B0909000000000000" pitchFamily="49" charset="-128"/>
-                <a:cs typeface="+mn-cs"/>
-              </a:rPr>
-              <a:t>.</a:t>
-            </a:r>
-            <a:r>
-              <a:rPr kumimoji="1" lang="ja-JP" altLang="en-US" sz="2200" b="0" i="0" u="none" strike="noStrike" kern="1200" cap="none" spc="0" normalizeH="0" baseline="0" noProof="0" dirty="0">
-                <a:ln>
-                  <a:noFill/>
-                </a:ln>
-                <a:solidFill>
-                  <a:schemeClr val="bg1"/>
+                  <a:prstClr val="white"/>
                 </a:solidFill>
                 <a:effectLst/>
                 <a:uLnTx/>
@@ -6932,7 +6601,7 @@
                 <a:noFill/>
               </a:ln>
               <a:solidFill>
-                <a:schemeClr val="bg1"/>
+                <a:prstClr val="white"/>
               </a:solidFill>
               <a:effectLst/>
               <a:uLnTx/>
@@ -6958,7 +6627,7 @@
         </p:nvSpPr>
         <p:spPr>
           <a:xfrm>
-            <a:off x="8449167" y="203312"/>
+            <a:off x="8673078" y="238916"/>
             <a:ext cx="1445666" cy="430887"/>
           </a:xfrm>
           <a:prstGeom prst="rect">
@@ -7024,46 +6693,6 @@
                 <a:ea typeface="HG創英角ｺﾞｼｯｸUB" panose="020B0909000000000000" pitchFamily="49" charset="-128"/>
                 <a:cs typeface="+mn-cs"/>
               </a:rPr>
-              <a:t>４</a:t>
-            </a:r>
-            <a:r>
-              <a:rPr kumimoji="1" lang="en-US" altLang="ja-JP" sz="2200" b="1" i="0" u="none" strike="noStrike" kern="1200" cap="none" spc="0" normalizeH="0" baseline="0" noProof="0" dirty="0">
-                <a:ln>
-                  <a:noFill/>
-                </a:ln>
-                <a:solidFill>
-                  <a:srgbClr val="70AD47">
-                    <a:lumMod val="60000"/>
-                    <a:lumOff val="40000"/>
-                  </a:srgbClr>
-                </a:solidFill>
-                <a:effectLst/>
-                <a:uLnTx/>
-                <a:uFillTx/>
-                <a:latin typeface="HG創英角ｺﾞｼｯｸUB" panose="020B0909000000000000" pitchFamily="49" charset="-128"/>
-                <a:ea typeface="HG創英角ｺﾞｼｯｸUB" panose="020B0909000000000000" pitchFamily="49" charset="-128"/>
-                <a:cs typeface="+mn-cs"/>
-              </a:rPr>
-              <a:t>.</a:t>
-            </a:r>
-            <a:r>
-              <a:rPr kumimoji="1" lang="ja-JP" altLang="en-US" sz="2200" b="0" i="0" u="none" strike="noStrike" kern="1200" cap="none" spc="0" normalizeH="0" baseline="0" noProof="0" dirty="0">
-                <a:ln>
-                  <a:noFill/>
-                </a:ln>
-                <a:solidFill>
-                  <a:srgbClr val="70AD47">
-                    <a:lumMod val="60000"/>
-                    <a:lumOff val="40000"/>
-                  </a:srgbClr>
-                </a:solidFill>
-                <a:effectLst/>
-                <a:uLnTx/>
-                <a:uFillTx/>
-                <a:latin typeface="HG創英角ｺﾞｼｯｸUB" panose="020B0909000000000000" pitchFamily="49" charset="-128"/>
-                <a:ea typeface="HG創英角ｺﾞｼｯｸUB" panose="020B0909000000000000" pitchFamily="49" charset="-128"/>
-                <a:cs typeface="+mn-cs"/>
-              </a:rPr>
               <a:t>工夫点</a:t>
             </a:r>
             <a:endParaRPr kumimoji="1" lang="en-US" altLang="ja-JP" sz="2200" b="0" i="0" u="none" strike="noStrike" kern="1200" cap="none" spc="0" normalizeH="0" baseline="0" noProof="0" dirty="0">
@@ -7088,10 +6717,58 @@
       </p:sp>
       <p:sp>
         <p:nvSpPr>
-          <p:cNvPr id="27" name="テキスト ボックス 26">
+          <p:cNvPr id="74" name="テキスト ボックス 73">
             <a:extLst>
               <a:ext uri="{FF2B5EF4-FFF2-40B4-BE49-F238E27FC236}">
-                <a16:creationId xmlns:a16="http://schemas.microsoft.com/office/drawing/2014/main" id="{4F8FCDEB-DE14-466C-B8CA-72CB08C76129}"/>
+                <a16:creationId xmlns:a16="http://schemas.microsoft.com/office/drawing/2014/main" id="{A5846C84-42B8-4EE9-A815-729435606A11}"/>
+              </a:ext>
+            </a:extLst>
+          </p:cNvPr>
+          <p:cNvSpPr txBox="1"/>
+          <p:nvPr/>
+        </p:nvSpPr>
+        <p:spPr>
+          <a:xfrm>
+            <a:off x="10301946" y="109416"/>
+            <a:ext cx="2392114" cy="584775"/>
+          </a:xfrm>
+          <a:prstGeom prst="rect">
+            <a:avLst/>
+          </a:prstGeom>
+          <a:noFill/>
+        </p:spPr>
+        <p:txBody>
+          <a:bodyPr wrap="square" rtlCol="0">
+            <a:spAutoFit/>
+          </a:bodyPr>
+          <a:lstStyle/>
+          <a:p>
+            <a:r>
+              <a:rPr kumimoji="1" lang="en-US" altLang="ja-JP" sz="3200" b="1" dirty="0" err="1">
+                <a:solidFill>
+                  <a:srgbClr val="F600AA"/>
+                </a:solidFill>
+                <a:latin typeface="+mn-ea"/>
+                <a:ea typeface="+mn-ea"/>
+              </a:rPr>
+              <a:t>teamNITIC</a:t>
+            </a:r>
+            <a:endParaRPr kumimoji="1" lang="ja-JP" altLang="en-US" sz="3200" b="1" dirty="0">
+              <a:solidFill>
+                <a:srgbClr val="F600AA"/>
+              </a:solidFill>
+              <a:latin typeface="+mn-ea"/>
+              <a:ea typeface="+mn-ea"/>
+            </a:endParaRPr>
+          </a:p>
+        </p:txBody>
+      </p:sp>
+      <p:sp>
+        <p:nvSpPr>
+          <p:cNvPr id="81" name="テキスト ボックス 80">
+            <a:extLst>
+              <a:ext uri="{FF2B5EF4-FFF2-40B4-BE49-F238E27FC236}">
+                <a16:creationId xmlns:a16="http://schemas.microsoft.com/office/drawing/2014/main" id="{6CEE9D11-B58D-4C36-96E8-A6FA665F5B6D}"/>
               </a:ext>
             </a:extLst>
           </p:cNvPr>
@@ -7139,23 +6816,7 @@
                 <a:latin typeface="游ゴシック" panose="020B0400000000000000" pitchFamily="50" charset="-128"/>
                 <a:ea typeface="游ゴシック" panose="020B0400000000000000" pitchFamily="50" charset="-128"/>
               </a:rPr>
-              <a:t>3</a:t>
-            </a:r>
-            <a:r>
-              <a:rPr kumimoji="1" lang="ja-JP" altLang="en-US" b="1" i="0" u="none" strike="noStrike" kern="1200" cap="none" spc="0" normalizeH="0" baseline="0" noProof="0" dirty="0" err="1">
-                <a:ln>
-                  <a:noFill/>
-                </a:ln>
-                <a:solidFill>
-                  <a:prstClr val="black"/>
-                </a:solidFill>
-                <a:effectLst/>
-                <a:uLnTx/>
-                <a:uFillTx/>
-                <a:latin typeface="游ゴシック" panose="020B0400000000000000" pitchFamily="50" charset="-128"/>
-                <a:ea typeface="游ゴシック" panose="020B0400000000000000" pitchFamily="50" charset="-128"/>
-              </a:rPr>
-              <a:t>．</a:t>
+              <a:t>3.</a:t>
             </a:r>
             <a:r>
               <a:rPr lang="ja-JP" altLang="en-US" b="1" dirty="0">
@@ -7165,7 +6826,7 @@
                 <a:latin typeface="游ゴシック" panose="020B0400000000000000" pitchFamily="50" charset="-128"/>
                 <a:ea typeface="游ゴシック" panose="020B0400000000000000" pitchFamily="50" charset="-128"/>
               </a:rPr>
-              <a:t>計器</a:t>
+              <a:t> 計器</a:t>
             </a:r>
             <a:r>
               <a:rPr kumimoji="1" lang="ja-JP" altLang="en-US" b="1" i="0" u="none" strike="noStrike" kern="1200" cap="none" spc="0" normalizeH="0" baseline="0" noProof="0" dirty="0">
@@ -7188,10 +6849,10 @@
       </p:sp>
       <p:cxnSp>
         <p:nvCxnSpPr>
-          <p:cNvPr id="32" name="直線コネクタ 31">
+          <p:cNvPr id="82" name="直線コネクタ 81">
             <a:extLst>
               <a:ext uri="{FF2B5EF4-FFF2-40B4-BE49-F238E27FC236}">
-                <a16:creationId xmlns:a16="http://schemas.microsoft.com/office/drawing/2014/main" id="{EE21FE0F-A9FC-4745-BA74-086C285B4945}"/>
+                <a16:creationId xmlns:a16="http://schemas.microsoft.com/office/drawing/2014/main" id="{2A1861DB-C664-45C4-8BA5-937FBB4EBEAA}"/>
               </a:ext>
             </a:extLst>
           </p:cNvPr>
@@ -7231,10 +6892,10 @@
       </p:cxnSp>
       <p:sp>
         <p:nvSpPr>
-          <p:cNvPr id="35" name="テキスト ボックス 34">
+          <p:cNvPr id="83" name="テキスト ボックス 82">
             <a:extLst>
               <a:ext uri="{FF2B5EF4-FFF2-40B4-BE49-F238E27FC236}">
-                <a16:creationId xmlns:a16="http://schemas.microsoft.com/office/drawing/2014/main" id="{6E65926F-8A60-4F01-920C-3BF36488C19E}"/>
+                <a16:creationId xmlns:a16="http://schemas.microsoft.com/office/drawing/2014/main" id="{27E182B6-269C-403F-AD20-2397AA2D222A}"/>
               </a:ext>
             </a:extLst>
           </p:cNvPr>
@@ -7287,10 +6948,10 @@
       </p:sp>
       <p:sp>
         <p:nvSpPr>
-          <p:cNvPr id="42" name="テキスト ボックス 41">
+          <p:cNvPr id="84" name="テキスト ボックス 83">
             <a:extLst>
               <a:ext uri="{FF2B5EF4-FFF2-40B4-BE49-F238E27FC236}">
-                <a16:creationId xmlns:a16="http://schemas.microsoft.com/office/drawing/2014/main" id="{053432A5-F690-4A2F-8E5D-BB7CBDAFB068}"/>
+                <a16:creationId xmlns:a16="http://schemas.microsoft.com/office/drawing/2014/main" id="{FEB8C322-B447-42FE-B2CC-181BC74F9165}"/>
               </a:ext>
             </a:extLst>
           </p:cNvPr>
@@ -7357,6 +7018,16 @@
               <a:t>.</a:t>
             </a:r>
             <a:r>
+              <a:rPr lang="ja-JP" altLang="en-US" b="1" dirty="0">
+                <a:solidFill>
+                  <a:prstClr val="black"/>
+                </a:solidFill>
+                <a:latin typeface="游ゴシック" panose="020B0400000000000000" pitchFamily="50" charset="-128"/>
+                <a:ea typeface="游ゴシック" panose="020B0400000000000000" pitchFamily="50" charset="-128"/>
+              </a:rPr>
+              <a:t> </a:t>
+            </a:r>
+            <a:r>
               <a:rPr kumimoji="1" lang="ja-JP" altLang="en-US" b="1" i="0" u="none" strike="noStrike" kern="1200" cap="none" spc="0" normalizeH="0" baseline="0" noProof="0" dirty="0">
                 <a:ln>
                   <a:noFill/>
@@ -7372,58 +7043,15 @@
               </a:rPr>
               <a:t>ライントレース内の振る舞い</a:t>
             </a:r>
-            <a:r>
-              <a:rPr lang="ja-JP" altLang="en-US" b="1" dirty="0">
-                <a:solidFill>
-                  <a:prstClr val="black"/>
-                </a:solidFill>
-                <a:latin typeface="游ゴシック" panose="020B0400000000000000" pitchFamily="50" charset="-128"/>
-                <a:ea typeface="游ゴシック" panose="020B0400000000000000" pitchFamily="50" charset="-128"/>
-              </a:rPr>
-              <a:t>（</a:t>
-            </a:r>
-            <a:r>
-              <a:rPr lang="en-US" altLang="ja-JP" b="1" dirty="0">
-                <a:solidFill>
-                  <a:prstClr val="black"/>
-                </a:solidFill>
-                <a:latin typeface="游ゴシック" panose="020B0400000000000000" pitchFamily="50" charset="-128"/>
-                <a:ea typeface="游ゴシック" panose="020B0400000000000000" pitchFamily="50" charset="-128"/>
-              </a:rPr>
-              <a:t>2</a:t>
-            </a:r>
-            <a:r>
-              <a:rPr lang="ja-JP" altLang="en-US" b="1" dirty="0">
-                <a:solidFill>
-                  <a:prstClr val="black"/>
-                </a:solidFill>
-                <a:latin typeface="游ゴシック" panose="020B0400000000000000" pitchFamily="50" charset="-128"/>
-                <a:ea typeface="游ゴシック" panose="020B0400000000000000" pitchFamily="50" charset="-128"/>
-              </a:rPr>
-              <a:t>）</a:t>
-            </a:r>
-            <a:endParaRPr kumimoji="1" lang="ja-JP" altLang="en-US" b="1" i="0" u="none" strike="noStrike" kern="1200" cap="none" spc="0" normalizeH="0" baseline="0" noProof="0" dirty="0">
-              <a:ln>
-                <a:noFill/>
-              </a:ln>
-              <a:solidFill>
-                <a:prstClr val="black"/>
-              </a:solidFill>
-              <a:effectLst/>
-              <a:uLnTx/>
-              <a:uFillTx/>
-              <a:latin typeface="游ゴシック" panose="020B0400000000000000" pitchFamily="50" charset="-128"/>
-              <a:ea typeface="游ゴシック" panose="020B0400000000000000" pitchFamily="50" charset="-128"/>
-            </a:endParaRPr>
           </a:p>
         </p:txBody>
       </p:sp>
       <p:cxnSp>
         <p:nvCxnSpPr>
-          <p:cNvPr id="43" name="直線コネクタ 42">
+          <p:cNvPr id="85" name="直線コネクタ 84">
             <a:extLst>
               <a:ext uri="{FF2B5EF4-FFF2-40B4-BE49-F238E27FC236}">
-                <a16:creationId xmlns:a16="http://schemas.microsoft.com/office/drawing/2014/main" id="{0FAFC74B-454D-40DE-BBD8-BF602499CE90}"/>
+                <a16:creationId xmlns:a16="http://schemas.microsoft.com/office/drawing/2014/main" id="{46B556DE-B37A-4CC3-8A5A-785FB5B33991}"/>
               </a:ext>
             </a:extLst>
           </p:cNvPr>
@@ -7463,10 +7091,10 @@
       </p:cxnSp>
       <p:sp>
         <p:nvSpPr>
-          <p:cNvPr id="71" name="テキスト ボックス 70">
+          <p:cNvPr id="87" name="テキスト ボックス 86">
             <a:extLst>
               <a:ext uri="{FF2B5EF4-FFF2-40B4-BE49-F238E27FC236}">
-                <a16:creationId xmlns:a16="http://schemas.microsoft.com/office/drawing/2014/main" id="{3155BCF5-C2CC-4FFC-BB77-1B83CD2869D6}"/>
+                <a16:creationId xmlns:a16="http://schemas.microsoft.com/office/drawing/2014/main" id="{A935D2EA-80A8-4DA9-AAD9-29890452F6AC}"/>
               </a:ext>
             </a:extLst>
           </p:cNvPr>
@@ -7505,10 +7133,10 @@
       </p:sp>
       <p:cxnSp>
         <p:nvCxnSpPr>
-          <p:cNvPr id="86" name="直線コネクタ 85">
+          <p:cNvPr id="89" name="直線コネクタ 88">
             <a:extLst>
               <a:ext uri="{FF2B5EF4-FFF2-40B4-BE49-F238E27FC236}">
-                <a16:creationId xmlns:a16="http://schemas.microsoft.com/office/drawing/2014/main" id="{B7FAB1F9-12EB-4C0D-AD1C-9F9E22641976}"/>
+                <a16:creationId xmlns:a16="http://schemas.microsoft.com/office/drawing/2014/main" id="{BAF3AE11-5BAC-4B61-A6B5-371D43B42EA4}"/>
               </a:ext>
             </a:extLst>
           </p:cNvPr>
@@ -7548,10 +7176,10 @@
       </p:cxnSp>
       <p:cxnSp>
         <p:nvCxnSpPr>
-          <p:cNvPr id="88" name="直線コネクタ 87">
+          <p:cNvPr id="90" name="直線コネクタ 89">
             <a:extLst>
               <a:ext uri="{FF2B5EF4-FFF2-40B4-BE49-F238E27FC236}">
-                <a16:creationId xmlns:a16="http://schemas.microsoft.com/office/drawing/2014/main" id="{931E9C8B-C4F2-4619-99AE-84B8E706FE29}"/>
+                <a16:creationId xmlns:a16="http://schemas.microsoft.com/office/drawing/2014/main" id="{68008875-5440-494E-8D92-04A1D98933EB}"/>
               </a:ext>
             </a:extLst>
           </p:cNvPr>
@@ -7591,10 +7219,10 @@
       </p:cxnSp>
       <p:pic>
         <p:nvPicPr>
-          <p:cNvPr id="93" name="図 92">
+          <p:cNvPr id="91" name="図 90">
             <a:extLst>
               <a:ext uri="{FF2B5EF4-FFF2-40B4-BE49-F238E27FC236}">
-                <a16:creationId xmlns:a16="http://schemas.microsoft.com/office/drawing/2014/main" id="{A7A9DBB4-2D4A-4F1F-B6F4-53F71041F61B}"/>
+                <a16:creationId xmlns:a16="http://schemas.microsoft.com/office/drawing/2014/main" id="{E9AFD8F3-F7BB-45FF-B0F5-9E1548FF0FDB}"/>
               </a:ext>
             </a:extLst>
           </p:cNvPr>
@@ -7627,10 +7255,10 @@
       </p:pic>
       <p:pic>
         <p:nvPicPr>
-          <p:cNvPr id="95" name="図 94">
+          <p:cNvPr id="92" name="図 91">
             <a:extLst>
               <a:ext uri="{FF2B5EF4-FFF2-40B4-BE49-F238E27FC236}">
-                <a16:creationId xmlns:a16="http://schemas.microsoft.com/office/drawing/2014/main" id="{C0DEA4E1-D354-4213-BBD2-C1786D270277}"/>
+                <a16:creationId xmlns:a16="http://schemas.microsoft.com/office/drawing/2014/main" id="{7C387816-BFAE-48F8-8DA1-86E0C0289894}"/>
               </a:ext>
             </a:extLst>
           </p:cNvPr>
@@ -7663,10 +7291,10 @@
       </p:pic>
       <p:pic>
         <p:nvPicPr>
-          <p:cNvPr id="97" name="図 96">
+          <p:cNvPr id="94" name="図 93">
             <a:extLst>
               <a:ext uri="{FF2B5EF4-FFF2-40B4-BE49-F238E27FC236}">
-                <a16:creationId xmlns:a16="http://schemas.microsoft.com/office/drawing/2014/main" id="{C0C59732-B808-4644-B8F4-9C385915C98B}"/>
+                <a16:creationId xmlns:a16="http://schemas.microsoft.com/office/drawing/2014/main" id="{C277F206-AFDE-4462-A5C2-60FC0FBE33E3}"/>
               </a:ext>
             </a:extLst>
           </p:cNvPr>
@@ -7699,10 +7327,10 @@
       </p:pic>
       <p:pic>
         <p:nvPicPr>
-          <p:cNvPr id="99" name="図 98">
+          <p:cNvPr id="96" name="図 95">
             <a:extLst>
               <a:ext uri="{FF2B5EF4-FFF2-40B4-BE49-F238E27FC236}">
-                <a16:creationId xmlns:a16="http://schemas.microsoft.com/office/drawing/2014/main" id="{645705C4-9846-4CBE-9670-0BE0AC3772DF}"/>
+                <a16:creationId xmlns:a16="http://schemas.microsoft.com/office/drawing/2014/main" id="{0497AF96-105E-4C08-AB26-A96635FC12B0}"/>
               </a:ext>
             </a:extLst>
           </p:cNvPr>
@@ -7735,10 +7363,10 @@
       </p:pic>
       <p:cxnSp>
         <p:nvCxnSpPr>
-          <p:cNvPr id="47" name="直線コネクタ 46">
+          <p:cNvPr id="98" name="直線コネクタ 97">
             <a:extLst>
               <a:ext uri="{FF2B5EF4-FFF2-40B4-BE49-F238E27FC236}">
-                <a16:creationId xmlns:a16="http://schemas.microsoft.com/office/drawing/2014/main" id="{58F3FC48-19FE-460C-BFF9-23BBB6199CF8}"/>
+                <a16:creationId xmlns:a16="http://schemas.microsoft.com/office/drawing/2014/main" id="{084D28CE-8DC2-43C6-AEE0-41BB249CB4B5}"/>
               </a:ext>
             </a:extLst>
           </p:cNvPr>
@@ -7778,10 +7406,10 @@
       </p:cxnSp>
       <p:pic>
         <p:nvPicPr>
-          <p:cNvPr id="104" name="図 103">
+          <p:cNvPr id="100" name="図 99">
             <a:extLst>
               <a:ext uri="{FF2B5EF4-FFF2-40B4-BE49-F238E27FC236}">
-                <a16:creationId xmlns:a16="http://schemas.microsoft.com/office/drawing/2014/main" id="{60F4CFA2-96B6-4988-BA60-51F651BB2AE3}"/>
+                <a16:creationId xmlns:a16="http://schemas.microsoft.com/office/drawing/2014/main" id="{2758E672-9FDF-40C5-B4A5-646B49213A19}"/>
               </a:ext>
             </a:extLst>
           </p:cNvPr>
@@ -7814,10 +7442,10 @@
       </p:pic>
       <p:pic>
         <p:nvPicPr>
-          <p:cNvPr id="106" name="図 105">
+          <p:cNvPr id="101" name="図 100">
             <a:extLst>
               <a:ext uri="{FF2B5EF4-FFF2-40B4-BE49-F238E27FC236}">
-                <a16:creationId xmlns:a16="http://schemas.microsoft.com/office/drawing/2014/main" id="{2EBD0A75-5C4F-4E1D-9EB1-01E65E53B4FE}"/>
+                <a16:creationId xmlns:a16="http://schemas.microsoft.com/office/drawing/2014/main" id="{EC52D144-4C2E-49B1-9441-EE979AC9E3EB}"/>
               </a:ext>
             </a:extLst>
           </p:cNvPr>
@@ -7850,10 +7478,10 @@
       </p:pic>
       <p:pic>
         <p:nvPicPr>
-          <p:cNvPr id="108" name="図 107">
+          <p:cNvPr id="102" name="図 101">
             <a:extLst>
               <a:ext uri="{FF2B5EF4-FFF2-40B4-BE49-F238E27FC236}">
-                <a16:creationId xmlns:a16="http://schemas.microsoft.com/office/drawing/2014/main" id="{B5302395-21A2-4A72-A5FF-AB77063B6505}"/>
+                <a16:creationId xmlns:a16="http://schemas.microsoft.com/office/drawing/2014/main" id="{B5399F3B-B528-4833-A324-3901156CA275}"/>
               </a:ext>
             </a:extLst>
           </p:cNvPr>
@@ -7876,7 +7504,7 @@
         </p:blipFill>
         <p:spPr>
           <a:xfrm>
-            <a:off x="8585834" y="5746324"/>
+            <a:off x="8566781" y="4106742"/>
             <a:ext cx="3436873" cy="1986577"/>
           </a:xfrm>
           <a:prstGeom prst="rect">
@@ -7886,10 +7514,10 @@
       </p:pic>
       <p:pic>
         <p:nvPicPr>
-          <p:cNvPr id="110" name="図 109">
+          <p:cNvPr id="103" name="図 102">
             <a:extLst>
               <a:ext uri="{FF2B5EF4-FFF2-40B4-BE49-F238E27FC236}">
-                <a16:creationId xmlns:a16="http://schemas.microsoft.com/office/drawing/2014/main" id="{68BD8BD6-E377-4977-AD31-362F7790A6C9}"/>
+                <a16:creationId xmlns:a16="http://schemas.microsoft.com/office/drawing/2014/main" id="{AA369BE6-91CC-4C51-9C81-EF6C67CE1F9B}"/>
               </a:ext>
             </a:extLst>
           </p:cNvPr>
@@ -7912,7 +7540,7 @@
         </p:blipFill>
         <p:spPr>
           <a:xfrm>
-            <a:off x="8580552" y="4090548"/>
+            <a:off x="8563646" y="6129682"/>
             <a:ext cx="3464796" cy="1611316"/>
           </a:xfrm>
           <a:prstGeom prst="rect">
@@ -7922,10 +7550,10 @@
       </p:pic>
       <p:pic>
         <p:nvPicPr>
-          <p:cNvPr id="112" name="図 111">
+          <p:cNvPr id="105" name="図 104">
             <a:extLst>
               <a:ext uri="{FF2B5EF4-FFF2-40B4-BE49-F238E27FC236}">
-                <a16:creationId xmlns:a16="http://schemas.microsoft.com/office/drawing/2014/main" id="{13146E4E-8880-417A-9341-679D206FA7A7}"/>
+                <a16:creationId xmlns:a16="http://schemas.microsoft.com/office/drawing/2014/main" id="{34CCD61B-116C-4232-8B2B-FBEA7559624A}"/>
               </a:ext>
             </a:extLst>
           </p:cNvPr>
@@ -7958,10 +7586,10 @@
       </p:pic>
       <p:grpSp>
         <p:nvGrpSpPr>
-          <p:cNvPr id="65" name="グループ化 64">
+          <p:cNvPr id="107" name="グループ化 106">
             <a:extLst>
               <a:ext uri="{FF2B5EF4-FFF2-40B4-BE49-F238E27FC236}">
-                <a16:creationId xmlns:a16="http://schemas.microsoft.com/office/drawing/2014/main" id="{AE2A1EC6-6961-4203-BEA9-E057A90A7CDB}"/>
+                <a16:creationId xmlns:a16="http://schemas.microsoft.com/office/drawing/2014/main" id="{E0A17CB8-DD56-4EE1-A643-581FF14713AB}"/>
               </a:ext>
             </a:extLst>
           </p:cNvPr>
@@ -7978,10 +7606,10 @@
         </p:grpSpPr>
         <p:sp>
           <p:nvSpPr>
-            <p:cNvPr id="66" name="楕円 65">
+            <p:cNvPr id="109" name="楕円 108">
               <a:extLst>
                 <a:ext uri="{FF2B5EF4-FFF2-40B4-BE49-F238E27FC236}">
-                  <a16:creationId xmlns:a16="http://schemas.microsoft.com/office/drawing/2014/main" id="{42C703C7-AF88-424C-91E8-02BF3F47A986}"/>
+                  <a16:creationId xmlns:a16="http://schemas.microsoft.com/office/drawing/2014/main" id="{29771A06-FB57-4EC5-AE82-53E88DFE81A9}"/>
                 </a:ext>
               </a:extLst>
             </p:cNvPr>
@@ -8030,10 +7658,10 @@
         </p:sp>
         <p:sp>
           <p:nvSpPr>
-            <p:cNvPr id="67" name="テキスト ボックス 66">
+            <p:cNvPr id="111" name="テキスト ボックス 110">
               <a:extLst>
                 <a:ext uri="{FF2B5EF4-FFF2-40B4-BE49-F238E27FC236}">
-                  <a16:creationId xmlns:a16="http://schemas.microsoft.com/office/drawing/2014/main" id="{DE27C7E1-3BFD-4495-8F25-31ABA9FE3514}"/>
+                  <a16:creationId xmlns:a16="http://schemas.microsoft.com/office/drawing/2014/main" id="{43CDDEEE-7F20-41C9-97BB-227D3FC2DD36}"/>
                 </a:ext>
               </a:extLst>
             </p:cNvPr>
@@ -8073,10 +7701,10 @@
       </p:grpSp>
       <p:grpSp>
         <p:nvGrpSpPr>
-          <p:cNvPr id="68" name="グループ化 67">
+          <p:cNvPr id="113" name="グループ化 112">
             <a:extLst>
               <a:ext uri="{FF2B5EF4-FFF2-40B4-BE49-F238E27FC236}">
-                <a16:creationId xmlns:a16="http://schemas.microsoft.com/office/drawing/2014/main" id="{DDA0C9C6-FC2B-455F-8753-3196710A8E92}"/>
+                <a16:creationId xmlns:a16="http://schemas.microsoft.com/office/drawing/2014/main" id="{4AAA3D28-5860-4C07-A3F4-B6B1805B99CE}"/>
               </a:ext>
             </a:extLst>
           </p:cNvPr>
@@ -8093,10 +7721,10 @@
         </p:grpSpPr>
         <p:sp>
           <p:nvSpPr>
-            <p:cNvPr id="69" name="楕円 68">
+            <p:cNvPr id="114" name="楕円 113">
               <a:extLst>
                 <a:ext uri="{FF2B5EF4-FFF2-40B4-BE49-F238E27FC236}">
-                  <a16:creationId xmlns:a16="http://schemas.microsoft.com/office/drawing/2014/main" id="{D930EBC5-4550-47DD-ABF9-4304D8318893}"/>
+                  <a16:creationId xmlns:a16="http://schemas.microsoft.com/office/drawing/2014/main" id="{5E92B625-3544-43D8-9DE7-3ADA28D9FB21}"/>
                 </a:ext>
               </a:extLst>
             </p:cNvPr>
@@ -8145,10 +7773,10 @@
         </p:sp>
         <p:sp>
           <p:nvSpPr>
-            <p:cNvPr id="70" name="テキスト ボックス 69">
+            <p:cNvPr id="115" name="テキスト ボックス 114">
               <a:extLst>
                 <a:ext uri="{FF2B5EF4-FFF2-40B4-BE49-F238E27FC236}">
-                  <a16:creationId xmlns:a16="http://schemas.microsoft.com/office/drawing/2014/main" id="{35CAE0FD-26D0-4678-83A1-81D8FA2A3702}"/>
+                  <a16:creationId xmlns:a16="http://schemas.microsoft.com/office/drawing/2014/main" id="{C4EF2C99-304C-4740-A2F5-706D1114BFD5}"/>
                 </a:ext>
               </a:extLst>
             </p:cNvPr>
@@ -8188,10 +7816,10 @@
       </p:grpSp>
       <p:grpSp>
         <p:nvGrpSpPr>
-          <p:cNvPr id="75" name="グループ化 74">
+          <p:cNvPr id="116" name="グループ化 115">
             <a:extLst>
               <a:ext uri="{FF2B5EF4-FFF2-40B4-BE49-F238E27FC236}">
-                <a16:creationId xmlns:a16="http://schemas.microsoft.com/office/drawing/2014/main" id="{458CF5D2-9636-4BBE-910F-DB49C9535B58}"/>
+                <a16:creationId xmlns:a16="http://schemas.microsoft.com/office/drawing/2014/main" id="{5AFB2491-F85A-4EB5-967E-D08EA9964956}"/>
               </a:ext>
             </a:extLst>
           </p:cNvPr>
@@ -8208,10 +7836,10 @@
         </p:grpSpPr>
         <p:sp>
           <p:nvSpPr>
-            <p:cNvPr id="76" name="楕円 75">
+            <p:cNvPr id="117" name="楕円 116">
               <a:extLst>
                 <a:ext uri="{FF2B5EF4-FFF2-40B4-BE49-F238E27FC236}">
-                  <a16:creationId xmlns:a16="http://schemas.microsoft.com/office/drawing/2014/main" id="{5124E9B2-99A7-4E97-87D8-C12B7D8F41B3}"/>
+                  <a16:creationId xmlns:a16="http://schemas.microsoft.com/office/drawing/2014/main" id="{B6C03EAC-2FCD-475B-BF93-39883C0D7E8C}"/>
                 </a:ext>
               </a:extLst>
             </p:cNvPr>
@@ -8260,10 +7888,10 @@
         </p:sp>
         <p:sp>
           <p:nvSpPr>
-            <p:cNvPr id="77" name="テキスト ボックス 76">
+            <p:cNvPr id="133" name="テキスト ボックス 132">
               <a:extLst>
                 <a:ext uri="{FF2B5EF4-FFF2-40B4-BE49-F238E27FC236}">
-                  <a16:creationId xmlns:a16="http://schemas.microsoft.com/office/drawing/2014/main" id="{4831E1DB-6329-4D91-9C08-12D4F88E49BE}"/>
+                  <a16:creationId xmlns:a16="http://schemas.microsoft.com/office/drawing/2014/main" id="{A15D03E2-DBB3-42E8-8E9A-09E0196165EE}"/>
                 </a:ext>
               </a:extLst>
             </p:cNvPr>
@@ -8303,10 +7931,10 @@
       </p:grpSp>
       <p:grpSp>
         <p:nvGrpSpPr>
-          <p:cNvPr id="78" name="グループ化 77">
+          <p:cNvPr id="138" name="グループ化 137">
             <a:extLst>
               <a:ext uri="{FF2B5EF4-FFF2-40B4-BE49-F238E27FC236}">
-                <a16:creationId xmlns:a16="http://schemas.microsoft.com/office/drawing/2014/main" id="{F410D1DA-ECC4-46F0-BF6C-5EEB2AB9E41C}"/>
+                <a16:creationId xmlns:a16="http://schemas.microsoft.com/office/drawing/2014/main" id="{59E56DA1-4E3C-4EA8-9DD8-BA7EE72922F3}"/>
               </a:ext>
             </a:extLst>
           </p:cNvPr>
@@ -8323,10 +7951,10 @@
         </p:grpSpPr>
         <p:sp>
           <p:nvSpPr>
-            <p:cNvPr id="79" name="楕円 78">
+            <p:cNvPr id="139" name="楕円 138">
               <a:extLst>
                 <a:ext uri="{FF2B5EF4-FFF2-40B4-BE49-F238E27FC236}">
-                  <a16:creationId xmlns:a16="http://schemas.microsoft.com/office/drawing/2014/main" id="{EE8B6AD9-20F7-465E-8E6B-B14BEF9F9086}"/>
+                  <a16:creationId xmlns:a16="http://schemas.microsoft.com/office/drawing/2014/main" id="{D9B16308-F02A-4995-895D-6C3CFF3B7896}"/>
                 </a:ext>
               </a:extLst>
             </p:cNvPr>
@@ -8375,10 +8003,10 @@
         </p:sp>
         <p:sp>
           <p:nvSpPr>
-            <p:cNvPr id="80" name="テキスト ボックス 79">
+            <p:cNvPr id="140" name="テキスト ボックス 139">
               <a:extLst>
                 <a:ext uri="{FF2B5EF4-FFF2-40B4-BE49-F238E27FC236}">
-                  <a16:creationId xmlns:a16="http://schemas.microsoft.com/office/drawing/2014/main" id="{2B0FE2B7-DC3D-4E78-846C-29FCB685506B}"/>
+                  <a16:creationId xmlns:a16="http://schemas.microsoft.com/office/drawing/2014/main" id="{15853356-BB64-4CD0-90D1-4CEAE329933C}"/>
                 </a:ext>
               </a:extLst>
             </p:cNvPr>
@@ -8418,10 +8046,10 @@
       </p:grpSp>
       <p:grpSp>
         <p:nvGrpSpPr>
-          <p:cNvPr id="118" name="グループ化 117">
+          <p:cNvPr id="153" name="グループ化 152">
             <a:extLst>
               <a:ext uri="{FF2B5EF4-FFF2-40B4-BE49-F238E27FC236}">
-                <a16:creationId xmlns:a16="http://schemas.microsoft.com/office/drawing/2014/main" id="{456703DF-4264-437E-B792-6C89BCF1F7F0}"/>
+                <a16:creationId xmlns:a16="http://schemas.microsoft.com/office/drawing/2014/main" id="{FEADF5FF-4C4C-42B6-8DA2-B475E62E0232}"/>
               </a:ext>
             </a:extLst>
           </p:cNvPr>
@@ -8438,10 +8066,10 @@
         </p:grpSpPr>
         <p:sp>
           <p:nvSpPr>
-            <p:cNvPr id="119" name="楕円 118">
+            <p:cNvPr id="154" name="楕円 153">
               <a:extLst>
                 <a:ext uri="{FF2B5EF4-FFF2-40B4-BE49-F238E27FC236}">
-                  <a16:creationId xmlns:a16="http://schemas.microsoft.com/office/drawing/2014/main" id="{6A54C88A-8379-453B-85A8-BF1879033B4B}"/>
+                  <a16:creationId xmlns:a16="http://schemas.microsoft.com/office/drawing/2014/main" id="{18DF337C-AB3E-4838-A64B-6E143ED0318C}"/>
                 </a:ext>
               </a:extLst>
             </p:cNvPr>
@@ -8490,10 +8118,10 @@
         </p:sp>
         <p:sp>
           <p:nvSpPr>
-            <p:cNvPr id="120" name="テキスト ボックス 119">
+            <p:cNvPr id="155" name="テキスト ボックス 154">
               <a:extLst>
                 <a:ext uri="{FF2B5EF4-FFF2-40B4-BE49-F238E27FC236}">
-                  <a16:creationId xmlns:a16="http://schemas.microsoft.com/office/drawing/2014/main" id="{9707B891-BC5E-4A85-BF2A-706518B8ABED}"/>
+                  <a16:creationId xmlns:a16="http://schemas.microsoft.com/office/drawing/2014/main" id="{1149CE16-D68C-4867-ADB2-F3260DA784A5}"/>
                 </a:ext>
               </a:extLst>
             </p:cNvPr>
@@ -8533,10 +8161,10 @@
       </p:grpSp>
       <p:grpSp>
         <p:nvGrpSpPr>
-          <p:cNvPr id="121" name="グループ化 120">
+          <p:cNvPr id="156" name="グループ化 155">
             <a:extLst>
               <a:ext uri="{FF2B5EF4-FFF2-40B4-BE49-F238E27FC236}">
-                <a16:creationId xmlns:a16="http://schemas.microsoft.com/office/drawing/2014/main" id="{5B5955CC-1550-4159-9E04-75CC77F65BB7}"/>
+                <a16:creationId xmlns:a16="http://schemas.microsoft.com/office/drawing/2014/main" id="{55C391DE-4650-4976-86C5-85F312A73422}"/>
               </a:ext>
             </a:extLst>
           </p:cNvPr>
@@ -8553,10 +8181,10 @@
         </p:grpSpPr>
         <p:sp>
           <p:nvSpPr>
-            <p:cNvPr id="122" name="楕円 121">
+            <p:cNvPr id="157" name="楕円 156">
               <a:extLst>
                 <a:ext uri="{FF2B5EF4-FFF2-40B4-BE49-F238E27FC236}">
-                  <a16:creationId xmlns:a16="http://schemas.microsoft.com/office/drawing/2014/main" id="{8A55F474-B39A-4455-8436-5BD0C9686377}"/>
+                  <a16:creationId xmlns:a16="http://schemas.microsoft.com/office/drawing/2014/main" id="{9D40CE3F-2CE0-429B-9043-7DCA244BF1D4}"/>
                 </a:ext>
               </a:extLst>
             </p:cNvPr>
@@ -8605,10 +8233,10 @@
         </p:sp>
         <p:sp>
           <p:nvSpPr>
-            <p:cNvPr id="123" name="テキスト ボックス 122">
+            <p:cNvPr id="158" name="テキスト ボックス 157">
               <a:extLst>
                 <a:ext uri="{FF2B5EF4-FFF2-40B4-BE49-F238E27FC236}">
-                  <a16:creationId xmlns:a16="http://schemas.microsoft.com/office/drawing/2014/main" id="{3BF259CB-3D1D-4EE2-9CC4-E6F3526D00BB}"/>
+                  <a16:creationId xmlns:a16="http://schemas.microsoft.com/office/drawing/2014/main" id="{4F0CA97C-9731-4763-B099-EB9BDD74C23D}"/>
                 </a:ext>
               </a:extLst>
             </p:cNvPr>
@@ -8648,10 +8276,10 @@
       </p:grpSp>
       <p:grpSp>
         <p:nvGrpSpPr>
-          <p:cNvPr id="124" name="グループ化 123">
+          <p:cNvPr id="159" name="グループ化 158">
             <a:extLst>
               <a:ext uri="{FF2B5EF4-FFF2-40B4-BE49-F238E27FC236}">
-                <a16:creationId xmlns:a16="http://schemas.microsoft.com/office/drawing/2014/main" id="{B12E5E76-5339-431A-AD74-3320309819B6}"/>
+                <a16:creationId xmlns:a16="http://schemas.microsoft.com/office/drawing/2014/main" id="{9C572C03-B8FB-47BB-9D9C-41B68637D44E}"/>
               </a:ext>
             </a:extLst>
           </p:cNvPr>
@@ -8660,7 +8288,7 @@
         </p:nvGrpSpPr>
         <p:grpSpPr>
           <a:xfrm>
-            <a:off x="8453342" y="5663252"/>
+            <a:off x="8438403" y="6028470"/>
             <a:ext cx="279421" cy="307777"/>
             <a:chOff x="2540906" y="1219634"/>
             <a:chExt cx="279421" cy="307777"/>
@@ -8668,10 +8296,10 @@
         </p:grpSpPr>
         <p:sp>
           <p:nvSpPr>
-            <p:cNvPr id="125" name="楕円 124">
+            <p:cNvPr id="160" name="楕円 159">
               <a:extLst>
                 <a:ext uri="{FF2B5EF4-FFF2-40B4-BE49-F238E27FC236}">
-                  <a16:creationId xmlns:a16="http://schemas.microsoft.com/office/drawing/2014/main" id="{EAA417AE-B9C0-4C26-A3DC-9285A27224DB}"/>
+                  <a16:creationId xmlns:a16="http://schemas.microsoft.com/office/drawing/2014/main" id="{A923A1E7-6124-4905-AA92-4AA3E99BBFE7}"/>
                 </a:ext>
               </a:extLst>
             </p:cNvPr>
@@ -8720,10 +8348,10 @@
         </p:sp>
         <p:sp>
           <p:nvSpPr>
-            <p:cNvPr id="126" name="テキスト ボックス 125">
+            <p:cNvPr id="161" name="テキスト ボックス 160">
               <a:extLst>
                 <a:ext uri="{FF2B5EF4-FFF2-40B4-BE49-F238E27FC236}">
-                  <a16:creationId xmlns:a16="http://schemas.microsoft.com/office/drawing/2014/main" id="{B27FDB59-5BCB-4DEB-9BFE-E5A263BDC802}"/>
+                  <a16:creationId xmlns:a16="http://schemas.microsoft.com/office/drawing/2014/main" id="{5243440B-52E6-49D1-A703-0C60079644E3}"/>
                 </a:ext>
               </a:extLst>
             </p:cNvPr>
@@ -8763,10 +8391,10 @@
       </p:grpSp>
       <p:grpSp>
         <p:nvGrpSpPr>
-          <p:cNvPr id="127" name="グループ化 126">
+          <p:cNvPr id="162" name="グループ化 161">
             <a:extLst>
               <a:ext uri="{FF2B5EF4-FFF2-40B4-BE49-F238E27FC236}">
-                <a16:creationId xmlns:a16="http://schemas.microsoft.com/office/drawing/2014/main" id="{D67CC32B-855C-4B9A-833F-4E3D68696DE5}"/>
+                <a16:creationId xmlns:a16="http://schemas.microsoft.com/office/drawing/2014/main" id="{34E204A4-25B8-412F-AE5B-87B6F9115404}"/>
               </a:ext>
             </a:extLst>
           </p:cNvPr>
@@ -8783,10 +8411,10 @@
         </p:grpSpPr>
         <p:sp>
           <p:nvSpPr>
-            <p:cNvPr id="128" name="楕円 127">
+            <p:cNvPr id="163" name="楕円 162">
               <a:extLst>
                 <a:ext uri="{FF2B5EF4-FFF2-40B4-BE49-F238E27FC236}">
-                  <a16:creationId xmlns:a16="http://schemas.microsoft.com/office/drawing/2014/main" id="{C8368B26-F45B-491F-935A-04D409B8E43C}"/>
+                  <a16:creationId xmlns:a16="http://schemas.microsoft.com/office/drawing/2014/main" id="{026C3131-035F-4CF5-BF81-30A65931E679}"/>
                 </a:ext>
               </a:extLst>
             </p:cNvPr>
@@ -8835,10 +8463,10 @@
         </p:sp>
         <p:sp>
           <p:nvSpPr>
-            <p:cNvPr id="129" name="テキスト ボックス 128">
+            <p:cNvPr id="164" name="テキスト ボックス 163">
               <a:extLst>
                 <a:ext uri="{FF2B5EF4-FFF2-40B4-BE49-F238E27FC236}">
-                  <a16:creationId xmlns:a16="http://schemas.microsoft.com/office/drawing/2014/main" id="{6DA12BC1-E506-4AEE-946B-E06052BCB4B0}"/>
+                  <a16:creationId xmlns:a16="http://schemas.microsoft.com/office/drawing/2014/main" id="{AE5FE40D-C5B2-45CC-832F-9A98B16E4AC3}"/>
                 </a:ext>
               </a:extLst>
             </p:cNvPr>
@@ -8878,10 +8506,10 @@
       </p:grpSp>
       <p:grpSp>
         <p:nvGrpSpPr>
-          <p:cNvPr id="130" name="グループ化 129">
+          <p:cNvPr id="165" name="グループ化 164">
             <a:extLst>
               <a:ext uri="{FF2B5EF4-FFF2-40B4-BE49-F238E27FC236}">
-                <a16:creationId xmlns:a16="http://schemas.microsoft.com/office/drawing/2014/main" id="{0E8AADB3-C4EC-4ECB-B36B-A58A8478AE66}"/>
+                <a16:creationId xmlns:a16="http://schemas.microsoft.com/office/drawing/2014/main" id="{8868DF66-334A-4009-A128-182B38E10527}"/>
               </a:ext>
             </a:extLst>
           </p:cNvPr>
@@ -8898,10 +8526,10 @@
         </p:grpSpPr>
         <p:sp>
           <p:nvSpPr>
-            <p:cNvPr id="131" name="楕円 130">
+            <p:cNvPr id="166" name="楕円 165">
               <a:extLst>
                 <a:ext uri="{FF2B5EF4-FFF2-40B4-BE49-F238E27FC236}">
-                  <a16:creationId xmlns:a16="http://schemas.microsoft.com/office/drawing/2014/main" id="{D104CA14-6E76-4619-ADE3-968C09E74A22}"/>
+                  <a16:creationId xmlns:a16="http://schemas.microsoft.com/office/drawing/2014/main" id="{18DB12C3-A02A-4BB0-B8CB-1EA1E6D4AE49}"/>
                 </a:ext>
               </a:extLst>
             </p:cNvPr>
@@ -8950,10 +8578,10 @@
         </p:sp>
         <p:sp>
           <p:nvSpPr>
-            <p:cNvPr id="132" name="テキスト ボックス 131">
+            <p:cNvPr id="167" name="テキスト ボックス 166">
               <a:extLst>
                 <a:ext uri="{FF2B5EF4-FFF2-40B4-BE49-F238E27FC236}">
-                  <a16:creationId xmlns:a16="http://schemas.microsoft.com/office/drawing/2014/main" id="{17B5F3F8-0352-4511-B805-B150FA9FE547}"/>
+                  <a16:creationId xmlns:a16="http://schemas.microsoft.com/office/drawing/2014/main" id="{8A5FC48D-9CDD-400A-8303-065C8CBA6FAA}"/>
                 </a:ext>
               </a:extLst>
             </p:cNvPr>
@@ -8993,10 +8621,10 @@
       </p:grpSp>
       <p:pic>
         <p:nvPicPr>
-          <p:cNvPr id="134" name="図 133">
+          <p:cNvPr id="168" name="図 167">
             <a:extLst>
               <a:ext uri="{FF2B5EF4-FFF2-40B4-BE49-F238E27FC236}">
-                <a16:creationId xmlns:a16="http://schemas.microsoft.com/office/drawing/2014/main" id="{6F32AEE7-9891-47CA-9933-56DC3E636F92}"/>
+                <a16:creationId xmlns:a16="http://schemas.microsoft.com/office/drawing/2014/main" id="{0F3B3B56-5967-46AD-B327-792D4C8358F8}"/>
               </a:ext>
             </a:extLst>
           </p:cNvPr>
@@ -9019,8 +8647,8 @@
         </p:blipFill>
         <p:spPr>
           <a:xfrm>
-            <a:off x="127622" y="5678672"/>
-            <a:ext cx="3326107" cy="3659699"/>
+            <a:off x="143801" y="5701864"/>
+            <a:ext cx="3323268" cy="3645821"/>
           </a:xfrm>
           <a:prstGeom prst="rect">
             <a:avLst/>
@@ -9029,10 +8657,10 @@
       </p:pic>
       <p:grpSp>
         <p:nvGrpSpPr>
-          <p:cNvPr id="135" name="グループ化 134">
+          <p:cNvPr id="169" name="グループ化 168">
             <a:extLst>
               <a:ext uri="{FF2B5EF4-FFF2-40B4-BE49-F238E27FC236}">
-                <a16:creationId xmlns:a16="http://schemas.microsoft.com/office/drawing/2014/main" id="{B7F264D4-1007-4CDA-BD0D-AAA0C5FF8A6B}"/>
+                <a16:creationId xmlns:a16="http://schemas.microsoft.com/office/drawing/2014/main" id="{259151F7-8CD9-45D4-801E-BC6B754E8D58}"/>
               </a:ext>
             </a:extLst>
           </p:cNvPr>
@@ -9049,10 +8677,10 @@
         </p:grpSpPr>
         <p:sp>
           <p:nvSpPr>
-            <p:cNvPr id="136" name="楕円 135">
+            <p:cNvPr id="170" name="楕円 169">
               <a:extLst>
                 <a:ext uri="{FF2B5EF4-FFF2-40B4-BE49-F238E27FC236}">
-                  <a16:creationId xmlns:a16="http://schemas.microsoft.com/office/drawing/2014/main" id="{4311A83A-2040-4C3A-915C-9CEF9E0BFCF5}"/>
+                  <a16:creationId xmlns:a16="http://schemas.microsoft.com/office/drawing/2014/main" id="{9C3EDB82-9EDC-44BE-AAAC-5DE42942031E}"/>
                 </a:ext>
               </a:extLst>
             </p:cNvPr>
@@ -9101,10 +8729,10 @@
         </p:sp>
         <p:sp>
           <p:nvSpPr>
-            <p:cNvPr id="137" name="テキスト ボックス 136">
+            <p:cNvPr id="171" name="テキスト ボックス 170">
               <a:extLst>
                 <a:ext uri="{FF2B5EF4-FFF2-40B4-BE49-F238E27FC236}">
-                  <a16:creationId xmlns:a16="http://schemas.microsoft.com/office/drawing/2014/main" id="{966DE389-47A3-473D-8CAF-16D9C4A24B3F}"/>
+                  <a16:creationId xmlns:a16="http://schemas.microsoft.com/office/drawing/2014/main" id="{843CBAC0-9CED-4D63-ADCE-C77536FC20E7}"/>
                 </a:ext>
               </a:extLst>
             </p:cNvPr>
@@ -9144,10 +8772,10 @@
       </p:grpSp>
       <p:grpSp>
         <p:nvGrpSpPr>
-          <p:cNvPr id="141" name="グループ化 140">
+          <p:cNvPr id="172" name="グループ化 171">
             <a:extLst>
               <a:ext uri="{FF2B5EF4-FFF2-40B4-BE49-F238E27FC236}">
-                <a16:creationId xmlns:a16="http://schemas.microsoft.com/office/drawing/2014/main" id="{3C9EC0F0-38BD-49BC-BCB4-148F9E137F31}"/>
+                <a16:creationId xmlns:a16="http://schemas.microsoft.com/office/drawing/2014/main" id="{55015CBC-F958-4F79-BCF5-47DF252FBBE7}"/>
               </a:ext>
             </a:extLst>
           </p:cNvPr>
@@ -9164,10 +8792,10 @@
         </p:grpSpPr>
         <p:sp>
           <p:nvSpPr>
-            <p:cNvPr id="142" name="楕円 141">
+            <p:cNvPr id="173" name="楕円 172">
               <a:extLst>
                 <a:ext uri="{FF2B5EF4-FFF2-40B4-BE49-F238E27FC236}">
-                  <a16:creationId xmlns:a16="http://schemas.microsoft.com/office/drawing/2014/main" id="{6C966B29-6530-4E5A-BEAC-B1C0A86BA78F}"/>
+                  <a16:creationId xmlns:a16="http://schemas.microsoft.com/office/drawing/2014/main" id="{70DCC0AE-1964-45DE-990D-813F3FF3C164}"/>
                 </a:ext>
               </a:extLst>
             </p:cNvPr>
@@ -9216,10 +8844,10 @@
         </p:sp>
         <p:sp>
           <p:nvSpPr>
-            <p:cNvPr id="143" name="テキスト ボックス 142">
+            <p:cNvPr id="174" name="テキスト ボックス 173">
               <a:extLst>
                 <a:ext uri="{FF2B5EF4-FFF2-40B4-BE49-F238E27FC236}">
-                  <a16:creationId xmlns:a16="http://schemas.microsoft.com/office/drawing/2014/main" id="{27915049-E567-442B-82D7-7390904BB91D}"/>
+                  <a16:creationId xmlns:a16="http://schemas.microsoft.com/office/drawing/2014/main" id="{8692ED1B-5ECB-4552-B1C0-D9F1B26075DD}"/>
                 </a:ext>
               </a:extLst>
             </p:cNvPr>
@@ -9259,10 +8887,10 @@
       </p:grpSp>
       <p:grpSp>
         <p:nvGrpSpPr>
-          <p:cNvPr id="144" name="グループ化 143">
+          <p:cNvPr id="175" name="グループ化 174">
             <a:extLst>
               <a:ext uri="{FF2B5EF4-FFF2-40B4-BE49-F238E27FC236}">
-                <a16:creationId xmlns:a16="http://schemas.microsoft.com/office/drawing/2014/main" id="{90E13857-E422-4AA8-8C40-E5931206E037}"/>
+                <a16:creationId xmlns:a16="http://schemas.microsoft.com/office/drawing/2014/main" id="{5E4D8BDF-E1D7-4D35-8C31-5A9A7862DA5C}"/>
               </a:ext>
             </a:extLst>
           </p:cNvPr>
@@ -9279,10 +8907,10 @@
         </p:grpSpPr>
         <p:sp>
           <p:nvSpPr>
-            <p:cNvPr id="145" name="楕円 144">
+            <p:cNvPr id="176" name="楕円 175">
               <a:extLst>
                 <a:ext uri="{FF2B5EF4-FFF2-40B4-BE49-F238E27FC236}">
-                  <a16:creationId xmlns:a16="http://schemas.microsoft.com/office/drawing/2014/main" id="{D2CA4E39-9ADC-424F-89CB-ADCEED395E01}"/>
+                  <a16:creationId xmlns:a16="http://schemas.microsoft.com/office/drawing/2014/main" id="{3A1936B7-F646-4C5D-A1E2-7C7EED7D8535}"/>
                 </a:ext>
               </a:extLst>
             </p:cNvPr>
@@ -9331,10 +8959,10 @@
         </p:sp>
         <p:sp>
           <p:nvSpPr>
-            <p:cNvPr id="146" name="テキスト ボックス 145">
+            <p:cNvPr id="177" name="テキスト ボックス 176">
               <a:extLst>
                 <a:ext uri="{FF2B5EF4-FFF2-40B4-BE49-F238E27FC236}">
-                  <a16:creationId xmlns:a16="http://schemas.microsoft.com/office/drawing/2014/main" id="{CF7D7047-6952-4FAB-9013-59AFE4F554E2}"/>
+                  <a16:creationId xmlns:a16="http://schemas.microsoft.com/office/drawing/2014/main" id="{24B58DDE-2AF3-4ACD-81FB-3E237020FFFC}"/>
                 </a:ext>
               </a:extLst>
             </p:cNvPr>
@@ -9374,10 +9002,10 @@
       </p:grpSp>
       <p:grpSp>
         <p:nvGrpSpPr>
-          <p:cNvPr id="147" name="グループ化 146">
+          <p:cNvPr id="178" name="グループ化 177">
             <a:extLst>
               <a:ext uri="{FF2B5EF4-FFF2-40B4-BE49-F238E27FC236}">
-                <a16:creationId xmlns:a16="http://schemas.microsoft.com/office/drawing/2014/main" id="{7A213496-6371-4132-98B2-A10F65C5EDE4}"/>
+                <a16:creationId xmlns:a16="http://schemas.microsoft.com/office/drawing/2014/main" id="{1C298519-9F75-423A-B3A0-CE17D0B6FF8F}"/>
               </a:ext>
             </a:extLst>
           </p:cNvPr>
@@ -9394,10 +9022,10 @@
         </p:grpSpPr>
         <p:sp>
           <p:nvSpPr>
-            <p:cNvPr id="148" name="楕円 147">
+            <p:cNvPr id="179" name="楕円 178">
               <a:extLst>
                 <a:ext uri="{FF2B5EF4-FFF2-40B4-BE49-F238E27FC236}">
-                  <a16:creationId xmlns:a16="http://schemas.microsoft.com/office/drawing/2014/main" id="{6B6CAC7F-E12E-4405-A475-2445947A1883}"/>
+                  <a16:creationId xmlns:a16="http://schemas.microsoft.com/office/drawing/2014/main" id="{152E6900-D631-4D34-96EA-70DE8577D247}"/>
                 </a:ext>
               </a:extLst>
             </p:cNvPr>
@@ -9446,10 +9074,10 @@
         </p:sp>
         <p:sp>
           <p:nvSpPr>
-            <p:cNvPr id="149" name="テキスト ボックス 148">
+            <p:cNvPr id="180" name="テキスト ボックス 179">
               <a:extLst>
                 <a:ext uri="{FF2B5EF4-FFF2-40B4-BE49-F238E27FC236}">
-                  <a16:creationId xmlns:a16="http://schemas.microsoft.com/office/drawing/2014/main" id="{3C3533E7-0B69-42C2-BC2E-7C32CFF2BD1A}"/>
+                  <a16:creationId xmlns:a16="http://schemas.microsoft.com/office/drawing/2014/main" id="{12C9764A-B6A8-41F8-86A3-E7051115373C}"/>
                 </a:ext>
               </a:extLst>
             </p:cNvPr>
@@ -9489,10 +9117,10 @@
       </p:grpSp>
       <p:grpSp>
         <p:nvGrpSpPr>
-          <p:cNvPr id="150" name="グループ化 149">
+          <p:cNvPr id="181" name="グループ化 180">
             <a:extLst>
               <a:ext uri="{FF2B5EF4-FFF2-40B4-BE49-F238E27FC236}">
-                <a16:creationId xmlns:a16="http://schemas.microsoft.com/office/drawing/2014/main" id="{FEF8F733-05BE-4443-AC8B-BD527894C988}"/>
+                <a16:creationId xmlns:a16="http://schemas.microsoft.com/office/drawing/2014/main" id="{655CCC69-A7C7-4D45-9BB0-7C2D258F8676}"/>
               </a:ext>
             </a:extLst>
           </p:cNvPr>
@@ -9509,10 +9137,10 @@
         </p:grpSpPr>
         <p:sp>
           <p:nvSpPr>
-            <p:cNvPr id="151" name="楕円 150">
+            <p:cNvPr id="182" name="楕円 181">
               <a:extLst>
                 <a:ext uri="{FF2B5EF4-FFF2-40B4-BE49-F238E27FC236}">
-                  <a16:creationId xmlns:a16="http://schemas.microsoft.com/office/drawing/2014/main" id="{53C15CB9-AD36-4677-B8FC-D91E92A37B6F}"/>
+                  <a16:creationId xmlns:a16="http://schemas.microsoft.com/office/drawing/2014/main" id="{DC3AAD65-A937-4A37-863A-02D1F648DE26}"/>
                 </a:ext>
               </a:extLst>
             </p:cNvPr>
@@ -9561,10 +9189,10 @@
         </p:sp>
         <p:sp>
           <p:nvSpPr>
-            <p:cNvPr id="152" name="テキスト ボックス 151">
+            <p:cNvPr id="183" name="テキスト ボックス 182">
               <a:extLst>
                 <a:ext uri="{FF2B5EF4-FFF2-40B4-BE49-F238E27FC236}">
-                  <a16:creationId xmlns:a16="http://schemas.microsoft.com/office/drawing/2014/main" id="{D76D0E2D-D07C-4076-9A8F-DF4E146E55B2}"/>
+                  <a16:creationId xmlns:a16="http://schemas.microsoft.com/office/drawing/2014/main" id="{199C67B7-19B1-4050-8E2F-7B80C04805E6}"/>
                 </a:ext>
               </a:extLst>
             </p:cNvPr>
@@ -9605,7 +9233,7 @@
     </p:spTree>
     <p:extLst>
       <p:ext uri="{BB962C8B-B14F-4D97-AF65-F5344CB8AC3E}">
-        <p14:creationId xmlns:p14="http://schemas.microsoft.com/office/powerpoint/2010/main" val="3004469087"/>
+        <p14:creationId xmlns:p14="http://schemas.microsoft.com/office/powerpoint/2010/main" val="2533137847"/>
       </p:ext>
     </p:extLst>
   </p:cSld>

--- a/PowerPoint/振る舞いモデル.pptx
+++ b/PowerPoint/振る舞いモデル.pptx
@@ -3222,7 +3222,7 @@
         </p:blipFill>
         <p:spPr>
           <a:xfrm>
-            <a:off x="143543" y="1384636"/>
+            <a:off x="225504" y="1492596"/>
             <a:ext cx="4320480" cy="2972428"/>
           </a:xfrm>
           <a:prstGeom prst="rect">
@@ -3244,7 +3244,7 @@
         </p:nvSpPr>
         <p:spPr>
           <a:xfrm>
-            <a:off x="84539" y="719853"/>
+            <a:off x="159529" y="733120"/>
             <a:ext cx="2572069" cy="338554"/>
           </a:xfrm>
           <a:prstGeom prst="rect">
@@ -3326,7 +3326,7 @@
         </p:nvCxnSpPr>
         <p:spPr>
           <a:xfrm>
-            <a:off x="151883" y="1015055"/>
+            <a:off x="225504" y="1026279"/>
             <a:ext cx="4232693" cy="0"/>
           </a:xfrm>
           <a:prstGeom prst="line">
@@ -3367,7 +3367,7 @@
         </p:nvSpPr>
         <p:spPr>
           <a:xfrm>
-            <a:off x="76758" y="1103775"/>
+            <a:off x="178077" y="1102202"/>
             <a:ext cx="2768716" cy="253916"/>
           </a:xfrm>
           <a:prstGeom prst="rect">
@@ -4007,23 +4007,7 @@
                 <a:latin typeface="游ゴシック" panose="020B0400000000000000" pitchFamily="50" charset="-128"/>
                 <a:ea typeface="游ゴシック" panose="020B0400000000000000" pitchFamily="50" charset="-128"/>
               </a:rPr>
-              <a:t>2-A</a:t>
-            </a:r>
-            <a:r>
-              <a:rPr kumimoji="1" lang="ja-JP" altLang="en-US" b="1" i="0" u="none" strike="noStrike" kern="1200" cap="none" spc="0" normalizeH="0" baseline="0" noProof="0" dirty="0">
-                <a:ln>
-                  <a:noFill/>
-                </a:ln>
-                <a:solidFill>
-                  <a:prstClr val="black"/>
-                </a:solidFill>
-                <a:effectLst/>
-                <a:uLnTx/>
-                <a:uFillTx/>
-                <a:latin typeface="游ゴシック" panose="020B0400000000000000" pitchFamily="50" charset="-128"/>
-                <a:ea typeface="游ゴシック" panose="020B0400000000000000" pitchFamily="50" charset="-128"/>
-              </a:rPr>
-              <a:t>．</a:t>
+              <a:t>2-A.</a:t>
             </a:r>
             <a:r>
               <a:rPr lang="ja-JP" altLang="en-US" b="1" dirty="0">
@@ -4033,7 +4017,7 @@
                 <a:latin typeface="游ゴシック" panose="020B0400000000000000" pitchFamily="50" charset="-128"/>
                 <a:ea typeface="游ゴシック" panose="020B0400000000000000" pitchFamily="50" charset="-128"/>
               </a:rPr>
-              <a:t>区間確認</a:t>
+              <a:t> 区間確認</a:t>
             </a:r>
             <a:r>
               <a:rPr kumimoji="1" lang="ja-JP" altLang="en-US" b="1" i="0" u="none" strike="noStrike" kern="1200" cap="none" spc="0" normalizeH="0" baseline="0" noProof="0" dirty="0">
@@ -4287,6 +4271,26 @@
               <a:t>2-B</a:t>
             </a:r>
             <a:r>
+              <a:rPr lang="en-US" altLang="ja-JP" b="1" dirty="0">
+                <a:solidFill>
+                  <a:prstClr val="black"/>
+                </a:solidFill>
+                <a:latin typeface="游ゴシック" panose="020B0400000000000000" pitchFamily="50" charset="-128"/>
+                <a:ea typeface="游ゴシック" panose="020B0400000000000000" pitchFamily="50" charset="-128"/>
+              </a:rPr>
+              <a:t>.</a:t>
+            </a:r>
+            <a:r>
+              <a:rPr lang="ja-JP" altLang="en-US" b="1" dirty="0">
+                <a:solidFill>
+                  <a:prstClr val="black"/>
+                </a:solidFill>
+                <a:latin typeface="游ゴシック" panose="020B0400000000000000" pitchFamily="50" charset="-128"/>
+                <a:ea typeface="游ゴシック" panose="020B0400000000000000" pitchFamily="50" charset="-128"/>
+              </a:rPr>
+              <a:t> </a:t>
+            </a:r>
+            <a:r>
               <a:rPr kumimoji="1" lang="ja-JP" altLang="en-US" b="1" i="0" u="none" strike="noStrike" kern="1200" cap="none" spc="0" normalizeH="0" baseline="0" noProof="0" dirty="0">
                 <a:ln>
                   <a:noFill/>
@@ -4300,7 +4304,7 @@
                 <a:latin typeface="游ゴシック" panose="020B0400000000000000" pitchFamily="50" charset="-128"/>
                 <a:ea typeface="游ゴシック" panose="020B0400000000000000" pitchFamily="50" charset="-128"/>
               </a:rPr>
-              <a:t>．ライントレースの振る舞い</a:t>
+              <a:t>ライントレースの振る舞い</a:t>
             </a:r>
           </a:p>
         </p:txBody>
@@ -4467,7 +4471,7 @@
         </p:nvGrpSpPr>
         <p:grpSpPr>
           <a:xfrm>
-            <a:off x="1050344" y="2220386"/>
+            <a:off x="1152827" y="2332583"/>
             <a:ext cx="279421" cy="307777"/>
             <a:chOff x="2540906" y="1209974"/>
             <a:chExt cx="279421" cy="307777"/>
@@ -4741,7 +4745,7 @@
         </p:nvGrpSpPr>
         <p:grpSpPr>
           <a:xfrm>
-            <a:off x="897152" y="3106044"/>
+            <a:off x="1008811" y="3196679"/>
             <a:ext cx="279421" cy="307777"/>
             <a:chOff x="2540906" y="1209974"/>
             <a:chExt cx="279421" cy="307777"/>
@@ -6148,7 +6152,7 @@
         </p:nvSpPr>
         <p:spPr>
           <a:xfrm>
-            <a:off x="100800" y="696144"/>
+            <a:off x="100609" y="689395"/>
             <a:ext cx="12600000" cy="8856984"/>
           </a:xfrm>
           <a:prstGeom prst="rect">
@@ -6777,7 +6781,7 @@
         </p:nvSpPr>
         <p:spPr>
           <a:xfrm>
-            <a:off x="95025" y="4919517"/>
+            <a:off x="158881" y="4945324"/>
             <a:ext cx="3158616" cy="338554"/>
           </a:xfrm>
           <a:prstGeom prst="rect">
@@ -6863,7 +6867,7 @@
         </p:nvCxnSpPr>
         <p:spPr>
           <a:xfrm>
-            <a:off x="127756" y="5238703"/>
+            <a:off x="208448" y="5238703"/>
             <a:ext cx="3024000" cy="0"/>
           </a:xfrm>
           <a:prstGeom prst="line">
@@ -6904,7 +6908,7 @@
         </p:nvSpPr>
         <p:spPr>
           <a:xfrm>
-            <a:off x="95770" y="5255606"/>
+            <a:off x="141247" y="5255734"/>
             <a:ext cx="3363456" cy="415498"/>
           </a:xfrm>
           <a:prstGeom prst="rect">
@@ -6960,7 +6964,7 @@
         </p:nvSpPr>
         <p:spPr>
           <a:xfrm>
-            <a:off x="79692" y="679120"/>
+            <a:off x="91762" y="718595"/>
             <a:ext cx="4304884" cy="338554"/>
           </a:xfrm>
           <a:prstGeom prst="rect">
@@ -7062,7 +7066,7 @@
         </p:nvCxnSpPr>
         <p:spPr>
           <a:xfrm>
-            <a:off x="141247" y="1017674"/>
+            <a:off x="177375" y="1017674"/>
             <a:ext cx="12344105" cy="0"/>
           </a:xfrm>
           <a:prstGeom prst="line">
@@ -7103,7 +7107,7 @@
         </p:nvSpPr>
         <p:spPr>
           <a:xfrm>
-            <a:off x="203943" y="1073445"/>
+            <a:off x="202061" y="1068623"/>
             <a:ext cx="5128113" cy="253916"/>
           </a:xfrm>
           <a:prstGeom prst="rect">
@@ -7219,10 +7223,10 @@
       </p:cxnSp>
       <p:pic>
         <p:nvPicPr>
-          <p:cNvPr id="91" name="図 90">
+          <p:cNvPr id="92" name="図 91">
             <a:extLst>
               <a:ext uri="{FF2B5EF4-FFF2-40B4-BE49-F238E27FC236}">
-                <a16:creationId xmlns:a16="http://schemas.microsoft.com/office/drawing/2014/main" id="{E9AFD8F3-F7BB-45FF-B0F5-9E1548FF0FDB}"/>
+                <a16:creationId xmlns:a16="http://schemas.microsoft.com/office/drawing/2014/main" id="{7C387816-BFAE-48F8-8DA1-86E0C0289894}"/>
               </a:ext>
             </a:extLst>
           </p:cNvPr>
@@ -7233,42 +7237,6 @@
         </p:nvPicPr>
         <p:blipFill>
           <a:blip r:embed="rId2">
-            <a:extLst>
-              <a:ext uri="{28A0092B-C50C-407E-A947-70E740481C1C}">
-                <a14:useLocalDpi xmlns:a14="http://schemas.microsoft.com/office/drawing/2010/main" val="0"/>
-              </a:ext>
-            </a:extLst>
-          </a:blip>
-          <a:stretch>
-            <a:fillRect/>
-          </a:stretch>
-        </p:blipFill>
-        <p:spPr>
-          <a:xfrm>
-            <a:off x="187752" y="1455585"/>
-            <a:ext cx="2436016" cy="3447010"/>
-          </a:xfrm>
-          <a:prstGeom prst="rect">
-            <a:avLst/>
-          </a:prstGeom>
-        </p:spPr>
-      </p:pic>
-      <p:pic>
-        <p:nvPicPr>
-          <p:cNvPr id="92" name="図 91">
-            <a:extLst>
-              <a:ext uri="{FF2B5EF4-FFF2-40B4-BE49-F238E27FC236}">
-                <a16:creationId xmlns:a16="http://schemas.microsoft.com/office/drawing/2014/main" id="{7C387816-BFAE-48F8-8DA1-86E0C0289894}"/>
-              </a:ext>
-            </a:extLst>
-          </p:cNvPr>
-          <p:cNvPicPr>
-            <a:picLocks noChangeAspect="1"/>
-          </p:cNvPicPr>
-          <p:nvPr/>
-        </p:nvPicPr>
-        <p:blipFill>
-          <a:blip r:embed="rId3">
             <a:extLst>
               <a:ext uri="{28A0092B-C50C-407E-A947-70E740481C1C}">
                 <a14:useLocalDpi xmlns:a14="http://schemas.microsoft.com/office/drawing/2010/main" val="0"/>
@@ -7304,7 +7272,7 @@
           <p:nvPr/>
         </p:nvPicPr>
         <p:blipFill>
-          <a:blip r:embed="rId4">
+          <a:blip r:embed="rId3">
             <a:extLst>
               <a:ext uri="{28A0092B-C50C-407E-A947-70E740481C1C}">
                 <a14:useLocalDpi xmlns:a14="http://schemas.microsoft.com/office/drawing/2010/main" val="0"/>
@@ -7340,7 +7308,7 @@
           <p:nvPr/>
         </p:nvPicPr>
         <p:blipFill>
-          <a:blip r:embed="rId5">
+          <a:blip r:embed="rId4">
             <a:extLst>
               <a:ext uri="{28A0092B-C50C-407E-A947-70E740481C1C}">
                 <a14:useLocalDpi xmlns:a14="http://schemas.microsoft.com/office/drawing/2010/main" val="0"/>
@@ -7361,49 +7329,6 @@
           </a:prstGeom>
         </p:spPr>
       </p:pic>
-      <p:cxnSp>
-        <p:nvCxnSpPr>
-          <p:cNvPr id="98" name="直線コネクタ 97">
-            <a:extLst>
-              <a:ext uri="{FF2B5EF4-FFF2-40B4-BE49-F238E27FC236}">
-                <a16:creationId xmlns:a16="http://schemas.microsoft.com/office/drawing/2014/main" id="{084D28CE-8DC2-43C6-AEE0-41BB249CB4B5}"/>
-              </a:ext>
-            </a:extLst>
-          </p:cNvPr>
-          <p:cNvCxnSpPr>
-            <a:cxnSpLocks/>
-          </p:cNvCxnSpPr>
-          <p:nvPr/>
-        </p:nvCxnSpPr>
-        <p:spPr>
-          <a:xfrm flipH="1" flipV="1">
-            <a:off x="127622" y="4885673"/>
-            <a:ext cx="7538437" cy="0"/>
-          </a:xfrm>
-          <a:prstGeom prst="line">
-            <a:avLst/>
-          </a:prstGeom>
-          <a:ln>
-            <a:solidFill>
-              <a:schemeClr val="accent6"/>
-            </a:solidFill>
-          </a:ln>
-        </p:spPr>
-        <p:style>
-          <a:lnRef idx="1">
-            <a:schemeClr val="accent1"/>
-          </a:lnRef>
-          <a:fillRef idx="0">
-            <a:schemeClr val="accent1"/>
-          </a:fillRef>
-          <a:effectRef idx="0">
-            <a:schemeClr val="accent1"/>
-          </a:effectRef>
-          <a:fontRef idx="minor">
-            <a:schemeClr val="tx1"/>
-          </a:fontRef>
-        </p:style>
-      </p:cxnSp>
       <p:pic>
         <p:nvPicPr>
           <p:cNvPr id="100" name="図 99">
@@ -7419,7 +7344,7 @@
           <p:nvPr/>
         </p:nvPicPr>
         <p:blipFill>
-          <a:blip r:embed="rId6">
+          <a:blip r:embed="rId5">
             <a:extLst>
               <a:ext uri="{28A0092B-C50C-407E-A947-70E740481C1C}">
                 <a14:useLocalDpi xmlns:a14="http://schemas.microsoft.com/office/drawing/2010/main" val="0"/>
@@ -7455,7 +7380,7 @@
           <p:nvPr/>
         </p:nvPicPr>
         <p:blipFill>
-          <a:blip r:embed="rId7">
+          <a:blip r:embed="rId6">
             <a:extLst>
               <a:ext uri="{28A0092B-C50C-407E-A947-70E740481C1C}">
                 <a14:useLocalDpi xmlns:a14="http://schemas.microsoft.com/office/drawing/2010/main" val="0"/>
@@ -7491,7 +7416,7 @@
           <p:nvPr/>
         </p:nvPicPr>
         <p:blipFill>
-          <a:blip r:embed="rId8">
+          <a:blip r:embed="rId7">
             <a:extLst>
               <a:ext uri="{28A0092B-C50C-407E-A947-70E740481C1C}">
                 <a14:useLocalDpi xmlns:a14="http://schemas.microsoft.com/office/drawing/2010/main" val="0"/>
@@ -7527,7 +7452,7 @@
           <p:nvPr/>
         </p:nvPicPr>
         <p:blipFill>
-          <a:blip r:embed="rId9">
+          <a:blip r:embed="rId8">
             <a:extLst>
               <a:ext uri="{28A0092B-C50C-407E-A947-70E740481C1C}">
                 <a14:useLocalDpi xmlns:a14="http://schemas.microsoft.com/office/drawing/2010/main" val="0"/>
@@ -7563,7 +7488,7 @@
           <p:nvPr/>
         </p:nvPicPr>
         <p:blipFill>
-          <a:blip r:embed="rId10">
+          <a:blip r:embed="rId9">
             <a:extLst>
               <a:ext uri="{28A0092B-C50C-407E-A947-70E740481C1C}">
                 <a14:useLocalDpi xmlns:a14="http://schemas.microsoft.com/office/drawing/2010/main" val="0"/>
@@ -7931,121 +7856,6 @@
       </p:grpSp>
       <p:grpSp>
         <p:nvGrpSpPr>
-          <p:cNvPr id="138" name="グループ化 137">
-            <a:extLst>
-              <a:ext uri="{FF2B5EF4-FFF2-40B4-BE49-F238E27FC236}">
-                <a16:creationId xmlns:a16="http://schemas.microsoft.com/office/drawing/2014/main" id="{59E56DA1-4E3C-4EA8-9DD8-BA7EE72922F3}"/>
-              </a:ext>
-            </a:extLst>
-          </p:cNvPr>
-          <p:cNvGrpSpPr/>
-          <p:nvPr/>
-        </p:nvGrpSpPr>
-        <p:grpSpPr>
-          <a:xfrm>
-            <a:off x="84538" y="1357262"/>
-            <a:ext cx="279421" cy="307777"/>
-            <a:chOff x="2540906" y="1226436"/>
-            <a:chExt cx="279421" cy="307777"/>
-          </a:xfrm>
-        </p:grpSpPr>
-        <p:sp>
-          <p:nvSpPr>
-            <p:cNvPr id="139" name="楕円 138">
-              <a:extLst>
-                <a:ext uri="{FF2B5EF4-FFF2-40B4-BE49-F238E27FC236}">
-                  <a16:creationId xmlns:a16="http://schemas.microsoft.com/office/drawing/2014/main" id="{D9B16308-F02A-4995-895D-6C3CFF3B7896}"/>
-                </a:ext>
-              </a:extLst>
-            </p:cNvPr>
-            <p:cNvSpPr/>
-            <p:nvPr/>
-          </p:nvSpPr>
-          <p:spPr>
-            <a:xfrm>
-              <a:off x="2563617" y="1246863"/>
-              <a:ext cx="234000" cy="234000"/>
-            </a:xfrm>
-            <a:prstGeom prst="ellipse">
-              <a:avLst/>
-            </a:prstGeom>
-            <a:solidFill>
-              <a:srgbClr val="00B0F0"/>
-            </a:solidFill>
-            <a:ln>
-              <a:noFill/>
-            </a:ln>
-          </p:spPr>
-          <p:style>
-            <a:lnRef idx="2">
-              <a:schemeClr val="accent1">
-                <a:shade val="50000"/>
-              </a:schemeClr>
-            </a:lnRef>
-            <a:fillRef idx="1">
-              <a:schemeClr val="accent1"/>
-            </a:fillRef>
-            <a:effectRef idx="0">
-              <a:schemeClr val="accent1"/>
-            </a:effectRef>
-            <a:fontRef idx="minor">
-              <a:schemeClr val="lt1"/>
-            </a:fontRef>
-          </p:style>
-          <p:txBody>
-            <a:bodyPr rtlCol="0" anchor="ctr"/>
-            <a:lstStyle/>
-            <a:p>
-              <a:pPr algn="ctr"/>
-              <a:endParaRPr kumimoji="1" lang="ja-JP" altLang="en-US"/>
-            </a:p>
-          </p:txBody>
-        </p:sp>
-        <p:sp>
-          <p:nvSpPr>
-            <p:cNvPr id="140" name="テキスト ボックス 139">
-              <a:extLst>
-                <a:ext uri="{FF2B5EF4-FFF2-40B4-BE49-F238E27FC236}">
-                  <a16:creationId xmlns:a16="http://schemas.microsoft.com/office/drawing/2014/main" id="{15853356-BB64-4CD0-90D1-4CEAE329933C}"/>
-                </a:ext>
-              </a:extLst>
-            </p:cNvPr>
-            <p:cNvSpPr txBox="1"/>
-            <p:nvPr/>
-          </p:nvSpPr>
-          <p:spPr>
-            <a:xfrm>
-              <a:off x="2540906" y="1226436"/>
-              <a:ext cx="279421" cy="307777"/>
-            </a:xfrm>
-            <a:prstGeom prst="rect">
-              <a:avLst/>
-            </a:prstGeom>
-            <a:noFill/>
-          </p:spPr>
-          <p:txBody>
-            <a:bodyPr wrap="square" rtlCol="0">
-              <a:spAutoFit/>
-            </a:bodyPr>
-            <a:lstStyle/>
-            <a:p>
-              <a:pPr algn="ctr"/>
-              <a:r>
-                <a:rPr lang="en-US" altLang="ja-JP" sz="1400" b="1" dirty="0">
-                  <a:solidFill>
-                    <a:schemeClr val="bg1"/>
-                  </a:solidFill>
-                  <a:latin typeface="+mn-lt"/>
-                  <a:ea typeface="メイリオ" panose="020B0604030504040204" pitchFamily="50" charset="-128"/>
-                </a:rPr>
-                <a:t>1</a:t>
-              </a:r>
-            </a:p>
-          </p:txBody>
-        </p:sp>
-      </p:grpSp>
-      <p:grpSp>
-        <p:nvGrpSpPr>
           <p:cNvPr id="153" name="グループ化 152">
             <a:extLst>
               <a:ext uri="{FF2B5EF4-FFF2-40B4-BE49-F238E27FC236}">
@@ -8634,7 +8444,7 @@
           <p:nvPr/>
         </p:nvPicPr>
         <p:blipFill>
-          <a:blip r:embed="rId11">
+          <a:blip r:embed="rId10">
             <a:extLst>
               <a:ext uri="{28A0092B-C50C-407E-A947-70E740481C1C}">
                 <a14:useLocalDpi xmlns:a14="http://schemas.microsoft.com/office/drawing/2010/main" val="0"/>
@@ -9225,6 +9035,200 @@
                   <a:ea typeface="メイリオ" panose="020B0604030504040204" pitchFamily="50" charset="-128"/>
                 </a:rPr>
                 <a:t>5</a:t>
+              </a:r>
+            </a:p>
+          </p:txBody>
+        </p:sp>
+      </p:grpSp>
+      <p:pic>
+        <p:nvPicPr>
+          <p:cNvPr id="4" name="図 3">
+            <a:extLst>
+              <a:ext uri="{FF2B5EF4-FFF2-40B4-BE49-F238E27FC236}">
+                <a16:creationId xmlns:a16="http://schemas.microsoft.com/office/drawing/2014/main" id="{FF259A7B-3FD1-4EA9-9B91-3188A4855FAC}"/>
+              </a:ext>
+            </a:extLst>
+          </p:cNvPr>
+          <p:cNvPicPr>
+            <a:picLocks noChangeAspect="1"/>
+          </p:cNvPicPr>
+          <p:nvPr/>
+        </p:nvPicPr>
+        <p:blipFill>
+          <a:blip r:embed="rId11">
+            <a:extLst>
+              <a:ext uri="{28A0092B-C50C-407E-A947-70E740481C1C}">
+                <a14:useLocalDpi xmlns:a14="http://schemas.microsoft.com/office/drawing/2010/main" val="0"/>
+              </a:ext>
+            </a:extLst>
+          </a:blip>
+          <a:stretch>
+            <a:fillRect/>
+          </a:stretch>
+        </p:blipFill>
+        <p:spPr>
+          <a:xfrm>
+            <a:off x="238191" y="1455254"/>
+            <a:ext cx="2438333" cy="3450290"/>
+          </a:xfrm>
+          <a:prstGeom prst="rect">
+            <a:avLst/>
+          </a:prstGeom>
+        </p:spPr>
+      </p:pic>
+      <p:cxnSp>
+        <p:nvCxnSpPr>
+          <p:cNvPr id="98" name="直線コネクタ 97">
+            <a:extLst>
+              <a:ext uri="{FF2B5EF4-FFF2-40B4-BE49-F238E27FC236}">
+                <a16:creationId xmlns:a16="http://schemas.microsoft.com/office/drawing/2014/main" id="{084D28CE-8DC2-43C6-AEE0-41BB249CB4B5}"/>
+              </a:ext>
+            </a:extLst>
+          </p:cNvPr>
+          <p:cNvCxnSpPr>
+            <a:cxnSpLocks/>
+          </p:cNvCxnSpPr>
+          <p:nvPr/>
+        </p:nvCxnSpPr>
+        <p:spPr>
+          <a:xfrm flipH="1">
+            <a:off x="187752" y="4885673"/>
+            <a:ext cx="7478308" cy="0"/>
+          </a:xfrm>
+          <a:prstGeom prst="line">
+            <a:avLst/>
+          </a:prstGeom>
+          <a:ln>
+            <a:solidFill>
+              <a:schemeClr val="accent6"/>
+            </a:solidFill>
+          </a:ln>
+        </p:spPr>
+        <p:style>
+          <a:lnRef idx="1">
+            <a:schemeClr val="accent1"/>
+          </a:lnRef>
+          <a:fillRef idx="0">
+            <a:schemeClr val="accent1"/>
+          </a:fillRef>
+          <a:effectRef idx="0">
+            <a:schemeClr val="accent1"/>
+          </a:effectRef>
+          <a:fontRef idx="minor">
+            <a:schemeClr val="tx1"/>
+          </a:fontRef>
+        </p:style>
+      </p:cxnSp>
+      <p:grpSp>
+        <p:nvGrpSpPr>
+          <p:cNvPr id="138" name="グループ化 137">
+            <a:extLst>
+              <a:ext uri="{FF2B5EF4-FFF2-40B4-BE49-F238E27FC236}">
+                <a16:creationId xmlns:a16="http://schemas.microsoft.com/office/drawing/2014/main" id="{59E56DA1-4E3C-4EA8-9DD8-BA7EE72922F3}"/>
+              </a:ext>
+            </a:extLst>
+          </p:cNvPr>
+          <p:cNvGrpSpPr/>
+          <p:nvPr/>
+        </p:nvGrpSpPr>
+        <p:grpSpPr>
+          <a:xfrm>
+            <a:off x="149436" y="1368331"/>
+            <a:ext cx="279421" cy="307777"/>
+            <a:chOff x="2540906" y="1226436"/>
+            <a:chExt cx="279421" cy="307777"/>
+          </a:xfrm>
+        </p:grpSpPr>
+        <p:sp>
+          <p:nvSpPr>
+            <p:cNvPr id="139" name="楕円 138">
+              <a:extLst>
+                <a:ext uri="{FF2B5EF4-FFF2-40B4-BE49-F238E27FC236}">
+                  <a16:creationId xmlns:a16="http://schemas.microsoft.com/office/drawing/2014/main" id="{D9B16308-F02A-4995-895D-6C3CFF3B7896}"/>
+                </a:ext>
+              </a:extLst>
+            </p:cNvPr>
+            <p:cNvSpPr/>
+            <p:nvPr/>
+          </p:nvSpPr>
+          <p:spPr>
+            <a:xfrm>
+              <a:off x="2563617" y="1246863"/>
+              <a:ext cx="234000" cy="234000"/>
+            </a:xfrm>
+            <a:prstGeom prst="ellipse">
+              <a:avLst/>
+            </a:prstGeom>
+            <a:solidFill>
+              <a:srgbClr val="00B0F0"/>
+            </a:solidFill>
+            <a:ln>
+              <a:noFill/>
+            </a:ln>
+          </p:spPr>
+          <p:style>
+            <a:lnRef idx="2">
+              <a:schemeClr val="accent1">
+                <a:shade val="50000"/>
+              </a:schemeClr>
+            </a:lnRef>
+            <a:fillRef idx="1">
+              <a:schemeClr val="accent1"/>
+            </a:fillRef>
+            <a:effectRef idx="0">
+              <a:schemeClr val="accent1"/>
+            </a:effectRef>
+            <a:fontRef idx="minor">
+              <a:schemeClr val="lt1"/>
+            </a:fontRef>
+          </p:style>
+          <p:txBody>
+            <a:bodyPr rtlCol="0" anchor="ctr"/>
+            <a:lstStyle/>
+            <a:p>
+              <a:pPr algn="ctr"/>
+              <a:endParaRPr kumimoji="1" lang="ja-JP" altLang="en-US"/>
+            </a:p>
+          </p:txBody>
+        </p:sp>
+        <p:sp>
+          <p:nvSpPr>
+            <p:cNvPr id="140" name="テキスト ボックス 139">
+              <a:extLst>
+                <a:ext uri="{FF2B5EF4-FFF2-40B4-BE49-F238E27FC236}">
+                  <a16:creationId xmlns:a16="http://schemas.microsoft.com/office/drawing/2014/main" id="{15853356-BB64-4CD0-90D1-4CEAE329933C}"/>
+                </a:ext>
+              </a:extLst>
+            </p:cNvPr>
+            <p:cNvSpPr txBox="1"/>
+            <p:nvPr/>
+          </p:nvSpPr>
+          <p:spPr>
+            <a:xfrm>
+              <a:off x="2540906" y="1226436"/>
+              <a:ext cx="279421" cy="307777"/>
+            </a:xfrm>
+            <a:prstGeom prst="rect">
+              <a:avLst/>
+            </a:prstGeom>
+            <a:noFill/>
+          </p:spPr>
+          <p:txBody>
+            <a:bodyPr wrap="square" rtlCol="0">
+              <a:spAutoFit/>
+            </a:bodyPr>
+            <a:lstStyle/>
+            <a:p>
+              <a:pPr algn="ctr"/>
+              <a:r>
+                <a:rPr lang="en-US" altLang="ja-JP" sz="1400" b="1" dirty="0">
+                  <a:solidFill>
+                    <a:schemeClr val="bg1"/>
+                  </a:solidFill>
+                  <a:latin typeface="+mn-lt"/>
+                  <a:ea typeface="メイリオ" panose="020B0604030504040204" pitchFamily="50" charset="-128"/>
+                </a:rPr>
+                <a:t>1</a:t>
               </a:r>
             </a:p>
           </p:txBody>
